--- a/src/ppts/sdc_website.pptx
+++ b/src/ppts/sdc_website.pptx
@@ -206,7 +206,7 @@
           <a:p>
             <a:fld id="{F973433F-861F-DB4C-AD27-42B727BB7AC7}" type="datetimeFigureOut">
               <a:rPr lang="en-US" smtClean="0"/>
-              <a:t>9/13/22</a:t>
+              <a:t>9/16/22</a:t>
             </a:fld>
             <a:endParaRPr lang="en-US"/>
           </a:p>
@@ -602,7 +602,7 @@
           <a:p>
             <a:fld id="{0A9F5385-F934-4948-A3AA-DB68C3919D5E}" type="datetimeFigureOut">
               <a:rPr lang="en-US" smtClean="0"/>
-              <a:t>9/13/22</a:t>
+              <a:t>9/16/22</a:t>
             </a:fld>
             <a:endParaRPr lang="en-US"/>
           </a:p>
@@ -770,7 +770,7 @@
           <a:p>
             <a:fld id="{0A9F5385-F934-4948-A3AA-DB68C3919D5E}" type="datetimeFigureOut">
               <a:rPr lang="en-US" smtClean="0"/>
-              <a:t>9/13/22</a:t>
+              <a:t>9/16/22</a:t>
             </a:fld>
             <a:endParaRPr lang="en-US"/>
           </a:p>
@@ -948,7 +948,7 @@
           <a:p>
             <a:fld id="{0A9F5385-F934-4948-A3AA-DB68C3919D5E}" type="datetimeFigureOut">
               <a:rPr lang="en-US" smtClean="0"/>
-              <a:t>9/13/22</a:t>
+              <a:t>9/16/22</a:t>
             </a:fld>
             <a:endParaRPr lang="en-US"/>
           </a:p>
@@ -1116,7 +1116,7 @@
           <a:p>
             <a:fld id="{0A9F5385-F934-4948-A3AA-DB68C3919D5E}" type="datetimeFigureOut">
               <a:rPr lang="en-US" smtClean="0"/>
-              <a:t>9/13/22</a:t>
+              <a:t>9/16/22</a:t>
             </a:fld>
             <a:endParaRPr lang="en-US"/>
           </a:p>
@@ -1361,7 +1361,7 @@
           <a:p>
             <a:fld id="{0A9F5385-F934-4948-A3AA-DB68C3919D5E}" type="datetimeFigureOut">
               <a:rPr lang="en-US" smtClean="0"/>
-              <a:t>9/13/22</a:t>
+              <a:t>9/16/22</a:t>
             </a:fld>
             <a:endParaRPr lang="en-US"/>
           </a:p>
@@ -1590,7 +1590,7 @@
           <a:p>
             <a:fld id="{0A9F5385-F934-4948-A3AA-DB68C3919D5E}" type="datetimeFigureOut">
               <a:rPr lang="en-US" smtClean="0"/>
-              <a:t>9/13/22</a:t>
+              <a:t>9/16/22</a:t>
             </a:fld>
             <a:endParaRPr lang="en-US"/>
           </a:p>
@@ -1954,7 +1954,7 @@
           <a:p>
             <a:fld id="{0A9F5385-F934-4948-A3AA-DB68C3919D5E}" type="datetimeFigureOut">
               <a:rPr lang="en-US" smtClean="0"/>
-              <a:t>9/13/22</a:t>
+              <a:t>9/16/22</a:t>
             </a:fld>
             <a:endParaRPr lang="en-US"/>
           </a:p>
@@ -2071,7 +2071,7 @@
           <a:p>
             <a:fld id="{0A9F5385-F934-4948-A3AA-DB68C3919D5E}" type="datetimeFigureOut">
               <a:rPr lang="en-US" smtClean="0"/>
-              <a:t>9/13/22</a:t>
+              <a:t>9/16/22</a:t>
             </a:fld>
             <a:endParaRPr lang="en-US"/>
           </a:p>
@@ -2166,7 +2166,7 @@
           <a:p>
             <a:fld id="{0A9F5385-F934-4948-A3AA-DB68C3919D5E}" type="datetimeFigureOut">
               <a:rPr lang="en-US" smtClean="0"/>
-              <a:t>9/13/22</a:t>
+              <a:t>9/16/22</a:t>
             </a:fld>
             <a:endParaRPr lang="en-US"/>
           </a:p>
@@ -2441,7 +2441,7 @@
           <a:p>
             <a:fld id="{0A9F5385-F934-4948-A3AA-DB68C3919D5E}" type="datetimeFigureOut">
               <a:rPr lang="en-US" smtClean="0"/>
-              <a:t>9/13/22</a:t>
+              <a:t>9/16/22</a:t>
             </a:fld>
             <a:endParaRPr lang="en-US"/>
           </a:p>
@@ -2693,7 +2693,7 @@
           <a:p>
             <a:fld id="{0A9F5385-F934-4948-A3AA-DB68C3919D5E}" type="datetimeFigureOut">
               <a:rPr lang="en-US" smtClean="0"/>
-              <a:t>9/13/22</a:t>
+              <a:t>9/16/22</a:t>
             </a:fld>
             <a:endParaRPr lang="en-US"/>
           </a:p>
@@ -2904,7 +2904,7 @@
           <a:p>
             <a:fld id="{0A9F5385-F934-4948-A3AA-DB68C3919D5E}" type="datetimeFigureOut">
               <a:rPr lang="en-US" smtClean="0"/>
-              <a:t>9/13/22</a:t>
+              <a:t>9/16/22</a:t>
             </a:fld>
             <a:endParaRPr lang="en-US"/>
           </a:p>
@@ -3698,8 +3698,8 @@
         </p:nvSpPr>
         <p:spPr>
           <a:xfrm>
-            <a:off x="7388890" y="21526819"/>
-            <a:ext cx="4754880" cy="4754880"/>
+            <a:off x="6973350" y="20699375"/>
+            <a:ext cx="5736725" cy="5736725"/>
           </a:xfrm>
           <a:prstGeom prst="ellipse">
             <a:avLst/>
@@ -3736,73 +3736,62 @@
           <a:lstStyle/>
           <a:p>
             <a:pPr algn="ctr"/>
-            <a:endParaRPr lang="en-US" sz="3200">
-              <a:solidFill>
-                <a:schemeClr val="accent5">
-                  <a:lumMod val="50000"/>
-                </a:schemeClr>
-              </a:solidFill>
-              <a:latin typeface="Franklin Gothic Book" panose="020B0503020102020204" pitchFamily="34" charset="0"/>
-            </a:endParaRPr>
-          </a:p>
-          <a:p>
-            <a:pPr algn="ctr"/>
-            <a:endParaRPr lang="en-US" sz="3200">
-              <a:solidFill>
-                <a:schemeClr val="accent5">
-                  <a:lumMod val="50000"/>
-                </a:schemeClr>
-              </a:solidFill>
-              <a:latin typeface="Franklin Gothic Book" panose="020B0503020102020204" pitchFamily="34" charset="0"/>
-            </a:endParaRPr>
-          </a:p>
-          <a:p>
-            <a:pPr algn="ctr"/>
-            <a:endParaRPr lang="en-US" sz="3200">
-              <a:solidFill>
-                <a:schemeClr val="accent5">
-                  <a:lumMod val="50000"/>
-                </a:schemeClr>
-              </a:solidFill>
-              <a:latin typeface="Franklin Gothic Book" panose="020B0503020102020204" pitchFamily="34" charset="0"/>
-            </a:endParaRPr>
-          </a:p>
-          <a:p>
-            <a:pPr algn="ctr"/>
-            <a:endParaRPr lang="en-US" sz="8800">
-              <a:solidFill>
-                <a:schemeClr val="accent5">
-                  <a:lumMod val="50000"/>
-                </a:schemeClr>
-              </a:solidFill>
-              <a:latin typeface="Franklin Gothic Book" panose="020B0503020102020204" pitchFamily="34" charset="0"/>
-            </a:endParaRPr>
-          </a:p>
-          <a:p>
-            <a:pPr algn="ctr"/>
-            <a:endParaRPr lang="en-US" sz="8800">
-              <a:solidFill>
-                <a:schemeClr val="accent5">
-                  <a:lumMod val="50000"/>
-                </a:schemeClr>
-              </a:solidFill>
-              <a:latin typeface="Franklin Gothic Book" panose="020B0503020102020204" pitchFamily="34" charset="0"/>
-            </a:endParaRPr>
-          </a:p>
-          <a:p>
-            <a:pPr algn="ctr"/>
-            <a:endParaRPr lang="en-US" sz="5400">
-              <a:solidFill>
-                <a:schemeClr val="accent5">
-                  <a:lumMod val="50000"/>
-                </a:schemeClr>
-              </a:solidFill>
-              <a:latin typeface="Franklin Gothic Book" panose="020B0503020102020204" pitchFamily="34" charset="0"/>
-            </a:endParaRPr>
-          </a:p>
-          <a:p>
-            <a:pPr algn="ctr"/>
-            <a:endParaRPr lang="en-US" sz="5400">
+            <a:endParaRPr lang="en-US" sz="3200" dirty="0">
+              <a:solidFill>
+                <a:schemeClr val="accent5">
+                  <a:lumMod val="50000"/>
+                </a:schemeClr>
+              </a:solidFill>
+              <a:latin typeface="Franklin Gothic Book" panose="020B0503020102020204" pitchFamily="34" charset="0"/>
+            </a:endParaRPr>
+          </a:p>
+          <a:p>
+            <a:pPr algn="ctr"/>
+            <a:endParaRPr lang="en-US" sz="3200" dirty="0">
+              <a:solidFill>
+                <a:schemeClr val="accent5">
+                  <a:lumMod val="50000"/>
+                </a:schemeClr>
+              </a:solidFill>
+              <a:latin typeface="Franklin Gothic Book" panose="020B0503020102020204" pitchFamily="34" charset="0"/>
+            </a:endParaRPr>
+          </a:p>
+          <a:p>
+            <a:pPr algn="ctr"/>
+            <a:endParaRPr lang="en-US" sz="3200" dirty="0">
+              <a:solidFill>
+                <a:schemeClr val="accent5">
+                  <a:lumMod val="50000"/>
+                </a:schemeClr>
+              </a:solidFill>
+              <a:latin typeface="Franklin Gothic Book" panose="020B0503020102020204" pitchFamily="34" charset="0"/>
+            </a:endParaRPr>
+          </a:p>
+          <a:p>
+            <a:pPr algn="ctr"/>
+            <a:endParaRPr lang="en-US" sz="8800" dirty="0">
+              <a:solidFill>
+                <a:schemeClr val="accent5">
+                  <a:lumMod val="50000"/>
+                </a:schemeClr>
+              </a:solidFill>
+              <a:latin typeface="Franklin Gothic Book" panose="020B0503020102020204" pitchFamily="34" charset="0"/>
+            </a:endParaRPr>
+          </a:p>
+          <a:p>
+            <a:pPr algn="ctr"/>
+            <a:endParaRPr lang="en-US" sz="4800" dirty="0">
+              <a:solidFill>
+                <a:schemeClr val="accent5">
+                  <a:lumMod val="50000"/>
+                </a:schemeClr>
+              </a:solidFill>
+              <a:latin typeface="Franklin Gothic Book" panose="020B0503020102020204" pitchFamily="34" charset="0"/>
+            </a:endParaRPr>
+          </a:p>
+          <a:p>
+            <a:pPr algn="ctr"/>
+            <a:endParaRPr lang="en-US" sz="4800" dirty="0">
               <a:solidFill>
                 <a:schemeClr val="accent5">
                   <a:lumMod val="50000"/>
@@ -3814,7 +3803,7 @@
           <a:p>
             <a:pPr algn="ctr"/>
             <a:r>
-              <a:rPr lang="en-US" sz="4800">
+              <a:rPr lang="en-US" sz="4000" dirty="0">
                 <a:solidFill>
                   <a:schemeClr val="accent5">
                     <a:lumMod val="50000"/>
@@ -3822,199 +3811,244 @@
                 </a:solidFill>
                 <a:latin typeface="Franklin Gothic Book" panose="020B0503020102020204" pitchFamily="34" charset="0"/>
               </a:rPr>
-              <a:t>Data Tools</a:t>
+              <a:t>Tools &amp; Methods</a:t>
             </a:r>
           </a:p>
           <a:p>
-            <a:pPr algn="ctr"/>
-            <a:endParaRPr lang="en-US" sz="2200">
-              <a:solidFill>
-                <a:schemeClr val="accent5">
-                  <a:lumMod val="50000"/>
-                </a:schemeClr>
-              </a:solidFill>
-              <a:latin typeface="Franklin Gothic Book" panose="020B0503020102020204" pitchFamily="34" charset="0"/>
-            </a:endParaRPr>
-          </a:p>
-          <a:p>
-            <a:pPr algn="ctr"/>
-            <a:endParaRPr lang="en-US" sz="2200">
-              <a:solidFill>
-                <a:schemeClr val="accent5">
-                  <a:lumMod val="50000"/>
-                </a:schemeClr>
-              </a:solidFill>
-              <a:latin typeface="Franklin Gothic Book" panose="020B0503020102020204" pitchFamily="34" charset="0"/>
-            </a:endParaRPr>
-          </a:p>
-          <a:p>
-            <a:pPr algn="ctr"/>
-            <a:endParaRPr lang="en-US" sz="2200">
-              <a:solidFill>
-                <a:schemeClr val="accent5">
-                  <a:lumMod val="50000"/>
-                </a:schemeClr>
-              </a:solidFill>
-              <a:latin typeface="Franklin Gothic Book" panose="020B0503020102020204" pitchFamily="34" charset="0"/>
-            </a:endParaRPr>
-          </a:p>
-          <a:p>
-            <a:pPr algn="ctr"/>
-            <a:endParaRPr lang="en-US" sz="2200">
-              <a:solidFill>
-                <a:schemeClr val="accent5">
-                  <a:lumMod val="50000"/>
-                </a:schemeClr>
-              </a:solidFill>
-              <a:latin typeface="Franklin Gothic Book" panose="020B0503020102020204" pitchFamily="34" charset="0"/>
-            </a:endParaRPr>
-          </a:p>
-          <a:p>
-            <a:pPr algn="ctr"/>
-            <a:endParaRPr lang="en-US" sz="2200">
-              <a:solidFill>
-                <a:schemeClr val="accent5">
-                  <a:lumMod val="50000"/>
-                </a:schemeClr>
-              </a:solidFill>
-              <a:latin typeface="Franklin Gothic Book" panose="020B0503020102020204" pitchFamily="34" charset="0"/>
-            </a:endParaRPr>
-          </a:p>
-          <a:p>
-            <a:pPr algn="ctr"/>
-            <a:endParaRPr lang="en-US" sz="2200">
-              <a:solidFill>
-                <a:schemeClr val="accent5">
-                  <a:lumMod val="50000"/>
-                </a:schemeClr>
-              </a:solidFill>
-              <a:latin typeface="Franklin Gothic Book" panose="020B0503020102020204" pitchFamily="34" charset="0"/>
-            </a:endParaRPr>
-          </a:p>
-          <a:p>
-            <a:pPr algn="ctr"/>
-            <a:endParaRPr lang="en-US" sz="2200">
-              <a:solidFill>
-                <a:schemeClr val="accent5">
-                  <a:lumMod val="50000"/>
-                </a:schemeClr>
-              </a:solidFill>
-              <a:latin typeface="Franklin Gothic Book" panose="020B0503020102020204" pitchFamily="34" charset="0"/>
-            </a:endParaRPr>
-          </a:p>
-          <a:p>
-            <a:pPr algn="ctr"/>
-            <a:endParaRPr lang="en-US" sz="2200">
-              <a:solidFill>
-                <a:schemeClr val="accent5">
-                  <a:lumMod val="50000"/>
-                </a:schemeClr>
-              </a:solidFill>
-              <a:latin typeface="Franklin Gothic Book" panose="020B0503020102020204" pitchFamily="34" charset="0"/>
-            </a:endParaRPr>
-          </a:p>
-          <a:p>
-            <a:pPr algn="ctr"/>
-            <a:endParaRPr lang="en-US" sz="2200">
-              <a:solidFill>
-                <a:schemeClr val="accent5">
-                  <a:lumMod val="50000"/>
-                </a:schemeClr>
-              </a:solidFill>
-              <a:latin typeface="Franklin Gothic Book" panose="020B0503020102020204" pitchFamily="34" charset="0"/>
-            </a:endParaRPr>
-          </a:p>
-          <a:p>
-            <a:pPr algn="ctr"/>
-            <a:endParaRPr lang="en-US" sz="2200">
-              <a:solidFill>
-                <a:schemeClr val="accent5">
-                  <a:lumMod val="50000"/>
-                </a:schemeClr>
-              </a:solidFill>
-              <a:latin typeface="Franklin Gothic Book" panose="020B0503020102020204" pitchFamily="34" charset="0"/>
-            </a:endParaRPr>
-          </a:p>
-          <a:p>
-            <a:pPr algn="ctr"/>
-            <a:endParaRPr lang="en-US" sz="2200">
-              <a:solidFill>
-                <a:schemeClr val="accent5">
-                  <a:lumMod val="50000"/>
-                </a:schemeClr>
-              </a:solidFill>
-              <a:latin typeface="Franklin Gothic Book" panose="020B0503020102020204" pitchFamily="34" charset="0"/>
-            </a:endParaRPr>
-          </a:p>
-          <a:p>
-            <a:pPr algn="ctr"/>
-            <a:endParaRPr lang="en-US" sz="2200">
-              <a:solidFill>
-                <a:schemeClr val="accent5">
-                  <a:lumMod val="50000"/>
-                </a:schemeClr>
-              </a:solidFill>
-              <a:latin typeface="Franklin Gothic Book" panose="020B0503020102020204" pitchFamily="34" charset="0"/>
-            </a:endParaRPr>
-          </a:p>
-          <a:p>
-            <a:pPr algn="ctr"/>
-            <a:endParaRPr lang="en-US" sz="2200">
-              <a:solidFill>
-                <a:schemeClr val="accent5">
-                  <a:lumMod val="50000"/>
-                </a:schemeClr>
-              </a:solidFill>
-              <a:latin typeface="Franklin Gothic Book" panose="020B0503020102020204" pitchFamily="34" charset="0"/>
-            </a:endParaRPr>
-          </a:p>
-          <a:p>
-            <a:pPr algn="ctr"/>
-            <a:endParaRPr lang="en-US" sz="2200">
-              <a:solidFill>
-                <a:schemeClr val="accent5">
-                  <a:lumMod val="50000"/>
-                </a:schemeClr>
-              </a:solidFill>
-              <a:latin typeface="Franklin Gothic Book" panose="020B0503020102020204" pitchFamily="34" charset="0"/>
-            </a:endParaRPr>
-          </a:p>
-          <a:p>
-            <a:pPr algn="ctr"/>
-            <a:endParaRPr lang="en-US" sz="2200">
-              <a:solidFill>
-                <a:schemeClr val="accent5">
-                  <a:lumMod val="50000"/>
-                </a:schemeClr>
-              </a:solidFill>
-              <a:latin typeface="Franklin Gothic Book" panose="020B0503020102020204" pitchFamily="34" charset="0"/>
-            </a:endParaRPr>
-          </a:p>
-          <a:p>
-            <a:pPr algn="ctr"/>
-            <a:endParaRPr lang="en-US" sz="2200">
-              <a:solidFill>
-                <a:schemeClr val="accent5">
-                  <a:lumMod val="50000"/>
-                </a:schemeClr>
-              </a:solidFill>
-              <a:latin typeface="Franklin Gothic Book" panose="020B0503020102020204" pitchFamily="34" charset="0"/>
-            </a:endParaRPr>
-          </a:p>
-          <a:p>
-            <a:pPr algn="ctr"/>
-            <a:endParaRPr lang="en-US" sz="2200">
-              <a:solidFill>
-                <a:schemeClr val="accent5">
-                  <a:lumMod val="50000"/>
-                </a:schemeClr>
-              </a:solidFill>
-              <a:latin typeface="Franklin Gothic Book" panose="020B0503020102020204" pitchFamily="34" charset="0"/>
-            </a:endParaRPr>
-          </a:p>
-          <a:p>
-            <a:pPr algn="ctr"/>
-            <a:endParaRPr lang="en-US" sz="3200">
+            <a:pPr marL="342900" indent="-342900" algn="ctr">
+              <a:buFont typeface="Arial" panose="020B0604020202020204" pitchFamily="34" charset="0"/>
+              <a:buChar char="•"/>
+            </a:pPr>
+            <a:r>
+              <a:rPr lang="en-US" sz="2200" dirty="0">
+                <a:solidFill>
+                  <a:schemeClr val="accent5">
+                    <a:lumMod val="50000"/>
+                  </a:schemeClr>
+                </a:solidFill>
+                <a:latin typeface="Franklin Gothic Book" panose="020B0503020102020204" pitchFamily="34" charset="0"/>
+              </a:rPr>
+              <a:t>New </a:t>
+            </a:r>
+            <a:r>
+              <a:rPr lang="en-US" sz="2200" b="1" dirty="0">
+                <a:solidFill>
+                  <a:schemeClr val="accent5">
+                    <a:lumMod val="50000"/>
+                  </a:schemeClr>
+                </a:solidFill>
+                <a:latin typeface="Franklin Gothic Book" panose="020B0503020102020204" pitchFamily="34" charset="0"/>
+              </a:rPr>
+              <a:t>Open-Source</a:t>
+            </a:r>
+            <a:r>
+              <a:rPr lang="en-US" sz="2200" dirty="0">
+                <a:solidFill>
+                  <a:schemeClr val="accent5">
+                    <a:lumMod val="50000"/>
+                  </a:schemeClr>
+                </a:solidFill>
+                <a:latin typeface="Franklin Gothic Book" panose="020B0503020102020204" pitchFamily="34" charset="0"/>
+              </a:rPr>
+              <a:t> Tools for Building Datasets</a:t>
+            </a:r>
+          </a:p>
+          <a:p>
+            <a:pPr marL="342900" indent="-342900" algn="ctr">
+              <a:buFont typeface="Arial" panose="020B0604020202020204" pitchFamily="34" charset="0"/>
+              <a:buChar char="•"/>
+            </a:pPr>
+            <a:r>
+              <a:rPr lang="en-US" sz="2200" dirty="0">
+                <a:solidFill>
+                  <a:schemeClr val="accent5">
+                    <a:lumMod val="50000"/>
+                  </a:schemeClr>
+                </a:solidFill>
+                <a:latin typeface="Franklin Gothic Book" panose="020B0503020102020204" pitchFamily="34" charset="0"/>
+              </a:rPr>
+              <a:t>New methodologies for calculating new measures</a:t>
+            </a:r>
+          </a:p>
+          <a:p>
+            <a:pPr algn="ctr"/>
+            <a:endParaRPr lang="en-US" sz="2200" dirty="0">
+              <a:solidFill>
+                <a:schemeClr val="accent5">
+                  <a:lumMod val="50000"/>
+                </a:schemeClr>
+              </a:solidFill>
+              <a:latin typeface="Franklin Gothic Book" panose="020B0503020102020204" pitchFamily="34" charset="0"/>
+            </a:endParaRPr>
+          </a:p>
+          <a:p>
+            <a:pPr algn="ctr"/>
+            <a:endParaRPr lang="en-US" sz="2200" dirty="0">
+              <a:solidFill>
+                <a:schemeClr val="accent5">
+                  <a:lumMod val="50000"/>
+                </a:schemeClr>
+              </a:solidFill>
+              <a:latin typeface="Franklin Gothic Book" panose="020B0503020102020204" pitchFamily="34" charset="0"/>
+            </a:endParaRPr>
+          </a:p>
+          <a:p>
+            <a:pPr algn="ctr"/>
+            <a:endParaRPr lang="en-US" sz="2200" dirty="0">
+              <a:solidFill>
+                <a:schemeClr val="accent5">
+                  <a:lumMod val="50000"/>
+                </a:schemeClr>
+              </a:solidFill>
+              <a:latin typeface="Franklin Gothic Book" panose="020B0503020102020204" pitchFamily="34" charset="0"/>
+            </a:endParaRPr>
+          </a:p>
+          <a:p>
+            <a:pPr algn="ctr"/>
+            <a:endParaRPr lang="en-US" sz="2200" dirty="0">
+              <a:solidFill>
+                <a:schemeClr val="accent5">
+                  <a:lumMod val="50000"/>
+                </a:schemeClr>
+              </a:solidFill>
+              <a:latin typeface="Franklin Gothic Book" panose="020B0503020102020204" pitchFamily="34" charset="0"/>
+            </a:endParaRPr>
+          </a:p>
+          <a:p>
+            <a:pPr algn="ctr"/>
+            <a:endParaRPr lang="en-US" sz="2200" dirty="0">
+              <a:solidFill>
+                <a:schemeClr val="accent5">
+                  <a:lumMod val="50000"/>
+                </a:schemeClr>
+              </a:solidFill>
+              <a:latin typeface="Franklin Gothic Book" panose="020B0503020102020204" pitchFamily="34" charset="0"/>
+            </a:endParaRPr>
+          </a:p>
+          <a:p>
+            <a:pPr algn="ctr"/>
+            <a:endParaRPr lang="en-US" sz="2200" dirty="0">
+              <a:solidFill>
+                <a:schemeClr val="accent5">
+                  <a:lumMod val="50000"/>
+                </a:schemeClr>
+              </a:solidFill>
+              <a:latin typeface="Franklin Gothic Book" panose="020B0503020102020204" pitchFamily="34" charset="0"/>
+            </a:endParaRPr>
+          </a:p>
+          <a:p>
+            <a:pPr algn="ctr"/>
+            <a:endParaRPr lang="en-US" sz="2200" dirty="0">
+              <a:solidFill>
+                <a:schemeClr val="accent5">
+                  <a:lumMod val="50000"/>
+                </a:schemeClr>
+              </a:solidFill>
+              <a:latin typeface="Franklin Gothic Book" panose="020B0503020102020204" pitchFamily="34" charset="0"/>
+            </a:endParaRPr>
+          </a:p>
+          <a:p>
+            <a:pPr algn="ctr"/>
+            <a:endParaRPr lang="en-US" sz="2200" dirty="0">
+              <a:solidFill>
+                <a:schemeClr val="accent5">
+                  <a:lumMod val="50000"/>
+                </a:schemeClr>
+              </a:solidFill>
+              <a:latin typeface="Franklin Gothic Book" panose="020B0503020102020204" pitchFamily="34" charset="0"/>
+            </a:endParaRPr>
+          </a:p>
+          <a:p>
+            <a:pPr algn="ctr"/>
+            <a:endParaRPr lang="en-US" sz="2200" dirty="0">
+              <a:solidFill>
+                <a:schemeClr val="accent5">
+                  <a:lumMod val="50000"/>
+                </a:schemeClr>
+              </a:solidFill>
+              <a:latin typeface="Franklin Gothic Book" panose="020B0503020102020204" pitchFamily="34" charset="0"/>
+            </a:endParaRPr>
+          </a:p>
+          <a:p>
+            <a:pPr algn="ctr"/>
+            <a:endParaRPr lang="en-US" sz="2200" dirty="0">
+              <a:solidFill>
+                <a:schemeClr val="accent5">
+                  <a:lumMod val="50000"/>
+                </a:schemeClr>
+              </a:solidFill>
+              <a:latin typeface="Franklin Gothic Book" panose="020B0503020102020204" pitchFamily="34" charset="0"/>
+            </a:endParaRPr>
+          </a:p>
+          <a:p>
+            <a:pPr algn="ctr"/>
+            <a:endParaRPr lang="en-US" sz="2200" dirty="0">
+              <a:solidFill>
+                <a:schemeClr val="accent5">
+                  <a:lumMod val="50000"/>
+                </a:schemeClr>
+              </a:solidFill>
+              <a:latin typeface="Franklin Gothic Book" panose="020B0503020102020204" pitchFamily="34" charset="0"/>
+            </a:endParaRPr>
+          </a:p>
+          <a:p>
+            <a:pPr algn="ctr"/>
+            <a:endParaRPr lang="en-US" sz="2200" dirty="0">
+              <a:solidFill>
+                <a:schemeClr val="accent5">
+                  <a:lumMod val="50000"/>
+                </a:schemeClr>
+              </a:solidFill>
+              <a:latin typeface="Franklin Gothic Book" panose="020B0503020102020204" pitchFamily="34" charset="0"/>
+            </a:endParaRPr>
+          </a:p>
+          <a:p>
+            <a:pPr algn="ctr"/>
+            <a:endParaRPr lang="en-US" sz="2200" dirty="0">
+              <a:solidFill>
+                <a:schemeClr val="accent5">
+                  <a:lumMod val="50000"/>
+                </a:schemeClr>
+              </a:solidFill>
+              <a:latin typeface="Franklin Gothic Book" panose="020B0503020102020204" pitchFamily="34" charset="0"/>
+            </a:endParaRPr>
+          </a:p>
+          <a:p>
+            <a:pPr algn="ctr"/>
+            <a:endParaRPr lang="en-US" sz="2200" dirty="0">
+              <a:solidFill>
+                <a:schemeClr val="accent5">
+                  <a:lumMod val="50000"/>
+                </a:schemeClr>
+              </a:solidFill>
+              <a:latin typeface="Franklin Gothic Book" panose="020B0503020102020204" pitchFamily="34" charset="0"/>
+            </a:endParaRPr>
+          </a:p>
+          <a:p>
+            <a:pPr algn="ctr"/>
+            <a:endParaRPr lang="en-US" sz="2200" dirty="0">
+              <a:solidFill>
+                <a:schemeClr val="accent5">
+                  <a:lumMod val="50000"/>
+                </a:schemeClr>
+              </a:solidFill>
+              <a:latin typeface="Franklin Gothic Book" panose="020B0503020102020204" pitchFamily="34" charset="0"/>
+            </a:endParaRPr>
+          </a:p>
+          <a:p>
+            <a:pPr algn="ctr"/>
+            <a:endParaRPr lang="en-US" sz="2200" dirty="0">
+              <a:solidFill>
+                <a:schemeClr val="accent5">
+                  <a:lumMod val="50000"/>
+                </a:schemeClr>
+              </a:solidFill>
+              <a:latin typeface="Franklin Gothic Book" panose="020B0503020102020204" pitchFamily="34" charset="0"/>
+            </a:endParaRPr>
+          </a:p>
+          <a:p>
+            <a:pPr algn="ctr"/>
+            <a:endParaRPr lang="en-US" sz="3200" dirty="0">
               <a:solidFill>
                 <a:schemeClr val="accent5">
                   <a:lumMod val="50000"/>
@@ -4039,8 +4073,8 @@
         </p:nvSpPr>
         <p:spPr>
           <a:xfrm>
-            <a:off x="6253977" y="12130112"/>
-            <a:ext cx="4754880" cy="4754880"/>
+            <a:off x="5968347" y="11525986"/>
+            <a:ext cx="5142339" cy="5142339"/>
           </a:xfrm>
           <a:prstGeom prst="ellipse">
             <a:avLst/>
@@ -4075,73 +4109,73 @@
           <a:lstStyle/>
           <a:p>
             <a:pPr algn="ctr"/>
-            <a:endParaRPr lang="en-US" sz="3200">
-              <a:solidFill>
-                <a:schemeClr val="accent5">
-                  <a:lumMod val="50000"/>
-                </a:schemeClr>
-              </a:solidFill>
-              <a:latin typeface="Franklin Gothic Book" panose="020B0503020102020204" pitchFamily="34" charset="0"/>
-            </a:endParaRPr>
-          </a:p>
-          <a:p>
-            <a:pPr algn="ctr"/>
-            <a:endParaRPr lang="en-US" sz="3200">
-              <a:solidFill>
-                <a:schemeClr val="accent5">
-                  <a:lumMod val="50000"/>
-                </a:schemeClr>
-              </a:solidFill>
-              <a:latin typeface="Franklin Gothic Book" panose="020B0503020102020204" pitchFamily="34" charset="0"/>
-            </a:endParaRPr>
-          </a:p>
-          <a:p>
-            <a:pPr algn="ctr"/>
-            <a:endParaRPr lang="en-US" sz="3200">
-              <a:solidFill>
-                <a:schemeClr val="accent5">
-                  <a:lumMod val="50000"/>
-                </a:schemeClr>
-              </a:solidFill>
-              <a:latin typeface="Franklin Gothic Book" panose="020B0503020102020204" pitchFamily="34" charset="0"/>
-            </a:endParaRPr>
-          </a:p>
-          <a:p>
-            <a:pPr algn="ctr"/>
-            <a:endParaRPr lang="en-US" sz="8800">
-              <a:solidFill>
-                <a:schemeClr val="accent5">
-                  <a:lumMod val="50000"/>
-                </a:schemeClr>
-              </a:solidFill>
-              <a:latin typeface="Franklin Gothic Book" panose="020B0503020102020204" pitchFamily="34" charset="0"/>
-            </a:endParaRPr>
-          </a:p>
-          <a:p>
-            <a:pPr algn="ctr"/>
-            <a:endParaRPr lang="en-US" sz="8800">
-              <a:solidFill>
-                <a:schemeClr val="accent5">
-                  <a:lumMod val="50000"/>
-                </a:schemeClr>
-              </a:solidFill>
-              <a:latin typeface="Franklin Gothic Book" panose="020B0503020102020204" pitchFamily="34" charset="0"/>
-            </a:endParaRPr>
-          </a:p>
-          <a:p>
-            <a:pPr algn="ctr"/>
-            <a:endParaRPr lang="en-US" sz="5400">
-              <a:solidFill>
-                <a:schemeClr val="accent5">
-                  <a:lumMod val="50000"/>
-                </a:schemeClr>
-              </a:solidFill>
-              <a:latin typeface="Franklin Gothic Book" panose="020B0503020102020204" pitchFamily="34" charset="0"/>
-            </a:endParaRPr>
-          </a:p>
-          <a:p>
-            <a:pPr algn="ctr"/>
-            <a:endParaRPr lang="en-US" sz="5400">
+            <a:endParaRPr lang="en-US" sz="3200" dirty="0">
+              <a:solidFill>
+                <a:schemeClr val="accent5">
+                  <a:lumMod val="50000"/>
+                </a:schemeClr>
+              </a:solidFill>
+              <a:latin typeface="Franklin Gothic Book" panose="020B0503020102020204" pitchFamily="34" charset="0"/>
+            </a:endParaRPr>
+          </a:p>
+          <a:p>
+            <a:pPr algn="ctr"/>
+            <a:endParaRPr lang="en-US" sz="3200" dirty="0">
+              <a:solidFill>
+                <a:schemeClr val="accent5">
+                  <a:lumMod val="50000"/>
+                </a:schemeClr>
+              </a:solidFill>
+              <a:latin typeface="Franklin Gothic Book" panose="020B0503020102020204" pitchFamily="34" charset="0"/>
+            </a:endParaRPr>
+          </a:p>
+          <a:p>
+            <a:pPr algn="ctr"/>
+            <a:endParaRPr lang="en-US" sz="3200" dirty="0">
+              <a:solidFill>
+                <a:schemeClr val="accent5">
+                  <a:lumMod val="50000"/>
+                </a:schemeClr>
+              </a:solidFill>
+              <a:latin typeface="Franklin Gothic Book" panose="020B0503020102020204" pitchFamily="34" charset="0"/>
+            </a:endParaRPr>
+          </a:p>
+          <a:p>
+            <a:pPr algn="ctr"/>
+            <a:endParaRPr lang="en-US" sz="8800" dirty="0">
+              <a:solidFill>
+                <a:schemeClr val="accent5">
+                  <a:lumMod val="50000"/>
+                </a:schemeClr>
+              </a:solidFill>
+              <a:latin typeface="Franklin Gothic Book" panose="020B0503020102020204" pitchFamily="34" charset="0"/>
+            </a:endParaRPr>
+          </a:p>
+          <a:p>
+            <a:pPr algn="ctr"/>
+            <a:endParaRPr lang="en-US" sz="8800" dirty="0">
+              <a:solidFill>
+                <a:schemeClr val="accent5">
+                  <a:lumMod val="50000"/>
+                </a:schemeClr>
+              </a:solidFill>
+              <a:latin typeface="Franklin Gothic Book" panose="020B0503020102020204" pitchFamily="34" charset="0"/>
+            </a:endParaRPr>
+          </a:p>
+          <a:p>
+            <a:pPr algn="ctr"/>
+            <a:endParaRPr lang="en-US" sz="5400" dirty="0">
+              <a:solidFill>
+                <a:schemeClr val="accent5">
+                  <a:lumMod val="50000"/>
+                </a:schemeClr>
+              </a:solidFill>
+              <a:latin typeface="Franklin Gothic Book" panose="020B0503020102020204" pitchFamily="34" charset="0"/>
+            </a:endParaRPr>
+          </a:p>
+          <a:p>
+            <a:pPr algn="ctr"/>
+            <a:endParaRPr lang="en-US" sz="5400" dirty="0">
               <a:solidFill>
                 <a:schemeClr val="accent5">
                   <a:lumMod val="50000"/>
@@ -4153,7 +4187,7 @@
           <a:p>
             <a:pPr algn="ctr"/>
             <a:r>
-              <a:rPr lang="en-US" sz="4800">
+              <a:rPr lang="en-US" sz="4000" dirty="0">
                 <a:solidFill>
                   <a:schemeClr val="accent5">
                     <a:lumMod val="50000"/>
@@ -4161,199 +4195,199 @@
                 </a:solidFill>
                 <a:latin typeface="Franklin Gothic Book" panose="020B0503020102020204" pitchFamily="34" charset="0"/>
               </a:rPr>
-              <a:t>Data Repos</a:t>
+              <a:t>Data Repositories</a:t>
             </a:r>
           </a:p>
           <a:p>
             <a:pPr algn="ctr"/>
-            <a:endParaRPr lang="en-US" sz="2200">
-              <a:solidFill>
-                <a:schemeClr val="accent5">
-                  <a:lumMod val="50000"/>
-                </a:schemeClr>
-              </a:solidFill>
-              <a:latin typeface="Franklin Gothic Book" panose="020B0503020102020204" pitchFamily="34" charset="0"/>
-            </a:endParaRPr>
-          </a:p>
-          <a:p>
-            <a:pPr algn="ctr"/>
-            <a:endParaRPr lang="en-US" sz="2200">
-              <a:solidFill>
-                <a:schemeClr val="accent5">
-                  <a:lumMod val="50000"/>
-                </a:schemeClr>
-              </a:solidFill>
-              <a:latin typeface="Franklin Gothic Book" panose="020B0503020102020204" pitchFamily="34" charset="0"/>
-            </a:endParaRPr>
-          </a:p>
-          <a:p>
-            <a:pPr algn="ctr"/>
-            <a:endParaRPr lang="en-US" sz="2200">
-              <a:solidFill>
-                <a:schemeClr val="accent5">
-                  <a:lumMod val="50000"/>
-                </a:schemeClr>
-              </a:solidFill>
-              <a:latin typeface="Franklin Gothic Book" panose="020B0503020102020204" pitchFamily="34" charset="0"/>
-            </a:endParaRPr>
-          </a:p>
-          <a:p>
-            <a:pPr algn="ctr"/>
-            <a:endParaRPr lang="en-US" sz="2200">
-              <a:solidFill>
-                <a:schemeClr val="accent5">
-                  <a:lumMod val="50000"/>
-                </a:schemeClr>
-              </a:solidFill>
-              <a:latin typeface="Franklin Gothic Book" panose="020B0503020102020204" pitchFamily="34" charset="0"/>
-            </a:endParaRPr>
-          </a:p>
-          <a:p>
-            <a:pPr algn="ctr"/>
-            <a:endParaRPr lang="en-US" sz="2200">
-              <a:solidFill>
-                <a:schemeClr val="accent5">
-                  <a:lumMod val="50000"/>
-                </a:schemeClr>
-              </a:solidFill>
-              <a:latin typeface="Franklin Gothic Book" panose="020B0503020102020204" pitchFamily="34" charset="0"/>
-            </a:endParaRPr>
-          </a:p>
-          <a:p>
-            <a:pPr algn="ctr"/>
-            <a:endParaRPr lang="en-US" sz="2200">
-              <a:solidFill>
-                <a:schemeClr val="accent5">
-                  <a:lumMod val="50000"/>
-                </a:schemeClr>
-              </a:solidFill>
-              <a:latin typeface="Franklin Gothic Book" panose="020B0503020102020204" pitchFamily="34" charset="0"/>
-            </a:endParaRPr>
-          </a:p>
-          <a:p>
-            <a:pPr algn="ctr"/>
-            <a:endParaRPr lang="en-US" sz="2200">
-              <a:solidFill>
-                <a:schemeClr val="accent5">
-                  <a:lumMod val="50000"/>
-                </a:schemeClr>
-              </a:solidFill>
-              <a:latin typeface="Franklin Gothic Book" panose="020B0503020102020204" pitchFamily="34" charset="0"/>
-            </a:endParaRPr>
-          </a:p>
-          <a:p>
-            <a:pPr algn="ctr"/>
-            <a:endParaRPr lang="en-US" sz="2200">
-              <a:solidFill>
-                <a:schemeClr val="accent5">
-                  <a:lumMod val="50000"/>
-                </a:schemeClr>
-              </a:solidFill>
-              <a:latin typeface="Franklin Gothic Book" panose="020B0503020102020204" pitchFamily="34" charset="0"/>
-            </a:endParaRPr>
-          </a:p>
-          <a:p>
-            <a:pPr algn="ctr"/>
-            <a:endParaRPr lang="en-US" sz="2200">
-              <a:solidFill>
-                <a:schemeClr val="accent5">
-                  <a:lumMod val="50000"/>
-                </a:schemeClr>
-              </a:solidFill>
-              <a:latin typeface="Franklin Gothic Book" panose="020B0503020102020204" pitchFamily="34" charset="0"/>
-            </a:endParaRPr>
-          </a:p>
-          <a:p>
-            <a:pPr algn="ctr"/>
-            <a:endParaRPr lang="en-US" sz="2200">
-              <a:solidFill>
-                <a:schemeClr val="accent5">
-                  <a:lumMod val="50000"/>
-                </a:schemeClr>
-              </a:solidFill>
-              <a:latin typeface="Franklin Gothic Book" panose="020B0503020102020204" pitchFamily="34" charset="0"/>
-            </a:endParaRPr>
-          </a:p>
-          <a:p>
-            <a:pPr algn="ctr"/>
-            <a:endParaRPr lang="en-US" sz="2200">
-              <a:solidFill>
-                <a:schemeClr val="accent5">
-                  <a:lumMod val="50000"/>
-                </a:schemeClr>
-              </a:solidFill>
-              <a:latin typeface="Franklin Gothic Book" panose="020B0503020102020204" pitchFamily="34" charset="0"/>
-            </a:endParaRPr>
-          </a:p>
-          <a:p>
-            <a:pPr algn="ctr"/>
-            <a:endParaRPr lang="en-US" sz="2200">
-              <a:solidFill>
-                <a:schemeClr val="accent5">
-                  <a:lumMod val="50000"/>
-                </a:schemeClr>
-              </a:solidFill>
-              <a:latin typeface="Franklin Gothic Book" panose="020B0503020102020204" pitchFamily="34" charset="0"/>
-            </a:endParaRPr>
-          </a:p>
-          <a:p>
-            <a:pPr algn="ctr"/>
-            <a:endParaRPr lang="en-US" sz="2200">
-              <a:solidFill>
-                <a:schemeClr val="accent5">
-                  <a:lumMod val="50000"/>
-                </a:schemeClr>
-              </a:solidFill>
-              <a:latin typeface="Franklin Gothic Book" panose="020B0503020102020204" pitchFamily="34" charset="0"/>
-            </a:endParaRPr>
-          </a:p>
-          <a:p>
-            <a:pPr algn="ctr"/>
-            <a:endParaRPr lang="en-US" sz="2200">
-              <a:solidFill>
-                <a:schemeClr val="accent5">
-                  <a:lumMod val="50000"/>
-                </a:schemeClr>
-              </a:solidFill>
-              <a:latin typeface="Franklin Gothic Book" panose="020B0503020102020204" pitchFamily="34" charset="0"/>
-            </a:endParaRPr>
-          </a:p>
-          <a:p>
-            <a:pPr algn="ctr"/>
-            <a:endParaRPr lang="en-US" sz="2200">
-              <a:solidFill>
-                <a:schemeClr val="accent5">
-                  <a:lumMod val="50000"/>
-                </a:schemeClr>
-              </a:solidFill>
-              <a:latin typeface="Franklin Gothic Book" panose="020B0503020102020204" pitchFamily="34" charset="0"/>
-            </a:endParaRPr>
-          </a:p>
-          <a:p>
-            <a:pPr algn="ctr"/>
-            <a:endParaRPr lang="en-US" sz="2200">
-              <a:solidFill>
-                <a:schemeClr val="accent5">
-                  <a:lumMod val="50000"/>
-                </a:schemeClr>
-              </a:solidFill>
-              <a:latin typeface="Franklin Gothic Book" panose="020B0503020102020204" pitchFamily="34" charset="0"/>
-            </a:endParaRPr>
-          </a:p>
-          <a:p>
-            <a:pPr algn="ctr"/>
-            <a:endParaRPr lang="en-US" sz="2200">
-              <a:solidFill>
-                <a:schemeClr val="accent5">
-                  <a:lumMod val="50000"/>
-                </a:schemeClr>
-              </a:solidFill>
-              <a:latin typeface="Franklin Gothic Book" panose="020B0503020102020204" pitchFamily="34" charset="0"/>
-            </a:endParaRPr>
-          </a:p>
-          <a:p>
-            <a:pPr algn="ctr"/>
-            <a:endParaRPr lang="en-US" sz="3200">
+            <a:endParaRPr lang="en-US" sz="2200" dirty="0">
+              <a:solidFill>
+                <a:schemeClr val="accent5">
+                  <a:lumMod val="50000"/>
+                </a:schemeClr>
+              </a:solidFill>
+              <a:latin typeface="Franklin Gothic Book" panose="020B0503020102020204" pitchFamily="34" charset="0"/>
+            </a:endParaRPr>
+          </a:p>
+          <a:p>
+            <a:pPr algn="ctr"/>
+            <a:endParaRPr lang="en-US" sz="2200" dirty="0">
+              <a:solidFill>
+                <a:schemeClr val="accent5">
+                  <a:lumMod val="50000"/>
+                </a:schemeClr>
+              </a:solidFill>
+              <a:latin typeface="Franklin Gothic Book" panose="020B0503020102020204" pitchFamily="34" charset="0"/>
+            </a:endParaRPr>
+          </a:p>
+          <a:p>
+            <a:pPr algn="ctr"/>
+            <a:endParaRPr lang="en-US" sz="2200" dirty="0">
+              <a:solidFill>
+                <a:schemeClr val="accent5">
+                  <a:lumMod val="50000"/>
+                </a:schemeClr>
+              </a:solidFill>
+              <a:latin typeface="Franklin Gothic Book" panose="020B0503020102020204" pitchFamily="34" charset="0"/>
+            </a:endParaRPr>
+          </a:p>
+          <a:p>
+            <a:pPr algn="ctr"/>
+            <a:endParaRPr lang="en-US" sz="2200" dirty="0">
+              <a:solidFill>
+                <a:schemeClr val="accent5">
+                  <a:lumMod val="50000"/>
+                </a:schemeClr>
+              </a:solidFill>
+              <a:latin typeface="Franklin Gothic Book" panose="020B0503020102020204" pitchFamily="34" charset="0"/>
+            </a:endParaRPr>
+          </a:p>
+          <a:p>
+            <a:pPr algn="ctr"/>
+            <a:endParaRPr lang="en-US" sz="2200" dirty="0">
+              <a:solidFill>
+                <a:schemeClr val="accent5">
+                  <a:lumMod val="50000"/>
+                </a:schemeClr>
+              </a:solidFill>
+              <a:latin typeface="Franklin Gothic Book" panose="020B0503020102020204" pitchFamily="34" charset="0"/>
+            </a:endParaRPr>
+          </a:p>
+          <a:p>
+            <a:pPr algn="ctr"/>
+            <a:endParaRPr lang="en-US" sz="2200" dirty="0">
+              <a:solidFill>
+                <a:schemeClr val="accent5">
+                  <a:lumMod val="50000"/>
+                </a:schemeClr>
+              </a:solidFill>
+              <a:latin typeface="Franklin Gothic Book" panose="020B0503020102020204" pitchFamily="34" charset="0"/>
+            </a:endParaRPr>
+          </a:p>
+          <a:p>
+            <a:pPr algn="ctr"/>
+            <a:endParaRPr lang="en-US" sz="2200" dirty="0">
+              <a:solidFill>
+                <a:schemeClr val="accent5">
+                  <a:lumMod val="50000"/>
+                </a:schemeClr>
+              </a:solidFill>
+              <a:latin typeface="Franklin Gothic Book" panose="020B0503020102020204" pitchFamily="34" charset="0"/>
+            </a:endParaRPr>
+          </a:p>
+          <a:p>
+            <a:pPr algn="ctr"/>
+            <a:endParaRPr lang="en-US" sz="2200" dirty="0">
+              <a:solidFill>
+                <a:schemeClr val="accent5">
+                  <a:lumMod val="50000"/>
+                </a:schemeClr>
+              </a:solidFill>
+              <a:latin typeface="Franklin Gothic Book" panose="020B0503020102020204" pitchFamily="34" charset="0"/>
+            </a:endParaRPr>
+          </a:p>
+          <a:p>
+            <a:pPr algn="ctr"/>
+            <a:endParaRPr lang="en-US" sz="2200" dirty="0">
+              <a:solidFill>
+                <a:schemeClr val="accent5">
+                  <a:lumMod val="50000"/>
+                </a:schemeClr>
+              </a:solidFill>
+              <a:latin typeface="Franklin Gothic Book" panose="020B0503020102020204" pitchFamily="34" charset="0"/>
+            </a:endParaRPr>
+          </a:p>
+          <a:p>
+            <a:pPr algn="ctr"/>
+            <a:endParaRPr lang="en-US" sz="2200" dirty="0">
+              <a:solidFill>
+                <a:schemeClr val="accent5">
+                  <a:lumMod val="50000"/>
+                </a:schemeClr>
+              </a:solidFill>
+              <a:latin typeface="Franklin Gothic Book" panose="020B0503020102020204" pitchFamily="34" charset="0"/>
+            </a:endParaRPr>
+          </a:p>
+          <a:p>
+            <a:pPr algn="ctr"/>
+            <a:endParaRPr lang="en-US" sz="2200" dirty="0">
+              <a:solidFill>
+                <a:schemeClr val="accent5">
+                  <a:lumMod val="50000"/>
+                </a:schemeClr>
+              </a:solidFill>
+              <a:latin typeface="Franklin Gothic Book" panose="020B0503020102020204" pitchFamily="34" charset="0"/>
+            </a:endParaRPr>
+          </a:p>
+          <a:p>
+            <a:pPr algn="ctr"/>
+            <a:endParaRPr lang="en-US" sz="2200" dirty="0">
+              <a:solidFill>
+                <a:schemeClr val="accent5">
+                  <a:lumMod val="50000"/>
+                </a:schemeClr>
+              </a:solidFill>
+              <a:latin typeface="Franklin Gothic Book" panose="020B0503020102020204" pitchFamily="34" charset="0"/>
+            </a:endParaRPr>
+          </a:p>
+          <a:p>
+            <a:pPr algn="ctr"/>
+            <a:endParaRPr lang="en-US" sz="2200" dirty="0">
+              <a:solidFill>
+                <a:schemeClr val="accent5">
+                  <a:lumMod val="50000"/>
+                </a:schemeClr>
+              </a:solidFill>
+              <a:latin typeface="Franklin Gothic Book" panose="020B0503020102020204" pitchFamily="34" charset="0"/>
+            </a:endParaRPr>
+          </a:p>
+          <a:p>
+            <a:pPr algn="ctr"/>
+            <a:endParaRPr lang="en-US" sz="2200" dirty="0">
+              <a:solidFill>
+                <a:schemeClr val="accent5">
+                  <a:lumMod val="50000"/>
+                </a:schemeClr>
+              </a:solidFill>
+              <a:latin typeface="Franklin Gothic Book" panose="020B0503020102020204" pitchFamily="34" charset="0"/>
+            </a:endParaRPr>
+          </a:p>
+          <a:p>
+            <a:pPr algn="ctr"/>
+            <a:endParaRPr lang="en-US" sz="2200" dirty="0">
+              <a:solidFill>
+                <a:schemeClr val="accent5">
+                  <a:lumMod val="50000"/>
+                </a:schemeClr>
+              </a:solidFill>
+              <a:latin typeface="Franklin Gothic Book" panose="020B0503020102020204" pitchFamily="34" charset="0"/>
+            </a:endParaRPr>
+          </a:p>
+          <a:p>
+            <a:pPr algn="ctr"/>
+            <a:endParaRPr lang="en-US" sz="2200" dirty="0">
+              <a:solidFill>
+                <a:schemeClr val="accent5">
+                  <a:lumMod val="50000"/>
+                </a:schemeClr>
+              </a:solidFill>
+              <a:latin typeface="Franklin Gothic Book" panose="020B0503020102020204" pitchFamily="34" charset="0"/>
+            </a:endParaRPr>
+          </a:p>
+          <a:p>
+            <a:pPr algn="ctr"/>
+            <a:endParaRPr lang="en-US" sz="2200" dirty="0">
+              <a:solidFill>
+                <a:schemeClr val="accent5">
+                  <a:lumMod val="50000"/>
+                </a:schemeClr>
+              </a:solidFill>
+              <a:latin typeface="Franklin Gothic Book" panose="020B0503020102020204" pitchFamily="34" charset="0"/>
+            </a:endParaRPr>
+          </a:p>
+          <a:p>
+            <a:pPr algn="ctr"/>
+            <a:endParaRPr lang="en-US" sz="3200" dirty="0">
               <a:solidFill>
                 <a:schemeClr val="accent5">
                   <a:lumMod val="50000"/>
@@ -4414,73 +4448,73 @@
           <a:lstStyle/>
           <a:p>
             <a:pPr algn="ctr"/>
-            <a:endParaRPr lang="en-US" sz="3200">
-              <a:solidFill>
-                <a:schemeClr val="accent5">
-                  <a:lumMod val="50000"/>
-                </a:schemeClr>
-              </a:solidFill>
-              <a:latin typeface="Franklin Gothic Book" panose="020B0503020102020204" pitchFamily="34" charset="0"/>
-            </a:endParaRPr>
-          </a:p>
-          <a:p>
-            <a:pPr algn="ctr"/>
-            <a:endParaRPr lang="en-US" sz="3200">
-              <a:solidFill>
-                <a:schemeClr val="accent5">
-                  <a:lumMod val="50000"/>
-                </a:schemeClr>
-              </a:solidFill>
-              <a:latin typeface="Franklin Gothic Book" panose="020B0503020102020204" pitchFamily="34" charset="0"/>
-            </a:endParaRPr>
-          </a:p>
-          <a:p>
-            <a:pPr algn="ctr"/>
-            <a:endParaRPr lang="en-US" sz="3200">
-              <a:solidFill>
-                <a:schemeClr val="accent5">
-                  <a:lumMod val="50000"/>
-                </a:schemeClr>
-              </a:solidFill>
-              <a:latin typeface="Franklin Gothic Book" panose="020B0503020102020204" pitchFamily="34" charset="0"/>
-            </a:endParaRPr>
-          </a:p>
-          <a:p>
-            <a:pPr algn="ctr"/>
-            <a:endParaRPr lang="en-US" sz="8800">
-              <a:solidFill>
-                <a:schemeClr val="accent5">
-                  <a:lumMod val="50000"/>
-                </a:schemeClr>
-              </a:solidFill>
-              <a:latin typeface="Franklin Gothic Book" panose="020B0503020102020204" pitchFamily="34" charset="0"/>
-            </a:endParaRPr>
-          </a:p>
-          <a:p>
-            <a:pPr algn="ctr"/>
-            <a:endParaRPr lang="en-US" sz="8800">
-              <a:solidFill>
-                <a:schemeClr val="accent5">
-                  <a:lumMod val="50000"/>
-                </a:schemeClr>
-              </a:solidFill>
-              <a:latin typeface="Franklin Gothic Book" panose="020B0503020102020204" pitchFamily="34" charset="0"/>
-            </a:endParaRPr>
-          </a:p>
-          <a:p>
-            <a:pPr algn="ctr"/>
-            <a:endParaRPr lang="en-US" sz="5400">
-              <a:solidFill>
-                <a:schemeClr val="accent5">
-                  <a:lumMod val="50000"/>
-                </a:schemeClr>
-              </a:solidFill>
-              <a:latin typeface="Franklin Gothic Book" panose="020B0503020102020204" pitchFamily="34" charset="0"/>
-            </a:endParaRPr>
-          </a:p>
-          <a:p>
-            <a:pPr algn="ctr"/>
-            <a:endParaRPr lang="en-US" sz="5400">
+            <a:endParaRPr lang="en-US" sz="3200" dirty="0">
+              <a:solidFill>
+                <a:schemeClr val="accent5">
+                  <a:lumMod val="50000"/>
+                </a:schemeClr>
+              </a:solidFill>
+              <a:latin typeface="Franklin Gothic Book" panose="020B0503020102020204" pitchFamily="34" charset="0"/>
+            </a:endParaRPr>
+          </a:p>
+          <a:p>
+            <a:pPr algn="ctr"/>
+            <a:endParaRPr lang="en-US" sz="3200" dirty="0">
+              <a:solidFill>
+                <a:schemeClr val="accent5">
+                  <a:lumMod val="50000"/>
+                </a:schemeClr>
+              </a:solidFill>
+              <a:latin typeface="Franklin Gothic Book" panose="020B0503020102020204" pitchFamily="34" charset="0"/>
+            </a:endParaRPr>
+          </a:p>
+          <a:p>
+            <a:pPr algn="ctr"/>
+            <a:endParaRPr lang="en-US" sz="3200" dirty="0">
+              <a:solidFill>
+                <a:schemeClr val="accent5">
+                  <a:lumMod val="50000"/>
+                </a:schemeClr>
+              </a:solidFill>
+              <a:latin typeface="Franklin Gothic Book" panose="020B0503020102020204" pitchFamily="34" charset="0"/>
+            </a:endParaRPr>
+          </a:p>
+          <a:p>
+            <a:pPr algn="ctr"/>
+            <a:endParaRPr lang="en-US" sz="8800" dirty="0">
+              <a:solidFill>
+                <a:schemeClr val="accent5">
+                  <a:lumMod val="50000"/>
+                </a:schemeClr>
+              </a:solidFill>
+              <a:latin typeface="Franklin Gothic Book" panose="020B0503020102020204" pitchFamily="34" charset="0"/>
+            </a:endParaRPr>
+          </a:p>
+          <a:p>
+            <a:pPr algn="ctr"/>
+            <a:endParaRPr lang="en-US" sz="8800" dirty="0">
+              <a:solidFill>
+                <a:schemeClr val="accent5">
+                  <a:lumMod val="50000"/>
+                </a:schemeClr>
+              </a:solidFill>
+              <a:latin typeface="Franklin Gothic Book" panose="020B0503020102020204" pitchFamily="34" charset="0"/>
+            </a:endParaRPr>
+          </a:p>
+          <a:p>
+            <a:pPr algn="ctr"/>
+            <a:endParaRPr lang="en-US" sz="5400" dirty="0">
+              <a:solidFill>
+                <a:schemeClr val="accent5">
+                  <a:lumMod val="50000"/>
+                </a:schemeClr>
+              </a:solidFill>
+              <a:latin typeface="Franklin Gothic Book" panose="020B0503020102020204" pitchFamily="34" charset="0"/>
+            </a:endParaRPr>
+          </a:p>
+          <a:p>
+            <a:pPr algn="ctr"/>
+            <a:endParaRPr lang="en-US" sz="5400" dirty="0">
               <a:solidFill>
                 <a:schemeClr val="accent5">
                   <a:lumMod val="50000"/>
@@ -4492,7 +4526,7 @@
           <a:p>
             <a:pPr algn="ctr"/>
             <a:r>
-              <a:rPr lang="en-US" sz="4800">
+              <a:rPr lang="en-US" sz="4800" dirty="0">
                 <a:solidFill>
                   <a:schemeClr val="accent5">
                     <a:lumMod val="50000"/>
@@ -4502,205 +4536,205 @@
               </a:rPr>
               <a:t>Applications</a:t>
             </a:r>
-            <a:endParaRPr lang="en-US" sz="3600">
-              <a:solidFill>
-                <a:schemeClr val="accent5">
-                  <a:lumMod val="50000"/>
-                </a:schemeClr>
-              </a:solidFill>
-              <a:latin typeface="Franklin Gothic Book" panose="020B0503020102020204" pitchFamily="34" charset="0"/>
-            </a:endParaRPr>
-          </a:p>
-          <a:p>
-            <a:pPr algn="ctr"/>
-            <a:endParaRPr lang="en-US" sz="2200">
-              <a:solidFill>
-                <a:schemeClr val="accent5">
-                  <a:lumMod val="50000"/>
-                </a:schemeClr>
-              </a:solidFill>
-              <a:latin typeface="Franklin Gothic Book" panose="020B0503020102020204" pitchFamily="34" charset="0"/>
-            </a:endParaRPr>
-          </a:p>
-          <a:p>
-            <a:pPr algn="ctr"/>
-            <a:endParaRPr lang="en-US" sz="2200">
-              <a:solidFill>
-                <a:schemeClr val="accent5">
-                  <a:lumMod val="50000"/>
-                </a:schemeClr>
-              </a:solidFill>
-              <a:latin typeface="Franklin Gothic Book" panose="020B0503020102020204" pitchFamily="34" charset="0"/>
-            </a:endParaRPr>
-          </a:p>
-          <a:p>
-            <a:pPr algn="ctr"/>
-            <a:endParaRPr lang="en-US" sz="2200">
-              <a:solidFill>
-                <a:schemeClr val="accent5">
-                  <a:lumMod val="50000"/>
-                </a:schemeClr>
-              </a:solidFill>
-              <a:latin typeface="Franklin Gothic Book" panose="020B0503020102020204" pitchFamily="34" charset="0"/>
-            </a:endParaRPr>
-          </a:p>
-          <a:p>
-            <a:pPr algn="ctr"/>
-            <a:endParaRPr lang="en-US" sz="2200">
-              <a:solidFill>
-                <a:schemeClr val="accent5">
-                  <a:lumMod val="50000"/>
-                </a:schemeClr>
-              </a:solidFill>
-              <a:latin typeface="Franklin Gothic Book" panose="020B0503020102020204" pitchFamily="34" charset="0"/>
-            </a:endParaRPr>
-          </a:p>
-          <a:p>
-            <a:pPr algn="ctr"/>
-            <a:endParaRPr lang="en-US" sz="2200">
-              <a:solidFill>
-                <a:schemeClr val="accent5">
-                  <a:lumMod val="50000"/>
-                </a:schemeClr>
-              </a:solidFill>
-              <a:latin typeface="Franklin Gothic Book" panose="020B0503020102020204" pitchFamily="34" charset="0"/>
-            </a:endParaRPr>
-          </a:p>
-          <a:p>
-            <a:pPr algn="ctr"/>
-            <a:endParaRPr lang="en-US" sz="2200">
-              <a:solidFill>
-                <a:schemeClr val="accent5">
-                  <a:lumMod val="50000"/>
-                </a:schemeClr>
-              </a:solidFill>
-              <a:latin typeface="Franklin Gothic Book" panose="020B0503020102020204" pitchFamily="34" charset="0"/>
-            </a:endParaRPr>
-          </a:p>
-          <a:p>
-            <a:pPr algn="ctr"/>
-            <a:endParaRPr lang="en-US" sz="2200">
-              <a:solidFill>
-                <a:schemeClr val="accent5">
-                  <a:lumMod val="50000"/>
-                </a:schemeClr>
-              </a:solidFill>
-              <a:latin typeface="Franklin Gothic Book" panose="020B0503020102020204" pitchFamily="34" charset="0"/>
-            </a:endParaRPr>
-          </a:p>
-          <a:p>
-            <a:pPr algn="ctr"/>
-            <a:endParaRPr lang="en-US" sz="2200">
-              <a:solidFill>
-                <a:schemeClr val="accent5">
-                  <a:lumMod val="50000"/>
-                </a:schemeClr>
-              </a:solidFill>
-              <a:latin typeface="Franklin Gothic Book" panose="020B0503020102020204" pitchFamily="34" charset="0"/>
-            </a:endParaRPr>
-          </a:p>
-          <a:p>
-            <a:pPr algn="ctr"/>
-            <a:endParaRPr lang="en-US" sz="2200">
-              <a:solidFill>
-                <a:schemeClr val="accent5">
-                  <a:lumMod val="50000"/>
-                </a:schemeClr>
-              </a:solidFill>
-              <a:latin typeface="Franklin Gothic Book" panose="020B0503020102020204" pitchFamily="34" charset="0"/>
-            </a:endParaRPr>
-          </a:p>
-          <a:p>
-            <a:pPr algn="ctr"/>
-            <a:endParaRPr lang="en-US" sz="2200">
-              <a:solidFill>
-                <a:schemeClr val="accent5">
-                  <a:lumMod val="50000"/>
-                </a:schemeClr>
-              </a:solidFill>
-              <a:latin typeface="Franklin Gothic Book" panose="020B0503020102020204" pitchFamily="34" charset="0"/>
-            </a:endParaRPr>
-          </a:p>
-          <a:p>
-            <a:pPr algn="ctr"/>
-            <a:endParaRPr lang="en-US" sz="2200">
-              <a:solidFill>
-                <a:schemeClr val="accent5">
-                  <a:lumMod val="50000"/>
-                </a:schemeClr>
-              </a:solidFill>
-              <a:latin typeface="Franklin Gothic Book" panose="020B0503020102020204" pitchFamily="34" charset="0"/>
-            </a:endParaRPr>
-          </a:p>
-          <a:p>
-            <a:pPr algn="ctr"/>
-            <a:endParaRPr lang="en-US" sz="2200">
-              <a:solidFill>
-                <a:schemeClr val="accent5">
-                  <a:lumMod val="50000"/>
-                </a:schemeClr>
-              </a:solidFill>
-              <a:latin typeface="Franklin Gothic Book" panose="020B0503020102020204" pitchFamily="34" charset="0"/>
-            </a:endParaRPr>
-          </a:p>
-          <a:p>
-            <a:pPr algn="ctr"/>
-            <a:endParaRPr lang="en-US" sz="2200">
-              <a:solidFill>
-                <a:schemeClr val="accent5">
-                  <a:lumMod val="50000"/>
-                </a:schemeClr>
-              </a:solidFill>
-              <a:latin typeface="Franklin Gothic Book" panose="020B0503020102020204" pitchFamily="34" charset="0"/>
-            </a:endParaRPr>
-          </a:p>
-          <a:p>
-            <a:pPr algn="ctr"/>
-            <a:endParaRPr lang="en-US" sz="2200">
-              <a:solidFill>
-                <a:schemeClr val="accent5">
-                  <a:lumMod val="50000"/>
-                </a:schemeClr>
-              </a:solidFill>
-              <a:latin typeface="Franklin Gothic Book" panose="020B0503020102020204" pitchFamily="34" charset="0"/>
-            </a:endParaRPr>
-          </a:p>
-          <a:p>
-            <a:pPr algn="ctr"/>
-            <a:endParaRPr lang="en-US" sz="2200">
-              <a:solidFill>
-                <a:schemeClr val="accent5">
-                  <a:lumMod val="50000"/>
-                </a:schemeClr>
-              </a:solidFill>
-              <a:latin typeface="Franklin Gothic Book" panose="020B0503020102020204" pitchFamily="34" charset="0"/>
-            </a:endParaRPr>
-          </a:p>
-          <a:p>
-            <a:pPr algn="ctr"/>
-            <a:endParaRPr lang="en-US" sz="2200">
-              <a:solidFill>
-                <a:schemeClr val="accent5">
-                  <a:lumMod val="50000"/>
-                </a:schemeClr>
-              </a:solidFill>
-              <a:latin typeface="Franklin Gothic Book" panose="020B0503020102020204" pitchFamily="34" charset="0"/>
-            </a:endParaRPr>
-          </a:p>
-          <a:p>
-            <a:pPr algn="ctr"/>
-            <a:endParaRPr lang="en-US" sz="2200">
-              <a:solidFill>
-                <a:schemeClr val="accent5">
-                  <a:lumMod val="50000"/>
-                </a:schemeClr>
-              </a:solidFill>
-              <a:latin typeface="Franklin Gothic Book" panose="020B0503020102020204" pitchFamily="34" charset="0"/>
-            </a:endParaRPr>
-          </a:p>
-          <a:p>
-            <a:pPr algn="ctr"/>
-            <a:endParaRPr lang="en-US" sz="3200">
+            <a:endParaRPr lang="en-US" sz="3600" dirty="0">
+              <a:solidFill>
+                <a:schemeClr val="accent5">
+                  <a:lumMod val="50000"/>
+                </a:schemeClr>
+              </a:solidFill>
+              <a:latin typeface="Franklin Gothic Book" panose="020B0503020102020204" pitchFamily="34" charset="0"/>
+            </a:endParaRPr>
+          </a:p>
+          <a:p>
+            <a:pPr algn="ctr"/>
+            <a:endParaRPr lang="en-US" sz="2200" dirty="0">
+              <a:solidFill>
+                <a:schemeClr val="accent5">
+                  <a:lumMod val="50000"/>
+                </a:schemeClr>
+              </a:solidFill>
+              <a:latin typeface="Franklin Gothic Book" panose="020B0503020102020204" pitchFamily="34" charset="0"/>
+            </a:endParaRPr>
+          </a:p>
+          <a:p>
+            <a:pPr algn="ctr"/>
+            <a:endParaRPr lang="en-US" sz="2200" dirty="0">
+              <a:solidFill>
+                <a:schemeClr val="accent5">
+                  <a:lumMod val="50000"/>
+                </a:schemeClr>
+              </a:solidFill>
+              <a:latin typeface="Franklin Gothic Book" panose="020B0503020102020204" pitchFamily="34" charset="0"/>
+            </a:endParaRPr>
+          </a:p>
+          <a:p>
+            <a:pPr algn="ctr"/>
+            <a:endParaRPr lang="en-US" sz="2200" dirty="0">
+              <a:solidFill>
+                <a:schemeClr val="accent5">
+                  <a:lumMod val="50000"/>
+                </a:schemeClr>
+              </a:solidFill>
+              <a:latin typeface="Franklin Gothic Book" panose="020B0503020102020204" pitchFamily="34" charset="0"/>
+            </a:endParaRPr>
+          </a:p>
+          <a:p>
+            <a:pPr algn="ctr"/>
+            <a:endParaRPr lang="en-US" sz="2200" dirty="0">
+              <a:solidFill>
+                <a:schemeClr val="accent5">
+                  <a:lumMod val="50000"/>
+                </a:schemeClr>
+              </a:solidFill>
+              <a:latin typeface="Franklin Gothic Book" panose="020B0503020102020204" pitchFamily="34" charset="0"/>
+            </a:endParaRPr>
+          </a:p>
+          <a:p>
+            <a:pPr algn="ctr"/>
+            <a:endParaRPr lang="en-US" sz="2200" dirty="0">
+              <a:solidFill>
+                <a:schemeClr val="accent5">
+                  <a:lumMod val="50000"/>
+                </a:schemeClr>
+              </a:solidFill>
+              <a:latin typeface="Franklin Gothic Book" panose="020B0503020102020204" pitchFamily="34" charset="0"/>
+            </a:endParaRPr>
+          </a:p>
+          <a:p>
+            <a:pPr algn="ctr"/>
+            <a:endParaRPr lang="en-US" sz="2200" dirty="0">
+              <a:solidFill>
+                <a:schemeClr val="accent5">
+                  <a:lumMod val="50000"/>
+                </a:schemeClr>
+              </a:solidFill>
+              <a:latin typeface="Franklin Gothic Book" panose="020B0503020102020204" pitchFamily="34" charset="0"/>
+            </a:endParaRPr>
+          </a:p>
+          <a:p>
+            <a:pPr algn="ctr"/>
+            <a:endParaRPr lang="en-US" sz="2200" dirty="0">
+              <a:solidFill>
+                <a:schemeClr val="accent5">
+                  <a:lumMod val="50000"/>
+                </a:schemeClr>
+              </a:solidFill>
+              <a:latin typeface="Franklin Gothic Book" panose="020B0503020102020204" pitchFamily="34" charset="0"/>
+            </a:endParaRPr>
+          </a:p>
+          <a:p>
+            <a:pPr algn="ctr"/>
+            <a:endParaRPr lang="en-US" sz="2200" dirty="0">
+              <a:solidFill>
+                <a:schemeClr val="accent5">
+                  <a:lumMod val="50000"/>
+                </a:schemeClr>
+              </a:solidFill>
+              <a:latin typeface="Franklin Gothic Book" panose="020B0503020102020204" pitchFamily="34" charset="0"/>
+            </a:endParaRPr>
+          </a:p>
+          <a:p>
+            <a:pPr algn="ctr"/>
+            <a:endParaRPr lang="en-US" sz="2200" dirty="0">
+              <a:solidFill>
+                <a:schemeClr val="accent5">
+                  <a:lumMod val="50000"/>
+                </a:schemeClr>
+              </a:solidFill>
+              <a:latin typeface="Franklin Gothic Book" panose="020B0503020102020204" pitchFamily="34" charset="0"/>
+            </a:endParaRPr>
+          </a:p>
+          <a:p>
+            <a:pPr algn="ctr"/>
+            <a:endParaRPr lang="en-US" sz="2200" dirty="0">
+              <a:solidFill>
+                <a:schemeClr val="accent5">
+                  <a:lumMod val="50000"/>
+                </a:schemeClr>
+              </a:solidFill>
+              <a:latin typeface="Franklin Gothic Book" panose="020B0503020102020204" pitchFamily="34" charset="0"/>
+            </a:endParaRPr>
+          </a:p>
+          <a:p>
+            <a:pPr algn="ctr"/>
+            <a:endParaRPr lang="en-US" sz="2200" dirty="0">
+              <a:solidFill>
+                <a:schemeClr val="accent5">
+                  <a:lumMod val="50000"/>
+                </a:schemeClr>
+              </a:solidFill>
+              <a:latin typeface="Franklin Gothic Book" panose="020B0503020102020204" pitchFamily="34" charset="0"/>
+            </a:endParaRPr>
+          </a:p>
+          <a:p>
+            <a:pPr algn="ctr"/>
+            <a:endParaRPr lang="en-US" sz="2200" dirty="0">
+              <a:solidFill>
+                <a:schemeClr val="accent5">
+                  <a:lumMod val="50000"/>
+                </a:schemeClr>
+              </a:solidFill>
+              <a:latin typeface="Franklin Gothic Book" panose="020B0503020102020204" pitchFamily="34" charset="0"/>
+            </a:endParaRPr>
+          </a:p>
+          <a:p>
+            <a:pPr algn="ctr"/>
+            <a:endParaRPr lang="en-US" sz="2200" dirty="0">
+              <a:solidFill>
+                <a:schemeClr val="accent5">
+                  <a:lumMod val="50000"/>
+                </a:schemeClr>
+              </a:solidFill>
+              <a:latin typeface="Franklin Gothic Book" panose="020B0503020102020204" pitchFamily="34" charset="0"/>
+            </a:endParaRPr>
+          </a:p>
+          <a:p>
+            <a:pPr algn="ctr"/>
+            <a:endParaRPr lang="en-US" sz="2200" dirty="0">
+              <a:solidFill>
+                <a:schemeClr val="accent5">
+                  <a:lumMod val="50000"/>
+                </a:schemeClr>
+              </a:solidFill>
+              <a:latin typeface="Franklin Gothic Book" panose="020B0503020102020204" pitchFamily="34" charset="0"/>
+            </a:endParaRPr>
+          </a:p>
+          <a:p>
+            <a:pPr algn="ctr"/>
+            <a:endParaRPr lang="en-US" sz="2200" dirty="0">
+              <a:solidFill>
+                <a:schemeClr val="accent5">
+                  <a:lumMod val="50000"/>
+                </a:schemeClr>
+              </a:solidFill>
+              <a:latin typeface="Franklin Gothic Book" panose="020B0503020102020204" pitchFamily="34" charset="0"/>
+            </a:endParaRPr>
+          </a:p>
+          <a:p>
+            <a:pPr algn="ctr"/>
+            <a:endParaRPr lang="en-US" sz="2200" dirty="0">
+              <a:solidFill>
+                <a:schemeClr val="accent5">
+                  <a:lumMod val="50000"/>
+                </a:schemeClr>
+              </a:solidFill>
+              <a:latin typeface="Franklin Gothic Book" panose="020B0503020102020204" pitchFamily="34" charset="0"/>
+            </a:endParaRPr>
+          </a:p>
+          <a:p>
+            <a:pPr algn="ctr"/>
+            <a:endParaRPr lang="en-US" sz="2200" dirty="0">
+              <a:solidFill>
+                <a:schemeClr val="accent5">
+                  <a:lumMod val="50000"/>
+                </a:schemeClr>
+              </a:solidFill>
+              <a:latin typeface="Franklin Gothic Book" panose="020B0503020102020204" pitchFamily="34" charset="0"/>
+            </a:endParaRPr>
+          </a:p>
+          <a:p>
+            <a:pPr algn="ctr"/>
+            <a:endParaRPr lang="en-US" sz="3200" dirty="0">
               <a:solidFill>
                 <a:schemeClr val="accent5">
                   <a:lumMod val="50000"/>
@@ -5096,73 +5130,73 @@
           <a:lstStyle/>
           <a:p>
             <a:pPr algn="ctr"/>
-            <a:endParaRPr lang="en-US" sz="3200">
-              <a:solidFill>
-                <a:schemeClr val="accent5">
-                  <a:lumMod val="50000"/>
-                </a:schemeClr>
-              </a:solidFill>
-              <a:latin typeface="Franklin Gothic Book" panose="020B0503020102020204" pitchFamily="34" charset="0"/>
-            </a:endParaRPr>
-          </a:p>
-          <a:p>
-            <a:pPr algn="ctr"/>
-            <a:endParaRPr lang="en-US" sz="3200">
-              <a:solidFill>
-                <a:schemeClr val="accent5">
-                  <a:lumMod val="50000"/>
-                </a:schemeClr>
-              </a:solidFill>
-              <a:latin typeface="Franklin Gothic Book" panose="020B0503020102020204" pitchFamily="34" charset="0"/>
-            </a:endParaRPr>
-          </a:p>
-          <a:p>
-            <a:pPr algn="ctr"/>
-            <a:endParaRPr lang="en-US" sz="3200">
-              <a:solidFill>
-                <a:schemeClr val="accent5">
-                  <a:lumMod val="50000"/>
-                </a:schemeClr>
-              </a:solidFill>
-              <a:latin typeface="Franklin Gothic Book" panose="020B0503020102020204" pitchFamily="34" charset="0"/>
-            </a:endParaRPr>
-          </a:p>
-          <a:p>
-            <a:pPr algn="ctr"/>
-            <a:endParaRPr lang="en-US" sz="8800">
-              <a:solidFill>
-                <a:schemeClr val="accent5">
-                  <a:lumMod val="50000"/>
-                </a:schemeClr>
-              </a:solidFill>
-              <a:latin typeface="Franklin Gothic Book" panose="020B0503020102020204" pitchFamily="34" charset="0"/>
-            </a:endParaRPr>
-          </a:p>
-          <a:p>
-            <a:pPr algn="ctr"/>
-            <a:endParaRPr lang="en-US" sz="8800">
-              <a:solidFill>
-                <a:schemeClr val="accent5">
-                  <a:lumMod val="50000"/>
-                </a:schemeClr>
-              </a:solidFill>
-              <a:latin typeface="Franklin Gothic Book" panose="020B0503020102020204" pitchFamily="34" charset="0"/>
-            </a:endParaRPr>
-          </a:p>
-          <a:p>
-            <a:pPr algn="ctr"/>
-            <a:endParaRPr lang="en-US" sz="3600">
-              <a:solidFill>
-                <a:schemeClr val="accent5">
-                  <a:lumMod val="50000"/>
-                </a:schemeClr>
-              </a:solidFill>
-              <a:latin typeface="Franklin Gothic Book" panose="020B0503020102020204" pitchFamily="34" charset="0"/>
-            </a:endParaRPr>
-          </a:p>
-          <a:p>
-            <a:pPr algn="ctr"/>
-            <a:endParaRPr lang="en-US" sz="3600">
+            <a:endParaRPr lang="en-US" sz="3200" dirty="0">
+              <a:solidFill>
+                <a:schemeClr val="accent5">
+                  <a:lumMod val="50000"/>
+                </a:schemeClr>
+              </a:solidFill>
+              <a:latin typeface="Franklin Gothic Book" panose="020B0503020102020204" pitchFamily="34" charset="0"/>
+            </a:endParaRPr>
+          </a:p>
+          <a:p>
+            <a:pPr algn="ctr"/>
+            <a:endParaRPr lang="en-US" sz="3200" dirty="0">
+              <a:solidFill>
+                <a:schemeClr val="accent5">
+                  <a:lumMod val="50000"/>
+                </a:schemeClr>
+              </a:solidFill>
+              <a:latin typeface="Franklin Gothic Book" panose="020B0503020102020204" pitchFamily="34" charset="0"/>
+            </a:endParaRPr>
+          </a:p>
+          <a:p>
+            <a:pPr algn="ctr"/>
+            <a:endParaRPr lang="en-US" sz="3200" dirty="0">
+              <a:solidFill>
+                <a:schemeClr val="accent5">
+                  <a:lumMod val="50000"/>
+                </a:schemeClr>
+              </a:solidFill>
+              <a:latin typeface="Franklin Gothic Book" panose="020B0503020102020204" pitchFamily="34" charset="0"/>
+            </a:endParaRPr>
+          </a:p>
+          <a:p>
+            <a:pPr algn="ctr"/>
+            <a:endParaRPr lang="en-US" sz="8800" dirty="0">
+              <a:solidFill>
+                <a:schemeClr val="accent5">
+                  <a:lumMod val="50000"/>
+                </a:schemeClr>
+              </a:solidFill>
+              <a:latin typeface="Franklin Gothic Book" panose="020B0503020102020204" pitchFamily="34" charset="0"/>
+            </a:endParaRPr>
+          </a:p>
+          <a:p>
+            <a:pPr algn="ctr"/>
+            <a:endParaRPr lang="en-US" sz="8800" dirty="0">
+              <a:solidFill>
+                <a:schemeClr val="accent5">
+                  <a:lumMod val="50000"/>
+                </a:schemeClr>
+              </a:solidFill>
+              <a:latin typeface="Franklin Gothic Book" panose="020B0503020102020204" pitchFamily="34" charset="0"/>
+            </a:endParaRPr>
+          </a:p>
+          <a:p>
+            <a:pPr algn="ctr"/>
+            <a:endParaRPr lang="en-US" sz="3600" dirty="0">
+              <a:solidFill>
+                <a:schemeClr val="accent5">
+                  <a:lumMod val="50000"/>
+                </a:schemeClr>
+              </a:solidFill>
+              <a:latin typeface="Franklin Gothic Book" panose="020B0503020102020204" pitchFamily="34" charset="0"/>
+            </a:endParaRPr>
+          </a:p>
+          <a:p>
+            <a:pPr algn="ctr"/>
+            <a:endParaRPr lang="en-US" sz="3600" dirty="0">
               <a:solidFill>
                 <a:srgbClr val="002060"/>
               </a:solidFill>
@@ -5172,7 +5206,7 @@
           <a:p>
             <a:pPr algn="ctr"/>
             <a:r>
-              <a:rPr lang="en-US" sz="3600">
+              <a:rPr lang="en-US" sz="3600" dirty="0" err="1">
                 <a:solidFill>
                   <a:srgbClr val="002060"/>
                 </a:solidFill>
@@ -5180,197 +5214,203 @@
               </a:rPr>
               <a:t>sdc.food</a:t>
             </a:r>
-          </a:p>
-          <a:p>
-            <a:pPr algn="ctr"/>
-            <a:endParaRPr lang="en-US" sz="2400">
-              <a:solidFill>
-                <a:schemeClr val="accent5">
-                  <a:lumMod val="50000"/>
-                </a:schemeClr>
-              </a:solidFill>
-              <a:latin typeface="Franklin Gothic Book" panose="020B0503020102020204" pitchFamily="34" charset="0"/>
-            </a:endParaRPr>
-          </a:p>
-          <a:p>
-            <a:pPr algn="ctr"/>
-            <a:endParaRPr lang="en-US" sz="2400">
-              <a:solidFill>
-                <a:schemeClr val="accent5">
-                  <a:lumMod val="50000"/>
-                </a:schemeClr>
-              </a:solidFill>
-              <a:latin typeface="Franklin Gothic Book" panose="020B0503020102020204" pitchFamily="34" charset="0"/>
-            </a:endParaRPr>
-          </a:p>
-          <a:p>
-            <a:pPr algn="ctr"/>
-            <a:endParaRPr lang="en-US" sz="2400">
-              <a:solidFill>
-                <a:schemeClr val="accent5">
-                  <a:lumMod val="50000"/>
-                </a:schemeClr>
-              </a:solidFill>
-              <a:latin typeface="Franklin Gothic Book" panose="020B0503020102020204" pitchFamily="34" charset="0"/>
-            </a:endParaRPr>
-          </a:p>
-          <a:p>
-            <a:pPr algn="ctr"/>
-            <a:endParaRPr lang="en-US" sz="2400">
-              <a:solidFill>
-                <a:schemeClr val="accent5">
-                  <a:lumMod val="50000"/>
-                </a:schemeClr>
-              </a:solidFill>
-              <a:latin typeface="Franklin Gothic Book" panose="020B0503020102020204" pitchFamily="34" charset="0"/>
-            </a:endParaRPr>
-          </a:p>
-          <a:p>
-            <a:pPr algn="ctr"/>
-            <a:endParaRPr lang="en-US" sz="2400">
-              <a:solidFill>
-                <a:schemeClr val="accent5">
-                  <a:lumMod val="50000"/>
-                </a:schemeClr>
-              </a:solidFill>
-              <a:latin typeface="Franklin Gothic Book" panose="020B0503020102020204" pitchFamily="34" charset="0"/>
-            </a:endParaRPr>
-          </a:p>
-          <a:p>
-            <a:pPr algn="ctr"/>
-            <a:endParaRPr lang="en-US" sz="2400">
-              <a:solidFill>
-                <a:schemeClr val="accent5">
-                  <a:lumMod val="50000"/>
-                </a:schemeClr>
-              </a:solidFill>
-              <a:latin typeface="Franklin Gothic Book" panose="020B0503020102020204" pitchFamily="34" charset="0"/>
-            </a:endParaRPr>
-          </a:p>
-          <a:p>
-            <a:pPr algn="ctr"/>
-            <a:endParaRPr lang="en-US" sz="2400">
-              <a:solidFill>
-                <a:schemeClr val="accent5">
-                  <a:lumMod val="50000"/>
-                </a:schemeClr>
-              </a:solidFill>
-              <a:latin typeface="Franklin Gothic Book" panose="020B0503020102020204" pitchFamily="34" charset="0"/>
-            </a:endParaRPr>
-          </a:p>
-          <a:p>
-            <a:pPr algn="ctr"/>
-            <a:endParaRPr lang="en-US" sz="2400">
-              <a:solidFill>
-                <a:schemeClr val="accent5">
-                  <a:lumMod val="50000"/>
-                </a:schemeClr>
-              </a:solidFill>
-              <a:latin typeface="Franklin Gothic Book" panose="020B0503020102020204" pitchFamily="34" charset="0"/>
-            </a:endParaRPr>
-          </a:p>
-          <a:p>
-            <a:pPr algn="ctr"/>
-            <a:endParaRPr lang="en-US" sz="2400">
-              <a:solidFill>
-                <a:schemeClr val="accent5">
-                  <a:lumMod val="50000"/>
-                </a:schemeClr>
-              </a:solidFill>
-              <a:latin typeface="Franklin Gothic Book" panose="020B0503020102020204" pitchFamily="34" charset="0"/>
-            </a:endParaRPr>
-          </a:p>
-          <a:p>
-            <a:pPr algn="ctr"/>
-            <a:endParaRPr lang="en-US" sz="2400">
-              <a:solidFill>
-                <a:schemeClr val="accent5">
-                  <a:lumMod val="50000"/>
-                </a:schemeClr>
-              </a:solidFill>
-              <a:latin typeface="Franklin Gothic Book" panose="020B0503020102020204" pitchFamily="34" charset="0"/>
-            </a:endParaRPr>
-          </a:p>
-          <a:p>
-            <a:pPr algn="ctr"/>
-            <a:endParaRPr lang="en-US" sz="2400">
-              <a:solidFill>
-                <a:schemeClr val="accent5">
-                  <a:lumMod val="50000"/>
-                </a:schemeClr>
-              </a:solidFill>
-              <a:latin typeface="Franklin Gothic Book" panose="020B0503020102020204" pitchFamily="34" charset="0"/>
-            </a:endParaRPr>
-          </a:p>
-          <a:p>
-            <a:pPr algn="ctr"/>
-            <a:endParaRPr lang="en-US" sz="2400">
-              <a:solidFill>
-                <a:schemeClr val="accent5">
-                  <a:lumMod val="50000"/>
-                </a:schemeClr>
-              </a:solidFill>
-              <a:latin typeface="Franklin Gothic Book" panose="020B0503020102020204" pitchFamily="34" charset="0"/>
-            </a:endParaRPr>
-          </a:p>
-          <a:p>
-            <a:pPr algn="ctr"/>
-            <a:endParaRPr lang="en-US" sz="2400">
-              <a:solidFill>
-                <a:schemeClr val="accent5">
-                  <a:lumMod val="50000"/>
-                </a:schemeClr>
-              </a:solidFill>
-              <a:latin typeface="Franklin Gothic Book" panose="020B0503020102020204" pitchFamily="34" charset="0"/>
-            </a:endParaRPr>
-          </a:p>
-          <a:p>
-            <a:pPr algn="ctr"/>
-            <a:endParaRPr lang="en-US" sz="2400">
-              <a:solidFill>
-                <a:schemeClr val="accent5">
-                  <a:lumMod val="50000"/>
-                </a:schemeClr>
-              </a:solidFill>
-              <a:latin typeface="Franklin Gothic Book" panose="020B0503020102020204" pitchFamily="34" charset="0"/>
-            </a:endParaRPr>
-          </a:p>
-          <a:p>
-            <a:pPr algn="ctr"/>
-            <a:endParaRPr lang="en-US" sz="2400">
-              <a:solidFill>
-                <a:schemeClr val="accent5">
-                  <a:lumMod val="50000"/>
-                </a:schemeClr>
-              </a:solidFill>
-              <a:latin typeface="Franklin Gothic Book" panose="020B0503020102020204" pitchFamily="34" charset="0"/>
-            </a:endParaRPr>
-          </a:p>
-          <a:p>
-            <a:pPr algn="ctr"/>
-            <a:endParaRPr lang="en-US" sz="2400">
-              <a:solidFill>
-                <a:schemeClr val="accent5">
-                  <a:lumMod val="50000"/>
-                </a:schemeClr>
-              </a:solidFill>
-              <a:latin typeface="Franklin Gothic Book" panose="020B0503020102020204" pitchFamily="34" charset="0"/>
-            </a:endParaRPr>
-          </a:p>
-          <a:p>
-            <a:pPr algn="ctr"/>
-            <a:endParaRPr lang="en-US" sz="2400">
-              <a:solidFill>
-                <a:schemeClr val="accent5">
-                  <a:lumMod val="50000"/>
-                </a:schemeClr>
-              </a:solidFill>
-              <a:latin typeface="Franklin Gothic Book" panose="020B0503020102020204" pitchFamily="34" charset="0"/>
-            </a:endParaRPr>
-          </a:p>
-          <a:p>
-            <a:pPr algn="ctr"/>
-            <a:endParaRPr lang="en-US" sz="3200">
+            <a:endParaRPr lang="en-US" sz="3600" dirty="0">
+              <a:solidFill>
+                <a:srgbClr val="002060"/>
+              </a:solidFill>
+              <a:latin typeface="Franklin Gothic Book" panose="020B0503020102020204" pitchFamily="34" charset="0"/>
+            </a:endParaRPr>
+          </a:p>
+          <a:p>
+            <a:pPr algn="ctr"/>
+            <a:endParaRPr lang="en-US" sz="2400" dirty="0">
+              <a:solidFill>
+                <a:schemeClr val="accent5">
+                  <a:lumMod val="50000"/>
+                </a:schemeClr>
+              </a:solidFill>
+              <a:latin typeface="Franklin Gothic Book" panose="020B0503020102020204" pitchFamily="34" charset="0"/>
+            </a:endParaRPr>
+          </a:p>
+          <a:p>
+            <a:pPr algn="ctr"/>
+            <a:endParaRPr lang="en-US" sz="2400" dirty="0">
+              <a:solidFill>
+                <a:schemeClr val="accent5">
+                  <a:lumMod val="50000"/>
+                </a:schemeClr>
+              </a:solidFill>
+              <a:latin typeface="Franklin Gothic Book" panose="020B0503020102020204" pitchFamily="34" charset="0"/>
+            </a:endParaRPr>
+          </a:p>
+          <a:p>
+            <a:pPr algn="ctr"/>
+            <a:endParaRPr lang="en-US" sz="2400" dirty="0">
+              <a:solidFill>
+                <a:schemeClr val="accent5">
+                  <a:lumMod val="50000"/>
+                </a:schemeClr>
+              </a:solidFill>
+              <a:latin typeface="Franklin Gothic Book" panose="020B0503020102020204" pitchFamily="34" charset="0"/>
+            </a:endParaRPr>
+          </a:p>
+          <a:p>
+            <a:pPr algn="ctr"/>
+            <a:endParaRPr lang="en-US" sz="2400" dirty="0">
+              <a:solidFill>
+                <a:schemeClr val="accent5">
+                  <a:lumMod val="50000"/>
+                </a:schemeClr>
+              </a:solidFill>
+              <a:latin typeface="Franklin Gothic Book" panose="020B0503020102020204" pitchFamily="34" charset="0"/>
+            </a:endParaRPr>
+          </a:p>
+          <a:p>
+            <a:pPr algn="ctr"/>
+            <a:endParaRPr lang="en-US" sz="2400" dirty="0">
+              <a:solidFill>
+                <a:schemeClr val="accent5">
+                  <a:lumMod val="50000"/>
+                </a:schemeClr>
+              </a:solidFill>
+              <a:latin typeface="Franklin Gothic Book" panose="020B0503020102020204" pitchFamily="34" charset="0"/>
+            </a:endParaRPr>
+          </a:p>
+          <a:p>
+            <a:pPr algn="ctr"/>
+            <a:endParaRPr lang="en-US" sz="2400" dirty="0">
+              <a:solidFill>
+                <a:schemeClr val="accent5">
+                  <a:lumMod val="50000"/>
+                </a:schemeClr>
+              </a:solidFill>
+              <a:latin typeface="Franklin Gothic Book" panose="020B0503020102020204" pitchFamily="34" charset="0"/>
+            </a:endParaRPr>
+          </a:p>
+          <a:p>
+            <a:pPr algn="ctr"/>
+            <a:endParaRPr lang="en-US" sz="2400" dirty="0">
+              <a:solidFill>
+                <a:schemeClr val="accent5">
+                  <a:lumMod val="50000"/>
+                </a:schemeClr>
+              </a:solidFill>
+              <a:latin typeface="Franklin Gothic Book" panose="020B0503020102020204" pitchFamily="34" charset="0"/>
+            </a:endParaRPr>
+          </a:p>
+          <a:p>
+            <a:pPr algn="ctr"/>
+            <a:endParaRPr lang="en-US" sz="2400" dirty="0">
+              <a:solidFill>
+                <a:schemeClr val="accent5">
+                  <a:lumMod val="50000"/>
+                </a:schemeClr>
+              </a:solidFill>
+              <a:latin typeface="Franklin Gothic Book" panose="020B0503020102020204" pitchFamily="34" charset="0"/>
+            </a:endParaRPr>
+          </a:p>
+          <a:p>
+            <a:pPr algn="ctr"/>
+            <a:endParaRPr lang="en-US" sz="2400" dirty="0">
+              <a:solidFill>
+                <a:schemeClr val="accent5">
+                  <a:lumMod val="50000"/>
+                </a:schemeClr>
+              </a:solidFill>
+              <a:latin typeface="Franklin Gothic Book" panose="020B0503020102020204" pitchFamily="34" charset="0"/>
+            </a:endParaRPr>
+          </a:p>
+          <a:p>
+            <a:pPr algn="ctr"/>
+            <a:endParaRPr lang="en-US" sz="2400" dirty="0">
+              <a:solidFill>
+                <a:schemeClr val="accent5">
+                  <a:lumMod val="50000"/>
+                </a:schemeClr>
+              </a:solidFill>
+              <a:latin typeface="Franklin Gothic Book" panose="020B0503020102020204" pitchFamily="34" charset="0"/>
+            </a:endParaRPr>
+          </a:p>
+          <a:p>
+            <a:pPr algn="ctr"/>
+            <a:endParaRPr lang="en-US" sz="2400" dirty="0">
+              <a:solidFill>
+                <a:schemeClr val="accent5">
+                  <a:lumMod val="50000"/>
+                </a:schemeClr>
+              </a:solidFill>
+              <a:latin typeface="Franklin Gothic Book" panose="020B0503020102020204" pitchFamily="34" charset="0"/>
+            </a:endParaRPr>
+          </a:p>
+          <a:p>
+            <a:pPr algn="ctr"/>
+            <a:endParaRPr lang="en-US" sz="2400" dirty="0">
+              <a:solidFill>
+                <a:schemeClr val="accent5">
+                  <a:lumMod val="50000"/>
+                </a:schemeClr>
+              </a:solidFill>
+              <a:latin typeface="Franklin Gothic Book" panose="020B0503020102020204" pitchFamily="34" charset="0"/>
+            </a:endParaRPr>
+          </a:p>
+          <a:p>
+            <a:pPr algn="ctr"/>
+            <a:endParaRPr lang="en-US" sz="2400" dirty="0">
+              <a:solidFill>
+                <a:schemeClr val="accent5">
+                  <a:lumMod val="50000"/>
+                </a:schemeClr>
+              </a:solidFill>
+              <a:latin typeface="Franklin Gothic Book" panose="020B0503020102020204" pitchFamily="34" charset="0"/>
+            </a:endParaRPr>
+          </a:p>
+          <a:p>
+            <a:pPr algn="ctr"/>
+            <a:endParaRPr lang="en-US" sz="2400" dirty="0">
+              <a:solidFill>
+                <a:schemeClr val="accent5">
+                  <a:lumMod val="50000"/>
+                </a:schemeClr>
+              </a:solidFill>
+              <a:latin typeface="Franklin Gothic Book" panose="020B0503020102020204" pitchFamily="34" charset="0"/>
+            </a:endParaRPr>
+          </a:p>
+          <a:p>
+            <a:pPr algn="ctr"/>
+            <a:endParaRPr lang="en-US" sz="2400" dirty="0">
+              <a:solidFill>
+                <a:schemeClr val="accent5">
+                  <a:lumMod val="50000"/>
+                </a:schemeClr>
+              </a:solidFill>
+              <a:latin typeface="Franklin Gothic Book" panose="020B0503020102020204" pitchFamily="34" charset="0"/>
+            </a:endParaRPr>
+          </a:p>
+          <a:p>
+            <a:pPr algn="ctr"/>
+            <a:endParaRPr lang="en-US" sz="2400" dirty="0">
+              <a:solidFill>
+                <a:schemeClr val="accent5">
+                  <a:lumMod val="50000"/>
+                </a:schemeClr>
+              </a:solidFill>
+              <a:latin typeface="Franklin Gothic Book" panose="020B0503020102020204" pitchFamily="34" charset="0"/>
+            </a:endParaRPr>
+          </a:p>
+          <a:p>
+            <a:pPr algn="ctr"/>
+            <a:endParaRPr lang="en-US" sz="2400" dirty="0">
+              <a:solidFill>
+                <a:schemeClr val="accent5">
+                  <a:lumMod val="50000"/>
+                </a:schemeClr>
+              </a:solidFill>
+              <a:latin typeface="Franklin Gothic Book" panose="020B0503020102020204" pitchFamily="34" charset="0"/>
+            </a:endParaRPr>
+          </a:p>
+          <a:p>
+            <a:pPr algn="ctr"/>
+            <a:endParaRPr lang="en-US" sz="3200" dirty="0">
               <a:solidFill>
                 <a:schemeClr val="accent5">
                   <a:lumMod val="50000"/>
@@ -5876,73 +5916,73 @@
           <a:lstStyle/>
           <a:p>
             <a:pPr algn="ctr"/>
-            <a:endParaRPr lang="en-US" sz="3200">
-              <a:solidFill>
-                <a:schemeClr val="accent5">
-                  <a:lumMod val="50000"/>
-                </a:schemeClr>
-              </a:solidFill>
-              <a:latin typeface="Franklin Gothic Book" panose="020B0503020102020204" pitchFamily="34" charset="0"/>
-            </a:endParaRPr>
-          </a:p>
-          <a:p>
-            <a:pPr algn="ctr"/>
-            <a:endParaRPr lang="en-US" sz="3200">
-              <a:solidFill>
-                <a:schemeClr val="accent5">
-                  <a:lumMod val="50000"/>
-                </a:schemeClr>
-              </a:solidFill>
-              <a:latin typeface="Franklin Gothic Book" panose="020B0503020102020204" pitchFamily="34" charset="0"/>
-            </a:endParaRPr>
-          </a:p>
-          <a:p>
-            <a:pPr algn="ctr"/>
-            <a:endParaRPr lang="en-US" sz="3200">
-              <a:solidFill>
-                <a:schemeClr val="accent5">
-                  <a:lumMod val="50000"/>
-                </a:schemeClr>
-              </a:solidFill>
-              <a:latin typeface="Franklin Gothic Book" panose="020B0503020102020204" pitchFamily="34" charset="0"/>
-            </a:endParaRPr>
-          </a:p>
-          <a:p>
-            <a:pPr algn="ctr"/>
-            <a:endParaRPr lang="en-US" sz="8800">
-              <a:solidFill>
-                <a:schemeClr val="accent5">
-                  <a:lumMod val="50000"/>
-                </a:schemeClr>
-              </a:solidFill>
-              <a:latin typeface="Franklin Gothic Book" panose="020B0503020102020204" pitchFamily="34" charset="0"/>
-            </a:endParaRPr>
-          </a:p>
-          <a:p>
-            <a:pPr algn="ctr"/>
-            <a:endParaRPr lang="en-US" sz="8800">
-              <a:solidFill>
-                <a:schemeClr val="accent5">
-                  <a:lumMod val="50000"/>
-                </a:schemeClr>
-              </a:solidFill>
-              <a:latin typeface="Franklin Gothic Book" panose="020B0503020102020204" pitchFamily="34" charset="0"/>
-            </a:endParaRPr>
-          </a:p>
-          <a:p>
-            <a:pPr algn="ctr"/>
-            <a:endParaRPr lang="en-US" sz="3600">
-              <a:solidFill>
-                <a:schemeClr val="accent5">
-                  <a:lumMod val="50000"/>
-                </a:schemeClr>
-              </a:solidFill>
-              <a:latin typeface="Franklin Gothic Book" panose="020B0503020102020204" pitchFamily="34" charset="0"/>
-            </a:endParaRPr>
-          </a:p>
-          <a:p>
-            <a:pPr algn="ctr"/>
-            <a:endParaRPr lang="en-US" sz="3600">
+            <a:endParaRPr lang="en-US" sz="3200" dirty="0">
+              <a:solidFill>
+                <a:schemeClr val="accent5">
+                  <a:lumMod val="50000"/>
+                </a:schemeClr>
+              </a:solidFill>
+              <a:latin typeface="Franklin Gothic Book" panose="020B0503020102020204" pitchFamily="34" charset="0"/>
+            </a:endParaRPr>
+          </a:p>
+          <a:p>
+            <a:pPr algn="ctr"/>
+            <a:endParaRPr lang="en-US" sz="3200" dirty="0">
+              <a:solidFill>
+                <a:schemeClr val="accent5">
+                  <a:lumMod val="50000"/>
+                </a:schemeClr>
+              </a:solidFill>
+              <a:latin typeface="Franklin Gothic Book" panose="020B0503020102020204" pitchFamily="34" charset="0"/>
+            </a:endParaRPr>
+          </a:p>
+          <a:p>
+            <a:pPr algn="ctr"/>
+            <a:endParaRPr lang="en-US" sz="3200" dirty="0">
+              <a:solidFill>
+                <a:schemeClr val="accent5">
+                  <a:lumMod val="50000"/>
+                </a:schemeClr>
+              </a:solidFill>
+              <a:latin typeface="Franklin Gothic Book" panose="020B0503020102020204" pitchFamily="34" charset="0"/>
+            </a:endParaRPr>
+          </a:p>
+          <a:p>
+            <a:pPr algn="ctr"/>
+            <a:endParaRPr lang="en-US" sz="8800" dirty="0">
+              <a:solidFill>
+                <a:schemeClr val="accent5">
+                  <a:lumMod val="50000"/>
+                </a:schemeClr>
+              </a:solidFill>
+              <a:latin typeface="Franklin Gothic Book" panose="020B0503020102020204" pitchFamily="34" charset="0"/>
+            </a:endParaRPr>
+          </a:p>
+          <a:p>
+            <a:pPr algn="ctr"/>
+            <a:endParaRPr lang="en-US" sz="8800" dirty="0">
+              <a:solidFill>
+                <a:schemeClr val="accent5">
+                  <a:lumMod val="50000"/>
+                </a:schemeClr>
+              </a:solidFill>
+              <a:latin typeface="Franklin Gothic Book" panose="020B0503020102020204" pitchFamily="34" charset="0"/>
+            </a:endParaRPr>
+          </a:p>
+          <a:p>
+            <a:pPr algn="ctr"/>
+            <a:endParaRPr lang="en-US" sz="3600" dirty="0">
+              <a:solidFill>
+                <a:schemeClr val="accent5">
+                  <a:lumMod val="50000"/>
+                </a:schemeClr>
+              </a:solidFill>
+              <a:latin typeface="Franklin Gothic Book" panose="020B0503020102020204" pitchFamily="34" charset="0"/>
+            </a:endParaRPr>
+          </a:p>
+          <a:p>
+            <a:pPr algn="ctr"/>
+            <a:endParaRPr lang="en-US" sz="3600" dirty="0">
               <a:solidFill>
                 <a:schemeClr val="accent5">
                   <a:lumMod val="50000"/>
@@ -5954,7 +5994,7 @@
           <a:p>
             <a:pPr algn="ctr"/>
             <a:r>
-              <a:rPr lang="en-US" sz="3600">
+              <a:rPr lang="en-US" sz="3600" dirty="0">
                 <a:solidFill>
                   <a:schemeClr val="accent5">
                     <a:lumMod val="50000"/>
@@ -5967,194 +6007,194 @@
           </a:p>
           <a:p>
             <a:pPr algn="ctr"/>
-            <a:endParaRPr lang="en-US" sz="2400">
-              <a:solidFill>
-                <a:schemeClr val="accent5">
-                  <a:lumMod val="50000"/>
-                </a:schemeClr>
-              </a:solidFill>
-              <a:latin typeface="Franklin Gothic Book" panose="020B0503020102020204" pitchFamily="34" charset="0"/>
-            </a:endParaRPr>
-          </a:p>
-          <a:p>
-            <a:pPr algn="ctr"/>
-            <a:endParaRPr lang="en-US" sz="2400">
-              <a:solidFill>
-                <a:schemeClr val="accent5">
-                  <a:lumMod val="50000"/>
-                </a:schemeClr>
-              </a:solidFill>
-              <a:latin typeface="Franklin Gothic Book" panose="020B0503020102020204" pitchFamily="34" charset="0"/>
-            </a:endParaRPr>
-          </a:p>
-          <a:p>
-            <a:pPr algn="ctr"/>
-            <a:endParaRPr lang="en-US" sz="2400">
-              <a:solidFill>
-                <a:schemeClr val="accent5">
-                  <a:lumMod val="50000"/>
-                </a:schemeClr>
-              </a:solidFill>
-              <a:latin typeface="Franklin Gothic Book" panose="020B0503020102020204" pitchFamily="34" charset="0"/>
-            </a:endParaRPr>
-          </a:p>
-          <a:p>
-            <a:pPr algn="ctr"/>
-            <a:endParaRPr lang="en-US" sz="2400">
-              <a:solidFill>
-                <a:schemeClr val="accent5">
-                  <a:lumMod val="50000"/>
-                </a:schemeClr>
-              </a:solidFill>
-              <a:latin typeface="Franklin Gothic Book" panose="020B0503020102020204" pitchFamily="34" charset="0"/>
-            </a:endParaRPr>
-          </a:p>
-          <a:p>
-            <a:pPr algn="ctr"/>
-            <a:endParaRPr lang="en-US" sz="2400">
-              <a:solidFill>
-                <a:schemeClr val="accent5">
-                  <a:lumMod val="50000"/>
-                </a:schemeClr>
-              </a:solidFill>
-              <a:latin typeface="Franklin Gothic Book" panose="020B0503020102020204" pitchFamily="34" charset="0"/>
-            </a:endParaRPr>
-          </a:p>
-          <a:p>
-            <a:pPr algn="ctr"/>
-            <a:endParaRPr lang="en-US" sz="2400">
-              <a:solidFill>
-                <a:schemeClr val="accent5">
-                  <a:lumMod val="50000"/>
-                </a:schemeClr>
-              </a:solidFill>
-              <a:latin typeface="Franklin Gothic Book" panose="020B0503020102020204" pitchFamily="34" charset="0"/>
-            </a:endParaRPr>
-          </a:p>
-          <a:p>
-            <a:pPr algn="ctr"/>
-            <a:endParaRPr lang="en-US" sz="2400">
-              <a:solidFill>
-                <a:schemeClr val="accent5">
-                  <a:lumMod val="50000"/>
-                </a:schemeClr>
-              </a:solidFill>
-              <a:latin typeface="Franklin Gothic Book" panose="020B0503020102020204" pitchFamily="34" charset="0"/>
-            </a:endParaRPr>
-          </a:p>
-          <a:p>
-            <a:pPr algn="ctr"/>
-            <a:endParaRPr lang="en-US" sz="2400">
-              <a:solidFill>
-                <a:schemeClr val="accent5">
-                  <a:lumMod val="50000"/>
-                </a:schemeClr>
-              </a:solidFill>
-              <a:latin typeface="Franklin Gothic Book" panose="020B0503020102020204" pitchFamily="34" charset="0"/>
-            </a:endParaRPr>
-          </a:p>
-          <a:p>
-            <a:pPr algn="ctr"/>
-            <a:endParaRPr lang="en-US" sz="2400">
-              <a:solidFill>
-                <a:schemeClr val="accent5">
-                  <a:lumMod val="50000"/>
-                </a:schemeClr>
-              </a:solidFill>
-              <a:latin typeface="Franklin Gothic Book" panose="020B0503020102020204" pitchFamily="34" charset="0"/>
-            </a:endParaRPr>
-          </a:p>
-          <a:p>
-            <a:pPr algn="ctr"/>
-            <a:endParaRPr lang="en-US" sz="2400">
-              <a:solidFill>
-                <a:schemeClr val="accent5">
-                  <a:lumMod val="50000"/>
-                </a:schemeClr>
-              </a:solidFill>
-              <a:latin typeface="Franklin Gothic Book" panose="020B0503020102020204" pitchFamily="34" charset="0"/>
-            </a:endParaRPr>
-          </a:p>
-          <a:p>
-            <a:pPr algn="ctr"/>
-            <a:endParaRPr lang="en-US" sz="2400">
-              <a:solidFill>
-                <a:schemeClr val="accent5">
-                  <a:lumMod val="50000"/>
-                </a:schemeClr>
-              </a:solidFill>
-              <a:latin typeface="Franklin Gothic Book" panose="020B0503020102020204" pitchFamily="34" charset="0"/>
-            </a:endParaRPr>
-          </a:p>
-          <a:p>
-            <a:pPr algn="ctr"/>
-            <a:endParaRPr lang="en-US" sz="2400">
-              <a:solidFill>
-                <a:schemeClr val="accent5">
-                  <a:lumMod val="50000"/>
-                </a:schemeClr>
-              </a:solidFill>
-              <a:latin typeface="Franklin Gothic Book" panose="020B0503020102020204" pitchFamily="34" charset="0"/>
-            </a:endParaRPr>
-          </a:p>
-          <a:p>
-            <a:pPr algn="ctr"/>
-            <a:endParaRPr lang="en-US" sz="2400">
-              <a:solidFill>
-                <a:schemeClr val="accent5">
-                  <a:lumMod val="50000"/>
-                </a:schemeClr>
-              </a:solidFill>
-              <a:latin typeface="Franklin Gothic Book" panose="020B0503020102020204" pitchFamily="34" charset="0"/>
-            </a:endParaRPr>
-          </a:p>
-          <a:p>
-            <a:pPr algn="ctr"/>
-            <a:endParaRPr lang="en-US" sz="2400">
-              <a:solidFill>
-                <a:schemeClr val="accent5">
-                  <a:lumMod val="50000"/>
-                </a:schemeClr>
-              </a:solidFill>
-              <a:latin typeface="Franklin Gothic Book" panose="020B0503020102020204" pitchFamily="34" charset="0"/>
-            </a:endParaRPr>
-          </a:p>
-          <a:p>
-            <a:pPr algn="ctr"/>
-            <a:endParaRPr lang="en-US" sz="2400">
-              <a:solidFill>
-                <a:schemeClr val="accent5">
-                  <a:lumMod val="50000"/>
-                </a:schemeClr>
-              </a:solidFill>
-              <a:latin typeface="Franklin Gothic Book" panose="020B0503020102020204" pitchFamily="34" charset="0"/>
-            </a:endParaRPr>
-          </a:p>
-          <a:p>
-            <a:pPr algn="ctr"/>
-            <a:endParaRPr lang="en-US" sz="2400">
-              <a:solidFill>
-                <a:schemeClr val="accent5">
-                  <a:lumMod val="50000"/>
-                </a:schemeClr>
-              </a:solidFill>
-              <a:latin typeface="Franklin Gothic Book" panose="020B0503020102020204" pitchFamily="34" charset="0"/>
-            </a:endParaRPr>
-          </a:p>
-          <a:p>
-            <a:pPr algn="ctr"/>
-            <a:endParaRPr lang="en-US" sz="2400">
-              <a:solidFill>
-                <a:schemeClr val="accent5">
-                  <a:lumMod val="50000"/>
-                </a:schemeClr>
-              </a:solidFill>
-              <a:latin typeface="Franklin Gothic Book" panose="020B0503020102020204" pitchFamily="34" charset="0"/>
-            </a:endParaRPr>
-          </a:p>
-          <a:p>
-            <a:pPr algn="ctr"/>
-            <a:endParaRPr lang="en-US" sz="3200">
+            <a:endParaRPr lang="en-US" sz="2400" dirty="0">
+              <a:solidFill>
+                <a:schemeClr val="accent5">
+                  <a:lumMod val="50000"/>
+                </a:schemeClr>
+              </a:solidFill>
+              <a:latin typeface="Franklin Gothic Book" panose="020B0503020102020204" pitchFamily="34" charset="0"/>
+            </a:endParaRPr>
+          </a:p>
+          <a:p>
+            <a:pPr algn="ctr"/>
+            <a:endParaRPr lang="en-US" sz="2400" dirty="0">
+              <a:solidFill>
+                <a:schemeClr val="accent5">
+                  <a:lumMod val="50000"/>
+                </a:schemeClr>
+              </a:solidFill>
+              <a:latin typeface="Franklin Gothic Book" panose="020B0503020102020204" pitchFamily="34" charset="0"/>
+            </a:endParaRPr>
+          </a:p>
+          <a:p>
+            <a:pPr algn="ctr"/>
+            <a:endParaRPr lang="en-US" sz="2400" dirty="0">
+              <a:solidFill>
+                <a:schemeClr val="accent5">
+                  <a:lumMod val="50000"/>
+                </a:schemeClr>
+              </a:solidFill>
+              <a:latin typeface="Franklin Gothic Book" panose="020B0503020102020204" pitchFamily="34" charset="0"/>
+            </a:endParaRPr>
+          </a:p>
+          <a:p>
+            <a:pPr algn="ctr"/>
+            <a:endParaRPr lang="en-US" sz="2400" dirty="0">
+              <a:solidFill>
+                <a:schemeClr val="accent5">
+                  <a:lumMod val="50000"/>
+                </a:schemeClr>
+              </a:solidFill>
+              <a:latin typeface="Franklin Gothic Book" panose="020B0503020102020204" pitchFamily="34" charset="0"/>
+            </a:endParaRPr>
+          </a:p>
+          <a:p>
+            <a:pPr algn="ctr"/>
+            <a:endParaRPr lang="en-US" sz="2400" dirty="0">
+              <a:solidFill>
+                <a:schemeClr val="accent5">
+                  <a:lumMod val="50000"/>
+                </a:schemeClr>
+              </a:solidFill>
+              <a:latin typeface="Franklin Gothic Book" panose="020B0503020102020204" pitchFamily="34" charset="0"/>
+            </a:endParaRPr>
+          </a:p>
+          <a:p>
+            <a:pPr algn="ctr"/>
+            <a:endParaRPr lang="en-US" sz="2400" dirty="0">
+              <a:solidFill>
+                <a:schemeClr val="accent5">
+                  <a:lumMod val="50000"/>
+                </a:schemeClr>
+              </a:solidFill>
+              <a:latin typeface="Franklin Gothic Book" panose="020B0503020102020204" pitchFamily="34" charset="0"/>
+            </a:endParaRPr>
+          </a:p>
+          <a:p>
+            <a:pPr algn="ctr"/>
+            <a:endParaRPr lang="en-US" sz="2400" dirty="0">
+              <a:solidFill>
+                <a:schemeClr val="accent5">
+                  <a:lumMod val="50000"/>
+                </a:schemeClr>
+              </a:solidFill>
+              <a:latin typeface="Franklin Gothic Book" panose="020B0503020102020204" pitchFamily="34" charset="0"/>
+            </a:endParaRPr>
+          </a:p>
+          <a:p>
+            <a:pPr algn="ctr"/>
+            <a:endParaRPr lang="en-US" sz="2400" dirty="0">
+              <a:solidFill>
+                <a:schemeClr val="accent5">
+                  <a:lumMod val="50000"/>
+                </a:schemeClr>
+              </a:solidFill>
+              <a:latin typeface="Franklin Gothic Book" panose="020B0503020102020204" pitchFamily="34" charset="0"/>
+            </a:endParaRPr>
+          </a:p>
+          <a:p>
+            <a:pPr algn="ctr"/>
+            <a:endParaRPr lang="en-US" sz="2400" dirty="0">
+              <a:solidFill>
+                <a:schemeClr val="accent5">
+                  <a:lumMod val="50000"/>
+                </a:schemeClr>
+              </a:solidFill>
+              <a:latin typeface="Franklin Gothic Book" panose="020B0503020102020204" pitchFamily="34" charset="0"/>
+            </a:endParaRPr>
+          </a:p>
+          <a:p>
+            <a:pPr algn="ctr"/>
+            <a:endParaRPr lang="en-US" sz="2400" dirty="0">
+              <a:solidFill>
+                <a:schemeClr val="accent5">
+                  <a:lumMod val="50000"/>
+                </a:schemeClr>
+              </a:solidFill>
+              <a:latin typeface="Franklin Gothic Book" panose="020B0503020102020204" pitchFamily="34" charset="0"/>
+            </a:endParaRPr>
+          </a:p>
+          <a:p>
+            <a:pPr algn="ctr"/>
+            <a:endParaRPr lang="en-US" sz="2400" dirty="0">
+              <a:solidFill>
+                <a:schemeClr val="accent5">
+                  <a:lumMod val="50000"/>
+                </a:schemeClr>
+              </a:solidFill>
+              <a:latin typeface="Franklin Gothic Book" panose="020B0503020102020204" pitchFamily="34" charset="0"/>
+            </a:endParaRPr>
+          </a:p>
+          <a:p>
+            <a:pPr algn="ctr"/>
+            <a:endParaRPr lang="en-US" sz="2400" dirty="0">
+              <a:solidFill>
+                <a:schemeClr val="accent5">
+                  <a:lumMod val="50000"/>
+                </a:schemeClr>
+              </a:solidFill>
+              <a:latin typeface="Franklin Gothic Book" panose="020B0503020102020204" pitchFamily="34" charset="0"/>
+            </a:endParaRPr>
+          </a:p>
+          <a:p>
+            <a:pPr algn="ctr"/>
+            <a:endParaRPr lang="en-US" sz="2400" dirty="0">
+              <a:solidFill>
+                <a:schemeClr val="accent5">
+                  <a:lumMod val="50000"/>
+                </a:schemeClr>
+              </a:solidFill>
+              <a:latin typeface="Franklin Gothic Book" panose="020B0503020102020204" pitchFamily="34" charset="0"/>
+            </a:endParaRPr>
+          </a:p>
+          <a:p>
+            <a:pPr algn="ctr"/>
+            <a:endParaRPr lang="en-US" sz="2400" dirty="0">
+              <a:solidFill>
+                <a:schemeClr val="accent5">
+                  <a:lumMod val="50000"/>
+                </a:schemeClr>
+              </a:solidFill>
+              <a:latin typeface="Franklin Gothic Book" panose="020B0503020102020204" pitchFamily="34" charset="0"/>
+            </a:endParaRPr>
+          </a:p>
+          <a:p>
+            <a:pPr algn="ctr"/>
+            <a:endParaRPr lang="en-US" sz="2400" dirty="0">
+              <a:solidFill>
+                <a:schemeClr val="accent5">
+                  <a:lumMod val="50000"/>
+                </a:schemeClr>
+              </a:solidFill>
+              <a:latin typeface="Franklin Gothic Book" panose="020B0503020102020204" pitchFamily="34" charset="0"/>
+            </a:endParaRPr>
+          </a:p>
+          <a:p>
+            <a:pPr algn="ctr"/>
+            <a:endParaRPr lang="en-US" sz="2400" dirty="0">
+              <a:solidFill>
+                <a:schemeClr val="accent5">
+                  <a:lumMod val="50000"/>
+                </a:schemeClr>
+              </a:solidFill>
+              <a:latin typeface="Franklin Gothic Book" panose="020B0503020102020204" pitchFamily="34" charset="0"/>
+            </a:endParaRPr>
+          </a:p>
+          <a:p>
+            <a:pPr algn="ctr"/>
+            <a:endParaRPr lang="en-US" sz="2400" dirty="0">
+              <a:solidFill>
+                <a:schemeClr val="accent5">
+                  <a:lumMod val="50000"/>
+                </a:schemeClr>
+              </a:solidFill>
+              <a:latin typeface="Franklin Gothic Book" panose="020B0503020102020204" pitchFamily="34" charset="0"/>
+            </a:endParaRPr>
+          </a:p>
+          <a:p>
+            <a:pPr algn="ctr"/>
+            <a:endParaRPr lang="en-US" sz="3200" dirty="0">
               <a:solidFill>
                 <a:schemeClr val="accent5">
                   <a:lumMod val="50000"/>
@@ -6179,8 +6219,8 @@
         </p:nvSpPr>
         <p:spPr>
           <a:xfrm>
-            <a:off x="4358847" y="22660587"/>
-            <a:ext cx="3291840" cy="3291840"/>
+            <a:off x="3027989" y="22660587"/>
+            <a:ext cx="4622698" cy="4622698"/>
           </a:xfrm>
           <a:prstGeom prst="ellipse">
             <a:avLst/>
@@ -6518,8 +6558,8 @@
         </p:nvSpPr>
         <p:spPr>
           <a:xfrm>
-            <a:off x="10801833" y="24525962"/>
-            <a:ext cx="3291840" cy="3291840"/>
+            <a:off x="10878997" y="23772875"/>
+            <a:ext cx="4044927" cy="4044927"/>
           </a:xfrm>
           <a:prstGeom prst="ellipse">
             <a:avLst/>
@@ -6556,73 +6596,84 @@
           <a:lstStyle/>
           <a:p>
             <a:pPr algn="ctr"/>
-            <a:endParaRPr lang="en-US" sz="3200">
-              <a:solidFill>
-                <a:schemeClr val="accent5">
-                  <a:lumMod val="50000"/>
-                </a:schemeClr>
-              </a:solidFill>
-              <a:latin typeface="Franklin Gothic Book" panose="020B0503020102020204" pitchFamily="34" charset="0"/>
-            </a:endParaRPr>
-          </a:p>
-          <a:p>
-            <a:pPr algn="ctr"/>
-            <a:endParaRPr lang="en-US" sz="3200">
-              <a:solidFill>
-                <a:schemeClr val="accent5">
-                  <a:lumMod val="50000"/>
-                </a:schemeClr>
-              </a:solidFill>
-              <a:latin typeface="Franklin Gothic Book" panose="020B0503020102020204" pitchFamily="34" charset="0"/>
-            </a:endParaRPr>
-          </a:p>
-          <a:p>
-            <a:pPr algn="ctr"/>
-            <a:endParaRPr lang="en-US" sz="3200">
-              <a:solidFill>
-                <a:schemeClr val="accent5">
-                  <a:lumMod val="50000"/>
-                </a:schemeClr>
-              </a:solidFill>
-              <a:latin typeface="Franklin Gothic Book" panose="020B0503020102020204" pitchFamily="34" charset="0"/>
-            </a:endParaRPr>
-          </a:p>
-          <a:p>
-            <a:pPr algn="ctr"/>
-            <a:endParaRPr lang="en-US" sz="8800">
-              <a:solidFill>
-                <a:schemeClr val="accent5">
-                  <a:lumMod val="50000"/>
-                </a:schemeClr>
-              </a:solidFill>
-              <a:latin typeface="Franklin Gothic Book" panose="020B0503020102020204" pitchFamily="34" charset="0"/>
-            </a:endParaRPr>
-          </a:p>
-          <a:p>
-            <a:pPr algn="ctr"/>
-            <a:endParaRPr lang="en-US" sz="8800">
-              <a:solidFill>
-                <a:schemeClr val="accent5">
-                  <a:lumMod val="50000"/>
-                </a:schemeClr>
-              </a:solidFill>
-              <a:latin typeface="Franklin Gothic Book" panose="020B0503020102020204" pitchFamily="34" charset="0"/>
-            </a:endParaRPr>
-          </a:p>
-          <a:p>
-            <a:pPr algn="ctr"/>
-            <a:endParaRPr lang="en-US" sz="5400">
-              <a:solidFill>
-                <a:schemeClr val="accent5">
-                  <a:lumMod val="50000"/>
-                </a:schemeClr>
-              </a:solidFill>
-              <a:latin typeface="Franklin Gothic Book" panose="020B0503020102020204" pitchFamily="34" charset="0"/>
-            </a:endParaRPr>
-          </a:p>
-          <a:p>
-            <a:pPr algn="ctr"/>
-            <a:endParaRPr lang="en-US" sz="3600">
+            <a:endParaRPr lang="en-US" sz="3200" dirty="0">
+              <a:solidFill>
+                <a:schemeClr val="accent5">
+                  <a:lumMod val="50000"/>
+                </a:schemeClr>
+              </a:solidFill>
+              <a:latin typeface="Franklin Gothic Book" panose="020B0503020102020204" pitchFamily="34" charset="0"/>
+            </a:endParaRPr>
+          </a:p>
+          <a:p>
+            <a:pPr algn="ctr"/>
+            <a:endParaRPr lang="en-US" sz="3200" dirty="0">
+              <a:solidFill>
+                <a:schemeClr val="accent5">
+                  <a:lumMod val="50000"/>
+                </a:schemeClr>
+              </a:solidFill>
+              <a:latin typeface="Franklin Gothic Book" panose="020B0503020102020204" pitchFamily="34" charset="0"/>
+            </a:endParaRPr>
+          </a:p>
+          <a:p>
+            <a:pPr algn="ctr"/>
+            <a:endParaRPr lang="en-US" sz="3200" dirty="0">
+              <a:solidFill>
+                <a:schemeClr val="accent5">
+                  <a:lumMod val="50000"/>
+                </a:schemeClr>
+              </a:solidFill>
+              <a:latin typeface="Franklin Gothic Book" panose="020B0503020102020204" pitchFamily="34" charset="0"/>
+            </a:endParaRPr>
+          </a:p>
+          <a:p>
+            <a:pPr algn="ctr"/>
+            <a:endParaRPr lang="en-US" sz="8800" dirty="0">
+              <a:solidFill>
+                <a:schemeClr val="accent5">
+                  <a:lumMod val="50000"/>
+                </a:schemeClr>
+              </a:solidFill>
+              <a:latin typeface="Franklin Gothic Book" panose="020B0503020102020204" pitchFamily="34" charset="0"/>
+            </a:endParaRPr>
+          </a:p>
+          <a:p>
+            <a:pPr algn="ctr"/>
+            <a:endParaRPr lang="en-US" sz="8800" dirty="0">
+              <a:solidFill>
+                <a:schemeClr val="accent5">
+                  <a:lumMod val="50000"/>
+                </a:schemeClr>
+              </a:solidFill>
+              <a:latin typeface="Franklin Gothic Book" panose="020B0503020102020204" pitchFamily="34" charset="0"/>
+            </a:endParaRPr>
+          </a:p>
+          <a:p>
+            <a:pPr algn="ctr"/>
+            <a:endParaRPr lang="en-US" sz="5400" dirty="0">
+              <a:solidFill>
+                <a:schemeClr val="accent5">
+                  <a:lumMod val="50000"/>
+                </a:schemeClr>
+              </a:solidFill>
+              <a:latin typeface="Franklin Gothic Book" panose="020B0503020102020204" pitchFamily="34" charset="0"/>
+            </a:endParaRPr>
+          </a:p>
+          <a:p>
+            <a:pPr algn="ctr"/>
+            <a:endParaRPr lang="en-US" sz="3600" dirty="0">
+              <a:solidFill>
+                <a:schemeClr val="accent5">
+                  <a:lumMod val="50000"/>
+                </a:schemeClr>
+              </a:solidFill>
+              <a:latin typeface="Franklin Gothic Book" panose="020B0503020102020204" pitchFamily="34" charset="0"/>
+            </a:endParaRPr>
+          </a:p>
+          <a:p>
+            <a:pPr algn="ctr"/>
+            <a:endParaRPr lang="en-US" sz="3200" dirty="0">
               <a:solidFill>
                 <a:schemeClr val="accent5">
                   <a:lumMod val="50000"/>
@@ -6634,7 +6685,7 @@
           <a:p>
             <a:pPr algn="ctr"/>
             <a:r>
-              <a:rPr lang="en-US" sz="4000">
+              <a:rPr lang="en-US" sz="3200" dirty="0">
                 <a:solidFill>
                   <a:schemeClr val="accent5">
                     <a:lumMod val="50000"/>
@@ -6647,7 +6698,32 @@
           </a:p>
           <a:p>
             <a:pPr algn="ctr"/>
-            <a:endParaRPr lang="en-US" sz="2400">
+            <a:r>
+              <a:rPr lang="en-US" sz="3200" dirty="0">
+                <a:solidFill>
+                  <a:schemeClr val="accent5">
+                    <a:lumMod val="50000"/>
+                  </a:schemeClr>
+                </a:solidFill>
+                <a:latin typeface="Franklin Gothic Book" panose="020B0503020102020204" pitchFamily="34" charset="0"/>
+              </a:rPr>
+              <a:t>-</a:t>
+            </a:r>
+          </a:p>
+          <a:p>
+            <a:pPr algn="ctr"/>
+            <a:r>
+              <a:rPr lang="en-US" sz="2400" dirty="0">
+                <a:solidFill>
+                  <a:schemeClr val="accent5">
+                    <a:lumMod val="50000"/>
+                  </a:schemeClr>
+                </a:solidFill>
+                <a:latin typeface="Franklin Gothic Book" panose="020B0503020102020204" pitchFamily="34" charset="0"/>
+              </a:rPr>
+              <a:t>Estimating household food insecurity below the county level</a:t>
+            </a:r>
+            <a:endParaRPr lang="en-US" sz="2400" dirty="0">
               <a:solidFill>
                 <a:schemeClr val="bg1"/>
               </a:solidFill>
@@ -6656,7 +6732,7 @@
           </a:p>
           <a:p>
             <a:pPr algn="ctr"/>
-            <a:endParaRPr lang="en-US" sz="2400">
+            <a:endParaRPr lang="en-US" sz="2400" dirty="0">
               <a:solidFill>
                 <a:schemeClr val="bg1"/>
               </a:solidFill>
@@ -6665,7 +6741,7 @@
           </a:p>
           <a:p>
             <a:pPr algn="ctr"/>
-            <a:endParaRPr lang="en-US" sz="2400">
+            <a:endParaRPr lang="en-US" sz="2400" dirty="0">
               <a:solidFill>
                 <a:schemeClr val="bg1"/>
               </a:solidFill>
@@ -6674,161 +6750,161 @@
           </a:p>
           <a:p>
             <a:pPr algn="ctr"/>
-            <a:endParaRPr lang="en-US" sz="2400">
-              <a:solidFill>
-                <a:schemeClr val="accent5">
-                  <a:lumMod val="50000"/>
-                </a:schemeClr>
-              </a:solidFill>
-              <a:latin typeface="Franklin Gothic Book" panose="020B0503020102020204" pitchFamily="34" charset="0"/>
-            </a:endParaRPr>
-          </a:p>
-          <a:p>
-            <a:pPr algn="ctr"/>
-            <a:endParaRPr lang="en-US" sz="2400">
-              <a:solidFill>
-                <a:schemeClr val="accent5">
-                  <a:lumMod val="50000"/>
-                </a:schemeClr>
-              </a:solidFill>
-              <a:latin typeface="Franklin Gothic Book" panose="020B0503020102020204" pitchFamily="34" charset="0"/>
-            </a:endParaRPr>
-          </a:p>
-          <a:p>
-            <a:pPr algn="ctr"/>
-            <a:endParaRPr lang="en-US" sz="2400">
-              <a:solidFill>
-                <a:schemeClr val="accent5">
-                  <a:lumMod val="50000"/>
-                </a:schemeClr>
-              </a:solidFill>
-              <a:latin typeface="Franklin Gothic Book" panose="020B0503020102020204" pitchFamily="34" charset="0"/>
-            </a:endParaRPr>
-          </a:p>
-          <a:p>
-            <a:pPr algn="ctr"/>
-            <a:endParaRPr lang="en-US" sz="2400">
-              <a:solidFill>
-                <a:schemeClr val="accent5">
-                  <a:lumMod val="50000"/>
-                </a:schemeClr>
-              </a:solidFill>
-              <a:latin typeface="Franklin Gothic Book" panose="020B0503020102020204" pitchFamily="34" charset="0"/>
-            </a:endParaRPr>
-          </a:p>
-          <a:p>
-            <a:pPr algn="ctr"/>
-            <a:endParaRPr lang="en-US" sz="2400">
-              <a:solidFill>
-                <a:schemeClr val="accent5">
-                  <a:lumMod val="50000"/>
-                </a:schemeClr>
-              </a:solidFill>
-              <a:latin typeface="Franklin Gothic Book" panose="020B0503020102020204" pitchFamily="34" charset="0"/>
-            </a:endParaRPr>
-          </a:p>
-          <a:p>
-            <a:pPr algn="ctr"/>
-            <a:endParaRPr lang="en-US" sz="2400">
-              <a:solidFill>
-                <a:schemeClr val="accent5">
-                  <a:lumMod val="50000"/>
-                </a:schemeClr>
-              </a:solidFill>
-              <a:latin typeface="Franklin Gothic Book" panose="020B0503020102020204" pitchFamily="34" charset="0"/>
-            </a:endParaRPr>
-          </a:p>
-          <a:p>
-            <a:pPr algn="ctr"/>
-            <a:endParaRPr lang="en-US" sz="2400">
-              <a:solidFill>
-                <a:schemeClr val="accent5">
-                  <a:lumMod val="50000"/>
-                </a:schemeClr>
-              </a:solidFill>
-              <a:latin typeface="Franklin Gothic Book" panose="020B0503020102020204" pitchFamily="34" charset="0"/>
-            </a:endParaRPr>
-          </a:p>
-          <a:p>
-            <a:pPr algn="ctr"/>
-            <a:endParaRPr lang="en-US" sz="2400">
-              <a:solidFill>
-                <a:schemeClr val="accent5">
-                  <a:lumMod val="50000"/>
-                </a:schemeClr>
-              </a:solidFill>
-              <a:latin typeface="Franklin Gothic Book" panose="020B0503020102020204" pitchFamily="34" charset="0"/>
-            </a:endParaRPr>
-          </a:p>
-          <a:p>
-            <a:pPr algn="ctr"/>
-            <a:endParaRPr lang="en-US" sz="2400">
-              <a:solidFill>
-                <a:schemeClr val="accent5">
-                  <a:lumMod val="50000"/>
-                </a:schemeClr>
-              </a:solidFill>
-              <a:latin typeface="Franklin Gothic Book" panose="020B0503020102020204" pitchFamily="34" charset="0"/>
-            </a:endParaRPr>
-          </a:p>
-          <a:p>
-            <a:pPr algn="ctr"/>
-            <a:endParaRPr lang="en-US" sz="2400">
-              <a:solidFill>
-                <a:schemeClr val="accent5">
-                  <a:lumMod val="50000"/>
-                </a:schemeClr>
-              </a:solidFill>
-              <a:latin typeface="Franklin Gothic Book" panose="020B0503020102020204" pitchFamily="34" charset="0"/>
-            </a:endParaRPr>
-          </a:p>
-          <a:p>
-            <a:pPr algn="ctr"/>
-            <a:endParaRPr lang="en-US" sz="2400">
-              <a:solidFill>
-                <a:schemeClr val="accent5">
-                  <a:lumMod val="50000"/>
-                </a:schemeClr>
-              </a:solidFill>
-              <a:latin typeface="Franklin Gothic Book" panose="020B0503020102020204" pitchFamily="34" charset="0"/>
-            </a:endParaRPr>
-          </a:p>
-          <a:p>
-            <a:pPr algn="ctr"/>
-            <a:endParaRPr lang="en-US" sz="2400">
-              <a:solidFill>
-                <a:schemeClr val="accent5">
-                  <a:lumMod val="50000"/>
-                </a:schemeClr>
-              </a:solidFill>
-              <a:latin typeface="Franklin Gothic Book" panose="020B0503020102020204" pitchFamily="34" charset="0"/>
-            </a:endParaRPr>
-          </a:p>
-          <a:p>
-            <a:pPr algn="ctr"/>
-            <a:endParaRPr lang="en-US" sz="2400">
-              <a:solidFill>
-                <a:schemeClr val="accent5">
-                  <a:lumMod val="50000"/>
-                </a:schemeClr>
-              </a:solidFill>
-              <a:latin typeface="Franklin Gothic Book" panose="020B0503020102020204" pitchFamily="34" charset="0"/>
-            </a:endParaRPr>
-          </a:p>
-          <a:p>
-            <a:pPr algn="ctr"/>
-            <a:endParaRPr lang="en-US" sz="2400">
-              <a:solidFill>
-                <a:schemeClr val="accent5">
-                  <a:lumMod val="50000"/>
-                </a:schemeClr>
-              </a:solidFill>
-              <a:latin typeface="Franklin Gothic Book" panose="020B0503020102020204" pitchFamily="34" charset="0"/>
-            </a:endParaRPr>
-          </a:p>
-          <a:p>
-            <a:pPr algn="ctr"/>
-            <a:endParaRPr lang="en-US" sz="3200">
+            <a:endParaRPr lang="en-US" sz="2400" dirty="0">
+              <a:solidFill>
+                <a:schemeClr val="accent5">
+                  <a:lumMod val="50000"/>
+                </a:schemeClr>
+              </a:solidFill>
+              <a:latin typeface="Franklin Gothic Book" panose="020B0503020102020204" pitchFamily="34" charset="0"/>
+            </a:endParaRPr>
+          </a:p>
+          <a:p>
+            <a:pPr algn="ctr"/>
+            <a:endParaRPr lang="en-US" sz="2400" dirty="0">
+              <a:solidFill>
+                <a:schemeClr val="accent5">
+                  <a:lumMod val="50000"/>
+                </a:schemeClr>
+              </a:solidFill>
+              <a:latin typeface="Franklin Gothic Book" panose="020B0503020102020204" pitchFamily="34" charset="0"/>
+            </a:endParaRPr>
+          </a:p>
+          <a:p>
+            <a:pPr algn="ctr"/>
+            <a:endParaRPr lang="en-US" sz="2400" dirty="0">
+              <a:solidFill>
+                <a:schemeClr val="accent5">
+                  <a:lumMod val="50000"/>
+                </a:schemeClr>
+              </a:solidFill>
+              <a:latin typeface="Franklin Gothic Book" panose="020B0503020102020204" pitchFamily="34" charset="0"/>
+            </a:endParaRPr>
+          </a:p>
+          <a:p>
+            <a:pPr algn="ctr"/>
+            <a:endParaRPr lang="en-US" sz="2400" dirty="0">
+              <a:solidFill>
+                <a:schemeClr val="accent5">
+                  <a:lumMod val="50000"/>
+                </a:schemeClr>
+              </a:solidFill>
+              <a:latin typeface="Franklin Gothic Book" panose="020B0503020102020204" pitchFamily="34" charset="0"/>
+            </a:endParaRPr>
+          </a:p>
+          <a:p>
+            <a:pPr algn="ctr"/>
+            <a:endParaRPr lang="en-US" sz="2400" dirty="0">
+              <a:solidFill>
+                <a:schemeClr val="accent5">
+                  <a:lumMod val="50000"/>
+                </a:schemeClr>
+              </a:solidFill>
+              <a:latin typeface="Franklin Gothic Book" panose="020B0503020102020204" pitchFamily="34" charset="0"/>
+            </a:endParaRPr>
+          </a:p>
+          <a:p>
+            <a:pPr algn="ctr"/>
+            <a:endParaRPr lang="en-US" sz="2400" dirty="0">
+              <a:solidFill>
+                <a:schemeClr val="accent5">
+                  <a:lumMod val="50000"/>
+                </a:schemeClr>
+              </a:solidFill>
+              <a:latin typeface="Franklin Gothic Book" panose="020B0503020102020204" pitchFamily="34" charset="0"/>
+            </a:endParaRPr>
+          </a:p>
+          <a:p>
+            <a:pPr algn="ctr"/>
+            <a:endParaRPr lang="en-US" sz="2400" dirty="0">
+              <a:solidFill>
+                <a:schemeClr val="accent5">
+                  <a:lumMod val="50000"/>
+                </a:schemeClr>
+              </a:solidFill>
+              <a:latin typeface="Franklin Gothic Book" panose="020B0503020102020204" pitchFamily="34" charset="0"/>
+            </a:endParaRPr>
+          </a:p>
+          <a:p>
+            <a:pPr algn="ctr"/>
+            <a:endParaRPr lang="en-US" sz="2400" dirty="0">
+              <a:solidFill>
+                <a:schemeClr val="accent5">
+                  <a:lumMod val="50000"/>
+                </a:schemeClr>
+              </a:solidFill>
+              <a:latin typeface="Franklin Gothic Book" panose="020B0503020102020204" pitchFamily="34" charset="0"/>
+            </a:endParaRPr>
+          </a:p>
+          <a:p>
+            <a:pPr algn="ctr"/>
+            <a:endParaRPr lang="en-US" sz="2400" dirty="0">
+              <a:solidFill>
+                <a:schemeClr val="accent5">
+                  <a:lumMod val="50000"/>
+                </a:schemeClr>
+              </a:solidFill>
+              <a:latin typeface="Franklin Gothic Book" panose="020B0503020102020204" pitchFamily="34" charset="0"/>
+            </a:endParaRPr>
+          </a:p>
+          <a:p>
+            <a:pPr algn="ctr"/>
+            <a:endParaRPr lang="en-US" sz="2400" dirty="0">
+              <a:solidFill>
+                <a:schemeClr val="accent5">
+                  <a:lumMod val="50000"/>
+                </a:schemeClr>
+              </a:solidFill>
+              <a:latin typeface="Franklin Gothic Book" panose="020B0503020102020204" pitchFamily="34" charset="0"/>
+            </a:endParaRPr>
+          </a:p>
+          <a:p>
+            <a:pPr algn="ctr"/>
+            <a:endParaRPr lang="en-US" sz="2400" dirty="0">
+              <a:solidFill>
+                <a:schemeClr val="accent5">
+                  <a:lumMod val="50000"/>
+                </a:schemeClr>
+              </a:solidFill>
+              <a:latin typeface="Franklin Gothic Book" panose="020B0503020102020204" pitchFamily="34" charset="0"/>
+            </a:endParaRPr>
+          </a:p>
+          <a:p>
+            <a:pPr algn="ctr"/>
+            <a:endParaRPr lang="en-US" sz="2400" dirty="0">
+              <a:solidFill>
+                <a:schemeClr val="accent5">
+                  <a:lumMod val="50000"/>
+                </a:schemeClr>
+              </a:solidFill>
+              <a:latin typeface="Franklin Gothic Book" panose="020B0503020102020204" pitchFamily="34" charset="0"/>
+            </a:endParaRPr>
+          </a:p>
+          <a:p>
+            <a:pPr algn="ctr"/>
+            <a:endParaRPr lang="en-US" sz="2400" dirty="0">
+              <a:solidFill>
+                <a:schemeClr val="accent5">
+                  <a:lumMod val="50000"/>
+                </a:schemeClr>
+              </a:solidFill>
+              <a:latin typeface="Franklin Gothic Book" panose="020B0503020102020204" pitchFamily="34" charset="0"/>
+            </a:endParaRPr>
+          </a:p>
+          <a:p>
+            <a:pPr algn="ctr"/>
+            <a:endParaRPr lang="en-US" sz="2400" dirty="0">
+              <a:solidFill>
+                <a:schemeClr val="accent5">
+                  <a:lumMod val="50000"/>
+                </a:schemeClr>
+              </a:solidFill>
+              <a:latin typeface="Franklin Gothic Book" panose="020B0503020102020204" pitchFamily="34" charset="0"/>
+            </a:endParaRPr>
+          </a:p>
+          <a:p>
+            <a:pPr algn="ctr"/>
+            <a:endParaRPr lang="en-US" sz="3200" dirty="0">
               <a:solidFill>
                 <a:schemeClr val="accent5">
                   <a:lumMod val="50000"/>
@@ -6853,8 +6929,8 @@
         </p:nvSpPr>
         <p:spPr>
           <a:xfrm>
-            <a:off x="6979719" y="25769547"/>
-            <a:ext cx="3291840" cy="3291840"/>
+            <a:off x="5950693" y="24433801"/>
+            <a:ext cx="4622698" cy="4545655"/>
           </a:xfrm>
           <a:prstGeom prst="ellipse">
             <a:avLst/>
@@ -6891,73 +6967,84 @@
           <a:lstStyle/>
           <a:p>
             <a:pPr algn="ctr"/>
-            <a:endParaRPr lang="en-US" sz="3200">
-              <a:solidFill>
-                <a:schemeClr val="accent5">
-                  <a:lumMod val="50000"/>
-                </a:schemeClr>
-              </a:solidFill>
-              <a:latin typeface="Franklin Gothic Book" panose="020B0503020102020204" pitchFamily="34" charset="0"/>
-            </a:endParaRPr>
-          </a:p>
-          <a:p>
-            <a:pPr algn="ctr"/>
-            <a:endParaRPr lang="en-US" sz="3200">
-              <a:solidFill>
-                <a:schemeClr val="accent5">
-                  <a:lumMod val="50000"/>
-                </a:schemeClr>
-              </a:solidFill>
-              <a:latin typeface="Franklin Gothic Book" panose="020B0503020102020204" pitchFamily="34" charset="0"/>
-            </a:endParaRPr>
-          </a:p>
-          <a:p>
-            <a:pPr algn="ctr"/>
-            <a:endParaRPr lang="en-US" sz="3200">
-              <a:solidFill>
-                <a:schemeClr val="accent5">
-                  <a:lumMod val="50000"/>
-                </a:schemeClr>
-              </a:solidFill>
-              <a:latin typeface="Franklin Gothic Book" panose="020B0503020102020204" pitchFamily="34" charset="0"/>
-            </a:endParaRPr>
-          </a:p>
-          <a:p>
-            <a:pPr algn="ctr"/>
-            <a:endParaRPr lang="en-US" sz="8800">
-              <a:solidFill>
-                <a:schemeClr val="accent5">
-                  <a:lumMod val="50000"/>
-                </a:schemeClr>
-              </a:solidFill>
-              <a:latin typeface="Franklin Gothic Book" panose="020B0503020102020204" pitchFamily="34" charset="0"/>
-            </a:endParaRPr>
-          </a:p>
-          <a:p>
-            <a:pPr algn="ctr"/>
-            <a:endParaRPr lang="en-US" sz="8800">
-              <a:solidFill>
-                <a:schemeClr val="accent5">
-                  <a:lumMod val="50000"/>
-                </a:schemeClr>
-              </a:solidFill>
-              <a:latin typeface="Franklin Gothic Book" panose="020B0503020102020204" pitchFamily="34" charset="0"/>
-            </a:endParaRPr>
-          </a:p>
-          <a:p>
-            <a:pPr algn="ctr"/>
-            <a:endParaRPr lang="en-US" sz="5400">
-              <a:solidFill>
-                <a:schemeClr val="accent5">
-                  <a:lumMod val="50000"/>
-                </a:schemeClr>
-              </a:solidFill>
-              <a:latin typeface="Franklin Gothic Book" panose="020B0503020102020204" pitchFamily="34" charset="0"/>
-            </a:endParaRPr>
-          </a:p>
-          <a:p>
-            <a:pPr algn="ctr"/>
-            <a:endParaRPr lang="en-US" sz="3600">
+            <a:endParaRPr lang="en-US" sz="3200" dirty="0">
+              <a:solidFill>
+                <a:schemeClr val="accent5">
+                  <a:lumMod val="50000"/>
+                </a:schemeClr>
+              </a:solidFill>
+              <a:latin typeface="Franklin Gothic Book" panose="020B0503020102020204" pitchFamily="34" charset="0"/>
+            </a:endParaRPr>
+          </a:p>
+          <a:p>
+            <a:pPr algn="ctr"/>
+            <a:endParaRPr lang="en-US" sz="3200" dirty="0">
+              <a:solidFill>
+                <a:schemeClr val="accent5">
+                  <a:lumMod val="50000"/>
+                </a:schemeClr>
+              </a:solidFill>
+              <a:latin typeface="Franklin Gothic Book" panose="020B0503020102020204" pitchFamily="34" charset="0"/>
+            </a:endParaRPr>
+          </a:p>
+          <a:p>
+            <a:pPr algn="ctr"/>
+            <a:endParaRPr lang="en-US" sz="3200" dirty="0">
+              <a:solidFill>
+                <a:schemeClr val="accent5">
+                  <a:lumMod val="50000"/>
+                </a:schemeClr>
+              </a:solidFill>
+              <a:latin typeface="Franklin Gothic Book" panose="020B0503020102020204" pitchFamily="34" charset="0"/>
+            </a:endParaRPr>
+          </a:p>
+          <a:p>
+            <a:pPr algn="ctr"/>
+            <a:endParaRPr lang="en-US" sz="8800" dirty="0">
+              <a:solidFill>
+                <a:schemeClr val="accent5">
+                  <a:lumMod val="50000"/>
+                </a:schemeClr>
+              </a:solidFill>
+              <a:latin typeface="Franklin Gothic Book" panose="020B0503020102020204" pitchFamily="34" charset="0"/>
+            </a:endParaRPr>
+          </a:p>
+          <a:p>
+            <a:pPr algn="ctr"/>
+            <a:endParaRPr lang="en-US" sz="8800" dirty="0">
+              <a:solidFill>
+                <a:schemeClr val="accent5">
+                  <a:lumMod val="50000"/>
+                </a:schemeClr>
+              </a:solidFill>
+              <a:latin typeface="Franklin Gothic Book" panose="020B0503020102020204" pitchFamily="34" charset="0"/>
+            </a:endParaRPr>
+          </a:p>
+          <a:p>
+            <a:pPr algn="ctr"/>
+            <a:endParaRPr lang="en-US" sz="5400" dirty="0">
+              <a:solidFill>
+                <a:schemeClr val="accent5">
+                  <a:lumMod val="50000"/>
+                </a:schemeClr>
+              </a:solidFill>
+              <a:latin typeface="Franklin Gothic Book" panose="020B0503020102020204" pitchFamily="34" charset="0"/>
+            </a:endParaRPr>
+          </a:p>
+          <a:p>
+            <a:pPr algn="ctr"/>
+            <a:endParaRPr lang="en-US" sz="3600" dirty="0">
+              <a:solidFill>
+                <a:schemeClr val="accent5">
+                  <a:lumMod val="50000"/>
+                </a:schemeClr>
+              </a:solidFill>
+              <a:latin typeface="Franklin Gothic Book" panose="020B0503020102020204" pitchFamily="34" charset="0"/>
+            </a:endParaRPr>
+          </a:p>
+          <a:p>
+            <a:pPr algn="ctr"/>
+            <a:endParaRPr lang="en-US" sz="3600" dirty="0">
               <a:solidFill>
                 <a:schemeClr val="accent5">
                   <a:lumMod val="50000"/>
@@ -6969,7 +7056,7 @@
           <a:p>
             <a:pPr algn="ctr"/>
             <a:r>
-              <a:rPr lang="en-US" sz="3200">
+              <a:rPr lang="en-US" sz="3200" dirty="0">
                 <a:solidFill>
                   <a:schemeClr val="accent5">
                     <a:lumMod val="50000"/>
@@ -6977,199 +7064,227 @@
                 </a:solidFill>
                 <a:latin typeface="Franklin Gothic Book" panose="020B0503020102020204" pitchFamily="34" charset="0"/>
               </a:rPr>
-              <a:t>Demographic redistribution</a:t>
+              <a:t>Demographic Redistribution</a:t>
             </a:r>
           </a:p>
           <a:p>
             <a:pPr algn="ctr"/>
-            <a:endParaRPr lang="en-US" sz="2400">
-              <a:solidFill>
-                <a:schemeClr val="accent5">
-                  <a:lumMod val="50000"/>
-                </a:schemeClr>
-              </a:solidFill>
-              <a:latin typeface="Franklin Gothic Book" panose="020B0503020102020204" pitchFamily="34" charset="0"/>
-            </a:endParaRPr>
-          </a:p>
-          <a:p>
-            <a:pPr algn="ctr"/>
-            <a:endParaRPr lang="en-US" sz="2400">
-              <a:solidFill>
-                <a:schemeClr val="accent5">
-                  <a:lumMod val="50000"/>
-                </a:schemeClr>
-              </a:solidFill>
-              <a:latin typeface="Franklin Gothic Book" panose="020B0503020102020204" pitchFamily="34" charset="0"/>
-            </a:endParaRPr>
-          </a:p>
-          <a:p>
-            <a:pPr algn="ctr"/>
-            <a:endParaRPr lang="en-US" sz="2400">
-              <a:solidFill>
-                <a:schemeClr val="accent5">
-                  <a:lumMod val="50000"/>
-                </a:schemeClr>
-              </a:solidFill>
-              <a:latin typeface="Franklin Gothic Book" panose="020B0503020102020204" pitchFamily="34" charset="0"/>
-            </a:endParaRPr>
-          </a:p>
-          <a:p>
-            <a:pPr algn="ctr"/>
-            <a:endParaRPr lang="en-US" sz="2400">
-              <a:solidFill>
-                <a:schemeClr val="accent5">
-                  <a:lumMod val="50000"/>
-                </a:schemeClr>
-              </a:solidFill>
-              <a:latin typeface="Franklin Gothic Book" panose="020B0503020102020204" pitchFamily="34" charset="0"/>
-            </a:endParaRPr>
-          </a:p>
-          <a:p>
-            <a:pPr algn="ctr"/>
-            <a:endParaRPr lang="en-US" sz="2400">
-              <a:solidFill>
-                <a:schemeClr val="accent5">
-                  <a:lumMod val="50000"/>
-                </a:schemeClr>
-              </a:solidFill>
-              <a:latin typeface="Franklin Gothic Book" panose="020B0503020102020204" pitchFamily="34" charset="0"/>
-            </a:endParaRPr>
-          </a:p>
-          <a:p>
-            <a:pPr algn="ctr"/>
-            <a:endParaRPr lang="en-US" sz="2400">
-              <a:solidFill>
-                <a:schemeClr val="accent5">
-                  <a:lumMod val="50000"/>
-                </a:schemeClr>
-              </a:solidFill>
-              <a:latin typeface="Franklin Gothic Book" panose="020B0503020102020204" pitchFamily="34" charset="0"/>
-            </a:endParaRPr>
-          </a:p>
-          <a:p>
-            <a:pPr algn="ctr"/>
-            <a:endParaRPr lang="en-US" sz="2400">
-              <a:solidFill>
-                <a:schemeClr val="accent5">
-                  <a:lumMod val="50000"/>
-                </a:schemeClr>
-              </a:solidFill>
-              <a:latin typeface="Franklin Gothic Book" panose="020B0503020102020204" pitchFamily="34" charset="0"/>
-            </a:endParaRPr>
-          </a:p>
-          <a:p>
-            <a:pPr algn="ctr"/>
-            <a:endParaRPr lang="en-US" sz="2400">
-              <a:solidFill>
-                <a:schemeClr val="accent5">
-                  <a:lumMod val="50000"/>
-                </a:schemeClr>
-              </a:solidFill>
-              <a:latin typeface="Franklin Gothic Book" panose="020B0503020102020204" pitchFamily="34" charset="0"/>
-            </a:endParaRPr>
-          </a:p>
-          <a:p>
-            <a:pPr algn="ctr"/>
-            <a:endParaRPr lang="en-US" sz="2400">
-              <a:solidFill>
-                <a:schemeClr val="accent5">
-                  <a:lumMod val="50000"/>
-                </a:schemeClr>
-              </a:solidFill>
-              <a:latin typeface="Franklin Gothic Book" panose="020B0503020102020204" pitchFamily="34" charset="0"/>
-            </a:endParaRPr>
-          </a:p>
-          <a:p>
-            <a:pPr algn="ctr"/>
-            <a:endParaRPr lang="en-US" sz="2400">
-              <a:solidFill>
-                <a:schemeClr val="accent5">
-                  <a:lumMod val="50000"/>
-                </a:schemeClr>
-              </a:solidFill>
-              <a:latin typeface="Franklin Gothic Book" panose="020B0503020102020204" pitchFamily="34" charset="0"/>
-            </a:endParaRPr>
-          </a:p>
-          <a:p>
-            <a:pPr algn="ctr"/>
-            <a:endParaRPr lang="en-US" sz="2400">
-              <a:solidFill>
-                <a:schemeClr val="accent5">
-                  <a:lumMod val="50000"/>
-                </a:schemeClr>
-              </a:solidFill>
-              <a:latin typeface="Franklin Gothic Book" panose="020B0503020102020204" pitchFamily="34" charset="0"/>
-            </a:endParaRPr>
-          </a:p>
-          <a:p>
-            <a:pPr algn="ctr"/>
-            <a:endParaRPr lang="en-US" sz="2400">
-              <a:solidFill>
-                <a:schemeClr val="accent5">
-                  <a:lumMod val="50000"/>
-                </a:schemeClr>
-              </a:solidFill>
-              <a:latin typeface="Franklin Gothic Book" panose="020B0503020102020204" pitchFamily="34" charset="0"/>
-            </a:endParaRPr>
-          </a:p>
-          <a:p>
-            <a:pPr algn="ctr"/>
-            <a:endParaRPr lang="en-US" sz="2400">
-              <a:solidFill>
-                <a:schemeClr val="accent5">
-                  <a:lumMod val="50000"/>
-                </a:schemeClr>
-              </a:solidFill>
-              <a:latin typeface="Franklin Gothic Book" panose="020B0503020102020204" pitchFamily="34" charset="0"/>
-            </a:endParaRPr>
-          </a:p>
-          <a:p>
-            <a:pPr algn="ctr"/>
-            <a:endParaRPr lang="en-US" sz="2400">
-              <a:solidFill>
-                <a:schemeClr val="accent5">
-                  <a:lumMod val="50000"/>
-                </a:schemeClr>
-              </a:solidFill>
-              <a:latin typeface="Franklin Gothic Book" panose="020B0503020102020204" pitchFamily="34" charset="0"/>
-            </a:endParaRPr>
-          </a:p>
-          <a:p>
-            <a:pPr algn="ctr"/>
-            <a:endParaRPr lang="en-US" sz="2400">
-              <a:solidFill>
-                <a:schemeClr val="accent5">
-                  <a:lumMod val="50000"/>
-                </a:schemeClr>
-              </a:solidFill>
-              <a:latin typeface="Franklin Gothic Book" panose="020B0503020102020204" pitchFamily="34" charset="0"/>
-            </a:endParaRPr>
-          </a:p>
-          <a:p>
-            <a:pPr algn="ctr"/>
-            <a:endParaRPr lang="en-US" sz="2400">
-              <a:solidFill>
-                <a:schemeClr val="accent5">
-                  <a:lumMod val="50000"/>
-                </a:schemeClr>
-              </a:solidFill>
-              <a:latin typeface="Franklin Gothic Book" panose="020B0503020102020204" pitchFamily="34" charset="0"/>
-            </a:endParaRPr>
-          </a:p>
-          <a:p>
-            <a:pPr algn="ctr"/>
-            <a:endParaRPr lang="en-US" sz="2400">
-              <a:solidFill>
-                <a:schemeClr val="accent5">
-                  <a:lumMod val="50000"/>
-                </a:schemeClr>
-              </a:solidFill>
-              <a:latin typeface="Franklin Gothic Book" panose="020B0503020102020204" pitchFamily="34" charset="0"/>
-            </a:endParaRPr>
-          </a:p>
-          <a:p>
-            <a:pPr algn="ctr"/>
-            <a:endParaRPr lang="en-US" sz="3200">
+            <a:r>
+              <a:rPr lang="en-US" sz="3200" dirty="0">
+                <a:solidFill>
+                  <a:schemeClr val="accent5">
+                    <a:lumMod val="50000"/>
+                  </a:schemeClr>
+                </a:solidFill>
+                <a:latin typeface="Franklin Gothic Book" panose="020B0503020102020204" pitchFamily="34" charset="0"/>
+              </a:rPr>
+              <a:t>-</a:t>
+            </a:r>
+          </a:p>
+          <a:p>
+            <a:pPr algn="ctr"/>
+            <a:r>
+              <a:rPr lang="en-US" sz="2400" dirty="0">
+                <a:solidFill>
+                  <a:schemeClr val="accent5">
+                    <a:lumMod val="50000"/>
+                  </a:schemeClr>
+                </a:solidFill>
+                <a:latin typeface="Franklin Gothic Book" panose="020B0503020102020204" pitchFamily="34" charset="0"/>
+              </a:rPr>
+              <a:t>Redistributing demographic estimates to local geographies</a:t>
+            </a:r>
+          </a:p>
+          <a:p>
+            <a:pPr algn="ctr"/>
+            <a:endParaRPr lang="en-US" sz="1800" dirty="0">
+              <a:solidFill>
+                <a:schemeClr val="accent5">
+                  <a:lumMod val="50000"/>
+                </a:schemeClr>
+              </a:solidFill>
+              <a:latin typeface="Franklin Gothic Book" panose="020B0503020102020204" pitchFamily="34" charset="0"/>
+            </a:endParaRPr>
+          </a:p>
+          <a:p>
+            <a:pPr algn="ctr"/>
+            <a:endParaRPr lang="en-US" sz="2400" dirty="0">
+              <a:solidFill>
+                <a:schemeClr val="accent5">
+                  <a:lumMod val="50000"/>
+                </a:schemeClr>
+              </a:solidFill>
+              <a:latin typeface="Franklin Gothic Book" panose="020B0503020102020204" pitchFamily="34" charset="0"/>
+            </a:endParaRPr>
+          </a:p>
+          <a:p>
+            <a:pPr algn="ctr"/>
+            <a:endParaRPr lang="en-US" sz="2400" dirty="0">
+              <a:solidFill>
+                <a:schemeClr val="accent5">
+                  <a:lumMod val="50000"/>
+                </a:schemeClr>
+              </a:solidFill>
+              <a:latin typeface="Franklin Gothic Book" panose="020B0503020102020204" pitchFamily="34" charset="0"/>
+            </a:endParaRPr>
+          </a:p>
+          <a:p>
+            <a:pPr algn="ctr"/>
+            <a:endParaRPr lang="en-US" sz="2400" dirty="0">
+              <a:solidFill>
+                <a:schemeClr val="accent5">
+                  <a:lumMod val="50000"/>
+                </a:schemeClr>
+              </a:solidFill>
+              <a:latin typeface="Franklin Gothic Book" panose="020B0503020102020204" pitchFamily="34" charset="0"/>
+            </a:endParaRPr>
+          </a:p>
+          <a:p>
+            <a:pPr algn="ctr"/>
+            <a:endParaRPr lang="en-US" sz="2400" dirty="0">
+              <a:solidFill>
+                <a:schemeClr val="accent5">
+                  <a:lumMod val="50000"/>
+                </a:schemeClr>
+              </a:solidFill>
+              <a:latin typeface="Franklin Gothic Book" panose="020B0503020102020204" pitchFamily="34" charset="0"/>
+            </a:endParaRPr>
+          </a:p>
+          <a:p>
+            <a:pPr algn="ctr"/>
+            <a:endParaRPr lang="en-US" sz="2400" dirty="0">
+              <a:solidFill>
+                <a:schemeClr val="accent5">
+                  <a:lumMod val="50000"/>
+                </a:schemeClr>
+              </a:solidFill>
+              <a:latin typeface="Franklin Gothic Book" panose="020B0503020102020204" pitchFamily="34" charset="0"/>
+            </a:endParaRPr>
+          </a:p>
+          <a:p>
+            <a:pPr algn="ctr"/>
+            <a:endParaRPr lang="en-US" sz="2400" dirty="0">
+              <a:solidFill>
+                <a:schemeClr val="accent5">
+                  <a:lumMod val="50000"/>
+                </a:schemeClr>
+              </a:solidFill>
+              <a:latin typeface="Franklin Gothic Book" panose="020B0503020102020204" pitchFamily="34" charset="0"/>
+            </a:endParaRPr>
+          </a:p>
+          <a:p>
+            <a:pPr algn="ctr"/>
+            <a:endParaRPr lang="en-US" sz="2400" dirty="0">
+              <a:solidFill>
+                <a:schemeClr val="accent5">
+                  <a:lumMod val="50000"/>
+                </a:schemeClr>
+              </a:solidFill>
+              <a:latin typeface="Franklin Gothic Book" panose="020B0503020102020204" pitchFamily="34" charset="0"/>
+            </a:endParaRPr>
+          </a:p>
+          <a:p>
+            <a:pPr algn="ctr"/>
+            <a:endParaRPr lang="en-US" sz="2400" dirty="0">
+              <a:solidFill>
+                <a:schemeClr val="accent5">
+                  <a:lumMod val="50000"/>
+                </a:schemeClr>
+              </a:solidFill>
+              <a:latin typeface="Franklin Gothic Book" panose="020B0503020102020204" pitchFamily="34" charset="0"/>
+            </a:endParaRPr>
+          </a:p>
+          <a:p>
+            <a:pPr algn="ctr"/>
+            <a:endParaRPr lang="en-US" sz="2400" dirty="0">
+              <a:solidFill>
+                <a:schemeClr val="accent5">
+                  <a:lumMod val="50000"/>
+                </a:schemeClr>
+              </a:solidFill>
+              <a:latin typeface="Franklin Gothic Book" panose="020B0503020102020204" pitchFamily="34" charset="0"/>
+            </a:endParaRPr>
+          </a:p>
+          <a:p>
+            <a:pPr algn="ctr"/>
+            <a:endParaRPr lang="en-US" sz="2400" dirty="0">
+              <a:solidFill>
+                <a:schemeClr val="accent5">
+                  <a:lumMod val="50000"/>
+                </a:schemeClr>
+              </a:solidFill>
+              <a:latin typeface="Franklin Gothic Book" panose="020B0503020102020204" pitchFamily="34" charset="0"/>
+            </a:endParaRPr>
+          </a:p>
+          <a:p>
+            <a:pPr algn="ctr"/>
+            <a:endParaRPr lang="en-US" sz="2400" dirty="0">
+              <a:solidFill>
+                <a:schemeClr val="accent5">
+                  <a:lumMod val="50000"/>
+                </a:schemeClr>
+              </a:solidFill>
+              <a:latin typeface="Franklin Gothic Book" panose="020B0503020102020204" pitchFamily="34" charset="0"/>
+            </a:endParaRPr>
+          </a:p>
+          <a:p>
+            <a:pPr algn="ctr"/>
+            <a:endParaRPr lang="en-US" sz="2400" dirty="0">
+              <a:solidFill>
+                <a:schemeClr val="accent5">
+                  <a:lumMod val="50000"/>
+                </a:schemeClr>
+              </a:solidFill>
+              <a:latin typeface="Franklin Gothic Book" panose="020B0503020102020204" pitchFamily="34" charset="0"/>
+            </a:endParaRPr>
+          </a:p>
+          <a:p>
+            <a:pPr algn="ctr"/>
+            <a:endParaRPr lang="en-US" sz="2400" dirty="0">
+              <a:solidFill>
+                <a:schemeClr val="accent5">
+                  <a:lumMod val="50000"/>
+                </a:schemeClr>
+              </a:solidFill>
+              <a:latin typeface="Franklin Gothic Book" panose="020B0503020102020204" pitchFamily="34" charset="0"/>
+            </a:endParaRPr>
+          </a:p>
+          <a:p>
+            <a:pPr algn="ctr"/>
+            <a:endParaRPr lang="en-US" sz="2400" dirty="0">
+              <a:solidFill>
+                <a:schemeClr val="accent5">
+                  <a:lumMod val="50000"/>
+                </a:schemeClr>
+              </a:solidFill>
+              <a:latin typeface="Franklin Gothic Book" panose="020B0503020102020204" pitchFamily="34" charset="0"/>
+            </a:endParaRPr>
+          </a:p>
+          <a:p>
+            <a:pPr algn="ctr"/>
+            <a:endParaRPr lang="en-US" sz="2400" dirty="0">
+              <a:solidFill>
+                <a:schemeClr val="accent5">
+                  <a:lumMod val="50000"/>
+                </a:schemeClr>
+              </a:solidFill>
+              <a:latin typeface="Franklin Gothic Book" panose="020B0503020102020204" pitchFamily="34" charset="0"/>
+            </a:endParaRPr>
+          </a:p>
+          <a:p>
+            <a:pPr algn="ctr"/>
+            <a:endParaRPr lang="en-US" sz="2400" dirty="0">
+              <a:solidFill>
+                <a:schemeClr val="accent5">
+                  <a:lumMod val="50000"/>
+                </a:schemeClr>
+              </a:solidFill>
+              <a:latin typeface="Franklin Gothic Book" panose="020B0503020102020204" pitchFamily="34" charset="0"/>
+            </a:endParaRPr>
+          </a:p>
+          <a:p>
+            <a:pPr algn="ctr"/>
+            <a:endParaRPr lang="en-US" sz="3200" dirty="0">
               <a:solidFill>
                 <a:schemeClr val="accent5">
                   <a:lumMod val="50000"/>
@@ -7352,7 +7467,7 @@
         </p:blipFill>
         <p:spPr>
           <a:xfrm>
-            <a:off x="7803940" y="27347173"/>
+            <a:off x="4008737" y="29908454"/>
             <a:ext cx="1371600" cy="1371600"/>
           </a:xfrm>
           <a:prstGeom prst="rect">
@@ -7388,7 +7503,7 @@
         </p:blipFill>
         <p:spPr>
           <a:xfrm>
-            <a:off x="11526213" y="26174986"/>
+            <a:off x="12024275" y="28878883"/>
             <a:ext cx="1371600" cy="1371600"/>
           </a:xfrm>
           <a:prstGeom prst="rect">
@@ -7424,7 +7539,7 @@
         </p:blipFill>
         <p:spPr>
           <a:xfrm>
-            <a:off x="5318967" y="24291122"/>
+            <a:off x="4142137" y="25109538"/>
             <a:ext cx="1371600" cy="1371600"/>
           </a:xfrm>
           <a:prstGeom prst="rect">
@@ -7532,7 +7647,7 @@
         </p:blipFill>
         <p:spPr>
           <a:xfrm>
-            <a:off x="12661521" y="26171882"/>
+            <a:off x="14846759" y="28833611"/>
             <a:ext cx="914400" cy="914400"/>
           </a:xfrm>
           <a:prstGeom prst="rect">
@@ -7626,7 +7741,7 @@
         </p:blipFill>
         <p:spPr>
           <a:xfrm>
-            <a:off x="8851930" y="27347173"/>
+            <a:off x="7625116" y="27817802"/>
             <a:ext cx="914400" cy="893735"/>
           </a:xfrm>
           <a:prstGeom prst="rect">
@@ -11885,26 +12000,6 @@
 </file>
 
 <file path=customXml/item1.xml><?xml version="1.0" encoding="utf-8"?>
-<p:properties xmlns:p="http://schemas.microsoft.com/office/2006/metadata/properties" xmlns:xsi="http://www.w3.org/2001/XMLSchema-instance" xmlns:pc="http://schemas.microsoft.com/office/infopath/2007/PartnerControls">
-  <documentManagement>
-    <lcf76f155ced4ddcb4097134ff3c332f xmlns="7a2657dd-b8a5-4c99-8d51-b0b9d254c989">
-      <Terms xmlns="http://schemas.microsoft.com/office/infopath/2007/PartnerControls"/>
-    </lcf76f155ced4ddcb4097134ff3c332f>
-    <TaxCatchAll xmlns="5ba80a41-9917-4a22-8f13-cb051ddce64c" xsi:nil="true"/>
-  </documentManagement>
-</p:properties>
-</file>
-
-<file path=customXml/item2.xml><?xml version="1.0" encoding="utf-8"?>
-<?mso-contentType ?>
-<FormTemplates xmlns="http://schemas.microsoft.com/sharepoint/v3/contenttype/forms">
-  <Display>DocumentLibraryForm</Display>
-  <Edit>DocumentLibraryForm</Edit>
-  <New>DocumentLibraryForm</New>
-</FormTemplates>
-</file>
-
-<file path=customXml/item3.xml><?xml version="1.0" encoding="utf-8"?>
 <ct:contentTypeSchema xmlns:ct="http://schemas.microsoft.com/office/2006/metadata/contentType" xmlns:ma="http://schemas.microsoft.com/office/2006/metadata/properties/metaAttributes" ct:_="" ma:_="" ma:contentTypeName="Document" ma:contentTypeID="0x010100D45AE3D1135F4E41AB498540A40487BD" ma:contentTypeVersion="16" ma:contentTypeDescription="Create a new document." ma:contentTypeScope="" ma:versionID="e12403c31acac8bd87567a5eb6d8d393">
   <xsd:schema xmlns:xsd="http://www.w3.org/2001/XMLSchema" xmlns:xs="http://www.w3.org/2001/XMLSchema" xmlns:p="http://schemas.microsoft.com/office/2006/metadata/properties" xmlns:ns2="7a2657dd-b8a5-4c99-8d51-b0b9d254c989" xmlns:ns3="5ba80a41-9917-4a22-8f13-cb051ddce64c" targetNamespace="http://schemas.microsoft.com/office/2006/metadata/properties" ma:root="true" ma:fieldsID="7704fff892d3eff62f8741d377d9f709" ns2:_="" ns3:_="">
     <xsd:import namespace="7a2657dd-b8a5-4c99-8d51-b0b9d254c989"/>
@@ -12147,26 +12242,27 @@
 </ct:contentTypeSchema>
 </file>
 
-<file path=customXml/itemProps1.xml><?xml version="1.0" encoding="utf-8"?>
-<ds:datastoreItem xmlns:ds="http://schemas.openxmlformats.org/officeDocument/2006/customXml" ds:itemID="{C8BA6BA6-458C-4BB4-82B8-964504B32D69}">
-  <ds:schemaRefs>
-    <ds:schemaRef ds:uri="http://schemas.microsoft.com/office/2006/metadata/properties"/>
-    <ds:schemaRef ds:uri="http://schemas.microsoft.com/office/infopath/2007/PartnerControls"/>
-    <ds:schemaRef ds:uri="7a2657dd-b8a5-4c99-8d51-b0b9d254c989"/>
-    <ds:schemaRef ds:uri="5ba80a41-9917-4a22-8f13-cb051ddce64c"/>
-  </ds:schemaRefs>
-</ds:datastoreItem>
+<file path=customXml/item2.xml><?xml version="1.0" encoding="utf-8"?>
+<?mso-contentType ?>
+<FormTemplates xmlns="http://schemas.microsoft.com/sharepoint/v3/contenttype/forms">
+  <Display>DocumentLibraryForm</Display>
+  <Edit>DocumentLibraryForm</Edit>
+  <New>DocumentLibraryForm</New>
+</FormTemplates>
 </file>
 
-<file path=customXml/itemProps2.xml><?xml version="1.0" encoding="utf-8"?>
-<ds:datastoreItem xmlns:ds="http://schemas.openxmlformats.org/officeDocument/2006/customXml" ds:itemID="{A29B4A70-9DE0-4DBC-8CE9-CBC82365D150}">
-  <ds:schemaRefs>
-    <ds:schemaRef ds:uri="http://schemas.microsoft.com/sharepoint/v3/contenttype/forms"/>
-  </ds:schemaRefs>
-</ds:datastoreItem>
+<file path=customXml/item3.xml><?xml version="1.0" encoding="utf-8"?>
+<p:properties xmlns:p="http://schemas.microsoft.com/office/2006/metadata/properties" xmlns:xsi="http://www.w3.org/2001/XMLSchema-instance" xmlns:pc="http://schemas.microsoft.com/office/infopath/2007/PartnerControls">
+  <documentManagement>
+    <lcf76f155ced4ddcb4097134ff3c332f xmlns="7a2657dd-b8a5-4c99-8d51-b0b9d254c989">
+      <Terms xmlns="http://schemas.microsoft.com/office/infopath/2007/PartnerControls"/>
+    </lcf76f155ced4ddcb4097134ff3c332f>
+    <TaxCatchAll xmlns="5ba80a41-9917-4a22-8f13-cb051ddce64c" xsi:nil="true"/>
+  </documentManagement>
+</p:properties>
 </file>
 
-<file path=customXml/itemProps3.xml><?xml version="1.0" encoding="utf-8"?>
+<file path=customXml/itemProps1.xml><?xml version="1.0" encoding="utf-8"?>
 <ds:datastoreItem xmlns:ds="http://schemas.openxmlformats.org/officeDocument/2006/customXml" ds:itemID="{8ADE72D2-0A30-459B-B02E-DDA5AD954AC3}">
   <ds:schemaRefs>
     <ds:schemaRef ds:uri="http://schemas.microsoft.com/office/2006/metadata/contentType"/>
@@ -12183,4 +12279,23 @@
     <ds:schemaRef ds:uri="http://schemas.microsoft.com/internal/obd"/>
   </ds:schemaRefs>
 </ds:datastoreItem>
+</file>
+
+<file path=customXml/itemProps2.xml><?xml version="1.0" encoding="utf-8"?>
+<ds:datastoreItem xmlns:ds="http://schemas.openxmlformats.org/officeDocument/2006/customXml" ds:itemID="{A29B4A70-9DE0-4DBC-8CE9-CBC82365D150}">
+  <ds:schemaRefs>
+    <ds:schemaRef ds:uri="http://schemas.microsoft.com/sharepoint/v3/contenttype/forms"/>
+  </ds:schemaRefs>
+</ds:datastoreItem>
+</file>
+
+<file path=customXml/itemProps3.xml><?xml version="1.0" encoding="utf-8"?>
+<ds:datastoreItem xmlns:ds="http://schemas.openxmlformats.org/officeDocument/2006/customXml" ds:itemID="{C8BA6BA6-458C-4BB4-82B8-964504B32D69}">
+  <ds:schemaRefs>
+    <ds:schemaRef ds:uri="http://schemas.microsoft.com/office/2006/metadata/properties"/>
+    <ds:schemaRef ds:uri="http://schemas.microsoft.com/office/infopath/2007/PartnerControls"/>
+    <ds:schemaRef ds:uri="7a2657dd-b8a5-4c99-8d51-b0b9d254c989"/>
+    <ds:schemaRef ds:uri="5ba80a41-9917-4a22-8f13-cb051ddce64c"/>
+  </ds:schemaRefs>
+</ds:datastoreItem>
 </file>
--- a/src/ppts/sdc_website.pptx
+++ b/src/ppts/sdc_website.pptx
@@ -3309,6 +3309,808 @@
           <a:chExt cx="0" cy="0"/>
         </a:xfrm>
       </p:grpSpPr>
+      <p:grpSp>
+        <p:nvGrpSpPr>
+          <p:cNvPr id="83" name="Group 82">
+            <a:extLst>
+              <a:ext uri="{FF2B5EF4-FFF2-40B4-BE49-F238E27FC236}">
+                <a16:creationId xmlns:a16="http://schemas.microsoft.com/office/drawing/2014/main" id="{1B365702-B06F-624E-BEE6-8A0B27F4D086}"/>
+              </a:ext>
+            </a:extLst>
+          </p:cNvPr>
+          <p:cNvGrpSpPr/>
+          <p:nvPr/>
+        </p:nvGrpSpPr>
+        <p:grpSpPr>
+          <a:xfrm>
+            <a:off x="8705110" y="8674334"/>
+            <a:ext cx="2624589" cy="2624589"/>
+            <a:chOff x="4451930" y="21145943"/>
+            <a:chExt cx="3291840" cy="3291840"/>
+          </a:xfrm>
+        </p:grpSpPr>
+        <p:sp>
+          <p:nvSpPr>
+            <p:cNvPr id="84" name="Oval 83">
+              <a:extLst>
+                <a:ext uri="{FF2B5EF4-FFF2-40B4-BE49-F238E27FC236}">
+                  <a16:creationId xmlns:a16="http://schemas.microsoft.com/office/drawing/2014/main" id="{74BA07AE-E1E0-A746-B635-D10CC22E0881}"/>
+                </a:ext>
+              </a:extLst>
+            </p:cNvPr>
+            <p:cNvSpPr/>
+            <p:nvPr/>
+          </p:nvSpPr>
+          <p:spPr>
+            <a:xfrm>
+              <a:off x="4451930" y="21145943"/>
+              <a:ext cx="3291840" cy="3291840"/>
+            </a:xfrm>
+            <a:prstGeom prst="ellipse">
+              <a:avLst/>
+            </a:prstGeom>
+            <a:solidFill>
+              <a:schemeClr val="bg1"/>
+            </a:solidFill>
+            <a:ln w="127000">
+              <a:solidFill>
+                <a:schemeClr val="accent2"/>
+              </a:solidFill>
+            </a:ln>
+          </p:spPr>
+          <p:style>
+            <a:lnRef idx="2">
+              <a:schemeClr val="accent1">
+                <a:shade val="50000"/>
+              </a:schemeClr>
+            </a:lnRef>
+            <a:fillRef idx="1">
+              <a:schemeClr val="accent1"/>
+            </a:fillRef>
+            <a:effectRef idx="0">
+              <a:schemeClr val="accent1"/>
+            </a:effectRef>
+            <a:fontRef idx="minor">
+              <a:schemeClr val="lt1"/>
+            </a:fontRef>
+          </p:style>
+          <p:txBody>
+            <a:bodyPr rtlCol="0" anchor="ctr"/>
+            <a:lstStyle/>
+            <a:p>
+              <a:pPr algn="ctr"/>
+              <a:endParaRPr lang="en-US" sz="3200" dirty="0">
+                <a:solidFill>
+                  <a:schemeClr val="accent5">
+                    <a:lumMod val="50000"/>
+                  </a:schemeClr>
+                </a:solidFill>
+                <a:latin typeface="Franklin Gothic Book" panose="020B0503020102020204" pitchFamily="34" charset="0"/>
+              </a:endParaRPr>
+            </a:p>
+            <a:p>
+              <a:pPr algn="ctr"/>
+              <a:endParaRPr lang="en-US" sz="3200" dirty="0">
+                <a:solidFill>
+                  <a:schemeClr val="accent5">
+                    <a:lumMod val="50000"/>
+                  </a:schemeClr>
+                </a:solidFill>
+                <a:latin typeface="Franklin Gothic Book" panose="020B0503020102020204" pitchFamily="34" charset="0"/>
+              </a:endParaRPr>
+            </a:p>
+            <a:p>
+              <a:pPr algn="ctr"/>
+              <a:endParaRPr lang="en-US" sz="3200" dirty="0">
+                <a:solidFill>
+                  <a:schemeClr val="accent5">
+                    <a:lumMod val="50000"/>
+                  </a:schemeClr>
+                </a:solidFill>
+                <a:latin typeface="Franklin Gothic Book" panose="020B0503020102020204" pitchFamily="34" charset="0"/>
+              </a:endParaRPr>
+            </a:p>
+            <a:p>
+              <a:pPr algn="ctr"/>
+              <a:endParaRPr lang="en-US" sz="8800" dirty="0">
+                <a:solidFill>
+                  <a:schemeClr val="accent5">
+                    <a:lumMod val="50000"/>
+                  </a:schemeClr>
+                </a:solidFill>
+                <a:latin typeface="Franklin Gothic Book" panose="020B0503020102020204" pitchFamily="34" charset="0"/>
+              </a:endParaRPr>
+            </a:p>
+            <a:p>
+              <a:pPr algn="ctr"/>
+              <a:endParaRPr lang="en-US" sz="8800" dirty="0">
+                <a:solidFill>
+                  <a:schemeClr val="accent5">
+                    <a:lumMod val="50000"/>
+                  </a:schemeClr>
+                </a:solidFill>
+                <a:latin typeface="Franklin Gothic Book" panose="020B0503020102020204" pitchFamily="34" charset="0"/>
+              </a:endParaRPr>
+            </a:p>
+            <a:p>
+              <a:pPr algn="ctr"/>
+              <a:endParaRPr lang="en-US" sz="3600" dirty="0">
+                <a:solidFill>
+                  <a:schemeClr val="accent5">
+                    <a:lumMod val="50000"/>
+                  </a:schemeClr>
+                </a:solidFill>
+                <a:latin typeface="Franklin Gothic Book" panose="020B0503020102020204" pitchFamily="34" charset="0"/>
+              </a:endParaRPr>
+            </a:p>
+            <a:p>
+              <a:pPr algn="ctr"/>
+              <a:endParaRPr lang="en-US" sz="2800" dirty="0">
+                <a:solidFill>
+                  <a:srgbClr val="002060"/>
+                </a:solidFill>
+                <a:latin typeface="Franklin Gothic Book" panose="020B0503020102020204" pitchFamily="34" charset="0"/>
+              </a:endParaRPr>
+            </a:p>
+            <a:p>
+              <a:pPr algn="ctr"/>
+              <a:endParaRPr lang="en-US" sz="2800" dirty="0">
+                <a:solidFill>
+                  <a:srgbClr val="002060"/>
+                </a:solidFill>
+                <a:latin typeface="Franklin Gothic Book" panose="020B0503020102020204" pitchFamily="34" charset="0"/>
+              </a:endParaRPr>
+            </a:p>
+            <a:p>
+              <a:pPr algn="ctr"/>
+              <a:r>
+                <a:rPr lang="en-US" sz="2800" dirty="0">
+                  <a:solidFill>
+                    <a:srgbClr val="002060"/>
+                  </a:solidFill>
+                  <a:latin typeface="Franklin Gothic Book" panose="020B0503020102020204" pitchFamily="34" charset="0"/>
+                </a:rPr>
+                <a:t>Housing</a:t>
+              </a:r>
+            </a:p>
+            <a:p>
+              <a:pPr algn="ctr"/>
+              <a:endParaRPr lang="en-US" sz="2400" dirty="0">
+                <a:solidFill>
+                  <a:schemeClr val="accent5">
+                    <a:lumMod val="50000"/>
+                  </a:schemeClr>
+                </a:solidFill>
+                <a:latin typeface="Franklin Gothic Book" panose="020B0503020102020204" pitchFamily="34" charset="0"/>
+              </a:endParaRPr>
+            </a:p>
+            <a:p>
+              <a:pPr algn="ctr"/>
+              <a:endParaRPr lang="en-US" sz="2400" dirty="0">
+                <a:solidFill>
+                  <a:schemeClr val="accent5">
+                    <a:lumMod val="50000"/>
+                  </a:schemeClr>
+                </a:solidFill>
+                <a:latin typeface="Franklin Gothic Book" panose="020B0503020102020204" pitchFamily="34" charset="0"/>
+              </a:endParaRPr>
+            </a:p>
+            <a:p>
+              <a:pPr algn="ctr"/>
+              <a:endParaRPr lang="en-US" sz="2400" dirty="0">
+                <a:solidFill>
+                  <a:schemeClr val="accent5">
+                    <a:lumMod val="50000"/>
+                  </a:schemeClr>
+                </a:solidFill>
+                <a:latin typeface="Franklin Gothic Book" panose="020B0503020102020204" pitchFamily="34" charset="0"/>
+              </a:endParaRPr>
+            </a:p>
+            <a:p>
+              <a:pPr algn="ctr"/>
+              <a:endParaRPr lang="en-US" sz="2400" dirty="0">
+                <a:solidFill>
+                  <a:schemeClr val="accent5">
+                    <a:lumMod val="50000"/>
+                  </a:schemeClr>
+                </a:solidFill>
+                <a:latin typeface="Franklin Gothic Book" panose="020B0503020102020204" pitchFamily="34" charset="0"/>
+              </a:endParaRPr>
+            </a:p>
+            <a:p>
+              <a:pPr algn="ctr"/>
+              <a:endParaRPr lang="en-US" sz="2400" dirty="0">
+                <a:solidFill>
+                  <a:schemeClr val="accent5">
+                    <a:lumMod val="50000"/>
+                  </a:schemeClr>
+                </a:solidFill>
+                <a:latin typeface="Franklin Gothic Book" panose="020B0503020102020204" pitchFamily="34" charset="0"/>
+              </a:endParaRPr>
+            </a:p>
+            <a:p>
+              <a:pPr algn="ctr"/>
+              <a:endParaRPr lang="en-US" sz="2400" dirty="0">
+                <a:solidFill>
+                  <a:schemeClr val="accent5">
+                    <a:lumMod val="50000"/>
+                  </a:schemeClr>
+                </a:solidFill>
+                <a:latin typeface="Franklin Gothic Book" panose="020B0503020102020204" pitchFamily="34" charset="0"/>
+              </a:endParaRPr>
+            </a:p>
+            <a:p>
+              <a:pPr algn="ctr"/>
+              <a:endParaRPr lang="en-US" sz="2400" dirty="0">
+                <a:solidFill>
+                  <a:schemeClr val="accent5">
+                    <a:lumMod val="50000"/>
+                  </a:schemeClr>
+                </a:solidFill>
+                <a:latin typeface="Franklin Gothic Book" panose="020B0503020102020204" pitchFamily="34" charset="0"/>
+              </a:endParaRPr>
+            </a:p>
+            <a:p>
+              <a:pPr algn="ctr"/>
+              <a:endParaRPr lang="en-US" sz="2400" dirty="0">
+                <a:solidFill>
+                  <a:schemeClr val="accent5">
+                    <a:lumMod val="50000"/>
+                  </a:schemeClr>
+                </a:solidFill>
+                <a:latin typeface="Franklin Gothic Book" panose="020B0503020102020204" pitchFamily="34" charset="0"/>
+              </a:endParaRPr>
+            </a:p>
+            <a:p>
+              <a:pPr algn="ctr"/>
+              <a:endParaRPr lang="en-US" sz="2400" dirty="0">
+                <a:solidFill>
+                  <a:schemeClr val="accent5">
+                    <a:lumMod val="50000"/>
+                  </a:schemeClr>
+                </a:solidFill>
+                <a:latin typeface="Franklin Gothic Book" panose="020B0503020102020204" pitchFamily="34" charset="0"/>
+              </a:endParaRPr>
+            </a:p>
+            <a:p>
+              <a:pPr algn="ctr"/>
+              <a:endParaRPr lang="en-US" sz="2400" dirty="0">
+                <a:solidFill>
+                  <a:schemeClr val="accent5">
+                    <a:lumMod val="50000"/>
+                  </a:schemeClr>
+                </a:solidFill>
+                <a:latin typeface="Franklin Gothic Book" panose="020B0503020102020204" pitchFamily="34" charset="0"/>
+              </a:endParaRPr>
+            </a:p>
+            <a:p>
+              <a:pPr algn="ctr"/>
+              <a:endParaRPr lang="en-US" sz="2400" dirty="0">
+                <a:solidFill>
+                  <a:schemeClr val="accent5">
+                    <a:lumMod val="50000"/>
+                  </a:schemeClr>
+                </a:solidFill>
+                <a:latin typeface="Franklin Gothic Book" panose="020B0503020102020204" pitchFamily="34" charset="0"/>
+              </a:endParaRPr>
+            </a:p>
+            <a:p>
+              <a:pPr algn="ctr"/>
+              <a:endParaRPr lang="en-US" sz="2400" dirty="0">
+                <a:solidFill>
+                  <a:schemeClr val="accent5">
+                    <a:lumMod val="50000"/>
+                  </a:schemeClr>
+                </a:solidFill>
+                <a:latin typeface="Franklin Gothic Book" panose="020B0503020102020204" pitchFamily="34" charset="0"/>
+              </a:endParaRPr>
+            </a:p>
+            <a:p>
+              <a:pPr algn="ctr"/>
+              <a:endParaRPr lang="en-US" sz="2400" dirty="0">
+                <a:solidFill>
+                  <a:schemeClr val="accent5">
+                    <a:lumMod val="50000"/>
+                  </a:schemeClr>
+                </a:solidFill>
+                <a:latin typeface="Franklin Gothic Book" panose="020B0503020102020204" pitchFamily="34" charset="0"/>
+              </a:endParaRPr>
+            </a:p>
+            <a:p>
+              <a:pPr algn="ctr"/>
+              <a:endParaRPr lang="en-US" sz="2400" dirty="0">
+                <a:solidFill>
+                  <a:schemeClr val="accent5">
+                    <a:lumMod val="50000"/>
+                  </a:schemeClr>
+                </a:solidFill>
+                <a:latin typeface="Franklin Gothic Book" panose="020B0503020102020204" pitchFamily="34" charset="0"/>
+              </a:endParaRPr>
+            </a:p>
+            <a:p>
+              <a:pPr algn="ctr"/>
+              <a:endParaRPr lang="en-US" sz="2400" dirty="0">
+                <a:solidFill>
+                  <a:schemeClr val="accent5">
+                    <a:lumMod val="50000"/>
+                  </a:schemeClr>
+                </a:solidFill>
+                <a:latin typeface="Franklin Gothic Book" panose="020B0503020102020204" pitchFamily="34" charset="0"/>
+              </a:endParaRPr>
+            </a:p>
+            <a:p>
+              <a:pPr algn="ctr"/>
+              <a:endParaRPr lang="en-US" sz="2400" dirty="0">
+                <a:solidFill>
+                  <a:schemeClr val="accent5">
+                    <a:lumMod val="50000"/>
+                  </a:schemeClr>
+                </a:solidFill>
+                <a:latin typeface="Franklin Gothic Book" panose="020B0503020102020204" pitchFamily="34" charset="0"/>
+              </a:endParaRPr>
+            </a:p>
+            <a:p>
+              <a:pPr algn="ctr"/>
+              <a:endParaRPr lang="en-US" sz="2400" dirty="0">
+                <a:solidFill>
+                  <a:schemeClr val="accent5">
+                    <a:lumMod val="50000"/>
+                  </a:schemeClr>
+                </a:solidFill>
+                <a:latin typeface="Franklin Gothic Book" panose="020B0503020102020204" pitchFamily="34" charset="0"/>
+              </a:endParaRPr>
+            </a:p>
+            <a:p>
+              <a:pPr algn="ctr"/>
+              <a:endParaRPr lang="en-US" sz="3200" dirty="0">
+                <a:solidFill>
+                  <a:schemeClr val="accent5">
+                    <a:lumMod val="50000"/>
+                  </a:schemeClr>
+                </a:solidFill>
+                <a:latin typeface="Franklin Gothic Book" panose="020B0503020102020204" pitchFamily="34" charset="0"/>
+              </a:endParaRPr>
+            </a:p>
+          </p:txBody>
+        </p:sp>
+        <p:pic>
+          <p:nvPicPr>
+            <p:cNvPr id="85" name="Graphic 84" descr="Building with solid fill">
+              <a:extLst>
+                <a:ext uri="{FF2B5EF4-FFF2-40B4-BE49-F238E27FC236}">
+                  <a16:creationId xmlns:a16="http://schemas.microsoft.com/office/drawing/2014/main" id="{700058AC-E250-A240-8A10-A85468204DD9}"/>
+                </a:ext>
+              </a:extLst>
+            </p:cNvPr>
+            <p:cNvPicPr>
+              <a:picLocks noChangeAspect="1"/>
+            </p:cNvPicPr>
+            <p:nvPr/>
+          </p:nvPicPr>
+          <p:blipFill>
+            <a:blip r:embed="rId2">
+              <a:extLst>
+                <a:ext uri="{96DAC541-7B7A-43D3-8B79-37D633B846F1}">
+                  <asvg:svgBlip xmlns:asvg="http://schemas.microsoft.com/office/drawing/2016/SVG/main" r:embed="rId3"/>
+                </a:ext>
+              </a:extLst>
+            </a:blip>
+            <a:stretch>
+              <a:fillRect/>
+            </a:stretch>
+          </p:blipFill>
+          <p:spPr>
+            <a:xfrm>
+              <a:off x="5406094" y="22538982"/>
+              <a:ext cx="1371600" cy="1371600"/>
+            </a:xfrm>
+            <a:prstGeom prst="rect">
+              <a:avLst/>
+            </a:prstGeom>
+          </p:spPr>
+        </p:pic>
+      </p:grpSp>
+      <p:grpSp>
+        <p:nvGrpSpPr>
+          <p:cNvPr id="74" name="Group 73">
+            <a:extLst>
+              <a:ext uri="{FF2B5EF4-FFF2-40B4-BE49-F238E27FC236}">
+                <a16:creationId xmlns:a16="http://schemas.microsoft.com/office/drawing/2014/main" id="{27045736-7E4C-0D49-BBA5-AFC2E86A1203}"/>
+              </a:ext>
+            </a:extLst>
+          </p:cNvPr>
+          <p:cNvGrpSpPr/>
+          <p:nvPr/>
+        </p:nvGrpSpPr>
+        <p:grpSpPr>
+          <a:xfrm>
+            <a:off x="5069790" y="9372592"/>
+            <a:ext cx="2624589" cy="2624589"/>
+            <a:chOff x="8200850" y="17505775"/>
+            <a:chExt cx="3291840" cy="3291840"/>
+          </a:xfrm>
+        </p:grpSpPr>
+        <p:sp>
+          <p:nvSpPr>
+            <p:cNvPr id="75" name="Oval 74">
+              <a:extLst>
+                <a:ext uri="{FF2B5EF4-FFF2-40B4-BE49-F238E27FC236}">
+                  <a16:creationId xmlns:a16="http://schemas.microsoft.com/office/drawing/2014/main" id="{C18734E1-C53C-D348-AE4E-A6A93DA10334}"/>
+                </a:ext>
+              </a:extLst>
+            </p:cNvPr>
+            <p:cNvSpPr/>
+            <p:nvPr/>
+          </p:nvSpPr>
+          <p:spPr>
+            <a:xfrm>
+              <a:off x="8200850" y="17505775"/>
+              <a:ext cx="3291840" cy="3291840"/>
+            </a:xfrm>
+            <a:prstGeom prst="ellipse">
+              <a:avLst/>
+            </a:prstGeom>
+            <a:solidFill>
+              <a:schemeClr val="bg1"/>
+            </a:solidFill>
+            <a:ln w="127000">
+              <a:solidFill>
+                <a:schemeClr val="accent2"/>
+              </a:solidFill>
+            </a:ln>
+          </p:spPr>
+          <p:style>
+            <a:lnRef idx="2">
+              <a:schemeClr val="accent1">
+                <a:shade val="50000"/>
+              </a:schemeClr>
+            </a:lnRef>
+            <a:fillRef idx="1">
+              <a:schemeClr val="accent1"/>
+            </a:fillRef>
+            <a:effectRef idx="0">
+              <a:schemeClr val="accent1"/>
+            </a:effectRef>
+            <a:fontRef idx="minor">
+              <a:schemeClr val="lt1"/>
+            </a:fontRef>
+          </p:style>
+          <p:txBody>
+            <a:bodyPr rtlCol="0" anchor="ctr"/>
+            <a:lstStyle/>
+            <a:p>
+              <a:pPr algn="ctr"/>
+              <a:endParaRPr lang="en-US" sz="3200" dirty="0">
+                <a:solidFill>
+                  <a:schemeClr val="accent5">
+                    <a:lumMod val="50000"/>
+                  </a:schemeClr>
+                </a:solidFill>
+                <a:latin typeface="Franklin Gothic Book" panose="020B0503020102020204" pitchFamily="34" charset="0"/>
+              </a:endParaRPr>
+            </a:p>
+            <a:p>
+              <a:pPr algn="ctr"/>
+              <a:endParaRPr lang="en-US" sz="3200" dirty="0">
+                <a:solidFill>
+                  <a:schemeClr val="accent5">
+                    <a:lumMod val="50000"/>
+                  </a:schemeClr>
+                </a:solidFill>
+                <a:latin typeface="Franklin Gothic Book" panose="020B0503020102020204" pitchFamily="34" charset="0"/>
+              </a:endParaRPr>
+            </a:p>
+            <a:p>
+              <a:pPr algn="ctr"/>
+              <a:endParaRPr lang="en-US" sz="3200" dirty="0">
+                <a:solidFill>
+                  <a:schemeClr val="accent5">
+                    <a:lumMod val="50000"/>
+                  </a:schemeClr>
+                </a:solidFill>
+                <a:latin typeface="Franklin Gothic Book" panose="020B0503020102020204" pitchFamily="34" charset="0"/>
+              </a:endParaRPr>
+            </a:p>
+            <a:p>
+              <a:pPr algn="ctr"/>
+              <a:endParaRPr lang="en-US" sz="8800" dirty="0">
+                <a:solidFill>
+                  <a:schemeClr val="accent5">
+                    <a:lumMod val="50000"/>
+                  </a:schemeClr>
+                </a:solidFill>
+                <a:latin typeface="Franklin Gothic Book" panose="020B0503020102020204" pitchFamily="34" charset="0"/>
+              </a:endParaRPr>
+            </a:p>
+            <a:p>
+              <a:pPr algn="ctr"/>
+              <a:endParaRPr lang="en-US" sz="8800" dirty="0">
+                <a:solidFill>
+                  <a:schemeClr val="accent5">
+                    <a:lumMod val="50000"/>
+                  </a:schemeClr>
+                </a:solidFill>
+                <a:latin typeface="Franklin Gothic Book" panose="020B0503020102020204" pitchFamily="34" charset="0"/>
+              </a:endParaRPr>
+            </a:p>
+            <a:p>
+              <a:pPr algn="ctr"/>
+              <a:endParaRPr lang="en-US" sz="3600" dirty="0">
+                <a:solidFill>
+                  <a:schemeClr val="accent5">
+                    <a:lumMod val="50000"/>
+                  </a:schemeClr>
+                </a:solidFill>
+                <a:latin typeface="Franklin Gothic Book" panose="020B0503020102020204" pitchFamily="34" charset="0"/>
+              </a:endParaRPr>
+            </a:p>
+            <a:p>
+              <a:pPr algn="ctr"/>
+              <a:endParaRPr lang="en-US" sz="3600" dirty="0">
+                <a:solidFill>
+                  <a:srgbClr val="002060"/>
+                </a:solidFill>
+                <a:latin typeface="Franklin Gothic Book" panose="020B0503020102020204" pitchFamily="34" charset="0"/>
+              </a:endParaRPr>
+            </a:p>
+            <a:p>
+              <a:pPr algn="ctr"/>
+              <a:endParaRPr lang="en-US" sz="2800" dirty="0">
+                <a:solidFill>
+                  <a:srgbClr val="002060"/>
+                </a:solidFill>
+                <a:latin typeface="Franklin Gothic Book" panose="020B0503020102020204" pitchFamily="34" charset="0"/>
+              </a:endParaRPr>
+            </a:p>
+            <a:p>
+              <a:pPr algn="ctr"/>
+              <a:r>
+                <a:rPr lang="en-US" sz="2800" dirty="0">
+                  <a:solidFill>
+                    <a:srgbClr val="002060"/>
+                  </a:solidFill>
+                  <a:latin typeface="Franklin Gothic Book" panose="020B0503020102020204" pitchFamily="34" charset="0"/>
+                </a:rPr>
+                <a:t>Business climate</a:t>
+              </a:r>
+            </a:p>
+            <a:p>
+              <a:pPr algn="ctr"/>
+              <a:endParaRPr lang="en-US" sz="2400" dirty="0">
+                <a:solidFill>
+                  <a:schemeClr val="accent5">
+                    <a:lumMod val="50000"/>
+                  </a:schemeClr>
+                </a:solidFill>
+                <a:latin typeface="Franklin Gothic Book" panose="020B0503020102020204" pitchFamily="34" charset="0"/>
+              </a:endParaRPr>
+            </a:p>
+            <a:p>
+              <a:pPr algn="ctr"/>
+              <a:endParaRPr lang="en-US" sz="2400" dirty="0">
+                <a:solidFill>
+                  <a:schemeClr val="accent5">
+                    <a:lumMod val="50000"/>
+                  </a:schemeClr>
+                </a:solidFill>
+                <a:latin typeface="Franklin Gothic Book" panose="020B0503020102020204" pitchFamily="34" charset="0"/>
+              </a:endParaRPr>
+            </a:p>
+            <a:p>
+              <a:pPr algn="ctr"/>
+              <a:endParaRPr lang="en-US" sz="2400" dirty="0">
+                <a:solidFill>
+                  <a:schemeClr val="accent5">
+                    <a:lumMod val="50000"/>
+                  </a:schemeClr>
+                </a:solidFill>
+                <a:latin typeface="Franklin Gothic Book" panose="020B0503020102020204" pitchFamily="34" charset="0"/>
+              </a:endParaRPr>
+            </a:p>
+            <a:p>
+              <a:pPr algn="ctr"/>
+              <a:endParaRPr lang="en-US" sz="2400" dirty="0">
+                <a:solidFill>
+                  <a:schemeClr val="accent5">
+                    <a:lumMod val="50000"/>
+                  </a:schemeClr>
+                </a:solidFill>
+                <a:latin typeface="Franklin Gothic Book" panose="020B0503020102020204" pitchFamily="34" charset="0"/>
+              </a:endParaRPr>
+            </a:p>
+            <a:p>
+              <a:pPr algn="ctr"/>
+              <a:endParaRPr lang="en-US" sz="2400" dirty="0">
+                <a:solidFill>
+                  <a:schemeClr val="accent5">
+                    <a:lumMod val="50000"/>
+                  </a:schemeClr>
+                </a:solidFill>
+                <a:latin typeface="Franklin Gothic Book" panose="020B0503020102020204" pitchFamily="34" charset="0"/>
+              </a:endParaRPr>
+            </a:p>
+            <a:p>
+              <a:pPr algn="ctr"/>
+              <a:endParaRPr lang="en-US" sz="2400" dirty="0">
+                <a:solidFill>
+                  <a:schemeClr val="accent5">
+                    <a:lumMod val="50000"/>
+                  </a:schemeClr>
+                </a:solidFill>
+                <a:latin typeface="Franklin Gothic Book" panose="020B0503020102020204" pitchFamily="34" charset="0"/>
+              </a:endParaRPr>
+            </a:p>
+            <a:p>
+              <a:pPr algn="ctr"/>
+              <a:endParaRPr lang="en-US" sz="2400" dirty="0">
+                <a:solidFill>
+                  <a:schemeClr val="accent5">
+                    <a:lumMod val="50000"/>
+                  </a:schemeClr>
+                </a:solidFill>
+                <a:latin typeface="Franklin Gothic Book" panose="020B0503020102020204" pitchFamily="34" charset="0"/>
+              </a:endParaRPr>
+            </a:p>
+            <a:p>
+              <a:pPr algn="ctr"/>
+              <a:endParaRPr lang="en-US" sz="2400" dirty="0">
+                <a:solidFill>
+                  <a:schemeClr val="accent5">
+                    <a:lumMod val="50000"/>
+                  </a:schemeClr>
+                </a:solidFill>
+                <a:latin typeface="Franklin Gothic Book" panose="020B0503020102020204" pitchFamily="34" charset="0"/>
+              </a:endParaRPr>
+            </a:p>
+            <a:p>
+              <a:pPr algn="ctr"/>
+              <a:endParaRPr lang="en-US" sz="2400" dirty="0">
+                <a:solidFill>
+                  <a:schemeClr val="accent5">
+                    <a:lumMod val="50000"/>
+                  </a:schemeClr>
+                </a:solidFill>
+                <a:latin typeface="Franklin Gothic Book" panose="020B0503020102020204" pitchFamily="34" charset="0"/>
+              </a:endParaRPr>
+            </a:p>
+            <a:p>
+              <a:pPr algn="ctr"/>
+              <a:endParaRPr lang="en-US" sz="2400" dirty="0">
+                <a:solidFill>
+                  <a:schemeClr val="accent5">
+                    <a:lumMod val="50000"/>
+                  </a:schemeClr>
+                </a:solidFill>
+                <a:latin typeface="Franklin Gothic Book" panose="020B0503020102020204" pitchFamily="34" charset="0"/>
+              </a:endParaRPr>
+            </a:p>
+            <a:p>
+              <a:pPr algn="ctr"/>
+              <a:endParaRPr lang="en-US" sz="2400" dirty="0">
+                <a:solidFill>
+                  <a:schemeClr val="accent5">
+                    <a:lumMod val="50000"/>
+                  </a:schemeClr>
+                </a:solidFill>
+                <a:latin typeface="Franklin Gothic Book" panose="020B0503020102020204" pitchFamily="34" charset="0"/>
+              </a:endParaRPr>
+            </a:p>
+            <a:p>
+              <a:pPr algn="ctr"/>
+              <a:endParaRPr lang="en-US" sz="2400" dirty="0">
+                <a:solidFill>
+                  <a:schemeClr val="accent5">
+                    <a:lumMod val="50000"/>
+                  </a:schemeClr>
+                </a:solidFill>
+                <a:latin typeface="Franklin Gothic Book" panose="020B0503020102020204" pitchFamily="34" charset="0"/>
+              </a:endParaRPr>
+            </a:p>
+            <a:p>
+              <a:pPr algn="ctr"/>
+              <a:endParaRPr lang="en-US" sz="2400" dirty="0">
+                <a:solidFill>
+                  <a:schemeClr val="accent5">
+                    <a:lumMod val="50000"/>
+                  </a:schemeClr>
+                </a:solidFill>
+                <a:latin typeface="Franklin Gothic Book" panose="020B0503020102020204" pitchFamily="34" charset="0"/>
+              </a:endParaRPr>
+            </a:p>
+            <a:p>
+              <a:pPr algn="ctr"/>
+              <a:endParaRPr lang="en-US" sz="2400" dirty="0">
+                <a:solidFill>
+                  <a:schemeClr val="accent5">
+                    <a:lumMod val="50000"/>
+                  </a:schemeClr>
+                </a:solidFill>
+                <a:latin typeface="Franklin Gothic Book" panose="020B0503020102020204" pitchFamily="34" charset="0"/>
+              </a:endParaRPr>
+            </a:p>
+            <a:p>
+              <a:pPr algn="ctr"/>
+              <a:endParaRPr lang="en-US" sz="2400" dirty="0">
+                <a:solidFill>
+                  <a:schemeClr val="accent5">
+                    <a:lumMod val="50000"/>
+                  </a:schemeClr>
+                </a:solidFill>
+                <a:latin typeface="Franklin Gothic Book" panose="020B0503020102020204" pitchFamily="34" charset="0"/>
+              </a:endParaRPr>
+            </a:p>
+            <a:p>
+              <a:pPr algn="ctr"/>
+              <a:endParaRPr lang="en-US" sz="2400" dirty="0">
+                <a:solidFill>
+                  <a:schemeClr val="accent5">
+                    <a:lumMod val="50000"/>
+                  </a:schemeClr>
+                </a:solidFill>
+                <a:latin typeface="Franklin Gothic Book" panose="020B0503020102020204" pitchFamily="34" charset="0"/>
+              </a:endParaRPr>
+            </a:p>
+            <a:p>
+              <a:pPr algn="ctr"/>
+              <a:endParaRPr lang="en-US" sz="2400" dirty="0">
+                <a:solidFill>
+                  <a:schemeClr val="accent5">
+                    <a:lumMod val="50000"/>
+                  </a:schemeClr>
+                </a:solidFill>
+                <a:latin typeface="Franklin Gothic Book" panose="020B0503020102020204" pitchFamily="34" charset="0"/>
+              </a:endParaRPr>
+            </a:p>
+            <a:p>
+              <a:pPr algn="ctr"/>
+              <a:endParaRPr lang="en-US" sz="3200" dirty="0">
+                <a:solidFill>
+                  <a:schemeClr val="accent5">
+                    <a:lumMod val="50000"/>
+                  </a:schemeClr>
+                </a:solidFill>
+                <a:latin typeface="Franklin Gothic Book" panose="020B0503020102020204" pitchFamily="34" charset="0"/>
+              </a:endParaRPr>
+            </a:p>
+          </p:txBody>
+        </p:sp>
+        <p:pic>
+          <p:nvPicPr>
+            <p:cNvPr id="76" name="Graphic 75" descr="Store with solid fill">
+              <a:extLst>
+                <a:ext uri="{FF2B5EF4-FFF2-40B4-BE49-F238E27FC236}">
+                  <a16:creationId xmlns:a16="http://schemas.microsoft.com/office/drawing/2014/main" id="{260B11FF-2590-BB42-B520-F9AA3D3C7DB1}"/>
+                </a:ext>
+              </a:extLst>
+            </p:cNvPr>
+            <p:cNvPicPr>
+              <a:picLocks noChangeAspect="1"/>
+            </p:cNvPicPr>
+            <p:nvPr/>
+          </p:nvPicPr>
+          <p:blipFill>
+            <a:blip r:embed="rId4">
+              <a:extLst>
+                <a:ext uri="{96DAC541-7B7A-43D3-8B79-37D633B846F1}">
+                  <asvg:svgBlip xmlns:asvg="http://schemas.microsoft.com/office/drawing/2016/SVG/main" r:embed="rId5"/>
+                </a:ext>
+              </a:extLst>
+            </a:blip>
+            <a:stretch>
+              <a:fillRect/>
+            </a:stretch>
+          </p:blipFill>
+          <p:spPr>
+            <a:xfrm>
+              <a:off x="9143530" y="19092379"/>
+              <a:ext cx="1371600" cy="1371600"/>
+            </a:xfrm>
+            <a:prstGeom prst="rect">
+              <a:avLst/>
+            </a:prstGeom>
+          </p:spPr>
+        </p:pic>
+      </p:grpSp>
       <p:sp>
         <p:nvSpPr>
           <p:cNvPr id="5" name="Oval 4">
@@ -3323,7 +4125,7 @@
         </p:nvSpPr>
         <p:spPr>
           <a:xfrm>
-            <a:off x="7433977" y="15325432"/>
+            <a:off x="7290234" y="14926327"/>
             <a:ext cx="7077645" cy="7007023"/>
           </a:xfrm>
           <a:prstGeom prst="ellipse">
@@ -3384,7 +4186,7 @@
           <a:lstStyle/>
           <a:p>
             <a:pPr algn="ctr"/>
-            <a:endParaRPr lang="en-US" sz="3200">
+            <a:endParaRPr lang="en-US" sz="2800" dirty="0">
               <a:solidFill>
                 <a:schemeClr val="accent5">
                   <a:lumMod val="50000"/>
@@ -3395,7 +4197,7 @@
           </a:p>
           <a:p>
             <a:pPr algn="ctr"/>
-            <a:endParaRPr lang="en-US" sz="3200">
+            <a:endParaRPr lang="en-US" sz="2800" dirty="0">
               <a:solidFill>
                 <a:schemeClr val="accent5">
                   <a:lumMod val="50000"/>
@@ -3406,7 +4208,7 @@
           </a:p>
           <a:p>
             <a:pPr algn="ctr"/>
-            <a:endParaRPr lang="en-US" sz="3200">
+            <a:endParaRPr lang="en-US" sz="2800" dirty="0">
               <a:solidFill>
                 <a:schemeClr val="accent5">
                   <a:lumMod val="50000"/>
@@ -3417,7 +4219,7 @@
           </a:p>
           <a:p>
             <a:pPr algn="ctr"/>
-            <a:endParaRPr lang="en-US" sz="8800">
+            <a:endParaRPr lang="en-US" sz="8000" dirty="0">
               <a:solidFill>
                 <a:schemeClr val="accent5">
                   <a:lumMod val="50000"/>
@@ -3428,7 +4230,7 @@
           </a:p>
           <a:p>
             <a:pPr algn="ctr"/>
-            <a:endParaRPr lang="en-US" sz="8800">
+            <a:endParaRPr lang="en-US" sz="8000" dirty="0">
               <a:solidFill>
                 <a:schemeClr val="accent5">
                   <a:lumMod val="50000"/>
@@ -3439,7 +4241,7 @@
           </a:p>
           <a:p>
             <a:pPr algn="ctr"/>
-            <a:endParaRPr lang="en-US" sz="8800">
+            <a:endParaRPr lang="en-US" sz="8000" dirty="0">
               <a:solidFill>
                 <a:schemeClr val="accent5">
                   <a:lumMod val="50000"/>
@@ -3451,7 +4253,7 @@
           <a:p>
             <a:pPr algn="ctr"/>
             <a:r>
-              <a:rPr lang="en-US" sz="8800" b="1">
+              <a:rPr lang="en-US" sz="8000" b="1" dirty="0">
                 <a:solidFill>
                   <a:schemeClr val="accent5">
                     <a:lumMod val="50000"/>
@@ -3465,7 +4267,7 @@
           <a:p>
             <a:pPr algn="ctr"/>
             <a:r>
-              <a:rPr lang="en-US" sz="8800" b="1">
+              <a:rPr lang="en-US" sz="8000" b="1" dirty="0">
                 <a:solidFill>
                   <a:schemeClr val="accent5">
                     <a:lumMod val="50000"/>
@@ -3475,7 +4277,7 @@
               </a:rPr>
               <a:t>Commons</a:t>
             </a:r>
-            <a:endParaRPr lang="en-US" sz="6600" b="1">
+            <a:endParaRPr lang="en-US" sz="6000" b="1" dirty="0">
               <a:solidFill>
                 <a:schemeClr val="accent5">
                   <a:lumMod val="50000"/>
@@ -3486,7 +4288,7 @@
           </a:p>
           <a:p>
             <a:pPr algn="ctr"/>
-            <a:endParaRPr lang="en-US" sz="2200">
+            <a:endParaRPr lang="en-US" sz="2000" dirty="0">
               <a:solidFill>
                 <a:schemeClr val="accent5">
                   <a:lumMod val="50000"/>
@@ -3497,7 +4299,7 @@
           </a:p>
           <a:p>
             <a:pPr algn="ctr"/>
-            <a:endParaRPr lang="en-US" sz="2200">
+            <a:endParaRPr lang="en-US" sz="2000" dirty="0">
               <a:solidFill>
                 <a:schemeClr val="accent5">
                   <a:lumMod val="50000"/>
@@ -3508,7 +4310,7 @@
           </a:p>
           <a:p>
             <a:pPr algn="ctr"/>
-            <a:endParaRPr lang="en-US" sz="2200">
+            <a:endParaRPr lang="en-US" sz="2000" dirty="0">
               <a:solidFill>
                 <a:schemeClr val="accent5">
                   <a:lumMod val="50000"/>
@@ -3519,7 +4321,7 @@
           </a:p>
           <a:p>
             <a:pPr algn="ctr"/>
-            <a:endParaRPr lang="en-US" sz="2200">
+            <a:endParaRPr lang="en-US" sz="2000" dirty="0">
               <a:solidFill>
                 <a:schemeClr val="accent5">
                   <a:lumMod val="50000"/>
@@ -3530,7 +4332,7 @@
           </a:p>
           <a:p>
             <a:pPr algn="ctr"/>
-            <a:endParaRPr lang="en-US" sz="2200">
+            <a:endParaRPr lang="en-US" sz="2000" dirty="0">
               <a:solidFill>
                 <a:schemeClr val="accent5">
                   <a:lumMod val="50000"/>
@@ -3541,7 +4343,7 @@
           </a:p>
           <a:p>
             <a:pPr algn="ctr"/>
-            <a:endParaRPr lang="en-US" sz="2200">
+            <a:endParaRPr lang="en-US" sz="2000" dirty="0">
               <a:solidFill>
                 <a:schemeClr val="accent5">
                   <a:lumMod val="50000"/>
@@ -3552,7 +4354,7 @@
           </a:p>
           <a:p>
             <a:pPr algn="ctr"/>
-            <a:endParaRPr lang="en-US" sz="2200">
+            <a:endParaRPr lang="en-US" sz="2000" dirty="0">
               <a:solidFill>
                 <a:schemeClr val="accent5">
                   <a:lumMod val="50000"/>
@@ -3563,7 +4365,7 @@
           </a:p>
           <a:p>
             <a:pPr algn="ctr"/>
-            <a:endParaRPr lang="en-US" sz="2200">
+            <a:endParaRPr lang="en-US" sz="2000" dirty="0">
               <a:solidFill>
                 <a:schemeClr val="accent5">
                   <a:lumMod val="50000"/>
@@ -3574,7 +4376,7 @@
           </a:p>
           <a:p>
             <a:pPr algn="ctr"/>
-            <a:endParaRPr lang="en-US" sz="2200">
+            <a:endParaRPr lang="en-US" sz="2000" dirty="0">
               <a:solidFill>
                 <a:schemeClr val="accent5">
                   <a:lumMod val="50000"/>
@@ -3585,7 +4387,7 @@
           </a:p>
           <a:p>
             <a:pPr algn="ctr"/>
-            <a:endParaRPr lang="en-US" sz="2200">
+            <a:endParaRPr lang="en-US" sz="2000" dirty="0">
               <a:solidFill>
                 <a:schemeClr val="accent5">
                   <a:lumMod val="50000"/>
@@ -3596,7 +4398,7 @@
           </a:p>
           <a:p>
             <a:pPr algn="ctr"/>
-            <a:endParaRPr lang="en-US" sz="2200">
+            <a:endParaRPr lang="en-US" sz="2000" dirty="0">
               <a:solidFill>
                 <a:schemeClr val="accent5">
                   <a:lumMod val="50000"/>
@@ -3607,7 +4409,7 @@
           </a:p>
           <a:p>
             <a:pPr algn="ctr"/>
-            <a:endParaRPr lang="en-US" sz="2200">
+            <a:endParaRPr lang="en-US" sz="2000" dirty="0">
               <a:solidFill>
                 <a:schemeClr val="accent5">
                   <a:lumMod val="50000"/>
@@ -3618,7 +4420,7 @@
           </a:p>
           <a:p>
             <a:pPr algn="ctr"/>
-            <a:endParaRPr lang="en-US" sz="2200">
+            <a:endParaRPr lang="en-US" sz="2000" dirty="0">
               <a:solidFill>
                 <a:schemeClr val="accent5">
                   <a:lumMod val="50000"/>
@@ -3629,7 +4431,7 @@
           </a:p>
           <a:p>
             <a:pPr algn="ctr"/>
-            <a:endParaRPr lang="en-US" sz="2200">
+            <a:endParaRPr lang="en-US" sz="2000" dirty="0">
               <a:solidFill>
                 <a:schemeClr val="accent5">
                   <a:lumMod val="50000"/>
@@ -3640,7 +4442,7 @@
           </a:p>
           <a:p>
             <a:pPr algn="ctr"/>
-            <a:endParaRPr lang="en-US" sz="2200">
+            <a:endParaRPr lang="en-US" sz="2000" dirty="0">
               <a:solidFill>
                 <a:schemeClr val="accent5">
                   <a:lumMod val="50000"/>
@@ -3651,7 +4453,7 @@
           </a:p>
           <a:p>
             <a:pPr algn="ctr"/>
-            <a:endParaRPr lang="en-US" sz="2200">
+            <a:endParaRPr lang="en-US" sz="2000" dirty="0">
               <a:solidFill>
                 <a:schemeClr val="accent5">
                   <a:lumMod val="50000"/>
@@ -3662,7 +4464,7 @@
           </a:p>
           <a:p>
             <a:pPr algn="ctr"/>
-            <a:endParaRPr lang="en-US" sz="2200">
+            <a:endParaRPr lang="en-US" sz="2000" dirty="0">
               <a:solidFill>
                 <a:schemeClr val="accent5">
                   <a:lumMod val="50000"/>
@@ -3673,7 +4475,7 @@
           </a:p>
           <a:p>
             <a:pPr algn="ctr"/>
-            <a:endParaRPr lang="en-US" sz="3200">
+            <a:endParaRPr lang="en-US" sz="2800" dirty="0">
               <a:solidFill>
                 <a:schemeClr val="accent5">
                   <a:lumMod val="50000"/>
@@ -3698,7 +4500,7 @@
         </p:nvSpPr>
         <p:spPr>
           <a:xfrm>
-            <a:off x="6973350" y="20699375"/>
+            <a:off x="6823058" y="19854471"/>
             <a:ext cx="5736725" cy="5736725"/>
           </a:xfrm>
           <a:prstGeom prst="ellipse">
@@ -3736,7 +4538,127 @@
           <a:lstStyle/>
           <a:p>
             <a:pPr algn="ctr"/>
-            <a:endParaRPr lang="en-US" sz="3200" dirty="0">
+            <a:br>
+              <a:rPr lang="en-US" sz="1200" b="1" dirty="0">
+                <a:solidFill>
+                  <a:schemeClr val="accent5">
+                    <a:lumMod val="50000"/>
+                  </a:schemeClr>
+                </a:solidFill>
+                <a:latin typeface="Franklin Gothic Book" panose="020B0503020102020204" pitchFamily="34" charset="0"/>
+              </a:rPr>
+            </a:br>
+            <a:r>
+              <a:rPr lang="en-US" sz="4000" b="1" dirty="0">
+                <a:solidFill>
+                  <a:schemeClr val="accent5">
+                    <a:lumMod val="50000"/>
+                  </a:schemeClr>
+                </a:solidFill>
+                <a:latin typeface="Franklin Gothic Book" panose="020B0503020102020204" pitchFamily="34" charset="0"/>
+              </a:rPr>
+              <a:t>Tools &amp; Methods</a:t>
+            </a:r>
+          </a:p>
+          <a:p>
+            <a:pPr algn="ctr"/>
+            <a:r>
+              <a:rPr lang="en-US" sz="1200" dirty="0">
+                <a:solidFill>
+                  <a:schemeClr val="accent5">
+                    <a:lumMod val="50000"/>
+                  </a:schemeClr>
+                </a:solidFill>
+                <a:latin typeface="Franklin Gothic Book" panose="020B0503020102020204" pitchFamily="34" charset="0"/>
+              </a:rPr>
+              <a:t>-</a:t>
+            </a:r>
+          </a:p>
+          <a:p>
+            <a:pPr algn="ctr"/>
+            <a:r>
+              <a:rPr lang="en-US" sz="2200" dirty="0">
+                <a:solidFill>
+                  <a:schemeClr val="accent5">
+                    <a:lumMod val="50000"/>
+                  </a:schemeClr>
+                </a:solidFill>
+                <a:latin typeface="Franklin Gothic Book" panose="020B0503020102020204" pitchFamily="34" charset="0"/>
+              </a:rPr>
+              <a:t>New Open-Source Tools for Building Datasets</a:t>
+            </a:r>
+            <a:br>
+              <a:rPr lang="en-US" sz="2200" dirty="0">
+                <a:solidFill>
+                  <a:schemeClr val="accent5">
+                    <a:lumMod val="50000"/>
+                  </a:schemeClr>
+                </a:solidFill>
+                <a:latin typeface="Franklin Gothic Book" panose="020B0503020102020204" pitchFamily="34" charset="0"/>
+              </a:rPr>
+            </a:br>
+            <a:r>
+              <a:rPr lang="en-US" sz="1200" dirty="0">
+                <a:solidFill>
+                  <a:schemeClr val="accent5">
+                    <a:lumMod val="50000"/>
+                  </a:schemeClr>
+                </a:solidFill>
+                <a:latin typeface="Franklin Gothic Book" panose="020B0503020102020204" pitchFamily="34" charset="0"/>
+              </a:rPr>
+              <a:t>-</a:t>
+            </a:r>
+          </a:p>
+          <a:p>
+            <a:pPr algn="ctr"/>
+            <a:r>
+              <a:rPr lang="en-US" sz="2200" dirty="0">
+                <a:solidFill>
+                  <a:schemeClr val="accent5">
+                    <a:lumMod val="50000"/>
+                  </a:schemeClr>
+                </a:solidFill>
+                <a:latin typeface="Franklin Gothic Book" panose="020B0503020102020204" pitchFamily="34" charset="0"/>
+              </a:rPr>
+              <a:t>New Methods for Calculating New Measures</a:t>
+            </a:r>
+          </a:p>
+          <a:p>
+            <a:pPr algn="ctr"/>
+            <a:endParaRPr lang="en-US" sz="2200" dirty="0">
+              <a:solidFill>
+                <a:schemeClr val="accent5">
+                  <a:lumMod val="50000"/>
+                </a:schemeClr>
+              </a:solidFill>
+              <a:latin typeface="Franklin Gothic Book" panose="020B0503020102020204" pitchFamily="34" charset="0"/>
+            </a:endParaRPr>
+          </a:p>
+          <a:p>
+            <a:pPr algn="ctr"/>
+            <a:endParaRPr lang="en-US" sz="2200" dirty="0">
+              <a:solidFill>
+                <a:schemeClr val="accent5">
+                  <a:lumMod val="50000"/>
+                </a:schemeClr>
+              </a:solidFill>
+              <a:latin typeface="Franklin Gothic Book" panose="020B0503020102020204" pitchFamily="34" charset="0"/>
+            </a:endParaRPr>
+          </a:p>
+          <a:p>
+            <a:pPr algn="ctr"/>
+            <a:endParaRPr lang="en-US" sz="2200" dirty="0">
+              <a:solidFill>
+                <a:schemeClr val="accent5">
+                  <a:lumMod val="50000"/>
+                </a:schemeClr>
+              </a:solidFill>
+              <a:latin typeface="Franklin Gothic Book" panose="020B0503020102020204" pitchFamily="34" charset="0"/>
+            </a:endParaRPr>
+          </a:p>
+          <a:p>
+            <a:pPr algn="ctr"/>
+            <a:endParaRPr lang="en-US" sz="2200" dirty="0">
               <a:solidFill>
                 <a:schemeClr val="accent5">
                   <a:lumMod val="50000"/>
@@ -3756,309 +4678,541 @@
               <a:latin typeface="Franklin Gothic Book" panose="020B0503020102020204" pitchFamily="34" charset="0"/>
             </a:endParaRPr>
           </a:p>
-          <a:p>
-            <a:pPr algn="ctr"/>
-            <a:endParaRPr lang="en-US" sz="3200" dirty="0">
+        </p:txBody>
+      </p:sp>
+      <p:grpSp>
+        <p:nvGrpSpPr>
+          <p:cNvPr id="45" name="Group 44">
+            <a:extLst>
+              <a:ext uri="{FF2B5EF4-FFF2-40B4-BE49-F238E27FC236}">
+                <a16:creationId xmlns:a16="http://schemas.microsoft.com/office/drawing/2014/main" id="{B825B67A-30DF-D445-9651-FDA292E9CAAE}"/>
+              </a:ext>
+            </a:extLst>
+          </p:cNvPr>
+          <p:cNvGrpSpPr/>
+          <p:nvPr/>
+        </p:nvGrpSpPr>
+        <p:grpSpPr>
+          <a:xfrm>
+            <a:off x="10345935" y="22970501"/>
+            <a:ext cx="4044927" cy="4044927"/>
+            <a:chOff x="10326107" y="23815405"/>
+            <a:chExt cx="4044927" cy="4044927"/>
+          </a:xfrm>
+        </p:grpSpPr>
+        <p:sp>
+          <p:nvSpPr>
+            <p:cNvPr id="24" name="Oval 23">
+              <a:extLst>
+                <a:ext uri="{FF2B5EF4-FFF2-40B4-BE49-F238E27FC236}">
+                  <a16:creationId xmlns:a16="http://schemas.microsoft.com/office/drawing/2014/main" id="{88226E7C-C1DF-1710-FC40-F1F06FC86179}"/>
+                </a:ext>
+              </a:extLst>
+            </p:cNvPr>
+            <p:cNvSpPr/>
+            <p:nvPr/>
+          </p:nvSpPr>
+          <p:spPr>
+            <a:xfrm>
+              <a:off x="10326107" y="23815405"/>
+              <a:ext cx="4044927" cy="4044927"/>
+            </a:xfrm>
+            <a:prstGeom prst="ellipse">
+              <a:avLst/>
+            </a:prstGeom>
+            <a:solidFill>
+              <a:schemeClr val="bg1"/>
+            </a:solidFill>
+            <a:ln w="127000">
               <a:solidFill>
                 <a:schemeClr val="accent5">
                   <a:lumMod val="50000"/>
                 </a:schemeClr>
               </a:solidFill>
-              <a:latin typeface="Franklin Gothic Book" panose="020B0503020102020204" pitchFamily="34" charset="0"/>
-            </a:endParaRPr>
-          </a:p>
-          <a:p>
-            <a:pPr algn="ctr"/>
-            <a:endParaRPr lang="en-US" sz="8800" dirty="0">
+            </a:ln>
+          </p:spPr>
+          <p:style>
+            <a:lnRef idx="2">
+              <a:schemeClr val="accent1">
+                <a:shade val="50000"/>
+              </a:schemeClr>
+            </a:lnRef>
+            <a:fillRef idx="1">
+              <a:schemeClr val="accent1"/>
+            </a:fillRef>
+            <a:effectRef idx="0">
+              <a:schemeClr val="accent1"/>
+            </a:effectRef>
+            <a:fontRef idx="minor">
+              <a:schemeClr val="lt1"/>
+            </a:fontRef>
+          </p:style>
+          <p:txBody>
+            <a:bodyPr lIns="0" tIns="0" rIns="0" bIns="0" rtlCol="0" anchor="ctr"/>
+            <a:lstStyle/>
+            <a:p>
+              <a:pPr algn="ctr"/>
+              <a:endParaRPr lang="en-US" sz="3200" dirty="0">
+                <a:solidFill>
+                  <a:schemeClr val="accent5">
+                    <a:lumMod val="50000"/>
+                  </a:schemeClr>
+                </a:solidFill>
+                <a:latin typeface="Franklin Gothic Book" panose="020B0503020102020204" pitchFamily="34" charset="0"/>
+              </a:endParaRPr>
+            </a:p>
+            <a:p>
+              <a:pPr algn="ctr"/>
+              <a:endParaRPr lang="en-US" sz="3200" dirty="0">
+                <a:solidFill>
+                  <a:schemeClr val="accent5">
+                    <a:lumMod val="50000"/>
+                  </a:schemeClr>
+                </a:solidFill>
+                <a:latin typeface="Franklin Gothic Book" panose="020B0503020102020204" pitchFamily="34" charset="0"/>
+              </a:endParaRPr>
+            </a:p>
+            <a:p>
+              <a:pPr algn="ctr"/>
+              <a:endParaRPr lang="en-US" sz="3200" dirty="0">
+                <a:solidFill>
+                  <a:schemeClr val="accent5">
+                    <a:lumMod val="50000"/>
+                  </a:schemeClr>
+                </a:solidFill>
+                <a:latin typeface="Franklin Gothic Book" panose="020B0503020102020204" pitchFamily="34" charset="0"/>
+              </a:endParaRPr>
+            </a:p>
+            <a:p>
+              <a:pPr algn="ctr"/>
+              <a:endParaRPr lang="en-US" sz="8800" dirty="0">
+                <a:solidFill>
+                  <a:schemeClr val="accent5">
+                    <a:lumMod val="50000"/>
+                  </a:schemeClr>
+                </a:solidFill>
+                <a:latin typeface="Franklin Gothic Book" panose="020B0503020102020204" pitchFamily="34" charset="0"/>
+              </a:endParaRPr>
+            </a:p>
+            <a:p>
+              <a:pPr algn="ctr"/>
+              <a:endParaRPr lang="en-US" sz="8800" dirty="0">
+                <a:solidFill>
+                  <a:schemeClr val="accent5">
+                    <a:lumMod val="50000"/>
+                  </a:schemeClr>
+                </a:solidFill>
+                <a:latin typeface="Franklin Gothic Book" panose="020B0503020102020204" pitchFamily="34" charset="0"/>
+              </a:endParaRPr>
+            </a:p>
+            <a:p>
+              <a:pPr algn="ctr"/>
+              <a:endParaRPr lang="en-US" sz="5400" dirty="0">
+                <a:solidFill>
+                  <a:schemeClr val="accent5">
+                    <a:lumMod val="50000"/>
+                  </a:schemeClr>
+                </a:solidFill>
+                <a:latin typeface="Franklin Gothic Book" panose="020B0503020102020204" pitchFamily="34" charset="0"/>
+              </a:endParaRPr>
+            </a:p>
+            <a:p>
+              <a:pPr algn="ctr"/>
+              <a:endParaRPr lang="en-US" sz="3600" dirty="0">
+                <a:solidFill>
+                  <a:schemeClr val="accent5">
+                    <a:lumMod val="50000"/>
+                  </a:schemeClr>
+                </a:solidFill>
+                <a:latin typeface="Franklin Gothic Book" panose="020B0503020102020204" pitchFamily="34" charset="0"/>
+              </a:endParaRPr>
+            </a:p>
+            <a:p>
+              <a:pPr algn="ctr"/>
+              <a:endParaRPr lang="en-US" sz="1200" dirty="0">
+                <a:solidFill>
+                  <a:schemeClr val="accent5">
+                    <a:lumMod val="50000"/>
+                  </a:schemeClr>
+                </a:solidFill>
+                <a:latin typeface="Franklin Gothic Book" panose="020B0503020102020204" pitchFamily="34" charset="0"/>
+              </a:endParaRPr>
+            </a:p>
+            <a:p>
+              <a:pPr algn="ctr"/>
+              <a:r>
+                <a:rPr lang="en-US" sz="2800" b="1" dirty="0">
+                  <a:solidFill>
+                    <a:schemeClr val="accent5">
+                      <a:lumMod val="50000"/>
+                    </a:schemeClr>
+                  </a:solidFill>
+                  <a:latin typeface="Franklin Gothic Book" panose="020B0503020102020204" pitchFamily="34" charset="0"/>
+                </a:rPr>
+                <a:t>Food Security</a:t>
+              </a:r>
+            </a:p>
+            <a:p>
+              <a:pPr algn="ctr"/>
+              <a:r>
+                <a:rPr lang="en-US" sz="1200" dirty="0">
+                  <a:solidFill>
+                    <a:schemeClr val="accent5">
+                      <a:lumMod val="50000"/>
+                    </a:schemeClr>
+                  </a:solidFill>
+                  <a:latin typeface="Franklin Gothic Book" panose="020B0503020102020204" pitchFamily="34" charset="0"/>
+                </a:rPr>
+                <a:t>-</a:t>
+              </a:r>
+            </a:p>
+            <a:p>
+              <a:pPr algn="ctr"/>
+              <a:r>
+                <a:rPr lang="en-US" sz="2400" dirty="0">
+                  <a:solidFill>
+                    <a:schemeClr val="accent5">
+                      <a:lumMod val="50000"/>
+                    </a:schemeClr>
+                  </a:solidFill>
+                  <a:latin typeface="Franklin Gothic Book" panose="020B0503020102020204" pitchFamily="34" charset="0"/>
+                </a:rPr>
+                <a:t>Estimating household food insecurity and item access</a:t>
+              </a:r>
+              <a:endParaRPr lang="en-US" sz="2400" dirty="0">
+                <a:solidFill>
+                  <a:schemeClr val="bg1"/>
+                </a:solidFill>
+                <a:latin typeface="Franklin Gothic Book" panose="020B0503020102020204" pitchFamily="34" charset="0"/>
+              </a:endParaRPr>
+            </a:p>
+            <a:p>
+              <a:pPr algn="ctr"/>
+              <a:endParaRPr lang="en-US" sz="2400" dirty="0">
+                <a:solidFill>
+                  <a:schemeClr val="bg1"/>
+                </a:solidFill>
+                <a:latin typeface="Franklin Gothic Book" panose="020B0503020102020204" pitchFamily="34" charset="0"/>
+              </a:endParaRPr>
+            </a:p>
+            <a:p>
+              <a:pPr algn="ctr"/>
+              <a:endParaRPr lang="en-US" sz="2400" dirty="0">
+                <a:solidFill>
+                  <a:schemeClr val="bg1"/>
+                </a:solidFill>
+                <a:latin typeface="Franklin Gothic Book" panose="020B0503020102020204" pitchFamily="34" charset="0"/>
+              </a:endParaRPr>
+            </a:p>
+            <a:p>
+              <a:pPr algn="ctr"/>
+              <a:endParaRPr lang="en-US" sz="2400" dirty="0">
+                <a:solidFill>
+                  <a:schemeClr val="accent5">
+                    <a:lumMod val="50000"/>
+                  </a:schemeClr>
+                </a:solidFill>
+                <a:latin typeface="Franklin Gothic Book" panose="020B0503020102020204" pitchFamily="34" charset="0"/>
+              </a:endParaRPr>
+            </a:p>
+            <a:p>
+              <a:pPr algn="ctr"/>
+              <a:endParaRPr lang="en-US" sz="2400" dirty="0">
+                <a:solidFill>
+                  <a:schemeClr val="accent5">
+                    <a:lumMod val="50000"/>
+                  </a:schemeClr>
+                </a:solidFill>
+                <a:latin typeface="Franklin Gothic Book" panose="020B0503020102020204" pitchFamily="34" charset="0"/>
+              </a:endParaRPr>
+            </a:p>
+            <a:p>
+              <a:pPr algn="ctr"/>
+              <a:endParaRPr lang="en-US" sz="2400" dirty="0">
+                <a:solidFill>
+                  <a:schemeClr val="accent5">
+                    <a:lumMod val="50000"/>
+                  </a:schemeClr>
+                </a:solidFill>
+                <a:latin typeface="Franklin Gothic Book" panose="020B0503020102020204" pitchFamily="34" charset="0"/>
+              </a:endParaRPr>
+            </a:p>
+            <a:p>
+              <a:pPr algn="ctr"/>
+              <a:endParaRPr lang="en-US" sz="2400" dirty="0">
+                <a:solidFill>
+                  <a:schemeClr val="accent5">
+                    <a:lumMod val="50000"/>
+                  </a:schemeClr>
+                </a:solidFill>
+                <a:latin typeface="Franklin Gothic Book" panose="020B0503020102020204" pitchFamily="34" charset="0"/>
+              </a:endParaRPr>
+            </a:p>
+            <a:p>
+              <a:pPr algn="ctr"/>
+              <a:endParaRPr lang="en-US" sz="2400" dirty="0">
+                <a:solidFill>
+                  <a:schemeClr val="accent5">
+                    <a:lumMod val="50000"/>
+                  </a:schemeClr>
+                </a:solidFill>
+                <a:latin typeface="Franklin Gothic Book" panose="020B0503020102020204" pitchFamily="34" charset="0"/>
+              </a:endParaRPr>
+            </a:p>
+            <a:p>
+              <a:pPr algn="ctr"/>
+              <a:endParaRPr lang="en-US" sz="2400" dirty="0">
+                <a:solidFill>
+                  <a:schemeClr val="accent5">
+                    <a:lumMod val="50000"/>
+                  </a:schemeClr>
+                </a:solidFill>
+                <a:latin typeface="Franklin Gothic Book" panose="020B0503020102020204" pitchFamily="34" charset="0"/>
+              </a:endParaRPr>
+            </a:p>
+            <a:p>
+              <a:pPr algn="ctr"/>
+              <a:endParaRPr lang="en-US" sz="2400" dirty="0">
+                <a:solidFill>
+                  <a:schemeClr val="accent5">
+                    <a:lumMod val="50000"/>
+                  </a:schemeClr>
+                </a:solidFill>
+                <a:latin typeface="Franklin Gothic Book" panose="020B0503020102020204" pitchFamily="34" charset="0"/>
+              </a:endParaRPr>
+            </a:p>
+            <a:p>
+              <a:pPr algn="ctr"/>
+              <a:endParaRPr lang="en-US" sz="2400" dirty="0">
+                <a:solidFill>
+                  <a:schemeClr val="accent5">
+                    <a:lumMod val="50000"/>
+                  </a:schemeClr>
+                </a:solidFill>
+                <a:latin typeface="Franklin Gothic Book" panose="020B0503020102020204" pitchFamily="34" charset="0"/>
+              </a:endParaRPr>
+            </a:p>
+            <a:p>
+              <a:pPr algn="ctr"/>
+              <a:endParaRPr lang="en-US" sz="2400" dirty="0">
+                <a:solidFill>
+                  <a:schemeClr val="accent5">
+                    <a:lumMod val="50000"/>
+                  </a:schemeClr>
+                </a:solidFill>
+                <a:latin typeface="Franklin Gothic Book" panose="020B0503020102020204" pitchFamily="34" charset="0"/>
+              </a:endParaRPr>
+            </a:p>
+            <a:p>
+              <a:pPr algn="ctr"/>
+              <a:endParaRPr lang="en-US" sz="2400" dirty="0">
+                <a:solidFill>
+                  <a:schemeClr val="accent5">
+                    <a:lumMod val="50000"/>
+                  </a:schemeClr>
+                </a:solidFill>
+                <a:latin typeface="Franklin Gothic Book" panose="020B0503020102020204" pitchFamily="34" charset="0"/>
+              </a:endParaRPr>
+            </a:p>
+            <a:p>
+              <a:pPr algn="ctr"/>
+              <a:endParaRPr lang="en-US" sz="2400" dirty="0">
+                <a:solidFill>
+                  <a:schemeClr val="accent5">
+                    <a:lumMod val="50000"/>
+                  </a:schemeClr>
+                </a:solidFill>
+                <a:latin typeface="Franklin Gothic Book" panose="020B0503020102020204" pitchFamily="34" charset="0"/>
+              </a:endParaRPr>
+            </a:p>
+            <a:p>
+              <a:pPr algn="ctr"/>
+              <a:endParaRPr lang="en-US" sz="2400" dirty="0">
+                <a:solidFill>
+                  <a:schemeClr val="accent5">
+                    <a:lumMod val="50000"/>
+                  </a:schemeClr>
+                </a:solidFill>
+                <a:latin typeface="Franklin Gothic Book" panose="020B0503020102020204" pitchFamily="34" charset="0"/>
+              </a:endParaRPr>
+            </a:p>
+            <a:p>
+              <a:pPr algn="ctr"/>
+              <a:endParaRPr lang="en-US" sz="2400" dirty="0">
+                <a:solidFill>
+                  <a:schemeClr val="accent5">
+                    <a:lumMod val="50000"/>
+                  </a:schemeClr>
+                </a:solidFill>
+                <a:latin typeface="Franklin Gothic Book" panose="020B0503020102020204" pitchFamily="34" charset="0"/>
+              </a:endParaRPr>
+            </a:p>
+            <a:p>
+              <a:pPr algn="ctr"/>
+              <a:endParaRPr lang="en-US" sz="2400" dirty="0">
+                <a:solidFill>
+                  <a:schemeClr val="accent5">
+                    <a:lumMod val="50000"/>
+                  </a:schemeClr>
+                </a:solidFill>
+                <a:latin typeface="Franklin Gothic Book" panose="020B0503020102020204" pitchFamily="34" charset="0"/>
+              </a:endParaRPr>
+            </a:p>
+            <a:p>
+              <a:pPr algn="ctr"/>
+              <a:endParaRPr lang="en-US" sz="3200" dirty="0">
+                <a:solidFill>
+                  <a:schemeClr val="accent5">
+                    <a:lumMod val="50000"/>
+                  </a:schemeClr>
+                </a:solidFill>
+                <a:latin typeface="Franklin Gothic Book" panose="020B0503020102020204" pitchFamily="34" charset="0"/>
+              </a:endParaRPr>
+            </a:p>
+          </p:txBody>
+        </p:sp>
+        <p:grpSp>
+          <p:nvGrpSpPr>
+            <p:cNvPr id="13" name="Group 12">
+              <a:extLst>
+                <a:ext uri="{FF2B5EF4-FFF2-40B4-BE49-F238E27FC236}">
+                  <a16:creationId xmlns:a16="http://schemas.microsoft.com/office/drawing/2014/main" id="{D3E702BF-9137-5740-A241-6ABF004AFFC1}"/>
+                </a:ext>
+              </a:extLst>
+            </p:cNvPr>
+            <p:cNvGrpSpPr/>
+            <p:nvPr/>
+          </p:nvGrpSpPr>
+          <p:grpSpPr>
+            <a:xfrm>
+              <a:off x="11309871" y="26479231"/>
+              <a:ext cx="2077397" cy="969431"/>
+              <a:chOff x="15478692" y="26798569"/>
+              <a:chExt cx="2077397" cy="969431"/>
+            </a:xfrm>
+          </p:grpSpPr>
+          <p:pic>
+            <p:nvPicPr>
+              <p:cNvPr id="38" name="Graphic 37" descr="Grocery bag with solid fill">
+                <a:extLst>
+                  <a:ext uri="{FF2B5EF4-FFF2-40B4-BE49-F238E27FC236}">
+                    <a16:creationId xmlns:a16="http://schemas.microsoft.com/office/drawing/2014/main" id="{0ED6D2C7-B2FC-ED46-6441-DC1CE5FF5EBE}"/>
+                  </a:ext>
+                </a:extLst>
+              </p:cNvPr>
+              <p:cNvPicPr>
+                <a:picLocks noChangeAspect="1"/>
+              </p:cNvPicPr>
+              <p:nvPr/>
+            </p:nvPicPr>
+            <p:blipFill>
+              <a:blip r:embed="rId6">
+                <a:extLst>
+                  <a:ext uri="{96DAC541-7B7A-43D3-8B79-37D633B846F1}">
+                    <asvg:svgBlip xmlns:asvg="http://schemas.microsoft.com/office/drawing/2016/SVG/main" r:embed="rId7"/>
+                  </a:ext>
+                </a:extLst>
+              </a:blip>
+              <a:stretch>
+                <a:fillRect/>
+              </a:stretch>
+            </p:blipFill>
+            <p:spPr>
+              <a:xfrm>
+                <a:off x="15478692" y="26888724"/>
+                <a:ext cx="789122" cy="789122"/>
+              </a:xfrm>
+              <a:prstGeom prst="rect">
+                <a:avLst/>
+              </a:prstGeom>
+            </p:spPr>
+          </p:pic>
+          <p:pic>
+            <p:nvPicPr>
+              <p:cNvPr id="11" name="Picture 10" descr="A black and white drawing of a spider&#10;&#10;Description automatically generated with low confidence">
+                <a:extLst>
+                  <a:ext uri="{FF2B5EF4-FFF2-40B4-BE49-F238E27FC236}">
+                    <a16:creationId xmlns:a16="http://schemas.microsoft.com/office/drawing/2014/main" id="{29C91926-F27C-AA4E-B307-B20734FEDB35}"/>
+                  </a:ext>
+                </a:extLst>
+              </p:cNvPr>
+              <p:cNvPicPr>
+                <a:picLocks noChangeAspect="1"/>
+              </p:cNvPicPr>
+              <p:nvPr/>
+            </p:nvPicPr>
+            <p:blipFill>
+              <a:blip r:embed="rId8"/>
+              <a:stretch>
+                <a:fillRect/>
+              </a:stretch>
+            </p:blipFill>
+            <p:spPr>
+              <a:xfrm>
+                <a:off x="16568706" y="26798569"/>
+                <a:ext cx="987383" cy="969431"/>
+              </a:xfrm>
+              <a:prstGeom prst="rect">
+                <a:avLst/>
+              </a:prstGeom>
+            </p:spPr>
+          </p:pic>
+          <p:sp>
+            <p:nvSpPr>
+              <p:cNvPr id="12" name="Right Arrow 11">
+                <a:extLst>
+                  <a:ext uri="{FF2B5EF4-FFF2-40B4-BE49-F238E27FC236}">
+                    <a16:creationId xmlns:a16="http://schemas.microsoft.com/office/drawing/2014/main" id="{0C1B2FC2-1984-D64F-9DCC-CF563FD1F6CC}"/>
+                  </a:ext>
+                </a:extLst>
+              </p:cNvPr>
+              <p:cNvSpPr/>
+              <p:nvPr/>
+            </p:nvSpPr>
+            <p:spPr>
+              <a:xfrm>
+                <a:off x="16265501" y="27283285"/>
+                <a:ext cx="281940" cy="208227"/>
+              </a:xfrm>
+              <a:prstGeom prst="rightArrow">
+                <a:avLst/>
+              </a:prstGeom>
               <a:solidFill>
-                <a:schemeClr val="accent5">
-                  <a:lumMod val="50000"/>
+                <a:schemeClr val="tx1"/>
+              </a:solidFill>
+              <a:ln>
+                <a:solidFill>
+                  <a:schemeClr val="tx1"/>
+                </a:solidFill>
+              </a:ln>
+            </p:spPr>
+            <p:style>
+              <a:lnRef idx="2">
+                <a:schemeClr val="accent1">
+                  <a:shade val="50000"/>
                 </a:schemeClr>
-              </a:solidFill>
-              <a:latin typeface="Franklin Gothic Book" panose="020B0503020102020204" pitchFamily="34" charset="0"/>
-            </a:endParaRPr>
-          </a:p>
-          <a:p>
-            <a:pPr algn="ctr"/>
-            <a:endParaRPr lang="en-US" sz="4800" dirty="0">
-              <a:solidFill>
-                <a:schemeClr val="accent5">
-                  <a:lumMod val="50000"/>
-                </a:schemeClr>
-              </a:solidFill>
-              <a:latin typeface="Franklin Gothic Book" panose="020B0503020102020204" pitchFamily="34" charset="0"/>
-            </a:endParaRPr>
-          </a:p>
-          <a:p>
-            <a:pPr algn="ctr"/>
-            <a:endParaRPr lang="en-US" sz="4800" dirty="0">
-              <a:solidFill>
-                <a:schemeClr val="accent5">
-                  <a:lumMod val="50000"/>
-                </a:schemeClr>
-              </a:solidFill>
-              <a:latin typeface="Franklin Gothic Book" panose="020B0503020102020204" pitchFamily="34" charset="0"/>
-            </a:endParaRPr>
-          </a:p>
-          <a:p>
-            <a:pPr algn="ctr"/>
-            <a:r>
-              <a:rPr lang="en-US" sz="4000" dirty="0">
-                <a:solidFill>
-                  <a:schemeClr val="accent5">
-                    <a:lumMod val="50000"/>
-                  </a:schemeClr>
-                </a:solidFill>
-                <a:latin typeface="Franklin Gothic Book" panose="020B0503020102020204" pitchFamily="34" charset="0"/>
-              </a:rPr>
-              <a:t>Tools &amp; Methods</a:t>
-            </a:r>
-          </a:p>
-          <a:p>
-            <a:pPr marL="342900" indent="-342900" algn="ctr">
-              <a:buFont typeface="Arial" panose="020B0604020202020204" pitchFamily="34" charset="0"/>
-              <a:buChar char="•"/>
-            </a:pPr>
-            <a:r>
-              <a:rPr lang="en-US" sz="2200" dirty="0">
-                <a:solidFill>
-                  <a:schemeClr val="accent5">
-                    <a:lumMod val="50000"/>
-                  </a:schemeClr>
-                </a:solidFill>
-                <a:latin typeface="Franklin Gothic Book" panose="020B0503020102020204" pitchFamily="34" charset="0"/>
-              </a:rPr>
-              <a:t>New </a:t>
-            </a:r>
-            <a:r>
-              <a:rPr lang="en-US" sz="2200" b="1" dirty="0">
-                <a:solidFill>
-                  <a:schemeClr val="accent5">
-                    <a:lumMod val="50000"/>
-                  </a:schemeClr>
-                </a:solidFill>
-                <a:latin typeface="Franklin Gothic Book" panose="020B0503020102020204" pitchFamily="34" charset="0"/>
-              </a:rPr>
-              <a:t>Open-Source</a:t>
-            </a:r>
-            <a:r>
-              <a:rPr lang="en-US" sz="2200" dirty="0">
-                <a:solidFill>
-                  <a:schemeClr val="accent5">
-                    <a:lumMod val="50000"/>
-                  </a:schemeClr>
-                </a:solidFill>
-                <a:latin typeface="Franklin Gothic Book" panose="020B0503020102020204" pitchFamily="34" charset="0"/>
-              </a:rPr>
-              <a:t> Tools for Building Datasets</a:t>
-            </a:r>
-          </a:p>
-          <a:p>
-            <a:pPr marL="342900" indent="-342900" algn="ctr">
-              <a:buFont typeface="Arial" panose="020B0604020202020204" pitchFamily="34" charset="0"/>
-              <a:buChar char="•"/>
-            </a:pPr>
-            <a:r>
-              <a:rPr lang="en-US" sz="2200" dirty="0">
-                <a:solidFill>
-                  <a:schemeClr val="accent5">
-                    <a:lumMod val="50000"/>
-                  </a:schemeClr>
-                </a:solidFill>
-                <a:latin typeface="Franklin Gothic Book" panose="020B0503020102020204" pitchFamily="34" charset="0"/>
-              </a:rPr>
-              <a:t>New methodologies for calculating new measures</a:t>
-            </a:r>
-          </a:p>
-          <a:p>
-            <a:pPr algn="ctr"/>
-            <a:endParaRPr lang="en-US" sz="2200" dirty="0">
-              <a:solidFill>
-                <a:schemeClr val="accent5">
-                  <a:lumMod val="50000"/>
-                </a:schemeClr>
-              </a:solidFill>
-              <a:latin typeface="Franklin Gothic Book" panose="020B0503020102020204" pitchFamily="34" charset="0"/>
-            </a:endParaRPr>
-          </a:p>
-          <a:p>
-            <a:pPr algn="ctr"/>
-            <a:endParaRPr lang="en-US" sz="2200" dirty="0">
-              <a:solidFill>
-                <a:schemeClr val="accent5">
-                  <a:lumMod val="50000"/>
-                </a:schemeClr>
-              </a:solidFill>
-              <a:latin typeface="Franklin Gothic Book" panose="020B0503020102020204" pitchFamily="34" charset="0"/>
-            </a:endParaRPr>
-          </a:p>
-          <a:p>
-            <a:pPr algn="ctr"/>
-            <a:endParaRPr lang="en-US" sz="2200" dirty="0">
-              <a:solidFill>
-                <a:schemeClr val="accent5">
-                  <a:lumMod val="50000"/>
-                </a:schemeClr>
-              </a:solidFill>
-              <a:latin typeface="Franklin Gothic Book" panose="020B0503020102020204" pitchFamily="34" charset="0"/>
-            </a:endParaRPr>
-          </a:p>
-          <a:p>
-            <a:pPr algn="ctr"/>
-            <a:endParaRPr lang="en-US" sz="2200" dirty="0">
-              <a:solidFill>
-                <a:schemeClr val="accent5">
-                  <a:lumMod val="50000"/>
-                </a:schemeClr>
-              </a:solidFill>
-              <a:latin typeface="Franklin Gothic Book" panose="020B0503020102020204" pitchFamily="34" charset="0"/>
-            </a:endParaRPr>
-          </a:p>
-          <a:p>
-            <a:pPr algn="ctr"/>
-            <a:endParaRPr lang="en-US" sz="2200" dirty="0">
-              <a:solidFill>
-                <a:schemeClr val="accent5">
-                  <a:lumMod val="50000"/>
-                </a:schemeClr>
-              </a:solidFill>
-              <a:latin typeface="Franklin Gothic Book" panose="020B0503020102020204" pitchFamily="34" charset="0"/>
-            </a:endParaRPr>
-          </a:p>
-          <a:p>
-            <a:pPr algn="ctr"/>
-            <a:endParaRPr lang="en-US" sz="2200" dirty="0">
-              <a:solidFill>
-                <a:schemeClr val="accent5">
-                  <a:lumMod val="50000"/>
-                </a:schemeClr>
-              </a:solidFill>
-              <a:latin typeface="Franklin Gothic Book" panose="020B0503020102020204" pitchFamily="34" charset="0"/>
-            </a:endParaRPr>
-          </a:p>
-          <a:p>
-            <a:pPr algn="ctr"/>
-            <a:endParaRPr lang="en-US" sz="2200" dirty="0">
-              <a:solidFill>
-                <a:schemeClr val="accent5">
-                  <a:lumMod val="50000"/>
-                </a:schemeClr>
-              </a:solidFill>
-              <a:latin typeface="Franklin Gothic Book" panose="020B0503020102020204" pitchFamily="34" charset="0"/>
-            </a:endParaRPr>
-          </a:p>
-          <a:p>
-            <a:pPr algn="ctr"/>
-            <a:endParaRPr lang="en-US" sz="2200" dirty="0">
-              <a:solidFill>
-                <a:schemeClr val="accent5">
-                  <a:lumMod val="50000"/>
-                </a:schemeClr>
-              </a:solidFill>
-              <a:latin typeface="Franklin Gothic Book" panose="020B0503020102020204" pitchFamily="34" charset="0"/>
-            </a:endParaRPr>
-          </a:p>
-          <a:p>
-            <a:pPr algn="ctr"/>
-            <a:endParaRPr lang="en-US" sz="2200" dirty="0">
-              <a:solidFill>
-                <a:schemeClr val="accent5">
-                  <a:lumMod val="50000"/>
-                </a:schemeClr>
-              </a:solidFill>
-              <a:latin typeface="Franklin Gothic Book" panose="020B0503020102020204" pitchFamily="34" charset="0"/>
-            </a:endParaRPr>
-          </a:p>
-          <a:p>
-            <a:pPr algn="ctr"/>
-            <a:endParaRPr lang="en-US" sz="2200" dirty="0">
-              <a:solidFill>
-                <a:schemeClr val="accent5">
-                  <a:lumMod val="50000"/>
-                </a:schemeClr>
-              </a:solidFill>
-              <a:latin typeface="Franklin Gothic Book" panose="020B0503020102020204" pitchFamily="34" charset="0"/>
-            </a:endParaRPr>
-          </a:p>
-          <a:p>
-            <a:pPr algn="ctr"/>
-            <a:endParaRPr lang="en-US" sz="2200" dirty="0">
-              <a:solidFill>
-                <a:schemeClr val="accent5">
-                  <a:lumMod val="50000"/>
-                </a:schemeClr>
-              </a:solidFill>
-              <a:latin typeface="Franklin Gothic Book" panose="020B0503020102020204" pitchFamily="34" charset="0"/>
-            </a:endParaRPr>
-          </a:p>
-          <a:p>
-            <a:pPr algn="ctr"/>
-            <a:endParaRPr lang="en-US" sz="2200" dirty="0">
-              <a:solidFill>
-                <a:schemeClr val="accent5">
-                  <a:lumMod val="50000"/>
-                </a:schemeClr>
-              </a:solidFill>
-              <a:latin typeface="Franklin Gothic Book" panose="020B0503020102020204" pitchFamily="34" charset="0"/>
-            </a:endParaRPr>
-          </a:p>
-          <a:p>
-            <a:pPr algn="ctr"/>
-            <a:endParaRPr lang="en-US" sz="2200" dirty="0">
-              <a:solidFill>
-                <a:schemeClr val="accent5">
-                  <a:lumMod val="50000"/>
-                </a:schemeClr>
-              </a:solidFill>
-              <a:latin typeface="Franklin Gothic Book" panose="020B0503020102020204" pitchFamily="34" charset="0"/>
-            </a:endParaRPr>
-          </a:p>
-          <a:p>
-            <a:pPr algn="ctr"/>
-            <a:endParaRPr lang="en-US" sz="2200" dirty="0">
-              <a:solidFill>
-                <a:schemeClr val="accent5">
-                  <a:lumMod val="50000"/>
-                </a:schemeClr>
-              </a:solidFill>
-              <a:latin typeface="Franklin Gothic Book" panose="020B0503020102020204" pitchFamily="34" charset="0"/>
-            </a:endParaRPr>
-          </a:p>
-          <a:p>
-            <a:pPr algn="ctr"/>
-            <a:endParaRPr lang="en-US" sz="2200" dirty="0">
-              <a:solidFill>
-                <a:schemeClr val="accent5">
-                  <a:lumMod val="50000"/>
-                </a:schemeClr>
-              </a:solidFill>
-              <a:latin typeface="Franklin Gothic Book" panose="020B0503020102020204" pitchFamily="34" charset="0"/>
-            </a:endParaRPr>
-          </a:p>
-          <a:p>
-            <a:pPr algn="ctr"/>
-            <a:endParaRPr lang="en-US" sz="2200" dirty="0">
-              <a:solidFill>
-                <a:schemeClr val="accent5">
-                  <a:lumMod val="50000"/>
-                </a:schemeClr>
-              </a:solidFill>
-              <a:latin typeface="Franklin Gothic Book" panose="020B0503020102020204" pitchFamily="34" charset="0"/>
-            </a:endParaRPr>
-          </a:p>
-          <a:p>
-            <a:pPr algn="ctr"/>
-            <a:endParaRPr lang="en-US" sz="3200" dirty="0">
-              <a:solidFill>
-                <a:schemeClr val="accent5">
-                  <a:lumMod val="50000"/>
-                </a:schemeClr>
-              </a:solidFill>
-              <a:latin typeface="Franklin Gothic Book" panose="020B0503020102020204" pitchFamily="34" charset="0"/>
-            </a:endParaRPr>
-          </a:p>
-        </p:txBody>
-      </p:sp>
+              </a:lnRef>
+              <a:fillRef idx="1">
+                <a:schemeClr val="accent1"/>
+              </a:fillRef>
+              <a:effectRef idx="0">
+                <a:schemeClr val="accent1"/>
+              </a:effectRef>
+              <a:fontRef idx="minor">
+                <a:schemeClr val="lt1"/>
+              </a:fontRef>
+            </p:style>
+            <p:txBody>
+              <a:bodyPr rtlCol="0" anchor="ctr"/>
+              <a:lstStyle/>
+              <a:p>
+                <a:pPr algn="ctr"/>
+                <a:endParaRPr lang="en-US" dirty="0"/>
+              </a:p>
+            </p:txBody>
+          </p:sp>
+        </p:grpSp>
+      </p:grpSp>
       <p:sp>
         <p:nvSpPr>
           <p:cNvPr id="15" name="Oval 14">
@@ -4073,7 +5227,7 @@
         </p:nvSpPr>
         <p:spPr>
           <a:xfrm>
-            <a:off x="5968347" y="11525986"/>
+            <a:off x="5996517" y="11676644"/>
             <a:ext cx="5142339" cy="5142339"/>
           </a:xfrm>
           <a:prstGeom prst="ellipse">
@@ -4109,85 +5263,8 @@
           <a:lstStyle/>
           <a:p>
             <a:pPr algn="ctr"/>
-            <a:endParaRPr lang="en-US" sz="3200" dirty="0">
-              <a:solidFill>
-                <a:schemeClr val="accent5">
-                  <a:lumMod val="50000"/>
-                </a:schemeClr>
-              </a:solidFill>
-              <a:latin typeface="Franklin Gothic Book" panose="020B0503020102020204" pitchFamily="34" charset="0"/>
-            </a:endParaRPr>
-          </a:p>
-          <a:p>
-            <a:pPr algn="ctr"/>
-            <a:endParaRPr lang="en-US" sz="3200" dirty="0">
-              <a:solidFill>
-                <a:schemeClr val="accent5">
-                  <a:lumMod val="50000"/>
-                </a:schemeClr>
-              </a:solidFill>
-              <a:latin typeface="Franklin Gothic Book" panose="020B0503020102020204" pitchFamily="34" charset="0"/>
-            </a:endParaRPr>
-          </a:p>
-          <a:p>
-            <a:pPr algn="ctr"/>
-            <a:endParaRPr lang="en-US" sz="3200" dirty="0">
-              <a:solidFill>
-                <a:schemeClr val="accent5">
-                  <a:lumMod val="50000"/>
-                </a:schemeClr>
-              </a:solidFill>
-              <a:latin typeface="Franklin Gothic Book" panose="020B0503020102020204" pitchFamily="34" charset="0"/>
-            </a:endParaRPr>
-          </a:p>
-          <a:p>
-            <a:pPr algn="ctr"/>
-            <a:endParaRPr lang="en-US" sz="8800" dirty="0">
-              <a:solidFill>
-                <a:schemeClr val="accent5">
-                  <a:lumMod val="50000"/>
-                </a:schemeClr>
-              </a:solidFill>
-              <a:latin typeface="Franklin Gothic Book" panose="020B0503020102020204" pitchFamily="34" charset="0"/>
-            </a:endParaRPr>
-          </a:p>
-          <a:p>
-            <a:pPr algn="ctr"/>
-            <a:endParaRPr lang="en-US" sz="8800" dirty="0">
-              <a:solidFill>
-                <a:schemeClr val="accent5">
-                  <a:lumMod val="50000"/>
-                </a:schemeClr>
-              </a:solidFill>
-              <a:latin typeface="Franklin Gothic Book" panose="020B0503020102020204" pitchFamily="34" charset="0"/>
-            </a:endParaRPr>
-          </a:p>
-          <a:p>
-            <a:pPr algn="ctr"/>
-            <a:endParaRPr lang="en-US" sz="5400" dirty="0">
-              <a:solidFill>
-                <a:schemeClr val="accent5">
-                  <a:lumMod val="50000"/>
-                </a:schemeClr>
-              </a:solidFill>
-              <a:latin typeface="Franklin Gothic Book" panose="020B0503020102020204" pitchFamily="34" charset="0"/>
-            </a:endParaRPr>
-          </a:p>
-          <a:p>
-            <a:pPr algn="ctr"/>
-            <a:endParaRPr lang="en-US" sz="5400" dirty="0">
-              <a:solidFill>
-                <a:schemeClr val="accent5">
-                  <a:lumMod val="50000"/>
-                </a:schemeClr>
-              </a:solidFill>
-              <a:latin typeface="Franklin Gothic Book" panose="020B0503020102020204" pitchFamily="34" charset="0"/>
-            </a:endParaRPr>
-          </a:p>
-          <a:p>
-            <a:pPr algn="ctr"/>
             <a:r>
-              <a:rPr lang="en-US" sz="4000" dirty="0">
+              <a:rPr lang="en-US" sz="4000" b="1" dirty="0">
                 <a:solidFill>
                   <a:schemeClr val="accent5">
                     <a:lumMod val="50000"/>
@@ -4200,190 +5277,101 @@
           </a:p>
           <a:p>
             <a:pPr algn="ctr"/>
-            <a:endParaRPr lang="en-US" sz="2200" dirty="0">
-              <a:solidFill>
-                <a:schemeClr val="accent5">
-                  <a:lumMod val="50000"/>
-                </a:schemeClr>
-              </a:solidFill>
-              <a:latin typeface="Franklin Gothic Book" panose="020B0503020102020204" pitchFamily="34" charset="0"/>
-            </a:endParaRPr>
+            <a:r>
+              <a:rPr lang="en-US" sz="1200" dirty="0">
+                <a:solidFill>
+                  <a:schemeClr val="accent5">
+                    <a:lumMod val="50000"/>
+                  </a:schemeClr>
+                </a:solidFill>
+                <a:latin typeface="Franklin Gothic Book" panose="020B0503020102020204" pitchFamily="34" charset="0"/>
+              </a:rPr>
+              <a:t>-</a:t>
+            </a:r>
           </a:p>
           <a:p>
             <a:pPr algn="ctr"/>
-            <a:endParaRPr lang="en-US" sz="2200" dirty="0">
-              <a:solidFill>
-                <a:schemeClr val="accent5">
-                  <a:lumMod val="50000"/>
-                </a:schemeClr>
-              </a:solidFill>
-              <a:latin typeface="Franklin Gothic Book" panose="020B0503020102020204" pitchFamily="34" charset="0"/>
-            </a:endParaRPr>
+            <a:r>
+              <a:rPr lang="en-US" sz="2200" dirty="0">
+                <a:solidFill>
+                  <a:schemeClr val="accent5">
+                    <a:lumMod val="50000"/>
+                  </a:schemeClr>
+                </a:solidFill>
+                <a:latin typeface="Franklin Gothic Book" panose="020B0503020102020204" pitchFamily="34" charset="0"/>
+              </a:rPr>
+              <a:t>New datasets supporting local decision-making</a:t>
+            </a:r>
+            <a:br>
+              <a:rPr lang="en-US" sz="2200" dirty="0">
+                <a:solidFill>
+                  <a:schemeClr val="accent5">
+                    <a:lumMod val="50000"/>
+                  </a:schemeClr>
+                </a:solidFill>
+                <a:latin typeface="Franklin Gothic Book" panose="020B0503020102020204" pitchFamily="34" charset="0"/>
+              </a:rPr>
+            </a:br>
+            <a:r>
+              <a:rPr lang="en-US" sz="1200" dirty="0">
+                <a:solidFill>
+                  <a:schemeClr val="accent5">
+                    <a:lumMod val="50000"/>
+                  </a:schemeClr>
+                </a:solidFill>
+                <a:latin typeface="Franklin Gothic Book" panose="020B0503020102020204" pitchFamily="34" charset="0"/>
+              </a:rPr>
+              <a:t>-</a:t>
+            </a:r>
           </a:p>
           <a:p>
             <a:pPr algn="ctr"/>
-            <a:endParaRPr lang="en-US" sz="2200" dirty="0">
-              <a:solidFill>
-                <a:schemeClr val="accent5">
-                  <a:lumMod val="50000"/>
-                </a:schemeClr>
-              </a:solidFill>
-              <a:latin typeface="Franklin Gothic Book" panose="020B0503020102020204" pitchFamily="34" charset="0"/>
-            </a:endParaRPr>
+            <a:r>
+              <a:rPr lang="en-US" sz="2200" dirty="0">
+                <a:solidFill>
+                  <a:schemeClr val="accent5">
+                    <a:lumMod val="50000"/>
+                  </a:schemeClr>
+                </a:solidFill>
+                <a:latin typeface="Franklin Gothic Book" panose="020B0503020102020204" pitchFamily="34" charset="0"/>
+              </a:rPr>
+              <a:t>Below county geographies</a:t>
+            </a:r>
+            <a:br>
+              <a:rPr lang="en-US" sz="2200" dirty="0">
+                <a:solidFill>
+                  <a:schemeClr val="accent5">
+                    <a:lumMod val="50000"/>
+                  </a:schemeClr>
+                </a:solidFill>
+                <a:latin typeface="Franklin Gothic Book" panose="020B0503020102020204" pitchFamily="34" charset="0"/>
+              </a:rPr>
+            </a:br>
+            <a:r>
+              <a:rPr lang="en-US" sz="1200" dirty="0">
+                <a:solidFill>
+                  <a:schemeClr val="accent5">
+                    <a:lumMod val="50000"/>
+                  </a:schemeClr>
+                </a:solidFill>
+                <a:latin typeface="Franklin Gothic Book" panose="020B0503020102020204" pitchFamily="34" charset="0"/>
+              </a:rPr>
+              <a:t>-</a:t>
+            </a:r>
           </a:p>
           <a:p>
             <a:pPr algn="ctr"/>
-            <a:endParaRPr lang="en-US" sz="2200" dirty="0">
-              <a:solidFill>
-                <a:schemeClr val="accent5">
-                  <a:lumMod val="50000"/>
-                </a:schemeClr>
-              </a:solidFill>
-              <a:latin typeface="Franklin Gothic Book" panose="020B0503020102020204" pitchFamily="34" charset="0"/>
-            </a:endParaRPr>
-          </a:p>
-          <a:p>
-            <a:pPr algn="ctr"/>
-            <a:endParaRPr lang="en-US" sz="2200" dirty="0">
-              <a:solidFill>
-                <a:schemeClr val="accent5">
-                  <a:lumMod val="50000"/>
-                </a:schemeClr>
-              </a:solidFill>
-              <a:latin typeface="Franklin Gothic Book" panose="020B0503020102020204" pitchFamily="34" charset="0"/>
-            </a:endParaRPr>
-          </a:p>
-          <a:p>
-            <a:pPr algn="ctr"/>
-            <a:endParaRPr lang="en-US" sz="2200" dirty="0">
-              <a:solidFill>
-                <a:schemeClr val="accent5">
-                  <a:lumMod val="50000"/>
-                </a:schemeClr>
-              </a:solidFill>
-              <a:latin typeface="Franklin Gothic Book" panose="020B0503020102020204" pitchFamily="34" charset="0"/>
-            </a:endParaRPr>
-          </a:p>
-          <a:p>
-            <a:pPr algn="ctr"/>
-            <a:endParaRPr lang="en-US" sz="2200" dirty="0">
-              <a:solidFill>
-                <a:schemeClr val="accent5">
-                  <a:lumMod val="50000"/>
-                </a:schemeClr>
-              </a:solidFill>
-              <a:latin typeface="Franklin Gothic Book" panose="020B0503020102020204" pitchFamily="34" charset="0"/>
-            </a:endParaRPr>
-          </a:p>
-          <a:p>
-            <a:pPr algn="ctr"/>
-            <a:endParaRPr lang="en-US" sz="2200" dirty="0">
-              <a:solidFill>
-                <a:schemeClr val="accent5">
-                  <a:lumMod val="50000"/>
-                </a:schemeClr>
-              </a:solidFill>
-              <a:latin typeface="Franklin Gothic Book" panose="020B0503020102020204" pitchFamily="34" charset="0"/>
-            </a:endParaRPr>
-          </a:p>
-          <a:p>
-            <a:pPr algn="ctr"/>
-            <a:endParaRPr lang="en-US" sz="2200" dirty="0">
-              <a:solidFill>
-                <a:schemeClr val="accent5">
-                  <a:lumMod val="50000"/>
-                </a:schemeClr>
-              </a:solidFill>
-              <a:latin typeface="Franklin Gothic Book" panose="020B0503020102020204" pitchFamily="34" charset="0"/>
-            </a:endParaRPr>
-          </a:p>
-          <a:p>
-            <a:pPr algn="ctr"/>
-            <a:endParaRPr lang="en-US" sz="2200" dirty="0">
-              <a:solidFill>
-                <a:schemeClr val="accent5">
-                  <a:lumMod val="50000"/>
-                </a:schemeClr>
-              </a:solidFill>
-              <a:latin typeface="Franklin Gothic Book" panose="020B0503020102020204" pitchFamily="34" charset="0"/>
-            </a:endParaRPr>
-          </a:p>
-          <a:p>
-            <a:pPr algn="ctr"/>
-            <a:endParaRPr lang="en-US" sz="2200" dirty="0">
-              <a:solidFill>
-                <a:schemeClr val="accent5">
-                  <a:lumMod val="50000"/>
-                </a:schemeClr>
-              </a:solidFill>
-              <a:latin typeface="Franklin Gothic Book" panose="020B0503020102020204" pitchFamily="34" charset="0"/>
-            </a:endParaRPr>
-          </a:p>
-          <a:p>
-            <a:pPr algn="ctr"/>
-            <a:endParaRPr lang="en-US" sz="2200" dirty="0">
-              <a:solidFill>
-                <a:schemeClr val="accent5">
-                  <a:lumMod val="50000"/>
-                </a:schemeClr>
-              </a:solidFill>
-              <a:latin typeface="Franklin Gothic Book" panose="020B0503020102020204" pitchFamily="34" charset="0"/>
-            </a:endParaRPr>
-          </a:p>
-          <a:p>
-            <a:pPr algn="ctr"/>
-            <a:endParaRPr lang="en-US" sz="2200" dirty="0">
-              <a:solidFill>
-                <a:schemeClr val="accent5">
-                  <a:lumMod val="50000"/>
-                </a:schemeClr>
-              </a:solidFill>
-              <a:latin typeface="Franklin Gothic Book" panose="020B0503020102020204" pitchFamily="34" charset="0"/>
-            </a:endParaRPr>
-          </a:p>
-          <a:p>
-            <a:pPr algn="ctr"/>
-            <a:endParaRPr lang="en-US" sz="2200" dirty="0">
-              <a:solidFill>
-                <a:schemeClr val="accent5">
-                  <a:lumMod val="50000"/>
-                </a:schemeClr>
-              </a:solidFill>
-              <a:latin typeface="Franklin Gothic Book" panose="020B0503020102020204" pitchFamily="34" charset="0"/>
-            </a:endParaRPr>
-          </a:p>
-          <a:p>
-            <a:pPr algn="ctr"/>
-            <a:endParaRPr lang="en-US" sz="2200" dirty="0">
-              <a:solidFill>
-                <a:schemeClr val="accent5">
-                  <a:lumMod val="50000"/>
-                </a:schemeClr>
-              </a:solidFill>
-              <a:latin typeface="Franklin Gothic Book" panose="020B0503020102020204" pitchFamily="34" charset="0"/>
-            </a:endParaRPr>
-          </a:p>
-          <a:p>
-            <a:pPr algn="ctr"/>
-            <a:endParaRPr lang="en-US" sz="2200" dirty="0">
-              <a:solidFill>
-                <a:schemeClr val="accent5">
-                  <a:lumMod val="50000"/>
-                </a:schemeClr>
-              </a:solidFill>
-              <a:latin typeface="Franklin Gothic Book" panose="020B0503020102020204" pitchFamily="34" charset="0"/>
-            </a:endParaRPr>
-          </a:p>
-          <a:p>
-            <a:pPr algn="ctr"/>
-            <a:endParaRPr lang="en-US" sz="2200" dirty="0">
-              <a:solidFill>
-                <a:schemeClr val="accent5">
-                  <a:lumMod val="50000"/>
-                </a:schemeClr>
-              </a:solidFill>
-              <a:latin typeface="Franklin Gothic Book" panose="020B0503020102020204" pitchFamily="34" charset="0"/>
-            </a:endParaRPr>
+            <a:r>
+              <a:rPr lang="en-US" sz="2200" dirty="0">
+                <a:solidFill>
+                  <a:schemeClr val="accent5">
+                    <a:lumMod val="50000"/>
+                  </a:schemeClr>
+                </a:solidFill>
+                <a:latin typeface="Franklin Gothic Book" panose="020B0503020102020204" pitchFamily="34" charset="0"/>
+              </a:rPr>
+              <a:t>Open Access Data &amp; Code (Fully Reproducible)</a:t>
+            </a:r>
           </a:p>
           <a:p>
             <a:pPr algn="ctr"/>
@@ -4412,7 +5400,7 @@
         </p:nvSpPr>
         <p:spPr>
           <a:xfrm>
-            <a:off x="13888061" y="16451503"/>
+            <a:off x="13177168" y="15099591"/>
             <a:ext cx="4754880" cy="4754880"/>
           </a:xfrm>
           <a:prstGeom prst="ellipse">
@@ -4526,7 +5514,7 @@
           <a:p>
             <a:pPr algn="ctr"/>
             <a:r>
-              <a:rPr lang="en-US" sz="4800" dirty="0">
+              <a:rPr lang="en-US" sz="4000" b="1" dirty="0">
                 <a:solidFill>
                   <a:schemeClr val="accent5">
                     <a:lumMod val="50000"/>
@@ -4536,14 +5524,34 @@
               </a:rPr>
               <a:t>Applications</a:t>
             </a:r>
-            <a:endParaRPr lang="en-US" sz="3600" dirty="0">
-              <a:solidFill>
-                <a:schemeClr val="accent5">
-                  <a:lumMod val="50000"/>
-                </a:schemeClr>
-              </a:solidFill>
-              <a:latin typeface="Franklin Gothic Book" panose="020B0503020102020204" pitchFamily="34" charset="0"/>
-            </a:endParaRPr>
+          </a:p>
+          <a:p>
+            <a:pPr algn="ctr"/>
+            <a:r>
+              <a:rPr lang="en-US" sz="1200" dirty="0">
+                <a:solidFill>
+                  <a:schemeClr val="accent5">
+                    <a:lumMod val="50000"/>
+                  </a:schemeClr>
+                </a:solidFill>
+                <a:latin typeface="Franklin Gothic Book" panose="020B0503020102020204" pitchFamily="34" charset="0"/>
+              </a:rPr>
+              <a:t>-</a:t>
+            </a:r>
+          </a:p>
+          <a:p>
+            <a:pPr algn="ctr"/>
+            <a:r>
+              <a:rPr lang="en-US" sz="2200" dirty="0">
+                <a:solidFill>
+                  <a:schemeClr val="accent5">
+                    <a:lumMod val="50000"/>
+                  </a:schemeClr>
+                </a:solidFill>
+                <a:latin typeface="Franklin Gothic Book" panose="020B0503020102020204" pitchFamily="34" charset="0"/>
+              </a:rPr>
+              <a:t>Open-Source Applications &amp; Code for Assessing and Accessing Data</a:t>
+            </a:r>
           </a:p>
           <a:p>
             <a:pPr algn="ctr"/>
@@ -4723,17 +5731,6 @@
           </a:p>
           <a:p>
             <a:pPr algn="ctr"/>
-            <a:endParaRPr lang="en-US" sz="2200" dirty="0">
-              <a:solidFill>
-                <a:schemeClr val="accent5">
-                  <a:lumMod val="50000"/>
-                </a:schemeClr>
-              </a:solidFill>
-              <a:latin typeface="Franklin Gothic Book" panose="020B0503020102020204" pitchFamily="34" charset="0"/>
-            </a:endParaRPr>
-          </a:p>
-          <a:p>
-            <a:pPr algn="ctr"/>
             <a:endParaRPr lang="en-US" sz="3200" dirty="0">
               <a:solidFill>
                 <a:schemeClr val="accent5">
@@ -4745,3010 +5742,3014 @@
           </a:p>
         </p:txBody>
       </p:sp>
-      <p:sp>
-        <p:nvSpPr>
-          <p:cNvPr id="18" name="Oval 17">
+      <p:grpSp>
+        <p:nvGrpSpPr>
+          <p:cNvPr id="52" name="Group 51">
             <a:extLst>
               <a:ext uri="{FF2B5EF4-FFF2-40B4-BE49-F238E27FC236}">
-                <a16:creationId xmlns:a16="http://schemas.microsoft.com/office/drawing/2014/main" id="{EE369886-DC2B-3961-1DB8-E078A7E371C7}"/>
+                <a16:creationId xmlns:a16="http://schemas.microsoft.com/office/drawing/2014/main" id="{997EEEF2-4E33-6343-9E64-81AE743EBA1E}"/>
               </a:ext>
             </a:extLst>
           </p:cNvPr>
-          <p:cNvSpPr/>
+          <p:cNvGrpSpPr/>
           <p:nvPr/>
-        </p:nvSpPr>
-        <p:spPr>
+        </p:nvGrpSpPr>
+        <p:grpSpPr>
           <a:xfrm>
-            <a:off x="4097050" y="14726920"/>
-            <a:ext cx="3291840" cy="3291840"/>
+            <a:off x="15836780" y="18249582"/>
+            <a:ext cx="3740976" cy="3740976"/>
+            <a:chOff x="16131829" y="17279843"/>
+            <a:chExt cx="4106606" cy="4106606"/>
           </a:xfrm>
-          <a:prstGeom prst="ellipse">
-            <a:avLst/>
-          </a:prstGeom>
-          <a:solidFill>
-            <a:schemeClr val="bg1"/>
-          </a:solidFill>
-          <a:ln w="127000">
+        </p:grpSpPr>
+        <p:sp>
+          <p:nvSpPr>
+            <p:cNvPr id="22" name="Oval 21">
+              <a:extLst>
+                <a:ext uri="{FF2B5EF4-FFF2-40B4-BE49-F238E27FC236}">
+                  <a16:creationId xmlns:a16="http://schemas.microsoft.com/office/drawing/2014/main" id="{0E7FA94F-E716-4388-E989-CF06C689A476}"/>
+                </a:ext>
+              </a:extLst>
+            </p:cNvPr>
+            <p:cNvSpPr/>
+            <p:nvPr/>
+          </p:nvSpPr>
+          <p:spPr>
+            <a:xfrm>
+              <a:off x="16131829" y="17279843"/>
+              <a:ext cx="4106606" cy="4106606"/>
+            </a:xfrm>
+            <a:prstGeom prst="ellipse">
+              <a:avLst/>
+            </a:prstGeom>
             <a:solidFill>
-              <a:schemeClr val="accent2"/>
+              <a:schemeClr val="bg1"/>
             </a:solidFill>
-          </a:ln>
-        </p:spPr>
-        <p:style>
-          <a:lnRef idx="2">
-            <a:schemeClr val="accent1">
-              <a:shade val="50000"/>
-            </a:schemeClr>
-          </a:lnRef>
-          <a:fillRef idx="1">
-            <a:schemeClr val="accent1"/>
-          </a:fillRef>
-          <a:effectRef idx="0">
-            <a:schemeClr val="accent1"/>
-          </a:effectRef>
-          <a:fontRef idx="minor">
-            <a:schemeClr val="lt1"/>
-          </a:fontRef>
-        </p:style>
-        <p:txBody>
-          <a:bodyPr rtlCol="0" anchor="ctr"/>
-          <a:lstStyle/>
-          <a:p>
-            <a:pPr algn="ctr"/>
-            <a:endParaRPr lang="en-US" sz="3200">
+            <a:ln w="127000">
+              <a:solidFill>
+                <a:schemeClr val="accent3"/>
+              </a:solidFill>
+            </a:ln>
+          </p:spPr>
+          <p:style>
+            <a:lnRef idx="2">
+              <a:schemeClr val="accent1">
+                <a:shade val="50000"/>
+              </a:schemeClr>
+            </a:lnRef>
+            <a:fillRef idx="1">
+              <a:schemeClr val="accent1"/>
+            </a:fillRef>
+            <a:effectRef idx="0">
+              <a:schemeClr val="accent1"/>
+            </a:effectRef>
+            <a:fontRef idx="minor">
+              <a:schemeClr val="lt1"/>
+            </a:fontRef>
+          </p:style>
+          <p:txBody>
+            <a:bodyPr rtlCol="0" anchor="ctr"/>
+            <a:lstStyle/>
+            <a:p>
+              <a:pPr algn="ctr"/>
+              <a:br>
+                <a:rPr lang="en-US" sz="2800" dirty="0">
+                  <a:solidFill>
+                    <a:schemeClr val="accent5">
+                      <a:lumMod val="50000"/>
+                    </a:schemeClr>
+                  </a:solidFill>
+                  <a:latin typeface="Franklin Gothic Book" panose="020B0503020102020204" pitchFamily="34" charset="0"/>
+                </a:rPr>
+              </a:br>
+              <a:r>
+                <a:rPr lang="en-US" sz="2800" b="1" dirty="0">
+                  <a:solidFill>
+                    <a:schemeClr val="accent5">
+                      <a:lumMod val="50000"/>
+                    </a:schemeClr>
+                  </a:solidFill>
+                  <a:latin typeface="Franklin Gothic Book" panose="020B0503020102020204" pitchFamily="34" charset="0"/>
+                </a:rPr>
+                <a:t>APIs</a:t>
+              </a:r>
+            </a:p>
+            <a:p>
+              <a:pPr algn="ctr"/>
+              <a:r>
+                <a:rPr lang="en-US" sz="1200" dirty="0">
+                  <a:solidFill>
+                    <a:schemeClr val="accent5">
+                      <a:lumMod val="50000"/>
+                    </a:schemeClr>
+                  </a:solidFill>
+                  <a:latin typeface="Franklin Gothic Book" panose="020B0503020102020204" pitchFamily="34" charset="0"/>
+                </a:rPr>
+                <a:t>-</a:t>
+              </a:r>
+            </a:p>
+            <a:p>
+              <a:pPr algn="ctr"/>
+              <a:r>
+                <a:rPr lang="en-US" sz="2400" dirty="0">
+                  <a:solidFill>
+                    <a:schemeClr val="accent5">
+                      <a:lumMod val="50000"/>
+                    </a:schemeClr>
+                  </a:solidFill>
+                  <a:latin typeface="Franklin Gothic Book" panose="020B0503020102020204" pitchFamily="34" charset="0"/>
+                </a:rPr>
+                <a:t>Connect from enterprise tools </a:t>
+              </a:r>
+              <a:r>
+                <a:rPr lang="en-US" sz="2000" dirty="0">
+                  <a:solidFill>
+                    <a:schemeClr val="accent5">
+                      <a:lumMod val="50000"/>
+                    </a:schemeClr>
+                  </a:solidFill>
+                  <a:latin typeface="Franklin Gothic Book" panose="020B0503020102020204" pitchFamily="34" charset="0"/>
+                </a:rPr>
+                <a:t>(Tableau, Power BI)</a:t>
+              </a:r>
+            </a:p>
+            <a:p>
+              <a:pPr algn="ctr"/>
+              <a:endParaRPr lang="en-US" sz="2400" dirty="0">
+                <a:solidFill>
+                  <a:schemeClr val="accent5">
+                    <a:lumMod val="50000"/>
+                  </a:schemeClr>
+                </a:solidFill>
+                <a:latin typeface="Franklin Gothic Book" panose="020B0503020102020204" pitchFamily="34" charset="0"/>
+              </a:endParaRPr>
+            </a:p>
+            <a:p>
+              <a:pPr algn="ctr"/>
+              <a:endParaRPr lang="en-US" sz="2400" dirty="0">
+                <a:solidFill>
+                  <a:schemeClr val="accent5">
+                    <a:lumMod val="50000"/>
+                  </a:schemeClr>
+                </a:solidFill>
+                <a:latin typeface="Franklin Gothic Book" panose="020B0503020102020204" pitchFamily="34" charset="0"/>
+              </a:endParaRPr>
+            </a:p>
+            <a:p>
+              <a:pPr algn="ctr"/>
+              <a:endParaRPr lang="en-US" sz="2400" dirty="0">
+                <a:solidFill>
+                  <a:schemeClr val="accent5">
+                    <a:lumMod val="50000"/>
+                  </a:schemeClr>
+                </a:solidFill>
+                <a:latin typeface="Franklin Gothic Book" panose="020B0503020102020204" pitchFamily="34" charset="0"/>
+              </a:endParaRPr>
+            </a:p>
+            <a:p>
+              <a:pPr algn="ctr"/>
+              <a:endParaRPr lang="en-US" sz="2400" dirty="0">
+                <a:solidFill>
+                  <a:schemeClr val="accent5">
+                    <a:lumMod val="50000"/>
+                  </a:schemeClr>
+                </a:solidFill>
+                <a:latin typeface="Franklin Gothic Book" panose="020B0503020102020204" pitchFamily="34" charset="0"/>
+              </a:endParaRPr>
+            </a:p>
+          </p:txBody>
+        </p:sp>
+        <p:grpSp>
+          <p:nvGrpSpPr>
+            <p:cNvPr id="50" name="Group 49">
+              <a:extLst>
+                <a:ext uri="{FF2B5EF4-FFF2-40B4-BE49-F238E27FC236}">
+                  <a16:creationId xmlns:a16="http://schemas.microsoft.com/office/drawing/2014/main" id="{BB3EDFAA-CB18-DA40-9C6B-F064862D3AFB}"/>
+                </a:ext>
+              </a:extLst>
+            </p:cNvPr>
+            <p:cNvGrpSpPr/>
+            <p:nvPr/>
+          </p:nvGrpSpPr>
+          <p:grpSpPr>
+            <a:xfrm>
+              <a:off x="17320410" y="19827164"/>
+              <a:ext cx="1752915" cy="1043821"/>
+              <a:chOff x="17024389" y="18485870"/>
+              <a:chExt cx="2303362" cy="1371600"/>
+            </a:xfrm>
+          </p:grpSpPr>
+          <p:pic>
+            <p:nvPicPr>
+              <p:cNvPr id="26" name="Graphic 25" descr="Download from cloud with solid fill">
+                <a:extLst>
+                  <a:ext uri="{FF2B5EF4-FFF2-40B4-BE49-F238E27FC236}">
+                    <a16:creationId xmlns:a16="http://schemas.microsoft.com/office/drawing/2014/main" id="{D65F08B7-FB5A-0163-CA25-2E824A2AF5FB}"/>
+                  </a:ext>
+                </a:extLst>
+              </p:cNvPr>
+              <p:cNvPicPr>
+                <a:picLocks noChangeAspect="1"/>
+              </p:cNvPicPr>
+              <p:nvPr/>
+            </p:nvPicPr>
+            <p:blipFill>
+              <a:blip r:embed="rId9">
+                <a:extLst>
+                  <a:ext uri="{96DAC541-7B7A-43D3-8B79-37D633B846F1}">
+                    <asvg:svgBlip xmlns:asvg="http://schemas.microsoft.com/office/drawing/2016/SVG/main" r:embed="rId10"/>
+                  </a:ext>
+                </a:extLst>
+              </a:blip>
+              <a:stretch>
+                <a:fillRect/>
+              </a:stretch>
+            </p:blipFill>
+            <p:spPr>
+              <a:xfrm>
+                <a:off x="17956152" y="18485870"/>
+                <a:ext cx="1371599" cy="1371600"/>
+              </a:xfrm>
+              <a:prstGeom prst="rect">
+                <a:avLst/>
+              </a:prstGeom>
+            </p:spPr>
+          </p:pic>
+          <p:pic>
+            <p:nvPicPr>
+              <p:cNvPr id="34" name="Graphic 33" descr="Database with solid fill">
+                <a:extLst>
+                  <a:ext uri="{FF2B5EF4-FFF2-40B4-BE49-F238E27FC236}">
+                    <a16:creationId xmlns:a16="http://schemas.microsoft.com/office/drawing/2014/main" id="{6BC574A6-6783-DF6A-E9A6-1754599614E3}"/>
+                  </a:ext>
+                </a:extLst>
+              </p:cNvPr>
+              <p:cNvPicPr>
+                <a:picLocks noChangeAspect="1"/>
+              </p:cNvPicPr>
+              <p:nvPr/>
+            </p:nvPicPr>
+            <p:blipFill>
+              <a:blip r:embed="rId11">
+                <a:extLst>
+                  <a:ext uri="{96DAC541-7B7A-43D3-8B79-37D633B846F1}">
+                    <asvg:svgBlip xmlns:asvg="http://schemas.microsoft.com/office/drawing/2016/SVG/main" r:embed="rId12"/>
+                  </a:ext>
+                </a:extLst>
+              </a:blip>
+              <a:stretch>
+                <a:fillRect/>
+              </a:stretch>
+            </p:blipFill>
+            <p:spPr>
+              <a:xfrm>
+                <a:off x="17024389" y="18714470"/>
+                <a:ext cx="914400" cy="914400"/>
+              </a:xfrm>
+              <a:prstGeom prst="rect">
+                <a:avLst/>
+              </a:prstGeom>
+            </p:spPr>
+          </p:pic>
+        </p:grpSp>
+      </p:grpSp>
+      <p:grpSp>
+        <p:nvGrpSpPr>
+          <p:cNvPr id="47" name="Group 46">
+            <a:extLst>
+              <a:ext uri="{FF2B5EF4-FFF2-40B4-BE49-F238E27FC236}">
+                <a16:creationId xmlns:a16="http://schemas.microsoft.com/office/drawing/2014/main" id="{1C492D5A-03B8-D342-9613-5EB9A1295DEC}"/>
+              </a:ext>
+            </a:extLst>
+          </p:cNvPr>
+          <p:cNvGrpSpPr/>
+          <p:nvPr/>
+        </p:nvGrpSpPr>
+        <p:grpSpPr>
+          <a:xfrm>
+            <a:off x="6416584" y="23339934"/>
+            <a:ext cx="4622698" cy="4545655"/>
+            <a:chOff x="6099548" y="24242416"/>
+            <a:chExt cx="4622698" cy="4545655"/>
+          </a:xfrm>
+        </p:grpSpPr>
+        <p:sp>
+          <p:nvSpPr>
+            <p:cNvPr id="25" name="Oval 24">
+              <a:extLst>
+                <a:ext uri="{FF2B5EF4-FFF2-40B4-BE49-F238E27FC236}">
+                  <a16:creationId xmlns:a16="http://schemas.microsoft.com/office/drawing/2014/main" id="{3732A708-55C5-E707-66CB-1C901FC12C01}"/>
+                </a:ext>
+              </a:extLst>
+            </p:cNvPr>
+            <p:cNvSpPr/>
+            <p:nvPr/>
+          </p:nvSpPr>
+          <p:spPr>
+            <a:xfrm>
+              <a:off x="6099548" y="24242416"/>
+              <a:ext cx="4622698" cy="4545655"/>
+            </a:xfrm>
+            <a:prstGeom prst="ellipse">
+              <a:avLst/>
+            </a:prstGeom>
+            <a:solidFill>
+              <a:schemeClr val="bg1"/>
+            </a:solidFill>
+            <a:ln w="127000">
               <a:solidFill>
                 <a:schemeClr val="accent5">
                   <a:lumMod val="50000"/>
                 </a:schemeClr>
               </a:solidFill>
-              <a:latin typeface="Franklin Gothic Book" panose="020B0503020102020204" pitchFamily="34" charset="0"/>
-            </a:endParaRPr>
-          </a:p>
-          <a:p>
-            <a:pPr algn="ctr"/>
-            <a:endParaRPr lang="en-US" sz="3200">
+            </a:ln>
+          </p:spPr>
+          <p:style>
+            <a:lnRef idx="2">
+              <a:schemeClr val="accent1">
+                <a:shade val="50000"/>
+              </a:schemeClr>
+            </a:lnRef>
+            <a:fillRef idx="1">
+              <a:schemeClr val="accent1"/>
+            </a:fillRef>
+            <a:effectRef idx="0">
+              <a:schemeClr val="accent1"/>
+            </a:effectRef>
+            <a:fontRef idx="minor">
+              <a:schemeClr val="lt1"/>
+            </a:fontRef>
+          </p:style>
+          <p:txBody>
+            <a:bodyPr lIns="0" tIns="0" rIns="0" bIns="0" rtlCol="0" anchor="ctr"/>
+            <a:lstStyle/>
+            <a:p>
+              <a:pPr algn="ctr"/>
+              <a:r>
+                <a:rPr lang="en-US" sz="2800" b="1" dirty="0">
+                  <a:solidFill>
+                    <a:schemeClr val="accent5">
+                      <a:lumMod val="50000"/>
+                    </a:schemeClr>
+                  </a:solidFill>
+                  <a:latin typeface="Franklin Gothic Book" panose="020B0503020102020204" pitchFamily="34" charset="0"/>
+                </a:rPr>
+                <a:t>Demographic Redistribution</a:t>
+              </a:r>
+              <a:br>
+                <a:rPr lang="en-US" sz="3200" dirty="0">
+                  <a:solidFill>
+                    <a:schemeClr val="accent5">
+                      <a:lumMod val="50000"/>
+                    </a:schemeClr>
+                  </a:solidFill>
+                  <a:latin typeface="Franklin Gothic Book" panose="020B0503020102020204" pitchFamily="34" charset="0"/>
+                </a:rPr>
+              </a:br>
+              <a:r>
+                <a:rPr lang="en-US" sz="1200" dirty="0">
+                  <a:solidFill>
+                    <a:schemeClr val="accent5">
+                      <a:lumMod val="50000"/>
+                    </a:schemeClr>
+                  </a:solidFill>
+                  <a:latin typeface="Franklin Gothic Book" panose="020B0503020102020204" pitchFamily="34" charset="0"/>
+                </a:rPr>
+                <a:t>-</a:t>
+              </a:r>
+            </a:p>
+            <a:p>
+              <a:pPr algn="ctr"/>
+              <a:r>
+                <a:rPr lang="en-US" sz="2400" dirty="0">
+                  <a:solidFill>
+                    <a:schemeClr val="accent5">
+                      <a:lumMod val="50000"/>
+                    </a:schemeClr>
+                  </a:solidFill>
+                  <a:latin typeface="Franklin Gothic Book" panose="020B0503020102020204" pitchFamily="34" charset="0"/>
+                </a:rPr>
+                <a:t>Redistributing demographic estimates to local geographies</a:t>
+              </a:r>
+            </a:p>
+            <a:p>
+              <a:pPr algn="ctr"/>
+              <a:endParaRPr lang="en-US" sz="2400" dirty="0">
+                <a:solidFill>
+                  <a:schemeClr val="accent5">
+                    <a:lumMod val="50000"/>
+                  </a:schemeClr>
+                </a:solidFill>
+                <a:latin typeface="Franklin Gothic Book" panose="020B0503020102020204" pitchFamily="34" charset="0"/>
+              </a:endParaRPr>
+            </a:p>
+            <a:p>
+              <a:pPr algn="ctr"/>
+              <a:endParaRPr lang="en-US" sz="2400" dirty="0">
+                <a:solidFill>
+                  <a:schemeClr val="accent5">
+                    <a:lumMod val="50000"/>
+                  </a:schemeClr>
+                </a:solidFill>
+                <a:latin typeface="Franklin Gothic Book" panose="020B0503020102020204" pitchFamily="34" charset="0"/>
+              </a:endParaRPr>
+            </a:p>
+            <a:p>
+              <a:pPr algn="ctr"/>
+              <a:endParaRPr lang="en-US" sz="3200" dirty="0">
+                <a:solidFill>
+                  <a:schemeClr val="accent5">
+                    <a:lumMod val="50000"/>
+                  </a:schemeClr>
+                </a:solidFill>
+                <a:latin typeface="Franklin Gothic Book" panose="020B0503020102020204" pitchFamily="34" charset="0"/>
+              </a:endParaRPr>
+            </a:p>
+          </p:txBody>
+        </p:sp>
+        <p:grpSp>
+          <p:nvGrpSpPr>
+            <p:cNvPr id="3" name="Group 2">
+              <a:extLst>
+                <a:ext uri="{FF2B5EF4-FFF2-40B4-BE49-F238E27FC236}">
+                  <a16:creationId xmlns:a16="http://schemas.microsoft.com/office/drawing/2014/main" id="{C8997553-BA73-6D4A-A460-98176BAAC126}"/>
+                </a:ext>
+              </a:extLst>
+            </p:cNvPr>
+            <p:cNvGrpSpPr/>
+            <p:nvPr/>
+          </p:nvGrpSpPr>
+          <p:grpSpPr>
+            <a:xfrm>
+              <a:off x="7396825" y="27236604"/>
+              <a:ext cx="2028143" cy="1109053"/>
+              <a:chOff x="7000487" y="27785339"/>
+              <a:chExt cx="2249551" cy="948035"/>
+            </a:xfrm>
+          </p:grpSpPr>
+          <p:pic>
+            <p:nvPicPr>
+              <p:cNvPr id="28" name="Graphic 27" descr="Universal access with solid fill">
+                <a:extLst>
+                  <a:ext uri="{FF2B5EF4-FFF2-40B4-BE49-F238E27FC236}">
+                    <a16:creationId xmlns:a16="http://schemas.microsoft.com/office/drawing/2014/main" id="{69503465-011F-218F-667A-F51769E1643D}"/>
+                  </a:ext>
+                </a:extLst>
+              </p:cNvPr>
+              <p:cNvPicPr>
+                <a:picLocks noChangeAspect="1"/>
+              </p:cNvPicPr>
+              <p:nvPr/>
+            </p:nvPicPr>
+            <p:blipFill>
+              <a:blip r:embed="rId13">
+                <a:extLst>
+                  <a:ext uri="{96DAC541-7B7A-43D3-8B79-37D633B846F1}">
+                    <asvg:svgBlip xmlns:asvg="http://schemas.microsoft.com/office/drawing/2016/SVG/main" r:embed="rId14"/>
+                  </a:ext>
+                </a:extLst>
+              </a:blip>
+              <a:stretch>
+                <a:fillRect/>
+              </a:stretch>
+            </p:blipFill>
+            <p:spPr>
+              <a:xfrm>
+                <a:off x="7000487" y="27785339"/>
+                <a:ext cx="926198" cy="926198"/>
+              </a:xfrm>
+              <a:prstGeom prst="rect">
+                <a:avLst/>
+              </a:prstGeom>
+            </p:spPr>
+          </p:pic>
+          <p:pic>
+            <p:nvPicPr>
+              <p:cNvPr id="43" name="Picture 42">
+                <a:extLst>
+                  <a:ext uri="{FF2B5EF4-FFF2-40B4-BE49-F238E27FC236}">
+                    <a16:creationId xmlns:a16="http://schemas.microsoft.com/office/drawing/2014/main" id="{BF074373-DC35-84BE-FCB7-2BBAE12A139A}"/>
+                  </a:ext>
+                </a:extLst>
+              </p:cNvPr>
+              <p:cNvPicPr>
+                <a:picLocks noChangeAspect="1"/>
+              </p:cNvPicPr>
+              <p:nvPr/>
+            </p:nvPicPr>
+            <p:blipFill rotWithShape="1">
+              <a:blip r:embed="rId15">
+                <a:extLst>
+                  <a:ext uri="{BEBA8EAE-BF5A-486C-A8C5-ECC9F3942E4B}">
+                    <a14:imgProps xmlns:a14="http://schemas.microsoft.com/office/drawing/2010/main">
+                      <a14:imgLayer r:embed="rId16">
+                        <a14:imgEffect>
+                          <a14:backgroundRemoval t="8102" b="92593" l="25429" r="70429">
+                            <a14:foregroundMark x1="58714" y1="86111" x2="58714" y2="86111"/>
+                            <a14:foregroundMark x1="63143" y1="92593" x2="63143" y2="92593"/>
+                            <a14:foregroundMark x1="50000" y1="58102" x2="50000" y2="58102"/>
+                            <a14:foregroundMark x1="50143" y1="11806" x2="50143" y2="11806"/>
+                            <a14:foregroundMark x1="44143" y1="8102" x2="44143" y2="8102"/>
+                          </a14:backgroundRemoval>
+                        </a14:imgEffect>
+                      </a14:imgLayer>
+                    </a14:imgProps>
+                  </a:ext>
+                </a:extLst>
+              </a:blip>
+              <a:srcRect l="20047" t="5109" r="23362" b="5265"/>
+              <a:stretch/>
+            </p:blipFill>
+            <p:spPr>
+              <a:xfrm>
+                <a:off x="8335638" y="27839639"/>
+                <a:ext cx="914400" cy="893735"/>
+              </a:xfrm>
+              <a:prstGeom prst="rect">
+                <a:avLst/>
+              </a:prstGeom>
+            </p:spPr>
+          </p:pic>
+          <p:sp>
+            <p:nvSpPr>
+              <p:cNvPr id="2" name="Right Arrow 1">
+                <a:extLst>
+                  <a:ext uri="{FF2B5EF4-FFF2-40B4-BE49-F238E27FC236}">
+                    <a16:creationId xmlns:a16="http://schemas.microsoft.com/office/drawing/2014/main" id="{07CCFEAF-FDF9-5746-A4EA-57EE8E1A4AF0}"/>
+                  </a:ext>
+                </a:extLst>
+              </p:cNvPr>
+              <p:cNvSpPr/>
+              <p:nvPr/>
+            </p:nvSpPr>
+            <p:spPr>
+              <a:xfrm>
+                <a:off x="8011745" y="28184643"/>
+                <a:ext cx="408953" cy="225553"/>
+              </a:xfrm>
+              <a:prstGeom prst="rightArrow">
+                <a:avLst/>
+              </a:prstGeom>
+              <a:solidFill>
+                <a:schemeClr val="tx1"/>
+              </a:solidFill>
+              <a:ln>
+                <a:solidFill>
+                  <a:schemeClr val="tx1"/>
+                </a:solidFill>
+              </a:ln>
+            </p:spPr>
+            <p:style>
+              <a:lnRef idx="2">
+                <a:schemeClr val="accent1">
+                  <a:shade val="50000"/>
+                </a:schemeClr>
+              </a:lnRef>
+              <a:fillRef idx="1">
+                <a:schemeClr val="accent1"/>
+              </a:fillRef>
+              <a:effectRef idx="0">
+                <a:schemeClr val="accent1"/>
+              </a:effectRef>
+              <a:fontRef idx="minor">
+                <a:schemeClr val="lt1"/>
+              </a:fontRef>
+            </p:style>
+            <p:txBody>
+              <a:bodyPr rtlCol="0" anchor="ctr"/>
+              <a:lstStyle/>
+              <a:p>
+                <a:pPr algn="ctr"/>
+                <a:endParaRPr lang="en-US" dirty="0"/>
+              </a:p>
+            </p:txBody>
+          </p:sp>
+        </p:grpSp>
+      </p:grpSp>
+      <p:grpSp>
+        <p:nvGrpSpPr>
+          <p:cNvPr id="48" name="Group 47">
+            <a:extLst>
+              <a:ext uri="{FF2B5EF4-FFF2-40B4-BE49-F238E27FC236}">
+                <a16:creationId xmlns:a16="http://schemas.microsoft.com/office/drawing/2014/main" id="{4FA36C31-CC96-144C-8862-9915B2082A0B}"/>
+              </a:ext>
+            </a:extLst>
+          </p:cNvPr>
+          <p:cNvGrpSpPr/>
+          <p:nvPr/>
+        </p:nvGrpSpPr>
+        <p:grpSpPr>
+          <a:xfrm>
+            <a:off x="3520293" y="21262136"/>
+            <a:ext cx="4059996" cy="4174584"/>
+            <a:chOff x="3670585" y="22107040"/>
+            <a:chExt cx="4059996" cy="4174584"/>
+          </a:xfrm>
+        </p:grpSpPr>
+        <p:sp>
+          <p:nvSpPr>
+            <p:cNvPr id="23" name="Oval 22">
+              <a:extLst>
+                <a:ext uri="{FF2B5EF4-FFF2-40B4-BE49-F238E27FC236}">
+                  <a16:creationId xmlns:a16="http://schemas.microsoft.com/office/drawing/2014/main" id="{5BE9CF58-28FD-413E-1270-73DEB410BBF5}"/>
+                </a:ext>
+              </a:extLst>
+            </p:cNvPr>
+            <p:cNvSpPr/>
+            <p:nvPr/>
+          </p:nvSpPr>
+          <p:spPr>
+            <a:xfrm>
+              <a:off x="3670585" y="22107040"/>
+              <a:ext cx="4059996" cy="4174584"/>
+            </a:xfrm>
+            <a:prstGeom prst="ellipse">
+              <a:avLst/>
+            </a:prstGeom>
+            <a:solidFill>
+              <a:schemeClr val="bg1"/>
+            </a:solidFill>
+            <a:ln w="127000">
               <a:solidFill>
                 <a:schemeClr val="accent5">
                   <a:lumMod val="50000"/>
                 </a:schemeClr>
               </a:solidFill>
-              <a:latin typeface="Franklin Gothic Book" panose="020B0503020102020204" pitchFamily="34" charset="0"/>
-            </a:endParaRPr>
-          </a:p>
-          <a:p>
-            <a:pPr algn="ctr"/>
-            <a:endParaRPr lang="en-US" sz="3200">
+            </a:ln>
+          </p:spPr>
+          <p:style>
+            <a:lnRef idx="2">
+              <a:schemeClr val="accent1">
+                <a:shade val="50000"/>
+              </a:schemeClr>
+            </a:lnRef>
+            <a:fillRef idx="1">
+              <a:schemeClr val="accent1"/>
+            </a:fillRef>
+            <a:effectRef idx="0">
+              <a:schemeClr val="accent1"/>
+            </a:effectRef>
+            <a:fontRef idx="minor">
+              <a:schemeClr val="lt1"/>
+            </a:fontRef>
+          </p:style>
+          <p:txBody>
+            <a:bodyPr lIns="0" tIns="0" rIns="0" bIns="0" rtlCol="0" anchor="ctr"/>
+            <a:lstStyle/>
+            <a:p>
+              <a:pPr algn="ctr"/>
+              <a:endParaRPr lang="en-US" sz="3200" dirty="0">
+                <a:solidFill>
+                  <a:schemeClr val="accent5">
+                    <a:lumMod val="50000"/>
+                  </a:schemeClr>
+                </a:solidFill>
+                <a:latin typeface="Franklin Gothic Book" panose="020B0503020102020204" pitchFamily="34" charset="0"/>
+              </a:endParaRPr>
+            </a:p>
+            <a:p>
+              <a:pPr algn="ctr"/>
+              <a:endParaRPr lang="en-US" sz="3200" dirty="0">
+                <a:solidFill>
+                  <a:schemeClr val="accent5">
+                    <a:lumMod val="50000"/>
+                  </a:schemeClr>
+                </a:solidFill>
+                <a:latin typeface="Franklin Gothic Book" panose="020B0503020102020204" pitchFamily="34" charset="0"/>
+              </a:endParaRPr>
+            </a:p>
+            <a:p>
+              <a:pPr algn="ctr"/>
+              <a:endParaRPr lang="en-US" sz="3200" dirty="0">
+                <a:solidFill>
+                  <a:schemeClr val="accent5">
+                    <a:lumMod val="50000"/>
+                  </a:schemeClr>
+                </a:solidFill>
+                <a:latin typeface="Franklin Gothic Book" panose="020B0503020102020204" pitchFamily="34" charset="0"/>
+              </a:endParaRPr>
+            </a:p>
+            <a:p>
+              <a:pPr algn="ctr"/>
+              <a:endParaRPr lang="en-US" sz="8800" dirty="0">
+                <a:solidFill>
+                  <a:schemeClr val="accent5">
+                    <a:lumMod val="50000"/>
+                  </a:schemeClr>
+                </a:solidFill>
+                <a:latin typeface="Franklin Gothic Book" panose="020B0503020102020204" pitchFamily="34" charset="0"/>
+              </a:endParaRPr>
+            </a:p>
+            <a:p>
+              <a:pPr algn="ctr"/>
+              <a:endParaRPr lang="en-US" sz="8800" dirty="0">
+                <a:solidFill>
+                  <a:schemeClr val="accent5">
+                    <a:lumMod val="50000"/>
+                  </a:schemeClr>
+                </a:solidFill>
+                <a:latin typeface="Franklin Gothic Book" panose="020B0503020102020204" pitchFamily="34" charset="0"/>
+              </a:endParaRPr>
+            </a:p>
+            <a:p>
+              <a:pPr algn="ctr"/>
+              <a:endParaRPr lang="en-US" sz="5400" dirty="0">
+                <a:solidFill>
+                  <a:schemeClr val="accent5">
+                    <a:lumMod val="50000"/>
+                  </a:schemeClr>
+                </a:solidFill>
+                <a:latin typeface="Franklin Gothic Book" panose="020B0503020102020204" pitchFamily="34" charset="0"/>
+              </a:endParaRPr>
+            </a:p>
+            <a:p>
+              <a:pPr algn="ctr"/>
+              <a:endParaRPr lang="en-US" sz="1200" dirty="0">
+                <a:solidFill>
+                  <a:schemeClr val="bg1"/>
+                </a:solidFill>
+                <a:latin typeface="Franklin Gothic Book" panose="020B0503020102020204" pitchFamily="34" charset="0"/>
+              </a:endParaRPr>
+            </a:p>
+            <a:p>
+              <a:pPr algn="ctr"/>
+              <a:endParaRPr lang="en-US" sz="1200" dirty="0">
+                <a:solidFill>
+                  <a:schemeClr val="accent5">
+                    <a:lumMod val="50000"/>
+                  </a:schemeClr>
+                </a:solidFill>
+                <a:latin typeface="Franklin Gothic Book" panose="020B0503020102020204" pitchFamily="34" charset="0"/>
+              </a:endParaRPr>
+            </a:p>
+            <a:p>
+              <a:pPr algn="ctr"/>
+              <a:endParaRPr lang="en-US" sz="1200" dirty="0">
+                <a:solidFill>
+                  <a:schemeClr val="accent5">
+                    <a:lumMod val="50000"/>
+                  </a:schemeClr>
+                </a:solidFill>
+                <a:latin typeface="Franklin Gothic Book" panose="020B0503020102020204" pitchFamily="34" charset="0"/>
+              </a:endParaRPr>
+            </a:p>
+            <a:p>
+              <a:pPr algn="ctr"/>
+              <a:endParaRPr lang="en-US" sz="1200" dirty="0">
+                <a:solidFill>
+                  <a:schemeClr val="accent5">
+                    <a:lumMod val="50000"/>
+                  </a:schemeClr>
+                </a:solidFill>
+                <a:latin typeface="Franklin Gothic Book" panose="020B0503020102020204" pitchFamily="34" charset="0"/>
+              </a:endParaRPr>
+            </a:p>
+            <a:p>
+              <a:pPr algn="ctr"/>
+              <a:r>
+                <a:rPr lang="en-US" sz="2800" b="1" dirty="0">
+                  <a:solidFill>
+                    <a:schemeClr val="accent5">
+                      <a:lumMod val="50000"/>
+                    </a:schemeClr>
+                  </a:solidFill>
+                  <a:latin typeface="Franklin Gothic Book" panose="020B0503020102020204" pitchFamily="34" charset="0"/>
+                </a:rPr>
+                <a:t>Catchment Areas</a:t>
+              </a:r>
+            </a:p>
+            <a:p>
+              <a:pPr algn="ctr"/>
+              <a:r>
+                <a:rPr lang="en-US" sz="1200" dirty="0">
+                  <a:solidFill>
+                    <a:schemeClr val="accent5">
+                      <a:lumMod val="50000"/>
+                    </a:schemeClr>
+                  </a:solidFill>
+                  <a:latin typeface="Franklin Gothic Book" panose="020B0503020102020204" pitchFamily="34" charset="0"/>
+                </a:rPr>
+                <a:t>-</a:t>
+              </a:r>
+            </a:p>
+            <a:p>
+              <a:pPr algn="ctr"/>
+              <a:r>
+                <a:rPr lang="en-US" sz="2400" dirty="0">
+                  <a:solidFill>
+                    <a:schemeClr val="accent5">
+                      <a:lumMod val="50000"/>
+                    </a:schemeClr>
+                  </a:solidFill>
+                  <a:latin typeface="Franklin Gothic Book" panose="020B0503020102020204" pitchFamily="34" charset="0"/>
+                </a:rPr>
+                <a:t>Calculating supply and access to critical resources</a:t>
+              </a:r>
+            </a:p>
+            <a:p>
+              <a:pPr algn="ctr"/>
+              <a:endParaRPr lang="en-US" sz="2400" dirty="0">
+                <a:solidFill>
+                  <a:schemeClr val="accent5">
+                    <a:lumMod val="50000"/>
+                  </a:schemeClr>
+                </a:solidFill>
+                <a:latin typeface="Franklin Gothic Book" panose="020B0503020102020204" pitchFamily="34" charset="0"/>
+              </a:endParaRPr>
+            </a:p>
+            <a:p>
+              <a:pPr algn="ctr"/>
+              <a:endParaRPr lang="en-US" sz="2400" dirty="0">
+                <a:solidFill>
+                  <a:schemeClr val="accent5">
+                    <a:lumMod val="50000"/>
+                  </a:schemeClr>
+                </a:solidFill>
+                <a:latin typeface="Franklin Gothic Book" panose="020B0503020102020204" pitchFamily="34" charset="0"/>
+              </a:endParaRPr>
+            </a:p>
+            <a:p>
+              <a:pPr algn="ctr"/>
+              <a:endParaRPr lang="en-US" sz="2400" dirty="0">
+                <a:solidFill>
+                  <a:schemeClr val="accent5">
+                    <a:lumMod val="50000"/>
+                  </a:schemeClr>
+                </a:solidFill>
+                <a:latin typeface="Franklin Gothic Book" panose="020B0503020102020204" pitchFamily="34" charset="0"/>
+              </a:endParaRPr>
+            </a:p>
+            <a:p>
+              <a:pPr algn="ctr"/>
+              <a:endParaRPr lang="en-US" sz="2400" dirty="0">
+                <a:solidFill>
+                  <a:schemeClr val="accent5">
+                    <a:lumMod val="50000"/>
+                  </a:schemeClr>
+                </a:solidFill>
+                <a:latin typeface="Franklin Gothic Book" panose="020B0503020102020204" pitchFamily="34" charset="0"/>
+              </a:endParaRPr>
+            </a:p>
+            <a:p>
+              <a:pPr algn="ctr"/>
+              <a:endParaRPr lang="en-US" sz="2400" dirty="0">
+                <a:solidFill>
+                  <a:schemeClr val="accent5">
+                    <a:lumMod val="50000"/>
+                  </a:schemeClr>
+                </a:solidFill>
+                <a:latin typeface="Franklin Gothic Book" panose="020B0503020102020204" pitchFamily="34" charset="0"/>
+              </a:endParaRPr>
+            </a:p>
+            <a:p>
+              <a:pPr algn="ctr"/>
+              <a:endParaRPr lang="en-US" sz="2400" dirty="0">
+                <a:solidFill>
+                  <a:schemeClr val="accent5">
+                    <a:lumMod val="50000"/>
+                  </a:schemeClr>
+                </a:solidFill>
+                <a:latin typeface="Franklin Gothic Book" panose="020B0503020102020204" pitchFamily="34" charset="0"/>
+              </a:endParaRPr>
+            </a:p>
+            <a:p>
+              <a:pPr algn="ctr"/>
+              <a:endParaRPr lang="en-US" sz="2400" dirty="0">
+                <a:solidFill>
+                  <a:schemeClr val="accent5">
+                    <a:lumMod val="50000"/>
+                  </a:schemeClr>
+                </a:solidFill>
+                <a:latin typeface="Franklin Gothic Book" panose="020B0503020102020204" pitchFamily="34" charset="0"/>
+              </a:endParaRPr>
+            </a:p>
+            <a:p>
+              <a:pPr algn="ctr"/>
+              <a:endParaRPr lang="en-US" sz="2400" dirty="0">
+                <a:solidFill>
+                  <a:schemeClr val="accent5">
+                    <a:lumMod val="50000"/>
+                  </a:schemeClr>
+                </a:solidFill>
+                <a:latin typeface="Franklin Gothic Book" panose="020B0503020102020204" pitchFamily="34" charset="0"/>
+              </a:endParaRPr>
+            </a:p>
+            <a:p>
+              <a:pPr algn="ctr"/>
+              <a:endParaRPr lang="en-US" sz="2400" dirty="0">
+                <a:solidFill>
+                  <a:schemeClr val="accent5">
+                    <a:lumMod val="50000"/>
+                  </a:schemeClr>
+                </a:solidFill>
+                <a:latin typeface="Franklin Gothic Book" panose="020B0503020102020204" pitchFamily="34" charset="0"/>
+              </a:endParaRPr>
+            </a:p>
+            <a:p>
+              <a:pPr algn="ctr"/>
+              <a:endParaRPr lang="en-US" sz="2400" dirty="0">
+                <a:solidFill>
+                  <a:schemeClr val="accent5">
+                    <a:lumMod val="50000"/>
+                  </a:schemeClr>
+                </a:solidFill>
+                <a:latin typeface="Franklin Gothic Book" panose="020B0503020102020204" pitchFamily="34" charset="0"/>
+              </a:endParaRPr>
+            </a:p>
+            <a:p>
+              <a:pPr algn="ctr"/>
+              <a:endParaRPr lang="en-US" sz="2400" dirty="0">
+                <a:solidFill>
+                  <a:schemeClr val="accent5">
+                    <a:lumMod val="50000"/>
+                  </a:schemeClr>
+                </a:solidFill>
+                <a:latin typeface="Franklin Gothic Book" panose="020B0503020102020204" pitchFamily="34" charset="0"/>
+              </a:endParaRPr>
+            </a:p>
+            <a:p>
+              <a:pPr algn="ctr"/>
+              <a:endParaRPr lang="en-US" sz="2400" dirty="0">
+                <a:solidFill>
+                  <a:schemeClr val="accent5">
+                    <a:lumMod val="50000"/>
+                  </a:schemeClr>
+                </a:solidFill>
+                <a:latin typeface="Franklin Gothic Book" panose="020B0503020102020204" pitchFamily="34" charset="0"/>
+              </a:endParaRPr>
+            </a:p>
+            <a:p>
+              <a:pPr algn="ctr"/>
+              <a:endParaRPr lang="en-US" sz="2400" dirty="0">
+                <a:solidFill>
+                  <a:schemeClr val="accent5">
+                    <a:lumMod val="50000"/>
+                  </a:schemeClr>
+                </a:solidFill>
+                <a:latin typeface="Franklin Gothic Book" panose="020B0503020102020204" pitchFamily="34" charset="0"/>
+              </a:endParaRPr>
+            </a:p>
+            <a:p>
+              <a:pPr algn="ctr"/>
+              <a:endParaRPr lang="en-US" sz="2400" dirty="0">
+                <a:solidFill>
+                  <a:schemeClr val="accent5">
+                    <a:lumMod val="50000"/>
+                  </a:schemeClr>
+                </a:solidFill>
+                <a:latin typeface="Franklin Gothic Book" panose="020B0503020102020204" pitchFamily="34" charset="0"/>
+              </a:endParaRPr>
+            </a:p>
+            <a:p>
+              <a:pPr algn="ctr"/>
+              <a:endParaRPr lang="en-US" sz="2400" dirty="0">
+                <a:solidFill>
+                  <a:schemeClr val="accent5">
+                    <a:lumMod val="50000"/>
+                  </a:schemeClr>
+                </a:solidFill>
+                <a:latin typeface="Franklin Gothic Book" panose="020B0503020102020204" pitchFamily="34" charset="0"/>
+              </a:endParaRPr>
+            </a:p>
+            <a:p>
+              <a:pPr algn="ctr"/>
+              <a:endParaRPr lang="en-US" sz="2400" dirty="0">
+                <a:solidFill>
+                  <a:schemeClr val="accent5">
+                    <a:lumMod val="50000"/>
+                  </a:schemeClr>
+                </a:solidFill>
+                <a:latin typeface="Franklin Gothic Book" panose="020B0503020102020204" pitchFamily="34" charset="0"/>
+              </a:endParaRPr>
+            </a:p>
+            <a:p>
+              <a:pPr algn="ctr"/>
+              <a:endParaRPr lang="en-US" sz="3200" dirty="0">
+                <a:solidFill>
+                  <a:schemeClr val="accent5">
+                    <a:lumMod val="50000"/>
+                  </a:schemeClr>
+                </a:solidFill>
+                <a:latin typeface="Franklin Gothic Book" panose="020B0503020102020204" pitchFamily="34" charset="0"/>
+              </a:endParaRPr>
+            </a:p>
+          </p:txBody>
+        </p:sp>
+        <p:grpSp>
+          <p:nvGrpSpPr>
+            <p:cNvPr id="44" name="Group 43">
+              <a:extLst>
+                <a:ext uri="{FF2B5EF4-FFF2-40B4-BE49-F238E27FC236}">
+                  <a16:creationId xmlns:a16="http://schemas.microsoft.com/office/drawing/2014/main" id="{6C597D5C-F51E-E941-B712-2C05B1EB51C7}"/>
+                </a:ext>
+              </a:extLst>
+            </p:cNvPr>
+            <p:cNvGrpSpPr/>
+            <p:nvPr/>
+          </p:nvGrpSpPr>
+          <p:grpSpPr>
+            <a:xfrm>
+              <a:off x="4828845" y="24926054"/>
+              <a:ext cx="1765885" cy="776730"/>
+              <a:chOff x="17493177" y="26879866"/>
+              <a:chExt cx="1982987" cy="872223"/>
+            </a:xfrm>
+          </p:grpSpPr>
+          <p:pic>
+            <p:nvPicPr>
+              <p:cNvPr id="27" name="Picture 26" descr="Logo&#10;&#10;Description automatically generated">
+                <a:extLst>
+                  <a:ext uri="{FF2B5EF4-FFF2-40B4-BE49-F238E27FC236}">
+                    <a16:creationId xmlns:a16="http://schemas.microsoft.com/office/drawing/2014/main" id="{63B80C92-921F-0C46-B292-512BC7DCA1FF}"/>
+                  </a:ext>
+                </a:extLst>
+              </p:cNvPr>
+              <p:cNvPicPr>
+                <a:picLocks noChangeAspect="1"/>
+              </p:cNvPicPr>
+              <p:nvPr/>
+            </p:nvPicPr>
+            <p:blipFill>
+              <a:blip r:embed="rId17"/>
+              <a:stretch>
+                <a:fillRect/>
+              </a:stretch>
+            </p:blipFill>
+            <p:spPr>
+              <a:xfrm flipH="1">
+                <a:off x="17493177" y="27079993"/>
+                <a:ext cx="470176" cy="471970"/>
+              </a:xfrm>
+              <a:prstGeom prst="rect">
+                <a:avLst/>
+              </a:prstGeom>
+            </p:spPr>
+          </p:pic>
+          <p:grpSp>
+            <p:nvGrpSpPr>
+              <p:cNvPr id="33" name="Group 32">
+                <a:extLst>
+                  <a:ext uri="{FF2B5EF4-FFF2-40B4-BE49-F238E27FC236}">
+                    <a16:creationId xmlns:a16="http://schemas.microsoft.com/office/drawing/2014/main" id="{FC8B5C4F-AEB5-894E-9A5A-09AF3E4CABE5}"/>
+                  </a:ext>
+                </a:extLst>
+              </p:cNvPr>
+              <p:cNvGrpSpPr/>
+              <p:nvPr/>
+            </p:nvGrpSpPr>
+            <p:grpSpPr>
+              <a:xfrm>
+                <a:off x="18647372" y="26879866"/>
+                <a:ext cx="828792" cy="872223"/>
+                <a:chOff x="16356418" y="26257421"/>
+                <a:chExt cx="1317448" cy="1386486"/>
+              </a:xfrm>
+            </p:grpSpPr>
+            <p:sp>
+              <p:nvSpPr>
+                <p:cNvPr id="31" name="Oval 30">
+                  <a:extLst>
+                    <a:ext uri="{FF2B5EF4-FFF2-40B4-BE49-F238E27FC236}">
+                      <a16:creationId xmlns:a16="http://schemas.microsoft.com/office/drawing/2014/main" id="{9F8300BA-3512-9A47-99C9-D4E2888E42C7}"/>
+                    </a:ext>
+                  </a:extLst>
+                </p:cNvPr>
+                <p:cNvSpPr/>
+                <p:nvPr/>
+              </p:nvSpPr>
+              <p:spPr>
+                <a:xfrm>
+                  <a:off x="16459200" y="26257421"/>
+                  <a:ext cx="489098" cy="489098"/>
+                </a:xfrm>
+                <a:prstGeom prst="ellipse">
+                  <a:avLst/>
+                </a:prstGeom>
+                <a:noFill/>
+                <a:ln w="38100">
+                  <a:solidFill>
+                    <a:schemeClr val="tx1"/>
+                  </a:solidFill>
+                </a:ln>
+              </p:spPr>
+              <p:style>
+                <a:lnRef idx="2">
+                  <a:schemeClr val="accent1">
+                    <a:shade val="50000"/>
+                  </a:schemeClr>
+                </a:lnRef>
+                <a:fillRef idx="1">
+                  <a:schemeClr val="accent1"/>
+                </a:fillRef>
+                <a:effectRef idx="0">
+                  <a:schemeClr val="accent1"/>
+                </a:effectRef>
+                <a:fontRef idx="minor">
+                  <a:schemeClr val="lt1"/>
+                </a:fontRef>
+              </p:style>
+              <p:txBody>
+                <a:bodyPr rtlCol="0" anchor="ctr"/>
+                <a:lstStyle/>
+                <a:p>
+                  <a:pPr algn="ctr"/>
+                  <a:endParaRPr lang="en-US" dirty="0"/>
+                </a:p>
+              </p:txBody>
+            </p:sp>
+            <p:sp>
+              <p:nvSpPr>
+                <p:cNvPr id="39" name="Oval 38">
+                  <a:extLst>
+                    <a:ext uri="{FF2B5EF4-FFF2-40B4-BE49-F238E27FC236}">
+                      <a16:creationId xmlns:a16="http://schemas.microsoft.com/office/drawing/2014/main" id="{C0D98B7B-AF93-BF4B-83A7-AB44A4982311}"/>
+                    </a:ext>
+                  </a:extLst>
+                </p:cNvPr>
+                <p:cNvSpPr/>
+                <p:nvPr/>
+              </p:nvSpPr>
+              <p:spPr>
+                <a:xfrm>
+                  <a:off x="16611600" y="26409821"/>
+                  <a:ext cx="1062266" cy="1062266"/>
+                </a:xfrm>
+                <a:prstGeom prst="ellipse">
+                  <a:avLst/>
+                </a:prstGeom>
+                <a:noFill/>
+                <a:ln w="38100">
+                  <a:solidFill>
+                    <a:schemeClr val="tx1"/>
+                  </a:solidFill>
+                </a:ln>
+              </p:spPr>
+              <p:style>
+                <a:lnRef idx="2">
+                  <a:schemeClr val="accent1">
+                    <a:shade val="50000"/>
+                  </a:schemeClr>
+                </a:lnRef>
+                <a:fillRef idx="1">
+                  <a:schemeClr val="accent1"/>
+                </a:fillRef>
+                <a:effectRef idx="0">
+                  <a:schemeClr val="accent1"/>
+                </a:effectRef>
+                <a:fontRef idx="minor">
+                  <a:schemeClr val="lt1"/>
+                </a:fontRef>
+              </p:style>
+              <p:txBody>
+                <a:bodyPr rtlCol="0" anchor="ctr"/>
+                <a:lstStyle/>
+                <a:p>
+                  <a:pPr algn="ctr"/>
+                  <a:endParaRPr lang="en-US" dirty="0"/>
+                </a:p>
+              </p:txBody>
+            </p:sp>
+            <p:sp>
+              <p:nvSpPr>
+                <p:cNvPr id="40" name="Oval 39">
+                  <a:extLst>
+                    <a:ext uri="{FF2B5EF4-FFF2-40B4-BE49-F238E27FC236}">
+                      <a16:creationId xmlns:a16="http://schemas.microsoft.com/office/drawing/2014/main" id="{712ADEF2-D89E-EE40-B514-F7935F0AAE5F}"/>
+                    </a:ext>
+                  </a:extLst>
+                </p:cNvPr>
+                <p:cNvSpPr/>
+                <p:nvPr/>
+              </p:nvSpPr>
+              <p:spPr>
+                <a:xfrm>
+                  <a:off x="16356418" y="26644724"/>
+                  <a:ext cx="783265" cy="783265"/>
+                </a:xfrm>
+                <a:prstGeom prst="ellipse">
+                  <a:avLst/>
+                </a:prstGeom>
+                <a:noFill/>
+                <a:ln w="38100">
+                  <a:solidFill>
+                    <a:schemeClr val="tx1"/>
+                  </a:solidFill>
+                </a:ln>
+              </p:spPr>
+              <p:style>
+                <a:lnRef idx="2">
+                  <a:schemeClr val="accent1">
+                    <a:shade val="50000"/>
+                  </a:schemeClr>
+                </a:lnRef>
+                <a:fillRef idx="1">
+                  <a:schemeClr val="accent1"/>
+                </a:fillRef>
+                <a:effectRef idx="0">
+                  <a:schemeClr val="accent1"/>
+                </a:effectRef>
+                <a:fontRef idx="minor">
+                  <a:schemeClr val="lt1"/>
+                </a:fontRef>
+              </p:style>
+              <p:txBody>
+                <a:bodyPr rtlCol="0" anchor="ctr"/>
+                <a:lstStyle/>
+                <a:p>
+                  <a:pPr algn="ctr"/>
+                  <a:endParaRPr lang="en-US" dirty="0"/>
+                </a:p>
+              </p:txBody>
+            </p:sp>
+            <p:sp>
+              <p:nvSpPr>
+                <p:cNvPr id="41" name="Oval 40">
+                  <a:extLst>
+                    <a:ext uri="{FF2B5EF4-FFF2-40B4-BE49-F238E27FC236}">
+                      <a16:creationId xmlns:a16="http://schemas.microsoft.com/office/drawing/2014/main" id="{0E06759E-440D-904A-A995-2281757CAFA2}"/>
+                    </a:ext>
+                  </a:extLst>
+                </p:cNvPr>
+                <p:cNvSpPr/>
+                <p:nvPr/>
+              </p:nvSpPr>
+              <p:spPr>
+                <a:xfrm>
+                  <a:off x="16690989" y="26746519"/>
+                  <a:ext cx="897388" cy="897388"/>
+                </a:xfrm>
+                <a:prstGeom prst="ellipse">
+                  <a:avLst/>
+                </a:prstGeom>
+                <a:noFill/>
+                <a:ln w="38100">
+                  <a:solidFill>
+                    <a:schemeClr val="tx1"/>
+                  </a:solidFill>
+                </a:ln>
+              </p:spPr>
+              <p:style>
+                <a:lnRef idx="2">
+                  <a:schemeClr val="accent1">
+                    <a:shade val="50000"/>
+                  </a:schemeClr>
+                </a:lnRef>
+                <a:fillRef idx="1">
+                  <a:schemeClr val="accent1"/>
+                </a:fillRef>
+                <a:effectRef idx="0">
+                  <a:schemeClr val="accent1"/>
+                </a:effectRef>
+                <a:fontRef idx="minor">
+                  <a:schemeClr val="lt1"/>
+                </a:fontRef>
+              </p:style>
+              <p:txBody>
+                <a:bodyPr rtlCol="0" anchor="ctr"/>
+                <a:lstStyle/>
+                <a:p>
+                  <a:pPr algn="ctr"/>
+                  <a:endParaRPr lang="en-US" dirty="0"/>
+                </a:p>
+              </p:txBody>
+            </p:sp>
+          </p:grpSp>
+          <p:sp>
+            <p:nvSpPr>
+              <p:cNvPr id="35" name="Right Arrow 34">
+                <a:extLst>
+                  <a:ext uri="{FF2B5EF4-FFF2-40B4-BE49-F238E27FC236}">
+                    <a16:creationId xmlns:a16="http://schemas.microsoft.com/office/drawing/2014/main" id="{F7072E2A-6BD6-8A4C-A126-844979C0AD25}"/>
+                  </a:ext>
+                </a:extLst>
+              </p:cNvPr>
+              <p:cNvSpPr/>
+              <p:nvPr/>
+            </p:nvSpPr>
+            <p:spPr>
+              <a:xfrm>
+                <a:off x="18140680" y="27187552"/>
+                <a:ext cx="386294" cy="240437"/>
+              </a:xfrm>
+              <a:prstGeom prst="rightArrow">
+                <a:avLst/>
+              </a:prstGeom>
               <a:solidFill>
-                <a:schemeClr val="accent5">
-                  <a:lumMod val="50000"/>
+                <a:schemeClr val="tx1"/>
+              </a:solidFill>
+              <a:ln>
+                <a:solidFill>
+                  <a:schemeClr val="tx1"/>
+                </a:solidFill>
+              </a:ln>
+            </p:spPr>
+            <p:style>
+              <a:lnRef idx="2">
+                <a:schemeClr val="accent1">
+                  <a:shade val="50000"/>
                 </a:schemeClr>
-              </a:solidFill>
-              <a:latin typeface="Franklin Gothic Book" panose="020B0503020102020204" pitchFamily="34" charset="0"/>
-            </a:endParaRPr>
-          </a:p>
-          <a:p>
-            <a:pPr algn="ctr"/>
-            <a:endParaRPr lang="en-US" sz="8800">
-              <a:solidFill>
-                <a:schemeClr val="accent5">
-                  <a:lumMod val="50000"/>
-                </a:schemeClr>
-              </a:solidFill>
-              <a:latin typeface="Franklin Gothic Book" panose="020B0503020102020204" pitchFamily="34" charset="0"/>
-            </a:endParaRPr>
-          </a:p>
-          <a:p>
-            <a:pPr algn="ctr"/>
-            <a:endParaRPr lang="en-US" sz="8800">
-              <a:solidFill>
-                <a:schemeClr val="accent5">
-                  <a:lumMod val="50000"/>
-                </a:schemeClr>
-              </a:solidFill>
-              <a:latin typeface="Franklin Gothic Book" panose="020B0503020102020204" pitchFamily="34" charset="0"/>
-            </a:endParaRPr>
-          </a:p>
-          <a:p>
-            <a:pPr algn="ctr"/>
-            <a:endParaRPr lang="en-US" sz="3600">
-              <a:solidFill>
-                <a:schemeClr val="accent5">
-                  <a:lumMod val="50000"/>
-                </a:schemeClr>
-              </a:solidFill>
-              <a:latin typeface="Franklin Gothic Book" panose="020B0503020102020204" pitchFamily="34" charset="0"/>
-            </a:endParaRPr>
-          </a:p>
-          <a:p>
-            <a:pPr algn="ctr"/>
-            <a:endParaRPr lang="en-US" sz="3600">
-              <a:solidFill>
-                <a:srgbClr val="002060"/>
-              </a:solidFill>
-              <a:latin typeface="Franklin Gothic Book" panose="020B0503020102020204" pitchFamily="34" charset="0"/>
-            </a:endParaRPr>
-          </a:p>
-          <a:p>
-            <a:pPr algn="ctr"/>
-            <a:r>
-              <a:rPr lang="en-US" sz="3600">
-                <a:solidFill>
-                  <a:srgbClr val="002060"/>
-                </a:solidFill>
-                <a:latin typeface="Franklin Gothic Book" panose="020B0503020102020204" pitchFamily="34" charset="0"/>
-              </a:rPr>
-              <a:t>sdc.health</a:t>
-            </a:r>
-          </a:p>
-          <a:p>
-            <a:pPr algn="ctr"/>
-            <a:endParaRPr lang="en-US" sz="2400">
-              <a:solidFill>
-                <a:schemeClr val="accent5">
-                  <a:lumMod val="50000"/>
-                </a:schemeClr>
-              </a:solidFill>
-              <a:latin typeface="Franklin Gothic Book" panose="020B0503020102020204" pitchFamily="34" charset="0"/>
-            </a:endParaRPr>
-          </a:p>
-          <a:p>
-            <a:pPr algn="ctr"/>
-            <a:endParaRPr lang="en-US" sz="2400">
-              <a:solidFill>
-                <a:schemeClr val="accent5">
-                  <a:lumMod val="50000"/>
-                </a:schemeClr>
-              </a:solidFill>
-              <a:latin typeface="Franklin Gothic Book" panose="020B0503020102020204" pitchFamily="34" charset="0"/>
-            </a:endParaRPr>
-          </a:p>
-          <a:p>
-            <a:pPr algn="ctr"/>
-            <a:endParaRPr lang="en-US" sz="2400">
-              <a:solidFill>
-                <a:schemeClr val="accent5">
-                  <a:lumMod val="50000"/>
-                </a:schemeClr>
-              </a:solidFill>
-              <a:latin typeface="Franklin Gothic Book" panose="020B0503020102020204" pitchFamily="34" charset="0"/>
-            </a:endParaRPr>
-          </a:p>
-          <a:p>
-            <a:pPr algn="ctr"/>
-            <a:endParaRPr lang="en-US" sz="2400">
-              <a:solidFill>
-                <a:schemeClr val="accent5">
-                  <a:lumMod val="50000"/>
-                </a:schemeClr>
-              </a:solidFill>
-              <a:latin typeface="Franklin Gothic Book" panose="020B0503020102020204" pitchFamily="34" charset="0"/>
-            </a:endParaRPr>
-          </a:p>
-          <a:p>
-            <a:pPr algn="ctr"/>
-            <a:endParaRPr lang="en-US" sz="2400">
-              <a:solidFill>
-                <a:schemeClr val="accent5">
-                  <a:lumMod val="50000"/>
-                </a:schemeClr>
-              </a:solidFill>
-              <a:latin typeface="Franklin Gothic Book" panose="020B0503020102020204" pitchFamily="34" charset="0"/>
-            </a:endParaRPr>
-          </a:p>
-          <a:p>
-            <a:pPr algn="ctr"/>
-            <a:endParaRPr lang="en-US" sz="2400">
-              <a:solidFill>
-                <a:schemeClr val="accent5">
-                  <a:lumMod val="50000"/>
-                </a:schemeClr>
-              </a:solidFill>
-              <a:latin typeface="Franklin Gothic Book" panose="020B0503020102020204" pitchFamily="34" charset="0"/>
-            </a:endParaRPr>
-          </a:p>
-          <a:p>
-            <a:pPr algn="ctr"/>
-            <a:endParaRPr lang="en-US" sz="2400">
-              <a:solidFill>
-                <a:schemeClr val="accent5">
-                  <a:lumMod val="50000"/>
-                </a:schemeClr>
-              </a:solidFill>
-              <a:latin typeface="Franklin Gothic Book" panose="020B0503020102020204" pitchFamily="34" charset="0"/>
-            </a:endParaRPr>
-          </a:p>
-          <a:p>
-            <a:pPr algn="ctr"/>
-            <a:endParaRPr lang="en-US" sz="2400">
-              <a:solidFill>
-                <a:schemeClr val="accent5">
-                  <a:lumMod val="50000"/>
-                </a:schemeClr>
-              </a:solidFill>
-              <a:latin typeface="Franklin Gothic Book" panose="020B0503020102020204" pitchFamily="34" charset="0"/>
-            </a:endParaRPr>
-          </a:p>
-          <a:p>
-            <a:pPr algn="ctr"/>
-            <a:endParaRPr lang="en-US" sz="2400">
-              <a:solidFill>
-                <a:schemeClr val="accent5">
-                  <a:lumMod val="50000"/>
-                </a:schemeClr>
-              </a:solidFill>
-              <a:latin typeface="Franklin Gothic Book" panose="020B0503020102020204" pitchFamily="34" charset="0"/>
-            </a:endParaRPr>
-          </a:p>
-          <a:p>
-            <a:pPr algn="ctr"/>
-            <a:endParaRPr lang="en-US" sz="2400">
-              <a:solidFill>
-                <a:schemeClr val="accent5">
-                  <a:lumMod val="50000"/>
-                </a:schemeClr>
-              </a:solidFill>
-              <a:latin typeface="Franklin Gothic Book" panose="020B0503020102020204" pitchFamily="34" charset="0"/>
-            </a:endParaRPr>
-          </a:p>
-          <a:p>
-            <a:pPr algn="ctr"/>
-            <a:endParaRPr lang="en-US" sz="2400">
-              <a:solidFill>
-                <a:schemeClr val="accent5">
-                  <a:lumMod val="50000"/>
-                </a:schemeClr>
-              </a:solidFill>
-              <a:latin typeface="Franklin Gothic Book" panose="020B0503020102020204" pitchFamily="34" charset="0"/>
-            </a:endParaRPr>
-          </a:p>
-          <a:p>
-            <a:pPr algn="ctr"/>
-            <a:endParaRPr lang="en-US" sz="2400">
-              <a:solidFill>
-                <a:schemeClr val="accent5">
-                  <a:lumMod val="50000"/>
-                </a:schemeClr>
-              </a:solidFill>
-              <a:latin typeface="Franklin Gothic Book" panose="020B0503020102020204" pitchFamily="34" charset="0"/>
-            </a:endParaRPr>
-          </a:p>
-          <a:p>
-            <a:pPr algn="ctr"/>
-            <a:endParaRPr lang="en-US" sz="2400">
-              <a:solidFill>
-                <a:schemeClr val="accent5">
-                  <a:lumMod val="50000"/>
-                </a:schemeClr>
-              </a:solidFill>
-              <a:latin typeface="Franklin Gothic Book" panose="020B0503020102020204" pitchFamily="34" charset="0"/>
-            </a:endParaRPr>
-          </a:p>
-          <a:p>
-            <a:pPr algn="ctr"/>
-            <a:endParaRPr lang="en-US" sz="2400">
-              <a:solidFill>
-                <a:schemeClr val="accent5">
-                  <a:lumMod val="50000"/>
-                </a:schemeClr>
-              </a:solidFill>
-              <a:latin typeface="Franklin Gothic Book" panose="020B0503020102020204" pitchFamily="34" charset="0"/>
-            </a:endParaRPr>
-          </a:p>
-          <a:p>
-            <a:pPr algn="ctr"/>
-            <a:endParaRPr lang="en-US" sz="2400">
-              <a:solidFill>
-                <a:schemeClr val="accent5">
-                  <a:lumMod val="50000"/>
-                </a:schemeClr>
-              </a:solidFill>
-              <a:latin typeface="Franklin Gothic Book" panose="020B0503020102020204" pitchFamily="34" charset="0"/>
-            </a:endParaRPr>
-          </a:p>
-          <a:p>
-            <a:pPr algn="ctr"/>
-            <a:endParaRPr lang="en-US" sz="2400">
-              <a:solidFill>
-                <a:schemeClr val="accent5">
-                  <a:lumMod val="50000"/>
-                </a:schemeClr>
-              </a:solidFill>
-              <a:latin typeface="Franklin Gothic Book" panose="020B0503020102020204" pitchFamily="34" charset="0"/>
-            </a:endParaRPr>
-          </a:p>
-          <a:p>
-            <a:pPr algn="ctr"/>
-            <a:endParaRPr lang="en-US" sz="2400">
-              <a:solidFill>
-                <a:schemeClr val="accent5">
-                  <a:lumMod val="50000"/>
-                </a:schemeClr>
-              </a:solidFill>
-              <a:latin typeface="Franklin Gothic Book" panose="020B0503020102020204" pitchFamily="34" charset="0"/>
-            </a:endParaRPr>
-          </a:p>
-          <a:p>
-            <a:pPr algn="ctr"/>
-            <a:endParaRPr lang="en-US" sz="3200">
-              <a:solidFill>
-                <a:schemeClr val="accent5">
-                  <a:lumMod val="50000"/>
-                </a:schemeClr>
-              </a:solidFill>
-              <a:latin typeface="Franklin Gothic Book" panose="020B0503020102020204" pitchFamily="34" charset="0"/>
-            </a:endParaRPr>
-          </a:p>
-        </p:txBody>
-      </p:sp>
-      <p:sp>
-        <p:nvSpPr>
-          <p:cNvPr id="19" name="Oval 18">
+              </a:lnRef>
+              <a:fillRef idx="1">
+                <a:schemeClr val="accent1"/>
+              </a:fillRef>
+              <a:effectRef idx="0">
+                <a:schemeClr val="accent1"/>
+              </a:effectRef>
+              <a:fontRef idx="minor">
+                <a:schemeClr val="lt1"/>
+              </a:fontRef>
+            </p:style>
+            <p:txBody>
+              <a:bodyPr rtlCol="0" anchor="ctr"/>
+              <a:lstStyle/>
+              <a:p>
+                <a:pPr algn="ctr"/>
+                <a:endParaRPr lang="en-US" dirty="0"/>
+              </a:p>
+            </p:txBody>
+          </p:sp>
+        </p:grpSp>
+      </p:grpSp>
+      <p:grpSp>
+        <p:nvGrpSpPr>
+          <p:cNvPr id="57" name="Group 56">
             <a:extLst>
               <a:ext uri="{FF2B5EF4-FFF2-40B4-BE49-F238E27FC236}">
-                <a16:creationId xmlns:a16="http://schemas.microsoft.com/office/drawing/2014/main" id="{0F37E981-C9BC-AF07-A074-F432F305C121}"/>
+                <a16:creationId xmlns:a16="http://schemas.microsoft.com/office/drawing/2014/main" id="{483CF11A-07AD-6F4A-BD79-C47943C9AD00}"/>
               </a:ext>
             </a:extLst>
           </p:cNvPr>
-          <p:cNvSpPr/>
+          <p:cNvGrpSpPr/>
           <p:nvPr/>
-        </p:nvSpPr>
-        <p:spPr>
+        </p:nvGrpSpPr>
+        <p:grpSpPr>
           <a:xfrm>
-            <a:off x="8120410" y="9515081"/>
-            <a:ext cx="3291840" cy="3291840"/>
+            <a:off x="15722328" y="12963505"/>
+            <a:ext cx="3740976" cy="3740976"/>
+            <a:chOff x="16346777" y="9750754"/>
+            <a:chExt cx="3676709" cy="3676709"/>
           </a:xfrm>
-          <a:prstGeom prst="ellipse">
-            <a:avLst/>
-          </a:prstGeom>
-          <a:solidFill>
-            <a:schemeClr val="bg1"/>
-          </a:solidFill>
-          <a:ln w="127000">
+        </p:grpSpPr>
+        <p:sp>
+          <p:nvSpPr>
+            <p:cNvPr id="21" name="Oval 20">
+              <a:extLst>
+                <a:ext uri="{FF2B5EF4-FFF2-40B4-BE49-F238E27FC236}">
+                  <a16:creationId xmlns:a16="http://schemas.microsoft.com/office/drawing/2014/main" id="{2F7ABDE6-05D3-CB08-8BC9-DA1E8760F778}"/>
+                </a:ext>
+              </a:extLst>
+            </p:cNvPr>
+            <p:cNvSpPr/>
+            <p:nvPr/>
+          </p:nvSpPr>
+          <p:spPr>
+            <a:xfrm>
+              <a:off x="16346777" y="9750754"/>
+              <a:ext cx="3676709" cy="3676709"/>
+            </a:xfrm>
+            <a:prstGeom prst="ellipse">
+              <a:avLst/>
+            </a:prstGeom>
             <a:solidFill>
-              <a:schemeClr val="accent2"/>
+              <a:schemeClr val="bg1"/>
             </a:solidFill>
-          </a:ln>
-        </p:spPr>
-        <p:style>
-          <a:lnRef idx="2">
-            <a:schemeClr val="accent1">
-              <a:shade val="50000"/>
-            </a:schemeClr>
-          </a:lnRef>
-          <a:fillRef idx="1">
-            <a:schemeClr val="accent1"/>
-          </a:fillRef>
-          <a:effectRef idx="0">
-            <a:schemeClr val="accent1"/>
-          </a:effectRef>
-          <a:fontRef idx="minor">
-            <a:schemeClr val="lt1"/>
-          </a:fontRef>
-        </p:style>
-        <p:txBody>
-          <a:bodyPr rtlCol="0" anchor="ctr"/>
-          <a:lstStyle/>
-          <a:p>
-            <a:pPr algn="ctr"/>
-            <a:endParaRPr lang="en-US" sz="3200" dirty="0">
+            <a:ln w="127000">
               <a:solidFill>
-                <a:schemeClr val="accent5">
-                  <a:lumMod val="50000"/>
-                </a:schemeClr>
+                <a:schemeClr val="accent3"/>
               </a:solidFill>
-              <a:latin typeface="Franklin Gothic Book" panose="020B0503020102020204" pitchFamily="34" charset="0"/>
-            </a:endParaRPr>
-          </a:p>
-          <a:p>
-            <a:pPr algn="ctr"/>
-            <a:endParaRPr lang="en-US" sz="3200" dirty="0">
-              <a:solidFill>
-                <a:schemeClr val="accent5">
-                  <a:lumMod val="50000"/>
-                </a:schemeClr>
-              </a:solidFill>
-              <a:latin typeface="Franklin Gothic Book" panose="020B0503020102020204" pitchFamily="34" charset="0"/>
-            </a:endParaRPr>
-          </a:p>
-          <a:p>
-            <a:pPr algn="ctr"/>
-            <a:endParaRPr lang="en-US" sz="3200" dirty="0">
-              <a:solidFill>
-                <a:schemeClr val="accent5">
-                  <a:lumMod val="50000"/>
-                </a:schemeClr>
-              </a:solidFill>
-              <a:latin typeface="Franklin Gothic Book" panose="020B0503020102020204" pitchFamily="34" charset="0"/>
-            </a:endParaRPr>
-          </a:p>
-          <a:p>
-            <a:pPr algn="ctr"/>
-            <a:endParaRPr lang="en-US" sz="8800" dirty="0">
-              <a:solidFill>
-                <a:schemeClr val="accent5">
-                  <a:lumMod val="50000"/>
-                </a:schemeClr>
-              </a:solidFill>
-              <a:latin typeface="Franklin Gothic Book" panose="020B0503020102020204" pitchFamily="34" charset="0"/>
-            </a:endParaRPr>
-          </a:p>
-          <a:p>
-            <a:pPr algn="ctr"/>
-            <a:endParaRPr lang="en-US" sz="8800" dirty="0">
-              <a:solidFill>
-                <a:schemeClr val="accent5">
-                  <a:lumMod val="50000"/>
-                </a:schemeClr>
-              </a:solidFill>
-              <a:latin typeface="Franklin Gothic Book" panose="020B0503020102020204" pitchFamily="34" charset="0"/>
-            </a:endParaRPr>
-          </a:p>
-          <a:p>
-            <a:pPr algn="ctr"/>
-            <a:endParaRPr lang="en-US" sz="3600" dirty="0">
-              <a:solidFill>
-                <a:schemeClr val="accent5">
-                  <a:lumMod val="50000"/>
-                </a:schemeClr>
-              </a:solidFill>
-              <a:latin typeface="Franklin Gothic Book" panose="020B0503020102020204" pitchFamily="34" charset="0"/>
-            </a:endParaRPr>
-          </a:p>
-          <a:p>
-            <a:pPr algn="ctr"/>
-            <a:endParaRPr lang="en-US" sz="3600" dirty="0">
-              <a:solidFill>
-                <a:srgbClr val="002060"/>
-              </a:solidFill>
-              <a:latin typeface="Franklin Gothic Book" panose="020B0503020102020204" pitchFamily="34" charset="0"/>
-            </a:endParaRPr>
-          </a:p>
-          <a:p>
-            <a:pPr algn="ctr"/>
-            <a:r>
-              <a:rPr lang="en-US" sz="3600" dirty="0" err="1">
-                <a:solidFill>
-                  <a:srgbClr val="002060"/>
-                </a:solidFill>
-                <a:latin typeface="Franklin Gothic Book" panose="020B0503020102020204" pitchFamily="34" charset="0"/>
-              </a:rPr>
-              <a:t>sdc.food</a:t>
-            </a:r>
-            <a:endParaRPr lang="en-US" sz="3600" dirty="0">
-              <a:solidFill>
-                <a:srgbClr val="002060"/>
-              </a:solidFill>
-              <a:latin typeface="Franklin Gothic Book" panose="020B0503020102020204" pitchFamily="34" charset="0"/>
-            </a:endParaRPr>
-          </a:p>
-          <a:p>
-            <a:pPr algn="ctr"/>
-            <a:endParaRPr lang="en-US" sz="2400" dirty="0">
-              <a:solidFill>
-                <a:schemeClr val="accent5">
-                  <a:lumMod val="50000"/>
-                </a:schemeClr>
-              </a:solidFill>
-              <a:latin typeface="Franklin Gothic Book" panose="020B0503020102020204" pitchFamily="34" charset="0"/>
-            </a:endParaRPr>
-          </a:p>
-          <a:p>
-            <a:pPr algn="ctr"/>
-            <a:endParaRPr lang="en-US" sz="2400" dirty="0">
-              <a:solidFill>
-                <a:schemeClr val="accent5">
-                  <a:lumMod val="50000"/>
-                </a:schemeClr>
-              </a:solidFill>
-              <a:latin typeface="Franklin Gothic Book" panose="020B0503020102020204" pitchFamily="34" charset="0"/>
-            </a:endParaRPr>
-          </a:p>
-          <a:p>
-            <a:pPr algn="ctr"/>
-            <a:endParaRPr lang="en-US" sz="2400" dirty="0">
-              <a:solidFill>
-                <a:schemeClr val="accent5">
-                  <a:lumMod val="50000"/>
-                </a:schemeClr>
-              </a:solidFill>
-              <a:latin typeface="Franklin Gothic Book" panose="020B0503020102020204" pitchFamily="34" charset="0"/>
-            </a:endParaRPr>
-          </a:p>
-          <a:p>
-            <a:pPr algn="ctr"/>
-            <a:endParaRPr lang="en-US" sz="2400" dirty="0">
-              <a:solidFill>
-                <a:schemeClr val="accent5">
-                  <a:lumMod val="50000"/>
-                </a:schemeClr>
-              </a:solidFill>
-              <a:latin typeface="Franklin Gothic Book" panose="020B0503020102020204" pitchFamily="34" charset="0"/>
-            </a:endParaRPr>
-          </a:p>
-          <a:p>
-            <a:pPr algn="ctr"/>
-            <a:endParaRPr lang="en-US" sz="2400" dirty="0">
-              <a:solidFill>
-                <a:schemeClr val="accent5">
-                  <a:lumMod val="50000"/>
-                </a:schemeClr>
-              </a:solidFill>
-              <a:latin typeface="Franklin Gothic Book" panose="020B0503020102020204" pitchFamily="34" charset="0"/>
-            </a:endParaRPr>
-          </a:p>
-          <a:p>
-            <a:pPr algn="ctr"/>
-            <a:endParaRPr lang="en-US" sz="2400" dirty="0">
-              <a:solidFill>
-                <a:schemeClr val="accent5">
-                  <a:lumMod val="50000"/>
-                </a:schemeClr>
-              </a:solidFill>
-              <a:latin typeface="Franklin Gothic Book" panose="020B0503020102020204" pitchFamily="34" charset="0"/>
-            </a:endParaRPr>
-          </a:p>
-          <a:p>
-            <a:pPr algn="ctr"/>
-            <a:endParaRPr lang="en-US" sz="2400" dirty="0">
-              <a:solidFill>
-                <a:schemeClr val="accent5">
-                  <a:lumMod val="50000"/>
-                </a:schemeClr>
-              </a:solidFill>
-              <a:latin typeface="Franklin Gothic Book" panose="020B0503020102020204" pitchFamily="34" charset="0"/>
-            </a:endParaRPr>
-          </a:p>
-          <a:p>
-            <a:pPr algn="ctr"/>
-            <a:endParaRPr lang="en-US" sz="2400" dirty="0">
-              <a:solidFill>
-                <a:schemeClr val="accent5">
-                  <a:lumMod val="50000"/>
-                </a:schemeClr>
-              </a:solidFill>
-              <a:latin typeface="Franklin Gothic Book" panose="020B0503020102020204" pitchFamily="34" charset="0"/>
-            </a:endParaRPr>
-          </a:p>
-          <a:p>
-            <a:pPr algn="ctr"/>
-            <a:endParaRPr lang="en-US" sz="2400" dirty="0">
-              <a:solidFill>
-                <a:schemeClr val="accent5">
-                  <a:lumMod val="50000"/>
-                </a:schemeClr>
-              </a:solidFill>
-              <a:latin typeface="Franklin Gothic Book" panose="020B0503020102020204" pitchFamily="34" charset="0"/>
-            </a:endParaRPr>
-          </a:p>
-          <a:p>
-            <a:pPr algn="ctr"/>
-            <a:endParaRPr lang="en-US" sz="2400" dirty="0">
-              <a:solidFill>
-                <a:schemeClr val="accent5">
-                  <a:lumMod val="50000"/>
-                </a:schemeClr>
-              </a:solidFill>
-              <a:latin typeface="Franklin Gothic Book" panose="020B0503020102020204" pitchFamily="34" charset="0"/>
-            </a:endParaRPr>
-          </a:p>
-          <a:p>
-            <a:pPr algn="ctr"/>
-            <a:endParaRPr lang="en-US" sz="2400" dirty="0">
-              <a:solidFill>
-                <a:schemeClr val="accent5">
-                  <a:lumMod val="50000"/>
-                </a:schemeClr>
-              </a:solidFill>
-              <a:latin typeface="Franklin Gothic Book" panose="020B0503020102020204" pitchFamily="34" charset="0"/>
-            </a:endParaRPr>
-          </a:p>
-          <a:p>
-            <a:pPr algn="ctr"/>
-            <a:endParaRPr lang="en-US" sz="2400" dirty="0">
-              <a:solidFill>
-                <a:schemeClr val="accent5">
-                  <a:lumMod val="50000"/>
-                </a:schemeClr>
-              </a:solidFill>
-              <a:latin typeface="Franklin Gothic Book" panose="020B0503020102020204" pitchFamily="34" charset="0"/>
-            </a:endParaRPr>
-          </a:p>
-          <a:p>
-            <a:pPr algn="ctr"/>
-            <a:endParaRPr lang="en-US" sz="2400" dirty="0">
-              <a:solidFill>
-                <a:schemeClr val="accent5">
-                  <a:lumMod val="50000"/>
-                </a:schemeClr>
-              </a:solidFill>
-              <a:latin typeface="Franklin Gothic Book" panose="020B0503020102020204" pitchFamily="34" charset="0"/>
-            </a:endParaRPr>
-          </a:p>
-          <a:p>
-            <a:pPr algn="ctr"/>
-            <a:endParaRPr lang="en-US" sz="2400" dirty="0">
-              <a:solidFill>
-                <a:schemeClr val="accent5">
-                  <a:lumMod val="50000"/>
-                </a:schemeClr>
-              </a:solidFill>
-              <a:latin typeface="Franklin Gothic Book" panose="020B0503020102020204" pitchFamily="34" charset="0"/>
-            </a:endParaRPr>
-          </a:p>
-          <a:p>
-            <a:pPr algn="ctr"/>
-            <a:endParaRPr lang="en-US" sz="2400" dirty="0">
-              <a:solidFill>
-                <a:schemeClr val="accent5">
-                  <a:lumMod val="50000"/>
-                </a:schemeClr>
-              </a:solidFill>
-              <a:latin typeface="Franklin Gothic Book" panose="020B0503020102020204" pitchFamily="34" charset="0"/>
-            </a:endParaRPr>
-          </a:p>
-          <a:p>
-            <a:pPr algn="ctr"/>
-            <a:endParaRPr lang="en-US" sz="2400" dirty="0">
-              <a:solidFill>
-                <a:schemeClr val="accent5">
-                  <a:lumMod val="50000"/>
-                </a:schemeClr>
-              </a:solidFill>
-              <a:latin typeface="Franklin Gothic Book" panose="020B0503020102020204" pitchFamily="34" charset="0"/>
-            </a:endParaRPr>
-          </a:p>
-          <a:p>
-            <a:pPr algn="ctr"/>
-            <a:endParaRPr lang="en-US" sz="2400" dirty="0">
-              <a:solidFill>
-                <a:schemeClr val="accent5">
-                  <a:lumMod val="50000"/>
-                </a:schemeClr>
-              </a:solidFill>
-              <a:latin typeface="Franklin Gothic Book" panose="020B0503020102020204" pitchFamily="34" charset="0"/>
-            </a:endParaRPr>
-          </a:p>
-          <a:p>
-            <a:pPr algn="ctr"/>
-            <a:endParaRPr lang="en-US" sz="3200" dirty="0">
-              <a:solidFill>
-                <a:schemeClr val="accent5">
-                  <a:lumMod val="50000"/>
-                </a:schemeClr>
-              </a:solidFill>
-              <a:latin typeface="Franklin Gothic Book" panose="020B0503020102020204" pitchFamily="34" charset="0"/>
-            </a:endParaRPr>
-          </a:p>
-        </p:txBody>
-      </p:sp>
-      <p:sp>
-        <p:nvSpPr>
-          <p:cNvPr id="20" name="Oval 19">
+            </a:ln>
+          </p:spPr>
+          <p:style>
+            <a:lnRef idx="2">
+              <a:schemeClr val="accent1">
+                <a:shade val="50000"/>
+              </a:schemeClr>
+            </a:lnRef>
+            <a:fillRef idx="1">
+              <a:schemeClr val="accent1"/>
+            </a:fillRef>
+            <a:effectRef idx="0">
+              <a:schemeClr val="accent1"/>
+            </a:effectRef>
+            <a:fontRef idx="minor">
+              <a:schemeClr val="lt1"/>
+            </a:fontRef>
+          </p:style>
+          <p:txBody>
+            <a:bodyPr rtlCol="0" anchor="ctr"/>
+            <a:lstStyle/>
+            <a:p>
+              <a:pPr algn="ctr"/>
+              <a:r>
+                <a:rPr lang="en-US" sz="2800" b="1" dirty="0">
+                  <a:solidFill>
+                    <a:schemeClr val="accent5">
+                      <a:lumMod val="50000"/>
+                    </a:schemeClr>
+                  </a:solidFill>
+                  <a:latin typeface="Franklin Gothic Book" panose="020B0503020102020204" pitchFamily="34" charset="0"/>
+                </a:rPr>
+                <a:t>Dashboards</a:t>
+              </a:r>
+              <a:br>
+                <a:rPr lang="en-US" sz="3600" dirty="0">
+                  <a:solidFill>
+                    <a:schemeClr val="accent5">
+                      <a:lumMod val="50000"/>
+                    </a:schemeClr>
+                  </a:solidFill>
+                  <a:latin typeface="Franklin Gothic Book" panose="020B0503020102020204" pitchFamily="34" charset="0"/>
+                </a:rPr>
+              </a:br>
+              <a:r>
+                <a:rPr lang="en-US" sz="1200" dirty="0">
+                  <a:solidFill>
+                    <a:schemeClr val="accent5">
+                      <a:lumMod val="50000"/>
+                    </a:schemeClr>
+                  </a:solidFill>
+                  <a:latin typeface="Franklin Gothic Book" panose="020B0503020102020204" pitchFamily="34" charset="0"/>
+                </a:rPr>
+                <a:t>-</a:t>
+              </a:r>
+              <a:br>
+                <a:rPr lang="en-US" sz="3600" dirty="0">
+                  <a:solidFill>
+                    <a:schemeClr val="accent5">
+                      <a:lumMod val="50000"/>
+                    </a:schemeClr>
+                  </a:solidFill>
+                  <a:latin typeface="Franklin Gothic Book" panose="020B0503020102020204" pitchFamily="34" charset="0"/>
+                </a:rPr>
+              </a:br>
+              <a:r>
+                <a:rPr lang="en-US" sz="2400" dirty="0">
+                  <a:solidFill>
+                    <a:schemeClr val="accent5">
+                      <a:lumMod val="50000"/>
+                    </a:schemeClr>
+                  </a:solidFill>
+                  <a:latin typeface="Franklin Gothic Book" panose="020B0503020102020204" pitchFamily="34" charset="0"/>
+                </a:rPr>
+                <a:t>Explore decision-relevant datasets</a:t>
+              </a:r>
+            </a:p>
+            <a:p>
+              <a:pPr algn="ctr"/>
+              <a:endParaRPr lang="en-US" sz="2400" dirty="0">
+                <a:solidFill>
+                  <a:schemeClr val="accent5">
+                    <a:lumMod val="50000"/>
+                  </a:schemeClr>
+                </a:solidFill>
+                <a:latin typeface="Franklin Gothic Book" panose="020B0503020102020204" pitchFamily="34" charset="0"/>
+              </a:endParaRPr>
+            </a:p>
+            <a:p>
+              <a:pPr algn="ctr"/>
+              <a:endParaRPr lang="en-US" sz="2400" dirty="0">
+                <a:solidFill>
+                  <a:schemeClr val="accent5">
+                    <a:lumMod val="50000"/>
+                  </a:schemeClr>
+                </a:solidFill>
+                <a:latin typeface="Franklin Gothic Book" panose="020B0503020102020204" pitchFamily="34" charset="0"/>
+              </a:endParaRPr>
+            </a:p>
+            <a:p>
+              <a:pPr algn="ctr"/>
+              <a:endParaRPr lang="en-US" sz="2400" dirty="0">
+                <a:solidFill>
+                  <a:schemeClr val="accent5">
+                    <a:lumMod val="50000"/>
+                  </a:schemeClr>
+                </a:solidFill>
+                <a:latin typeface="Franklin Gothic Book" panose="020B0503020102020204" pitchFamily="34" charset="0"/>
+              </a:endParaRPr>
+            </a:p>
+          </p:txBody>
+        </p:sp>
+        <p:pic>
+          <p:nvPicPr>
+            <p:cNvPr id="36" name="Graphic 35" descr="Scatterplot with solid fill">
+              <a:extLst>
+                <a:ext uri="{FF2B5EF4-FFF2-40B4-BE49-F238E27FC236}">
+                  <a16:creationId xmlns:a16="http://schemas.microsoft.com/office/drawing/2014/main" id="{17C6C789-AC0D-E76E-38BE-3C0393E3F10F}"/>
+                </a:ext>
+              </a:extLst>
+            </p:cNvPr>
+            <p:cNvPicPr>
+              <a:picLocks noChangeAspect="1"/>
+            </p:cNvPicPr>
+            <p:nvPr/>
+          </p:nvPicPr>
+          <p:blipFill>
+            <a:blip r:embed="rId18">
+              <a:extLst>
+                <a:ext uri="{96DAC541-7B7A-43D3-8B79-37D633B846F1}">
+                  <asvg:svgBlip xmlns:asvg="http://schemas.microsoft.com/office/drawing/2016/SVG/main" r:embed="rId19"/>
+                </a:ext>
+              </a:extLst>
+            </a:blip>
+            <a:stretch>
+              <a:fillRect/>
+            </a:stretch>
+          </p:blipFill>
+          <p:spPr>
+            <a:xfrm>
+              <a:off x="17739668" y="12110287"/>
+              <a:ext cx="712891" cy="712891"/>
+            </a:xfrm>
+            <a:prstGeom prst="rect">
+              <a:avLst/>
+            </a:prstGeom>
+          </p:spPr>
+        </p:pic>
+        <p:pic>
+          <p:nvPicPr>
+            <p:cNvPr id="42" name="Picture 41">
+              <a:extLst>
+                <a:ext uri="{FF2B5EF4-FFF2-40B4-BE49-F238E27FC236}">
+                  <a16:creationId xmlns:a16="http://schemas.microsoft.com/office/drawing/2014/main" id="{DB647B51-9F14-6826-319A-362A9A43F7AB}"/>
+                </a:ext>
+              </a:extLst>
+            </p:cNvPr>
+            <p:cNvPicPr>
+              <a:picLocks noChangeAspect="1"/>
+            </p:cNvPicPr>
+            <p:nvPr/>
+          </p:nvPicPr>
+          <p:blipFill rotWithShape="1">
+            <a:blip r:embed="rId15">
+              <a:extLst>
+                <a:ext uri="{BEBA8EAE-BF5A-486C-A8C5-ECC9F3942E4B}">
+                  <a14:imgProps xmlns:a14="http://schemas.microsoft.com/office/drawing/2010/main">
+                    <a14:imgLayer r:embed="rId20">
+                      <a14:imgEffect>
+                        <a14:backgroundRemoval t="8102" b="92593" l="25429" r="70429">
+                          <a14:foregroundMark x1="58714" y1="86111" x2="58714" y2="86111"/>
+                          <a14:foregroundMark x1="63143" y1="92593" x2="63143" y2="92593"/>
+                          <a14:foregroundMark x1="50000" y1="58102" x2="50000" y2="58102"/>
+                          <a14:foregroundMark x1="50143" y1="11806" x2="50143" y2="11806"/>
+                          <a14:foregroundMark x1="44143" y1="8102" x2="44143" y2="8102"/>
+                        </a14:backgroundRemoval>
+                      </a14:imgEffect>
+                    </a14:imgLayer>
+                  </a14:imgProps>
+                </a:ext>
+              </a:extLst>
+            </a:blip>
+            <a:srcRect l="20047" t="5109" r="23362" b="5265"/>
+            <a:stretch/>
+          </p:blipFill>
+          <p:spPr>
+            <a:xfrm>
+              <a:off x="16819555" y="12039550"/>
+              <a:ext cx="874119" cy="854364"/>
+            </a:xfrm>
+            <a:prstGeom prst="rect">
+              <a:avLst/>
+            </a:prstGeom>
+          </p:spPr>
+        </p:pic>
+        <p:pic>
+          <p:nvPicPr>
+            <p:cNvPr id="56" name="Graphic 55" descr="Table outline">
+              <a:extLst>
+                <a:ext uri="{FF2B5EF4-FFF2-40B4-BE49-F238E27FC236}">
+                  <a16:creationId xmlns:a16="http://schemas.microsoft.com/office/drawing/2014/main" id="{6729E874-A8CD-B949-BF7E-2AFEBEFB8352}"/>
+                </a:ext>
+              </a:extLst>
+            </p:cNvPr>
+            <p:cNvPicPr>
+              <a:picLocks noChangeAspect="1"/>
+            </p:cNvPicPr>
+            <p:nvPr/>
+          </p:nvPicPr>
+          <p:blipFill>
+            <a:blip r:embed="rId21">
+              <a:extLst>
+                <a:ext uri="{96DAC541-7B7A-43D3-8B79-37D633B846F1}">
+                  <asvg:svgBlip xmlns:asvg="http://schemas.microsoft.com/office/drawing/2016/SVG/main" r:embed="rId22"/>
+                </a:ext>
+              </a:extLst>
+            </a:blip>
+            <a:stretch>
+              <a:fillRect/>
+            </a:stretch>
+          </p:blipFill>
+          <p:spPr>
+            <a:xfrm>
+              <a:off x="18552330" y="12009532"/>
+              <a:ext cx="914400" cy="914400"/>
+            </a:xfrm>
+            <a:prstGeom prst="rect">
+              <a:avLst/>
+            </a:prstGeom>
+          </p:spPr>
+        </p:pic>
+      </p:grpSp>
+      <p:grpSp>
+        <p:nvGrpSpPr>
+          <p:cNvPr id="59" name="Group 58">
             <a:extLst>
               <a:ext uri="{FF2B5EF4-FFF2-40B4-BE49-F238E27FC236}">
-                <a16:creationId xmlns:a16="http://schemas.microsoft.com/office/drawing/2014/main" id="{1F0A3175-B1B5-837B-9A3F-5BF98D962F2C}"/>
+                <a16:creationId xmlns:a16="http://schemas.microsoft.com/office/drawing/2014/main" id="{0D5DF525-3F64-3D4A-BCFF-1075C11D0976}"/>
               </a:ext>
             </a:extLst>
           </p:cNvPr>
-          <p:cNvSpPr/>
+          <p:cNvGrpSpPr/>
           <p:nvPr/>
-        </p:nvSpPr>
-        <p:spPr>
+        </p:nvGrpSpPr>
+        <p:grpSpPr>
           <a:xfrm>
-            <a:off x="4142137" y="10780659"/>
-            <a:ext cx="3291840" cy="3291840"/>
+            <a:off x="4505359" y="10921203"/>
+            <a:ext cx="2618207" cy="2618207"/>
+            <a:chOff x="4142137" y="10780659"/>
+            <a:chExt cx="3291840" cy="3291840"/>
           </a:xfrm>
-          <a:prstGeom prst="ellipse">
-            <a:avLst/>
-          </a:prstGeom>
-          <a:solidFill>
-            <a:schemeClr val="bg1"/>
-          </a:solidFill>
-          <a:ln w="127000">
+        </p:grpSpPr>
+        <p:sp>
+          <p:nvSpPr>
+            <p:cNvPr id="60" name="Oval 59">
+              <a:extLst>
+                <a:ext uri="{FF2B5EF4-FFF2-40B4-BE49-F238E27FC236}">
+                  <a16:creationId xmlns:a16="http://schemas.microsoft.com/office/drawing/2014/main" id="{8B83344F-9387-5F4E-9FDC-FBF881D91356}"/>
+                </a:ext>
+              </a:extLst>
+            </p:cNvPr>
+            <p:cNvSpPr/>
+            <p:nvPr/>
+          </p:nvSpPr>
+          <p:spPr>
+            <a:xfrm>
+              <a:off x="4142137" y="10780659"/>
+              <a:ext cx="3291840" cy="3291840"/>
+            </a:xfrm>
+            <a:prstGeom prst="ellipse">
+              <a:avLst/>
+            </a:prstGeom>
             <a:solidFill>
-              <a:schemeClr val="accent2"/>
+              <a:schemeClr val="bg1"/>
             </a:solidFill>
-          </a:ln>
-        </p:spPr>
-        <p:style>
-          <a:lnRef idx="2">
-            <a:schemeClr val="accent1">
-              <a:shade val="50000"/>
-            </a:schemeClr>
-          </a:lnRef>
-          <a:fillRef idx="1">
-            <a:schemeClr val="accent1"/>
-          </a:fillRef>
-          <a:effectRef idx="0">
-            <a:schemeClr val="accent1"/>
-          </a:effectRef>
-          <a:fontRef idx="minor">
-            <a:schemeClr val="lt1"/>
-          </a:fontRef>
-        </p:style>
-        <p:txBody>
-          <a:bodyPr lIns="0" tIns="0" rIns="0" bIns="0" rtlCol="0" anchor="ctr"/>
-          <a:lstStyle/>
-          <a:p>
-            <a:pPr algn="ctr"/>
-            <a:endParaRPr lang="en-US" sz="3600">
+            <a:ln w="127000">
               <a:solidFill>
-                <a:schemeClr val="accent5">
-                  <a:lumMod val="50000"/>
-                </a:schemeClr>
+                <a:schemeClr val="accent2"/>
               </a:solidFill>
-              <a:latin typeface="Franklin Gothic Book" panose="020B0503020102020204" pitchFamily="34" charset="0"/>
-            </a:endParaRPr>
-          </a:p>
-          <a:p>
-            <a:pPr algn="ctr"/>
-            <a:r>
-              <a:rPr lang="en-US" sz="3600">
+            </a:ln>
+          </p:spPr>
+          <p:style>
+            <a:lnRef idx="2">
+              <a:schemeClr val="accent1">
+                <a:shade val="50000"/>
+              </a:schemeClr>
+            </a:lnRef>
+            <a:fillRef idx="1">
+              <a:schemeClr val="accent1"/>
+            </a:fillRef>
+            <a:effectRef idx="0">
+              <a:schemeClr val="accent1"/>
+            </a:effectRef>
+            <a:fontRef idx="minor">
+              <a:schemeClr val="lt1"/>
+            </a:fontRef>
+          </p:style>
+          <p:txBody>
+            <a:bodyPr lIns="0" tIns="0" rIns="0" bIns="0" rtlCol="0" anchor="ctr"/>
+            <a:lstStyle/>
+            <a:p>
+              <a:pPr algn="ctr"/>
+              <a:endParaRPr lang="en-US" sz="2800" dirty="0">
                 <a:solidFill>
                   <a:srgbClr val="002060"/>
                 </a:solidFill>
                 <a:latin typeface="Franklin Gothic Book" panose="020B0503020102020204" pitchFamily="34" charset="0"/>
-              </a:rPr>
-              <a:t>sdc.broad-band</a:t>
-            </a:r>
-          </a:p>
-          <a:p>
-            <a:pPr algn="ctr"/>
-            <a:endParaRPr lang="en-US" sz="3600">
-              <a:solidFill>
-                <a:schemeClr val="accent5">
-                  <a:lumMod val="50000"/>
-                </a:schemeClr>
-              </a:solidFill>
-              <a:latin typeface="Franklin Gothic Book" panose="020B0503020102020204" pitchFamily="34" charset="0"/>
-            </a:endParaRPr>
-          </a:p>
-          <a:p>
-            <a:pPr algn="ctr"/>
-            <a:endParaRPr lang="en-US" sz="3600">
-              <a:solidFill>
-                <a:schemeClr val="accent5">
-                  <a:lumMod val="50000"/>
-                </a:schemeClr>
-              </a:solidFill>
-              <a:latin typeface="Franklin Gothic Book" panose="020B0503020102020204" pitchFamily="34" charset="0"/>
-            </a:endParaRPr>
-          </a:p>
-          <a:p>
-            <a:pPr algn="ctr"/>
-            <a:endParaRPr lang="en-US" sz="3600">
-              <a:solidFill>
-                <a:schemeClr val="accent5">
-                  <a:lumMod val="50000"/>
-                </a:schemeClr>
-              </a:solidFill>
-              <a:latin typeface="Franklin Gothic Book" panose="020B0503020102020204" pitchFamily="34" charset="0"/>
-            </a:endParaRPr>
-          </a:p>
-        </p:txBody>
-      </p:sp>
-      <p:sp>
-        <p:nvSpPr>
-          <p:cNvPr id="21" name="Oval 20">
+              </a:endParaRPr>
+            </a:p>
+            <a:p>
+              <a:pPr algn="ctr"/>
+              <a:r>
+                <a:rPr lang="en-US" sz="2800" dirty="0">
+                  <a:solidFill>
+                    <a:srgbClr val="002060"/>
+                  </a:solidFill>
+                  <a:latin typeface="Franklin Gothic Book" panose="020B0503020102020204" pitchFamily="34" charset="0"/>
+                </a:rPr>
+                <a:t>Broadband</a:t>
+              </a:r>
+            </a:p>
+            <a:p>
+              <a:pPr algn="ctr"/>
+              <a:endParaRPr lang="en-US" sz="3600" dirty="0">
+                <a:solidFill>
+                  <a:schemeClr val="accent5">
+                    <a:lumMod val="50000"/>
+                  </a:schemeClr>
+                </a:solidFill>
+                <a:latin typeface="Franklin Gothic Book" panose="020B0503020102020204" pitchFamily="34" charset="0"/>
+              </a:endParaRPr>
+            </a:p>
+            <a:p>
+              <a:pPr algn="ctr"/>
+              <a:endParaRPr lang="en-US" sz="3600" dirty="0">
+                <a:solidFill>
+                  <a:schemeClr val="accent5">
+                    <a:lumMod val="50000"/>
+                  </a:schemeClr>
+                </a:solidFill>
+                <a:latin typeface="Franklin Gothic Book" panose="020B0503020102020204" pitchFamily="34" charset="0"/>
+              </a:endParaRPr>
+            </a:p>
+            <a:p>
+              <a:pPr algn="ctr"/>
+              <a:endParaRPr lang="en-US" sz="3600" dirty="0">
+                <a:solidFill>
+                  <a:schemeClr val="accent5">
+                    <a:lumMod val="50000"/>
+                  </a:schemeClr>
+                </a:solidFill>
+                <a:latin typeface="Franklin Gothic Book" panose="020B0503020102020204" pitchFamily="34" charset="0"/>
+              </a:endParaRPr>
+            </a:p>
+          </p:txBody>
+        </p:sp>
+        <p:pic>
+          <p:nvPicPr>
+            <p:cNvPr id="61" name="Graphic 60" descr="Work from home Wi-Fi with solid fill">
+              <a:extLst>
+                <a:ext uri="{FF2B5EF4-FFF2-40B4-BE49-F238E27FC236}">
+                  <a16:creationId xmlns:a16="http://schemas.microsoft.com/office/drawing/2014/main" id="{7D9120BE-D86C-754B-9D91-9170A6D82225}"/>
+                </a:ext>
+              </a:extLst>
+            </p:cNvPr>
+            <p:cNvPicPr>
+              <a:picLocks noChangeAspect="1"/>
+            </p:cNvPicPr>
+            <p:nvPr/>
+          </p:nvPicPr>
+          <p:blipFill>
+            <a:blip r:embed="rId23">
+              <a:extLst>
+                <a:ext uri="{96DAC541-7B7A-43D3-8B79-37D633B846F1}">
+                  <asvg:svgBlip xmlns:asvg="http://schemas.microsoft.com/office/drawing/2016/SVG/main" r:embed="rId24"/>
+                </a:ext>
+              </a:extLst>
+            </a:blip>
+            <a:stretch>
+              <a:fillRect/>
+            </a:stretch>
+          </p:blipFill>
+          <p:spPr>
+            <a:xfrm>
+              <a:off x="5075529" y="12105313"/>
+              <a:ext cx="1372113" cy="1372113"/>
+            </a:xfrm>
+            <a:prstGeom prst="rect">
+              <a:avLst/>
+            </a:prstGeom>
+          </p:spPr>
+        </p:pic>
+      </p:grpSp>
+      <p:grpSp>
+        <p:nvGrpSpPr>
+          <p:cNvPr id="62" name="Group 61">
             <a:extLst>
               <a:ext uri="{FF2B5EF4-FFF2-40B4-BE49-F238E27FC236}">
-                <a16:creationId xmlns:a16="http://schemas.microsoft.com/office/drawing/2014/main" id="{2F7ABDE6-05D3-CB08-8BC9-DA1E8760F778}"/>
+                <a16:creationId xmlns:a16="http://schemas.microsoft.com/office/drawing/2014/main" id="{CA83D813-E293-054B-A3B7-F749CB4AA24C}"/>
               </a:ext>
             </a:extLst>
           </p:cNvPr>
-          <p:cNvSpPr/>
+          <p:cNvGrpSpPr/>
           <p:nvPr/>
-        </p:nvSpPr>
-        <p:spPr>
+        </p:nvGrpSpPr>
+        <p:grpSpPr>
           <a:xfrm>
-            <a:off x="17673866" y="15239072"/>
-            <a:ext cx="3291840" cy="3291840"/>
+            <a:off x="2904265" y="12046468"/>
+            <a:ext cx="2618207" cy="2618207"/>
+            <a:chOff x="8120410" y="9515081"/>
+            <a:chExt cx="3291840" cy="3291840"/>
           </a:xfrm>
-          <a:prstGeom prst="ellipse">
-            <a:avLst/>
-          </a:prstGeom>
-          <a:solidFill>
-            <a:schemeClr val="bg1"/>
-          </a:solidFill>
-          <a:ln w="127000">
+        </p:grpSpPr>
+        <p:sp>
+          <p:nvSpPr>
+            <p:cNvPr id="63" name="Oval 62">
+              <a:extLst>
+                <a:ext uri="{FF2B5EF4-FFF2-40B4-BE49-F238E27FC236}">
+                  <a16:creationId xmlns:a16="http://schemas.microsoft.com/office/drawing/2014/main" id="{23A3018B-5A99-BC4D-8ACB-F4210513AFA7}"/>
+                </a:ext>
+              </a:extLst>
+            </p:cNvPr>
+            <p:cNvSpPr/>
+            <p:nvPr/>
+          </p:nvSpPr>
+          <p:spPr>
+            <a:xfrm>
+              <a:off x="8120410" y="9515081"/>
+              <a:ext cx="3291840" cy="3291840"/>
+            </a:xfrm>
+            <a:prstGeom prst="ellipse">
+              <a:avLst/>
+            </a:prstGeom>
             <a:solidFill>
-              <a:schemeClr val="accent3"/>
+              <a:schemeClr val="bg1"/>
             </a:solidFill>
-          </a:ln>
-        </p:spPr>
-        <p:style>
-          <a:lnRef idx="2">
-            <a:schemeClr val="accent1">
-              <a:shade val="50000"/>
-            </a:schemeClr>
-          </a:lnRef>
-          <a:fillRef idx="1">
-            <a:schemeClr val="accent1"/>
-          </a:fillRef>
-          <a:effectRef idx="0">
-            <a:schemeClr val="accent1"/>
-          </a:effectRef>
-          <a:fontRef idx="minor">
-            <a:schemeClr val="lt1"/>
-          </a:fontRef>
-        </p:style>
-        <p:txBody>
-          <a:bodyPr rtlCol="0" anchor="ctr"/>
-          <a:lstStyle/>
-          <a:p>
-            <a:pPr algn="ctr"/>
-            <a:endParaRPr lang="en-US" sz="3200">
+            <a:ln w="127000">
               <a:solidFill>
-                <a:schemeClr val="accent5">
-                  <a:lumMod val="50000"/>
-                </a:schemeClr>
+                <a:schemeClr val="accent2"/>
               </a:solidFill>
-              <a:latin typeface="Franklin Gothic Book" panose="020B0503020102020204" pitchFamily="34" charset="0"/>
-            </a:endParaRPr>
-          </a:p>
-          <a:p>
-            <a:pPr algn="ctr"/>
-            <a:endParaRPr lang="en-US" sz="3200">
-              <a:solidFill>
-                <a:schemeClr val="accent5">
-                  <a:lumMod val="50000"/>
-                </a:schemeClr>
-              </a:solidFill>
-              <a:latin typeface="Franklin Gothic Book" panose="020B0503020102020204" pitchFamily="34" charset="0"/>
-            </a:endParaRPr>
-          </a:p>
-          <a:p>
-            <a:pPr algn="ctr"/>
-            <a:endParaRPr lang="en-US" sz="3200">
-              <a:solidFill>
-                <a:schemeClr val="accent5">
-                  <a:lumMod val="50000"/>
-                </a:schemeClr>
-              </a:solidFill>
-              <a:latin typeface="Franklin Gothic Book" panose="020B0503020102020204" pitchFamily="34" charset="0"/>
-            </a:endParaRPr>
-          </a:p>
-          <a:p>
-            <a:pPr algn="ctr"/>
-            <a:endParaRPr lang="en-US" sz="8800">
-              <a:solidFill>
-                <a:schemeClr val="accent5">
-                  <a:lumMod val="50000"/>
-                </a:schemeClr>
-              </a:solidFill>
-              <a:latin typeface="Franklin Gothic Book" panose="020B0503020102020204" pitchFamily="34" charset="0"/>
-            </a:endParaRPr>
-          </a:p>
-          <a:p>
-            <a:pPr algn="ctr"/>
-            <a:endParaRPr lang="en-US" sz="8800">
-              <a:solidFill>
-                <a:schemeClr val="accent5">
-                  <a:lumMod val="50000"/>
-                </a:schemeClr>
-              </a:solidFill>
-              <a:latin typeface="Franklin Gothic Book" panose="020B0503020102020204" pitchFamily="34" charset="0"/>
-            </a:endParaRPr>
-          </a:p>
-          <a:p>
-            <a:pPr algn="ctr"/>
-            <a:endParaRPr lang="en-US" sz="3600">
-              <a:solidFill>
-                <a:schemeClr val="accent5">
-                  <a:lumMod val="50000"/>
-                </a:schemeClr>
-              </a:solidFill>
-              <a:latin typeface="Franklin Gothic Book" panose="020B0503020102020204" pitchFamily="34" charset="0"/>
-            </a:endParaRPr>
-          </a:p>
-          <a:p>
-            <a:pPr algn="ctr"/>
-            <a:endParaRPr lang="en-US" sz="3600">
-              <a:solidFill>
-                <a:schemeClr val="accent5">
-                  <a:lumMod val="50000"/>
-                </a:schemeClr>
-              </a:solidFill>
-              <a:latin typeface="Franklin Gothic Book" panose="020B0503020102020204" pitchFamily="34" charset="0"/>
-            </a:endParaRPr>
-          </a:p>
-          <a:p>
-            <a:pPr algn="ctr"/>
-            <a:r>
-              <a:rPr lang="en-US" sz="3600">
-                <a:solidFill>
-                  <a:schemeClr val="accent5">
-                    <a:lumMod val="50000"/>
-                  </a:schemeClr>
-                </a:solidFill>
-                <a:latin typeface="Franklin Gothic Book" panose="020B0503020102020204" pitchFamily="34" charset="0"/>
-              </a:rPr>
-              <a:t>Dashboard</a:t>
-            </a:r>
-          </a:p>
-          <a:p>
-            <a:pPr algn="ctr"/>
-            <a:endParaRPr lang="en-US" sz="2400">
-              <a:solidFill>
-                <a:schemeClr val="accent5">
-                  <a:lumMod val="50000"/>
-                </a:schemeClr>
-              </a:solidFill>
-              <a:latin typeface="Franklin Gothic Book" panose="020B0503020102020204" pitchFamily="34" charset="0"/>
-            </a:endParaRPr>
-          </a:p>
-          <a:p>
-            <a:pPr algn="ctr"/>
-            <a:endParaRPr lang="en-US" sz="2400">
-              <a:solidFill>
-                <a:schemeClr val="accent5">
-                  <a:lumMod val="50000"/>
-                </a:schemeClr>
-              </a:solidFill>
-              <a:latin typeface="Franklin Gothic Book" panose="020B0503020102020204" pitchFamily="34" charset="0"/>
-            </a:endParaRPr>
-          </a:p>
-          <a:p>
-            <a:pPr algn="ctr"/>
-            <a:endParaRPr lang="en-US" sz="2400">
-              <a:solidFill>
-                <a:schemeClr val="accent5">
-                  <a:lumMod val="50000"/>
-                </a:schemeClr>
-              </a:solidFill>
-              <a:latin typeface="Franklin Gothic Book" panose="020B0503020102020204" pitchFamily="34" charset="0"/>
-            </a:endParaRPr>
-          </a:p>
-          <a:p>
-            <a:pPr algn="ctr"/>
-            <a:endParaRPr lang="en-US" sz="2400">
-              <a:solidFill>
-                <a:schemeClr val="accent5">
-                  <a:lumMod val="50000"/>
-                </a:schemeClr>
-              </a:solidFill>
-              <a:latin typeface="Franklin Gothic Book" panose="020B0503020102020204" pitchFamily="34" charset="0"/>
-            </a:endParaRPr>
-          </a:p>
-          <a:p>
-            <a:pPr algn="ctr"/>
-            <a:endParaRPr lang="en-US" sz="2400">
-              <a:solidFill>
-                <a:schemeClr val="accent5">
-                  <a:lumMod val="50000"/>
-                </a:schemeClr>
-              </a:solidFill>
-              <a:latin typeface="Franklin Gothic Book" panose="020B0503020102020204" pitchFamily="34" charset="0"/>
-            </a:endParaRPr>
-          </a:p>
-          <a:p>
-            <a:pPr algn="ctr"/>
-            <a:endParaRPr lang="en-US" sz="2400">
-              <a:solidFill>
-                <a:schemeClr val="accent5">
-                  <a:lumMod val="50000"/>
-                </a:schemeClr>
-              </a:solidFill>
-              <a:latin typeface="Franklin Gothic Book" panose="020B0503020102020204" pitchFamily="34" charset="0"/>
-            </a:endParaRPr>
-          </a:p>
-          <a:p>
-            <a:pPr algn="ctr"/>
-            <a:endParaRPr lang="en-US" sz="2400">
-              <a:solidFill>
-                <a:schemeClr val="accent5">
-                  <a:lumMod val="50000"/>
-                </a:schemeClr>
-              </a:solidFill>
-              <a:latin typeface="Franklin Gothic Book" panose="020B0503020102020204" pitchFamily="34" charset="0"/>
-            </a:endParaRPr>
-          </a:p>
-          <a:p>
-            <a:pPr algn="ctr"/>
-            <a:endParaRPr lang="en-US" sz="2400">
-              <a:solidFill>
-                <a:schemeClr val="accent5">
-                  <a:lumMod val="50000"/>
-                </a:schemeClr>
-              </a:solidFill>
-              <a:latin typeface="Franklin Gothic Book" panose="020B0503020102020204" pitchFamily="34" charset="0"/>
-            </a:endParaRPr>
-          </a:p>
-          <a:p>
-            <a:pPr algn="ctr"/>
-            <a:endParaRPr lang="en-US" sz="2400">
-              <a:solidFill>
-                <a:schemeClr val="accent5">
-                  <a:lumMod val="50000"/>
-                </a:schemeClr>
-              </a:solidFill>
-              <a:latin typeface="Franklin Gothic Book" panose="020B0503020102020204" pitchFamily="34" charset="0"/>
-            </a:endParaRPr>
-          </a:p>
-          <a:p>
-            <a:pPr algn="ctr"/>
-            <a:endParaRPr lang="en-US" sz="2400">
-              <a:solidFill>
-                <a:schemeClr val="accent5">
-                  <a:lumMod val="50000"/>
-                </a:schemeClr>
-              </a:solidFill>
-              <a:latin typeface="Franklin Gothic Book" panose="020B0503020102020204" pitchFamily="34" charset="0"/>
-            </a:endParaRPr>
-          </a:p>
-          <a:p>
-            <a:pPr algn="ctr"/>
-            <a:endParaRPr lang="en-US" sz="2400">
-              <a:solidFill>
-                <a:schemeClr val="accent5">
-                  <a:lumMod val="50000"/>
-                </a:schemeClr>
-              </a:solidFill>
-              <a:latin typeface="Franklin Gothic Book" panose="020B0503020102020204" pitchFamily="34" charset="0"/>
-            </a:endParaRPr>
-          </a:p>
-          <a:p>
-            <a:pPr algn="ctr"/>
-            <a:endParaRPr lang="en-US" sz="2400">
-              <a:solidFill>
-                <a:schemeClr val="accent5">
-                  <a:lumMod val="50000"/>
-                </a:schemeClr>
-              </a:solidFill>
-              <a:latin typeface="Franklin Gothic Book" panose="020B0503020102020204" pitchFamily="34" charset="0"/>
-            </a:endParaRPr>
-          </a:p>
-          <a:p>
-            <a:pPr algn="ctr"/>
-            <a:endParaRPr lang="en-US" sz="2400">
-              <a:solidFill>
-                <a:schemeClr val="accent5">
-                  <a:lumMod val="50000"/>
-                </a:schemeClr>
-              </a:solidFill>
-              <a:latin typeface="Franklin Gothic Book" panose="020B0503020102020204" pitchFamily="34" charset="0"/>
-            </a:endParaRPr>
-          </a:p>
-          <a:p>
-            <a:pPr algn="ctr"/>
-            <a:endParaRPr lang="en-US" sz="2400">
-              <a:solidFill>
-                <a:schemeClr val="accent5">
-                  <a:lumMod val="50000"/>
-                </a:schemeClr>
-              </a:solidFill>
-              <a:latin typeface="Franklin Gothic Book" panose="020B0503020102020204" pitchFamily="34" charset="0"/>
-            </a:endParaRPr>
-          </a:p>
-          <a:p>
-            <a:pPr algn="ctr"/>
-            <a:endParaRPr lang="en-US" sz="2400">
-              <a:solidFill>
-                <a:schemeClr val="accent5">
-                  <a:lumMod val="50000"/>
-                </a:schemeClr>
-              </a:solidFill>
-              <a:latin typeface="Franklin Gothic Book" panose="020B0503020102020204" pitchFamily="34" charset="0"/>
-            </a:endParaRPr>
-          </a:p>
-          <a:p>
-            <a:pPr algn="ctr"/>
-            <a:endParaRPr lang="en-US" sz="2400">
-              <a:solidFill>
-                <a:schemeClr val="accent5">
-                  <a:lumMod val="50000"/>
-                </a:schemeClr>
-              </a:solidFill>
-              <a:latin typeface="Franklin Gothic Book" panose="020B0503020102020204" pitchFamily="34" charset="0"/>
-            </a:endParaRPr>
-          </a:p>
-          <a:p>
-            <a:pPr algn="ctr"/>
-            <a:endParaRPr lang="en-US" sz="2400">
-              <a:solidFill>
-                <a:schemeClr val="accent5">
-                  <a:lumMod val="50000"/>
-                </a:schemeClr>
-              </a:solidFill>
-              <a:latin typeface="Franklin Gothic Book" panose="020B0503020102020204" pitchFamily="34" charset="0"/>
-            </a:endParaRPr>
-          </a:p>
-          <a:p>
-            <a:pPr algn="ctr"/>
-            <a:endParaRPr lang="en-US" sz="3200">
-              <a:solidFill>
-                <a:schemeClr val="accent5">
-                  <a:lumMod val="50000"/>
-                </a:schemeClr>
-              </a:solidFill>
-              <a:latin typeface="Franklin Gothic Book" panose="020B0503020102020204" pitchFamily="34" charset="0"/>
-            </a:endParaRPr>
-          </a:p>
-        </p:txBody>
-      </p:sp>
-      <p:sp>
-        <p:nvSpPr>
-          <p:cNvPr id="22" name="Oval 21">
+            </a:ln>
+          </p:spPr>
+          <p:style>
+            <a:lnRef idx="2">
+              <a:schemeClr val="accent1">
+                <a:shade val="50000"/>
+              </a:schemeClr>
+            </a:lnRef>
+            <a:fillRef idx="1">
+              <a:schemeClr val="accent1"/>
+            </a:fillRef>
+            <a:effectRef idx="0">
+              <a:schemeClr val="accent1"/>
+            </a:effectRef>
+            <a:fontRef idx="minor">
+              <a:schemeClr val="lt1"/>
+            </a:fontRef>
+          </p:style>
+          <p:txBody>
+            <a:bodyPr rtlCol="0" anchor="ctr"/>
+            <a:lstStyle/>
+            <a:p>
+              <a:pPr algn="ctr"/>
+              <a:r>
+                <a:rPr lang="en-US" sz="2800" dirty="0">
+                  <a:solidFill>
+                    <a:srgbClr val="002060"/>
+                  </a:solidFill>
+                  <a:latin typeface="Franklin Gothic Book" panose="020B0503020102020204" pitchFamily="34" charset="0"/>
+                </a:rPr>
+                <a:t>Food</a:t>
+              </a:r>
+            </a:p>
+            <a:p>
+              <a:pPr algn="ctr"/>
+              <a:endParaRPr lang="en-US" sz="2400" dirty="0">
+                <a:solidFill>
+                  <a:schemeClr val="accent5">
+                    <a:lumMod val="50000"/>
+                  </a:schemeClr>
+                </a:solidFill>
+                <a:latin typeface="Franklin Gothic Book" panose="020B0503020102020204" pitchFamily="34" charset="0"/>
+              </a:endParaRPr>
+            </a:p>
+            <a:p>
+              <a:pPr algn="ctr"/>
+              <a:endParaRPr lang="en-US" sz="2400" dirty="0">
+                <a:solidFill>
+                  <a:schemeClr val="accent5">
+                    <a:lumMod val="50000"/>
+                  </a:schemeClr>
+                </a:solidFill>
+                <a:latin typeface="Franklin Gothic Book" panose="020B0503020102020204" pitchFamily="34" charset="0"/>
+              </a:endParaRPr>
+            </a:p>
+            <a:p>
+              <a:pPr algn="ctr"/>
+              <a:endParaRPr lang="en-US" sz="2400" dirty="0">
+                <a:solidFill>
+                  <a:schemeClr val="accent5">
+                    <a:lumMod val="50000"/>
+                  </a:schemeClr>
+                </a:solidFill>
+                <a:latin typeface="Franklin Gothic Book" panose="020B0503020102020204" pitchFamily="34" charset="0"/>
+              </a:endParaRPr>
+            </a:p>
+            <a:p>
+              <a:pPr algn="ctr"/>
+              <a:endParaRPr lang="en-US" sz="2400" dirty="0">
+                <a:solidFill>
+                  <a:schemeClr val="accent5">
+                    <a:lumMod val="50000"/>
+                  </a:schemeClr>
+                </a:solidFill>
+                <a:latin typeface="Franklin Gothic Book" panose="020B0503020102020204" pitchFamily="34" charset="0"/>
+              </a:endParaRPr>
+            </a:p>
+          </p:txBody>
+        </p:sp>
+        <p:pic>
+          <p:nvPicPr>
+            <p:cNvPr id="64" name="Graphic 63" descr="Grocery bag with solid fill">
+              <a:extLst>
+                <a:ext uri="{FF2B5EF4-FFF2-40B4-BE49-F238E27FC236}">
+                  <a16:creationId xmlns:a16="http://schemas.microsoft.com/office/drawing/2014/main" id="{FD3980BB-E91E-D44D-9835-42EFDA2CEC83}"/>
+                </a:ext>
+              </a:extLst>
+            </p:cNvPr>
+            <p:cNvPicPr>
+              <a:picLocks noChangeAspect="1"/>
+            </p:cNvPicPr>
+            <p:nvPr/>
+          </p:nvPicPr>
+          <p:blipFill>
+            <a:blip r:embed="rId6">
+              <a:extLst>
+                <a:ext uri="{96DAC541-7B7A-43D3-8B79-37D633B846F1}">
+                  <asvg:svgBlip xmlns:asvg="http://schemas.microsoft.com/office/drawing/2016/SVG/main" r:embed="rId7"/>
+                </a:ext>
+              </a:extLst>
+            </a:blip>
+            <a:stretch>
+              <a:fillRect/>
+            </a:stretch>
+          </p:blipFill>
+          <p:spPr>
+            <a:xfrm>
+              <a:off x="9080530" y="10689062"/>
+              <a:ext cx="1371600" cy="1371600"/>
+            </a:xfrm>
+            <a:prstGeom prst="rect">
+              <a:avLst/>
+            </a:prstGeom>
+          </p:spPr>
+        </p:pic>
+      </p:grpSp>
+      <p:grpSp>
+        <p:nvGrpSpPr>
+          <p:cNvPr id="65" name="Group 64">
             <a:extLst>
               <a:ext uri="{FF2B5EF4-FFF2-40B4-BE49-F238E27FC236}">
-                <a16:creationId xmlns:a16="http://schemas.microsoft.com/office/drawing/2014/main" id="{0E7FA94F-E716-4388-E989-CF06C689A476}"/>
+                <a16:creationId xmlns:a16="http://schemas.microsoft.com/office/drawing/2014/main" id="{F5E89722-450B-8D46-871B-FEE76AF82120}"/>
               </a:ext>
             </a:extLst>
           </p:cNvPr>
-          <p:cNvSpPr/>
+          <p:cNvGrpSpPr/>
           <p:nvPr/>
-        </p:nvSpPr>
-        <p:spPr>
+        </p:nvGrpSpPr>
+        <p:grpSpPr>
           <a:xfrm>
-            <a:off x="17814387" y="19005824"/>
-            <a:ext cx="3291840" cy="3291840"/>
+            <a:off x="7096219" y="9532021"/>
+            <a:ext cx="2619822" cy="2619822"/>
+            <a:chOff x="4097050" y="14726920"/>
+            <a:chExt cx="3291840" cy="3291840"/>
           </a:xfrm>
-          <a:prstGeom prst="ellipse">
-            <a:avLst/>
-          </a:prstGeom>
-          <a:solidFill>
-            <a:schemeClr val="bg1"/>
-          </a:solidFill>
-          <a:ln w="127000">
+        </p:grpSpPr>
+        <p:sp>
+          <p:nvSpPr>
+            <p:cNvPr id="66" name="Oval 65">
+              <a:extLst>
+                <a:ext uri="{FF2B5EF4-FFF2-40B4-BE49-F238E27FC236}">
+                  <a16:creationId xmlns:a16="http://schemas.microsoft.com/office/drawing/2014/main" id="{55C07DF8-8F5E-424D-9A63-50D2EE191717}"/>
+                </a:ext>
+              </a:extLst>
+            </p:cNvPr>
+            <p:cNvSpPr/>
+            <p:nvPr/>
+          </p:nvSpPr>
+          <p:spPr>
+            <a:xfrm>
+              <a:off x="4097050" y="14726920"/>
+              <a:ext cx="3291840" cy="3291840"/>
+            </a:xfrm>
+            <a:prstGeom prst="ellipse">
+              <a:avLst/>
+            </a:prstGeom>
             <a:solidFill>
-              <a:schemeClr val="accent3"/>
+              <a:schemeClr val="bg1"/>
             </a:solidFill>
-          </a:ln>
-        </p:spPr>
-        <p:style>
-          <a:lnRef idx="2">
-            <a:schemeClr val="accent1">
-              <a:shade val="50000"/>
-            </a:schemeClr>
-          </a:lnRef>
-          <a:fillRef idx="1">
-            <a:schemeClr val="accent1"/>
-          </a:fillRef>
-          <a:effectRef idx="0">
-            <a:schemeClr val="accent1"/>
-          </a:effectRef>
-          <a:fontRef idx="minor">
-            <a:schemeClr val="lt1"/>
-          </a:fontRef>
-        </p:style>
-        <p:txBody>
-          <a:bodyPr rtlCol="0" anchor="ctr"/>
-          <a:lstStyle/>
-          <a:p>
-            <a:pPr algn="ctr"/>
-            <a:endParaRPr lang="en-US" sz="3200" dirty="0">
+            <a:ln w="127000">
               <a:solidFill>
-                <a:schemeClr val="accent5">
-                  <a:lumMod val="50000"/>
-                </a:schemeClr>
+                <a:schemeClr val="accent2"/>
               </a:solidFill>
-              <a:latin typeface="Franklin Gothic Book" panose="020B0503020102020204" pitchFamily="34" charset="0"/>
-            </a:endParaRPr>
-          </a:p>
-          <a:p>
-            <a:pPr algn="ctr"/>
-            <a:endParaRPr lang="en-US" sz="3200" dirty="0">
-              <a:solidFill>
-                <a:schemeClr val="accent5">
-                  <a:lumMod val="50000"/>
-                </a:schemeClr>
-              </a:solidFill>
-              <a:latin typeface="Franklin Gothic Book" panose="020B0503020102020204" pitchFamily="34" charset="0"/>
-            </a:endParaRPr>
-          </a:p>
-          <a:p>
-            <a:pPr algn="ctr"/>
-            <a:endParaRPr lang="en-US" sz="3200" dirty="0">
-              <a:solidFill>
-                <a:schemeClr val="accent5">
-                  <a:lumMod val="50000"/>
-                </a:schemeClr>
-              </a:solidFill>
-              <a:latin typeface="Franklin Gothic Book" panose="020B0503020102020204" pitchFamily="34" charset="0"/>
-            </a:endParaRPr>
-          </a:p>
-          <a:p>
-            <a:pPr algn="ctr"/>
-            <a:endParaRPr lang="en-US" sz="8800" dirty="0">
-              <a:solidFill>
-                <a:schemeClr val="accent5">
-                  <a:lumMod val="50000"/>
-                </a:schemeClr>
-              </a:solidFill>
-              <a:latin typeface="Franklin Gothic Book" panose="020B0503020102020204" pitchFamily="34" charset="0"/>
-            </a:endParaRPr>
-          </a:p>
-          <a:p>
-            <a:pPr algn="ctr"/>
-            <a:endParaRPr lang="en-US" sz="8800" dirty="0">
-              <a:solidFill>
-                <a:schemeClr val="accent5">
-                  <a:lumMod val="50000"/>
-                </a:schemeClr>
-              </a:solidFill>
-              <a:latin typeface="Franklin Gothic Book" panose="020B0503020102020204" pitchFamily="34" charset="0"/>
-            </a:endParaRPr>
-          </a:p>
-          <a:p>
-            <a:pPr algn="ctr"/>
-            <a:endParaRPr lang="en-US" sz="3600" dirty="0">
-              <a:solidFill>
-                <a:schemeClr val="accent5">
-                  <a:lumMod val="50000"/>
-                </a:schemeClr>
-              </a:solidFill>
-              <a:latin typeface="Franklin Gothic Book" panose="020B0503020102020204" pitchFamily="34" charset="0"/>
-            </a:endParaRPr>
-          </a:p>
-          <a:p>
-            <a:pPr algn="ctr"/>
-            <a:endParaRPr lang="en-US" sz="3600" dirty="0">
-              <a:solidFill>
-                <a:schemeClr val="accent5">
-                  <a:lumMod val="50000"/>
-                </a:schemeClr>
-              </a:solidFill>
-              <a:latin typeface="Franklin Gothic Book" panose="020B0503020102020204" pitchFamily="34" charset="0"/>
-            </a:endParaRPr>
-          </a:p>
-          <a:p>
-            <a:pPr algn="ctr"/>
-            <a:r>
-              <a:rPr lang="en-US" sz="3600" dirty="0">
-                <a:solidFill>
-                  <a:schemeClr val="accent5">
-                    <a:lumMod val="50000"/>
-                  </a:schemeClr>
-                </a:solidFill>
-                <a:latin typeface="Franklin Gothic Book" panose="020B0503020102020204" pitchFamily="34" charset="0"/>
-              </a:rPr>
-              <a:t>API</a:t>
-            </a:r>
-          </a:p>
-          <a:p>
-            <a:pPr algn="ctr"/>
-            <a:endParaRPr lang="en-US" sz="2400" dirty="0">
-              <a:solidFill>
-                <a:schemeClr val="accent5">
-                  <a:lumMod val="50000"/>
-                </a:schemeClr>
-              </a:solidFill>
-              <a:latin typeface="Franklin Gothic Book" panose="020B0503020102020204" pitchFamily="34" charset="0"/>
-            </a:endParaRPr>
-          </a:p>
-          <a:p>
-            <a:pPr algn="ctr"/>
-            <a:endParaRPr lang="en-US" sz="2400" dirty="0">
-              <a:solidFill>
-                <a:schemeClr val="accent5">
-                  <a:lumMod val="50000"/>
-                </a:schemeClr>
-              </a:solidFill>
-              <a:latin typeface="Franklin Gothic Book" panose="020B0503020102020204" pitchFamily="34" charset="0"/>
-            </a:endParaRPr>
-          </a:p>
-          <a:p>
-            <a:pPr algn="ctr"/>
-            <a:endParaRPr lang="en-US" sz="2400" dirty="0">
-              <a:solidFill>
-                <a:schemeClr val="accent5">
-                  <a:lumMod val="50000"/>
-                </a:schemeClr>
-              </a:solidFill>
-              <a:latin typeface="Franklin Gothic Book" panose="020B0503020102020204" pitchFamily="34" charset="0"/>
-            </a:endParaRPr>
-          </a:p>
-          <a:p>
-            <a:pPr algn="ctr"/>
-            <a:endParaRPr lang="en-US" sz="2400" dirty="0">
-              <a:solidFill>
-                <a:schemeClr val="accent5">
-                  <a:lumMod val="50000"/>
-                </a:schemeClr>
-              </a:solidFill>
-              <a:latin typeface="Franklin Gothic Book" panose="020B0503020102020204" pitchFamily="34" charset="0"/>
-            </a:endParaRPr>
-          </a:p>
-          <a:p>
-            <a:pPr algn="ctr"/>
-            <a:endParaRPr lang="en-US" sz="2400" dirty="0">
-              <a:solidFill>
-                <a:schemeClr val="accent5">
-                  <a:lumMod val="50000"/>
-                </a:schemeClr>
-              </a:solidFill>
-              <a:latin typeface="Franklin Gothic Book" panose="020B0503020102020204" pitchFamily="34" charset="0"/>
-            </a:endParaRPr>
-          </a:p>
-          <a:p>
-            <a:pPr algn="ctr"/>
-            <a:endParaRPr lang="en-US" sz="2400" dirty="0">
-              <a:solidFill>
-                <a:schemeClr val="accent5">
-                  <a:lumMod val="50000"/>
-                </a:schemeClr>
-              </a:solidFill>
-              <a:latin typeface="Franklin Gothic Book" panose="020B0503020102020204" pitchFamily="34" charset="0"/>
-            </a:endParaRPr>
-          </a:p>
-          <a:p>
-            <a:pPr algn="ctr"/>
-            <a:endParaRPr lang="en-US" sz="2400" dirty="0">
-              <a:solidFill>
-                <a:schemeClr val="accent5">
-                  <a:lumMod val="50000"/>
-                </a:schemeClr>
-              </a:solidFill>
-              <a:latin typeface="Franklin Gothic Book" panose="020B0503020102020204" pitchFamily="34" charset="0"/>
-            </a:endParaRPr>
-          </a:p>
-          <a:p>
-            <a:pPr algn="ctr"/>
-            <a:endParaRPr lang="en-US" sz="2400" dirty="0">
-              <a:solidFill>
-                <a:schemeClr val="accent5">
-                  <a:lumMod val="50000"/>
-                </a:schemeClr>
-              </a:solidFill>
-              <a:latin typeface="Franklin Gothic Book" panose="020B0503020102020204" pitchFamily="34" charset="0"/>
-            </a:endParaRPr>
-          </a:p>
-          <a:p>
-            <a:pPr algn="ctr"/>
-            <a:endParaRPr lang="en-US" sz="2400" dirty="0">
-              <a:solidFill>
-                <a:schemeClr val="accent5">
-                  <a:lumMod val="50000"/>
-                </a:schemeClr>
-              </a:solidFill>
-              <a:latin typeface="Franklin Gothic Book" panose="020B0503020102020204" pitchFamily="34" charset="0"/>
-            </a:endParaRPr>
-          </a:p>
-          <a:p>
-            <a:pPr algn="ctr"/>
-            <a:endParaRPr lang="en-US" sz="2400" dirty="0">
-              <a:solidFill>
-                <a:schemeClr val="accent5">
-                  <a:lumMod val="50000"/>
-                </a:schemeClr>
-              </a:solidFill>
-              <a:latin typeface="Franklin Gothic Book" panose="020B0503020102020204" pitchFamily="34" charset="0"/>
-            </a:endParaRPr>
-          </a:p>
-          <a:p>
-            <a:pPr algn="ctr"/>
-            <a:endParaRPr lang="en-US" sz="2400" dirty="0">
-              <a:solidFill>
-                <a:schemeClr val="accent5">
-                  <a:lumMod val="50000"/>
-                </a:schemeClr>
-              </a:solidFill>
-              <a:latin typeface="Franklin Gothic Book" panose="020B0503020102020204" pitchFamily="34" charset="0"/>
-            </a:endParaRPr>
-          </a:p>
-          <a:p>
-            <a:pPr algn="ctr"/>
-            <a:endParaRPr lang="en-US" sz="2400" dirty="0">
-              <a:solidFill>
-                <a:schemeClr val="accent5">
-                  <a:lumMod val="50000"/>
-                </a:schemeClr>
-              </a:solidFill>
-              <a:latin typeface="Franklin Gothic Book" panose="020B0503020102020204" pitchFamily="34" charset="0"/>
-            </a:endParaRPr>
-          </a:p>
-          <a:p>
-            <a:pPr algn="ctr"/>
-            <a:endParaRPr lang="en-US" sz="2400" dirty="0">
-              <a:solidFill>
-                <a:schemeClr val="accent5">
-                  <a:lumMod val="50000"/>
-                </a:schemeClr>
-              </a:solidFill>
-              <a:latin typeface="Franklin Gothic Book" panose="020B0503020102020204" pitchFamily="34" charset="0"/>
-            </a:endParaRPr>
-          </a:p>
-          <a:p>
-            <a:pPr algn="ctr"/>
-            <a:endParaRPr lang="en-US" sz="2400" dirty="0">
-              <a:solidFill>
-                <a:schemeClr val="accent5">
-                  <a:lumMod val="50000"/>
-                </a:schemeClr>
-              </a:solidFill>
-              <a:latin typeface="Franklin Gothic Book" panose="020B0503020102020204" pitchFamily="34" charset="0"/>
-            </a:endParaRPr>
-          </a:p>
-          <a:p>
-            <a:pPr algn="ctr"/>
-            <a:endParaRPr lang="en-US" sz="2400" dirty="0">
-              <a:solidFill>
-                <a:schemeClr val="accent5">
-                  <a:lumMod val="50000"/>
-                </a:schemeClr>
-              </a:solidFill>
-              <a:latin typeface="Franklin Gothic Book" panose="020B0503020102020204" pitchFamily="34" charset="0"/>
-            </a:endParaRPr>
-          </a:p>
-          <a:p>
-            <a:pPr algn="ctr"/>
-            <a:endParaRPr lang="en-US" sz="2400" dirty="0">
-              <a:solidFill>
-                <a:schemeClr val="accent5">
-                  <a:lumMod val="50000"/>
-                </a:schemeClr>
-              </a:solidFill>
-              <a:latin typeface="Franklin Gothic Book" panose="020B0503020102020204" pitchFamily="34" charset="0"/>
-            </a:endParaRPr>
-          </a:p>
-          <a:p>
-            <a:pPr algn="ctr"/>
-            <a:endParaRPr lang="en-US" sz="2400" dirty="0">
-              <a:solidFill>
-                <a:schemeClr val="accent5">
-                  <a:lumMod val="50000"/>
-                </a:schemeClr>
-              </a:solidFill>
-              <a:latin typeface="Franklin Gothic Book" panose="020B0503020102020204" pitchFamily="34" charset="0"/>
-            </a:endParaRPr>
-          </a:p>
-          <a:p>
-            <a:pPr algn="ctr"/>
-            <a:endParaRPr lang="en-US" sz="3200" dirty="0">
-              <a:solidFill>
-                <a:schemeClr val="accent5">
-                  <a:lumMod val="50000"/>
-                </a:schemeClr>
-              </a:solidFill>
-              <a:latin typeface="Franklin Gothic Book" panose="020B0503020102020204" pitchFamily="34" charset="0"/>
-            </a:endParaRPr>
-          </a:p>
-        </p:txBody>
-      </p:sp>
-      <p:sp>
-        <p:nvSpPr>
-          <p:cNvPr id="23" name="Oval 22">
+            </a:ln>
+          </p:spPr>
+          <p:style>
+            <a:lnRef idx="2">
+              <a:schemeClr val="accent1">
+                <a:shade val="50000"/>
+              </a:schemeClr>
+            </a:lnRef>
+            <a:fillRef idx="1">
+              <a:schemeClr val="accent1"/>
+            </a:fillRef>
+            <a:effectRef idx="0">
+              <a:schemeClr val="accent1"/>
+            </a:effectRef>
+            <a:fontRef idx="minor">
+              <a:schemeClr val="lt1"/>
+            </a:fontRef>
+          </p:style>
+          <p:txBody>
+            <a:bodyPr rtlCol="0" anchor="ctr"/>
+            <a:lstStyle/>
+            <a:p>
+              <a:pPr algn="ctr"/>
+              <a:endParaRPr lang="en-US" sz="3200" dirty="0">
+                <a:solidFill>
+                  <a:schemeClr val="accent5">
+                    <a:lumMod val="50000"/>
+                  </a:schemeClr>
+                </a:solidFill>
+                <a:latin typeface="Franklin Gothic Book" panose="020B0503020102020204" pitchFamily="34" charset="0"/>
+              </a:endParaRPr>
+            </a:p>
+            <a:p>
+              <a:pPr algn="ctr"/>
+              <a:endParaRPr lang="en-US" sz="3200" dirty="0">
+                <a:solidFill>
+                  <a:schemeClr val="accent5">
+                    <a:lumMod val="50000"/>
+                  </a:schemeClr>
+                </a:solidFill>
+                <a:latin typeface="Franklin Gothic Book" panose="020B0503020102020204" pitchFamily="34" charset="0"/>
+              </a:endParaRPr>
+            </a:p>
+            <a:p>
+              <a:pPr algn="ctr"/>
+              <a:endParaRPr lang="en-US" sz="3200" dirty="0">
+                <a:solidFill>
+                  <a:schemeClr val="accent5">
+                    <a:lumMod val="50000"/>
+                  </a:schemeClr>
+                </a:solidFill>
+                <a:latin typeface="Franklin Gothic Book" panose="020B0503020102020204" pitchFamily="34" charset="0"/>
+              </a:endParaRPr>
+            </a:p>
+            <a:p>
+              <a:pPr algn="ctr"/>
+              <a:endParaRPr lang="en-US" sz="8800" dirty="0">
+                <a:solidFill>
+                  <a:schemeClr val="accent5">
+                    <a:lumMod val="50000"/>
+                  </a:schemeClr>
+                </a:solidFill>
+                <a:latin typeface="Franklin Gothic Book" panose="020B0503020102020204" pitchFamily="34" charset="0"/>
+              </a:endParaRPr>
+            </a:p>
+            <a:p>
+              <a:pPr algn="ctr"/>
+              <a:endParaRPr lang="en-US" sz="8800" dirty="0">
+                <a:solidFill>
+                  <a:schemeClr val="accent5">
+                    <a:lumMod val="50000"/>
+                  </a:schemeClr>
+                </a:solidFill>
+                <a:latin typeface="Franklin Gothic Book" panose="020B0503020102020204" pitchFamily="34" charset="0"/>
+              </a:endParaRPr>
+            </a:p>
+            <a:p>
+              <a:pPr algn="ctr"/>
+              <a:endParaRPr lang="en-US" sz="3600" dirty="0">
+                <a:solidFill>
+                  <a:schemeClr val="accent5">
+                    <a:lumMod val="50000"/>
+                  </a:schemeClr>
+                </a:solidFill>
+                <a:latin typeface="Franklin Gothic Book" panose="020B0503020102020204" pitchFamily="34" charset="0"/>
+              </a:endParaRPr>
+            </a:p>
+            <a:p>
+              <a:pPr algn="ctr"/>
+              <a:endParaRPr lang="en-US" sz="2800" dirty="0">
+                <a:solidFill>
+                  <a:srgbClr val="002060"/>
+                </a:solidFill>
+                <a:latin typeface="Franklin Gothic Book" panose="020B0503020102020204" pitchFamily="34" charset="0"/>
+              </a:endParaRPr>
+            </a:p>
+            <a:p>
+              <a:pPr algn="ctr"/>
+              <a:endParaRPr lang="en-US" sz="2800" dirty="0">
+                <a:solidFill>
+                  <a:srgbClr val="002060"/>
+                </a:solidFill>
+                <a:latin typeface="Franklin Gothic Book" panose="020B0503020102020204" pitchFamily="34" charset="0"/>
+              </a:endParaRPr>
+            </a:p>
+            <a:p>
+              <a:pPr algn="ctr"/>
+              <a:r>
+                <a:rPr lang="en-US" sz="2800" dirty="0">
+                  <a:solidFill>
+                    <a:srgbClr val="002060"/>
+                  </a:solidFill>
+                  <a:latin typeface="Franklin Gothic Book" panose="020B0503020102020204" pitchFamily="34" charset="0"/>
+                </a:rPr>
+                <a:t>Health</a:t>
+              </a:r>
+            </a:p>
+            <a:p>
+              <a:pPr algn="ctr"/>
+              <a:endParaRPr lang="en-US" sz="2400" dirty="0">
+                <a:solidFill>
+                  <a:schemeClr val="accent5">
+                    <a:lumMod val="50000"/>
+                  </a:schemeClr>
+                </a:solidFill>
+                <a:latin typeface="Franklin Gothic Book" panose="020B0503020102020204" pitchFamily="34" charset="0"/>
+              </a:endParaRPr>
+            </a:p>
+            <a:p>
+              <a:pPr algn="ctr"/>
+              <a:endParaRPr lang="en-US" sz="2400" dirty="0">
+                <a:solidFill>
+                  <a:schemeClr val="accent5">
+                    <a:lumMod val="50000"/>
+                  </a:schemeClr>
+                </a:solidFill>
+                <a:latin typeface="Franklin Gothic Book" panose="020B0503020102020204" pitchFamily="34" charset="0"/>
+              </a:endParaRPr>
+            </a:p>
+            <a:p>
+              <a:pPr algn="ctr"/>
+              <a:endParaRPr lang="en-US" sz="2400" dirty="0">
+                <a:solidFill>
+                  <a:schemeClr val="accent5">
+                    <a:lumMod val="50000"/>
+                  </a:schemeClr>
+                </a:solidFill>
+                <a:latin typeface="Franklin Gothic Book" panose="020B0503020102020204" pitchFamily="34" charset="0"/>
+              </a:endParaRPr>
+            </a:p>
+            <a:p>
+              <a:pPr algn="ctr"/>
+              <a:endParaRPr lang="en-US" sz="2400" dirty="0">
+                <a:solidFill>
+                  <a:schemeClr val="accent5">
+                    <a:lumMod val="50000"/>
+                  </a:schemeClr>
+                </a:solidFill>
+                <a:latin typeface="Franklin Gothic Book" panose="020B0503020102020204" pitchFamily="34" charset="0"/>
+              </a:endParaRPr>
+            </a:p>
+            <a:p>
+              <a:pPr algn="ctr"/>
+              <a:endParaRPr lang="en-US" sz="2400" dirty="0">
+                <a:solidFill>
+                  <a:schemeClr val="accent5">
+                    <a:lumMod val="50000"/>
+                  </a:schemeClr>
+                </a:solidFill>
+                <a:latin typeface="Franklin Gothic Book" panose="020B0503020102020204" pitchFamily="34" charset="0"/>
+              </a:endParaRPr>
+            </a:p>
+            <a:p>
+              <a:pPr algn="ctr"/>
+              <a:endParaRPr lang="en-US" sz="2400" dirty="0">
+                <a:solidFill>
+                  <a:schemeClr val="accent5">
+                    <a:lumMod val="50000"/>
+                  </a:schemeClr>
+                </a:solidFill>
+                <a:latin typeface="Franklin Gothic Book" panose="020B0503020102020204" pitchFamily="34" charset="0"/>
+              </a:endParaRPr>
+            </a:p>
+            <a:p>
+              <a:pPr algn="ctr"/>
+              <a:endParaRPr lang="en-US" sz="2400" dirty="0">
+                <a:solidFill>
+                  <a:schemeClr val="accent5">
+                    <a:lumMod val="50000"/>
+                  </a:schemeClr>
+                </a:solidFill>
+                <a:latin typeface="Franklin Gothic Book" panose="020B0503020102020204" pitchFamily="34" charset="0"/>
+              </a:endParaRPr>
+            </a:p>
+            <a:p>
+              <a:pPr algn="ctr"/>
+              <a:endParaRPr lang="en-US" sz="2400" dirty="0">
+                <a:solidFill>
+                  <a:schemeClr val="accent5">
+                    <a:lumMod val="50000"/>
+                  </a:schemeClr>
+                </a:solidFill>
+                <a:latin typeface="Franklin Gothic Book" panose="020B0503020102020204" pitchFamily="34" charset="0"/>
+              </a:endParaRPr>
+            </a:p>
+            <a:p>
+              <a:pPr algn="ctr"/>
+              <a:endParaRPr lang="en-US" sz="2400" dirty="0">
+                <a:solidFill>
+                  <a:schemeClr val="accent5">
+                    <a:lumMod val="50000"/>
+                  </a:schemeClr>
+                </a:solidFill>
+                <a:latin typeface="Franklin Gothic Book" panose="020B0503020102020204" pitchFamily="34" charset="0"/>
+              </a:endParaRPr>
+            </a:p>
+            <a:p>
+              <a:pPr algn="ctr"/>
+              <a:endParaRPr lang="en-US" sz="2400" dirty="0">
+                <a:solidFill>
+                  <a:schemeClr val="accent5">
+                    <a:lumMod val="50000"/>
+                  </a:schemeClr>
+                </a:solidFill>
+                <a:latin typeface="Franklin Gothic Book" panose="020B0503020102020204" pitchFamily="34" charset="0"/>
+              </a:endParaRPr>
+            </a:p>
+            <a:p>
+              <a:pPr algn="ctr"/>
+              <a:endParaRPr lang="en-US" sz="2400" dirty="0">
+                <a:solidFill>
+                  <a:schemeClr val="accent5">
+                    <a:lumMod val="50000"/>
+                  </a:schemeClr>
+                </a:solidFill>
+                <a:latin typeface="Franklin Gothic Book" panose="020B0503020102020204" pitchFamily="34" charset="0"/>
+              </a:endParaRPr>
+            </a:p>
+            <a:p>
+              <a:pPr algn="ctr"/>
+              <a:endParaRPr lang="en-US" sz="2400" dirty="0">
+                <a:solidFill>
+                  <a:schemeClr val="accent5">
+                    <a:lumMod val="50000"/>
+                  </a:schemeClr>
+                </a:solidFill>
+                <a:latin typeface="Franklin Gothic Book" panose="020B0503020102020204" pitchFamily="34" charset="0"/>
+              </a:endParaRPr>
+            </a:p>
+            <a:p>
+              <a:pPr algn="ctr"/>
+              <a:endParaRPr lang="en-US" sz="2400" dirty="0">
+                <a:solidFill>
+                  <a:schemeClr val="accent5">
+                    <a:lumMod val="50000"/>
+                  </a:schemeClr>
+                </a:solidFill>
+                <a:latin typeface="Franklin Gothic Book" panose="020B0503020102020204" pitchFamily="34" charset="0"/>
+              </a:endParaRPr>
+            </a:p>
+            <a:p>
+              <a:pPr algn="ctr"/>
+              <a:endParaRPr lang="en-US" sz="2400" dirty="0">
+                <a:solidFill>
+                  <a:schemeClr val="accent5">
+                    <a:lumMod val="50000"/>
+                  </a:schemeClr>
+                </a:solidFill>
+                <a:latin typeface="Franklin Gothic Book" panose="020B0503020102020204" pitchFamily="34" charset="0"/>
+              </a:endParaRPr>
+            </a:p>
+            <a:p>
+              <a:pPr algn="ctr"/>
+              <a:endParaRPr lang="en-US" sz="2400" dirty="0">
+                <a:solidFill>
+                  <a:schemeClr val="accent5">
+                    <a:lumMod val="50000"/>
+                  </a:schemeClr>
+                </a:solidFill>
+                <a:latin typeface="Franklin Gothic Book" panose="020B0503020102020204" pitchFamily="34" charset="0"/>
+              </a:endParaRPr>
+            </a:p>
+            <a:p>
+              <a:pPr algn="ctr"/>
+              <a:endParaRPr lang="en-US" sz="2400" dirty="0">
+                <a:solidFill>
+                  <a:schemeClr val="accent5">
+                    <a:lumMod val="50000"/>
+                  </a:schemeClr>
+                </a:solidFill>
+                <a:latin typeface="Franklin Gothic Book" panose="020B0503020102020204" pitchFamily="34" charset="0"/>
+              </a:endParaRPr>
+            </a:p>
+            <a:p>
+              <a:pPr algn="ctr"/>
+              <a:endParaRPr lang="en-US" sz="2400" dirty="0">
+                <a:solidFill>
+                  <a:schemeClr val="accent5">
+                    <a:lumMod val="50000"/>
+                  </a:schemeClr>
+                </a:solidFill>
+                <a:latin typeface="Franklin Gothic Book" panose="020B0503020102020204" pitchFamily="34" charset="0"/>
+              </a:endParaRPr>
+            </a:p>
+            <a:p>
+              <a:pPr algn="ctr"/>
+              <a:endParaRPr lang="en-US" sz="3200" dirty="0">
+                <a:solidFill>
+                  <a:schemeClr val="accent5">
+                    <a:lumMod val="50000"/>
+                  </a:schemeClr>
+                </a:solidFill>
+                <a:latin typeface="Franklin Gothic Book" panose="020B0503020102020204" pitchFamily="34" charset="0"/>
+              </a:endParaRPr>
+            </a:p>
+          </p:txBody>
+        </p:sp>
+        <p:pic>
+          <p:nvPicPr>
+            <p:cNvPr id="67" name="Graphic 66" descr="Stethoscope with solid fill">
+              <a:extLst>
+                <a:ext uri="{FF2B5EF4-FFF2-40B4-BE49-F238E27FC236}">
+                  <a16:creationId xmlns:a16="http://schemas.microsoft.com/office/drawing/2014/main" id="{409C5F1F-328D-0341-B385-D4C95C909CB3}"/>
+                </a:ext>
+              </a:extLst>
+            </p:cNvPr>
+            <p:cNvPicPr>
+              <a:picLocks noChangeAspect="1"/>
+            </p:cNvPicPr>
+            <p:nvPr/>
+          </p:nvPicPr>
+          <p:blipFill>
+            <a:blip r:embed="rId25">
+              <a:extLst>
+                <a:ext uri="{96DAC541-7B7A-43D3-8B79-37D633B846F1}">
+                  <asvg:svgBlip xmlns:asvg="http://schemas.microsoft.com/office/drawing/2016/SVG/main" r:embed="rId26"/>
+                </a:ext>
+              </a:extLst>
+            </a:blip>
+            <a:stretch>
+              <a:fillRect/>
+            </a:stretch>
+          </p:blipFill>
+          <p:spPr>
+            <a:xfrm>
+              <a:off x="5102257" y="16076373"/>
+              <a:ext cx="1371600" cy="1371600"/>
+            </a:xfrm>
+            <a:prstGeom prst="rect">
+              <a:avLst/>
+            </a:prstGeom>
+          </p:spPr>
+        </p:pic>
+      </p:grpSp>
+      <p:grpSp>
+        <p:nvGrpSpPr>
+          <p:cNvPr id="68" name="Group 67">
             <a:extLst>
               <a:ext uri="{FF2B5EF4-FFF2-40B4-BE49-F238E27FC236}">
-                <a16:creationId xmlns:a16="http://schemas.microsoft.com/office/drawing/2014/main" id="{5BE9CF58-28FD-413E-1270-73DEB410BBF5}"/>
+                <a16:creationId xmlns:a16="http://schemas.microsoft.com/office/drawing/2014/main" id="{CB24EB37-469F-144D-9452-AA69A4CFD653}"/>
               </a:ext>
             </a:extLst>
           </p:cNvPr>
-          <p:cNvSpPr/>
+          <p:cNvGrpSpPr/>
           <p:nvPr/>
-        </p:nvSpPr>
-        <p:spPr>
+        </p:nvGrpSpPr>
+        <p:grpSpPr>
           <a:xfrm>
-            <a:off x="3027989" y="22660587"/>
-            <a:ext cx="4622698" cy="4622698"/>
+            <a:off x="9985083" y="10317502"/>
+            <a:ext cx="2618207" cy="2618207"/>
+            <a:chOff x="14810960" y="8759016"/>
+            <a:chExt cx="3291840" cy="3291840"/>
           </a:xfrm>
-          <a:prstGeom prst="ellipse">
-            <a:avLst/>
-          </a:prstGeom>
-          <a:solidFill>
-            <a:schemeClr val="bg1"/>
-          </a:solidFill>
-          <a:ln w="127000">
+        </p:grpSpPr>
+        <p:sp>
+          <p:nvSpPr>
+            <p:cNvPr id="69" name="Oval 68">
+              <a:extLst>
+                <a:ext uri="{FF2B5EF4-FFF2-40B4-BE49-F238E27FC236}">
+                  <a16:creationId xmlns:a16="http://schemas.microsoft.com/office/drawing/2014/main" id="{C43DB76C-326A-8B45-820A-9C9782B96568}"/>
+                </a:ext>
+              </a:extLst>
+            </p:cNvPr>
+            <p:cNvSpPr/>
+            <p:nvPr/>
+          </p:nvSpPr>
+          <p:spPr>
+            <a:xfrm>
+              <a:off x="14810960" y="8759016"/>
+              <a:ext cx="3291840" cy="3291840"/>
+            </a:xfrm>
+            <a:prstGeom prst="ellipse">
+              <a:avLst/>
+            </a:prstGeom>
             <a:solidFill>
-              <a:schemeClr val="accent5">
-                <a:lumMod val="50000"/>
+              <a:schemeClr val="bg1"/>
+            </a:solidFill>
+            <a:ln w="127000">
+              <a:solidFill>
+                <a:schemeClr val="accent2"/>
+              </a:solidFill>
+            </a:ln>
+          </p:spPr>
+          <p:style>
+            <a:lnRef idx="2">
+              <a:schemeClr val="accent1">
+                <a:shade val="50000"/>
               </a:schemeClr>
-            </a:solidFill>
-          </a:ln>
-        </p:spPr>
-        <p:style>
-          <a:lnRef idx="2">
-            <a:schemeClr val="accent1">
-              <a:shade val="50000"/>
-            </a:schemeClr>
-          </a:lnRef>
-          <a:fillRef idx="1">
-            <a:schemeClr val="accent1"/>
-          </a:fillRef>
-          <a:effectRef idx="0">
-            <a:schemeClr val="accent1"/>
-          </a:effectRef>
-          <a:fontRef idx="minor">
-            <a:schemeClr val="lt1"/>
-          </a:fontRef>
-        </p:style>
-        <p:txBody>
-          <a:bodyPr lIns="0" tIns="0" rIns="0" bIns="0" rtlCol="0" anchor="ctr"/>
-          <a:lstStyle/>
-          <a:p>
-            <a:pPr algn="ctr"/>
-            <a:endParaRPr lang="en-US" sz="3200">
-              <a:solidFill>
-                <a:schemeClr val="accent5">
-                  <a:lumMod val="50000"/>
-                </a:schemeClr>
-              </a:solidFill>
-              <a:latin typeface="Franklin Gothic Book" panose="020B0503020102020204" pitchFamily="34" charset="0"/>
-            </a:endParaRPr>
-          </a:p>
-          <a:p>
-            <a:pPr algn="ctr"/>
-            <a:endParaRPr lang="en-US" sz="3200">
-              <a:solidFill>
-                <a:schemeClr val="accent5">
-                  <a:lumMod val="50000"/>
-                </a:schemeClr>
-              </a:solidFill>
-              <a:latin typeface="Franklin Gothic Book" panose="020B0503020102020204" pitchFamily="34" charset="0"/>
-            </a:endParaRPr>
-          </a:p>
-          <a:p>
-            <a:pPr algn="ctr"/>
-            <a:endParaRPr lang="en-US" sz="3200">
-              <a:solidFill>
-                <a:schemeClr val="accent5">
-                  <a:lumMod val="50000"/>
-                </a:schemeClr>
-              </a:solidFill>
-              <a:latin typeface="Franklin Gothic Book" panose="020B0503020102020204" pitchFamily="34" charset="0"/>
-            </a:endParaRPr>
-          </a:p>
-          <a:p>
-            <a:pPr algn="ctr"/>
-            <a:endParaRPr lang="en-US" sz="8800">
-              <a:solidFill>
-                <a:schemeClr val="accent5">
-                  <a:lumMod val="50000"/>
-                </a:schemeClr>
-              </a:solidFill>
-              <a:latin typeface="Franklin Gothic Book" panose="020B0503020102020204" pitchFamily="34" charset="0"/>
-            </a:endParaRPr>
-          </a:p>
-          <a:p>
-            <a:pPr algn="ctr"/>
-            <a:endParaRPr lang="en-US" sz="8800">
-              <a:solidFill>
-                <a:schemeClr val="accent5">
-                  <a:lumMod val="50000"/>
-                </a:schemeClr>
-              </a:solidFill>
-              <a:latin typeface="Franklin Gothic Book" panose="020B0503020102020204" pitchFamily="34" charset="0"/>
-            </a:endParaRPr>
-          </a:p>
-          <a:p>
-            <a:pPr algn="ctr"/>
-            <a:endParaRPr lang="en-US" sz="5400">
-              <a:solidFill>
-                <a:schemeClr val="accent5">
-                  <a:lumMod val="50000"/>
-                </a:schemeClr>
-              </a:solidFill>
-              <a:latin typeface="Franklin Gothic Book" panose="020B0503020102020204" pitchFamily="34" charset="0"/>
-            </a:endParaRPr>
-          </a:p>
-          <a:p>
-            <a:pPr algn="ctr"/>
-            <a:endParaRPr lang="en-US" sz="3600">
-              <a:solidFill>
-                <a:schemeClr val="bg1"/>
-              </a:solidFill>
-              <a:latin typeface="Franklin Gothic Book" panose="020B0503020102020204" pitchFamily="34" charset="0"/>
-            </a:endParaRPr>
-          </a:p>
-          <a:p>
-            <a:pPr algn="ctr"/>
-            <a:r>
-              <a:rPr lang="en-US" sz="3600">
-                <a:solidFill>
-                  <a:schemeClr val="accent5">
-                    <a:lumMod val="50000"/>
-                  </a:schemeClr>
-                </a:solidFill>
-                <a:latin typeface="Franklin Gothic Book" panose="020B0503020102020204" pitchFamily="34" charset="0"/>
-              </a:rPr>
-              <a:t>Catchment areas</a:t>
-            </a:r>
-          </a:p>
-          <a:p>
-            <a:pPr algn="ctr"/>
-            <a:endParaRPr lang="en-US" sz="2400">
-              <a:solidFill>
-                <a:schemeClr val="accent5">
-                  <a:lumMod val="50000"/>
-                </a:schemeClr>
-              </a:solidFill>
-              <a:latin typeface="Franklin Gothic Book" panose="020B0503020102020204" pitchFamily="34" charset="0"/>
-            </a:endParaRPr>
-          </a:p>
-          <a:p>
-            <a:pPr algn="ctr"/>
-            <a:endParaRPr lang="en-US" sz="2400">
-              <a:solidFill>
-                <a:schemeClr val="accent5">
-                  <a:lumMod val="50000"/>
-                </a:schemeClr>
-              </a:solidFill>
-              <a:latin typeface="Franklin Gothic Book" panose="020B0503020102020204" pitchFamily="34" charset="0"/>
-            </a:endParaRPr>
-          </a:p>
-          <a:p>
-            <a:pPr algn="ctr"/>
-            <a:endParaRPr lang="en-US" sz="2400">
-              <a:solidFill>
-                <a:schemeClr val="accent5">
-                  <a:lumMod val="50000"/>
-                </a:schemeClr>
-              </a:solidFill>
-              <a:latin typeface="Franklin Gothic Book" panose="020B0503020102020204" pitchFamily="34" charset="0"/>
-            </a:endParaRPr>
-          </a:p>
-          <a:p>
-            <a:pPr algn="ctr"/>
-            <a:endParaRPr lang="en-US" sz="2400">
-              <a:solidFill>
-                <a:schemeClr val="accent5">
-                  <a:lumMod val="50000"/>
-                </a:schemeClr>
-              </a:solidFill>
-              <a:latin typeface="Franklin Gothic Book" panose="020B0503020102020204" pitchFamily="34" charset="0"/>
-            </a:endParaRPr>
-          </a:p>
-          <a:p>
-            <a:pPr algn="ctr"/>
-            <a:endParaRPr lang="en-US" sz="2400">
-              <a:solidFill>
-                <a:schemeClr val="accent5">
-                  <a:lumMod val="50000"/>
-                </a:schemeClr>
-              </a:solidFill>
-              <a:latin typeface="Franklin Gothic Book" panose="020B0503020102020204" pitchFamily="34" charset="0"/>
-            </a:endParaRPr>
-          </a:p>
-          <a:p>
-            <a:pPr algn="ctr"/>
-            <a:endParaRPr lang="en-US" sz="2400">
-              <a:solidFill>
-                <a:schemeClr val="accent5">
-                  <a:lumMod val="50000"/>
-                </a:schemeClr>
-              </a:solidFill>
-              <a:latin typeface="Franklin Gothic Book" panose="020B0503020102020204" pitchFamily="34" charset="0"/>
-            </a:endParaRPr>
-          </a:p>
-          <a:p>
-            <a:pPr algn="ctr"/>
-            <a:endParaRPr lang="en-US" sz="2400">
-              <a:solidFill>
-                <a:schemeClr val="accent5">
-                  <a:lumMod val="50000"/>
-                </a:schemeClr>
-              </a:solidFill>
-              <a:latin typeface="Franklin Gothic Book" panose="020B0503020102020204" pitchFamily="34" charset="0"/>
-            </a:endParaRPr>
-          </a:p>
-          <a:p>
-            <a:pPr algn="ctr"/>
-            <a:endParaRPr lang="en-US" sz="2400">
-              <a:solidFill>
-                <a:schemeClr val="accent5">
-                  <a:lumMod val="50000"/>
-                </a:schemeClr>
-              </a:solidFill>
-              <a:latin typeface="Franklin Gothic Book" panose="020B0503020102020204" pitchFamily="34" charset="0"/>
-            </a:endParaRPr>
-          </a:p>
-          <a:p>
-            <a:pPr algn="ctr"/>
-            <a:endParaRPr lang="en-US" sz="2400">
-              <a:solidFill>
-                <a:schemeClr val="accent5">
-                  <a:lumMod val="50000"/>
-                </a:schemeClr>
-              </a:solidFill>
-              <a:latin typeface="Franklin Gothic Book" panose="020B0503020102020204" pitchFamily="34" charset="0"/>
-            </a:endParaRPr>
-          </a:p>
-          <a:p>
-            <a:pPr algn="ctr"/>
-            <a:endParaRPr lang="en-US" sz="2400">
-              <a:solidFill>
-                <a:schemeClr val="accent5">
-                  <a:lumMod val="50000"/>
-                </a:schemeClr>
-              </a:solidFill>
-              <a:latin typeface="Franklin Gothic Book" panose="020B0503020102020204" pitchFamily="34" charset="0"/>
-            </a:endParaRPr>
-          </a:p>
-          <a:p>
-            <a:pPr algn="ctr"/>
-            <a:endParaRPr lang="en-US" sz="2400">
-              <a:solidFill>
-                <a:schemeClr val="accent5">
-                  <a:lumMod val="50000"/>
-                </a:schemeClr>
-              </a:solidFill>
-              <a:latin typeface="Franklin Gothic Book" panose="020B0503020102020204" pitchFamily="34" charset="0"/>
-            </a:endParaRPr>
-          </a:p>
-          <a:p>
-            <a:pPr algn="ctr"/>
-            <a:endParaRPr lang="en-US" sz="2400">
-              <a:solidFill>
-                <a:schemeClr val="accent5">
-                  <a:lumMod val="50000"/>
-                </a:schemeClr>
-              </a:solidFill>
-              <a:latin typeface="Franklin Gothic Book" panose="020B0503020102020204" pitchFamily="34" charset="0"/>
-            </a:endParaRPr>
-          </a:p>
-          <a:p>
-            <a:pPr algn="ctr"/>
-            <a:endParaRPr lang="en-US" sz="2400">
-              <a:solidFill>
-                <a:schemeClr val="accent5">
-                  <a:lumMod val="50000"/>
-                </a:schemeClr>
-              </a:solidFill>
-              <a:latin typeface="Franklin Gothic Book" panose="020B0503020102020204" pitchFamily="34" charset="0"/>
-            </a:endParaRPr>
-          </a:p>
-          <a:p>
-            <a:pPr algn="ctr"/>
-            <a:endParaRPr lang="en-US" sz="2400">
-              <a:solidFill>
-                <a:schemeClr val="accent5">
-                  <a:lumMod val="50000"/>
-                </a:schemeClr>
-              </a:solidFill>
-              <a:latin typeface="Franklin Gothic Book" panose="020B0503020102020204" pitchFamily="34" charset="0"/>
-            </a:endParaRPr>
-          </a:p>
-          <a:p>
-            <a:pPr algn="ctr"/>
-            <a:endParaRPr lang="en-US" sz="2400">
-              <a:solidFill>
-                <a:schemeClr val="accent5">
-                  <a:lumMod val="50000"/>
-                </a:schemeClr>
-              </a:solidFill>
-              <a:latin typeface="Franklin Gothic Book" panose="020B0503020102020204" pitchFamily="34" charset="0"/>
-            </a:endParaRPr>
-          </a:p>
-          <a:p>
-            <a:pPr algn="ctr"/>
-            <a:endParaRPr lang="en-US" sz="2400">
-              <a:solidFill>
-                <a:schemeClr val="accent5">
-                  <a:lumMod val="50000"/>
-                </a:schemeClr>
-              </a:solidFill>
-              <a:latin typeface="Franklin Gothic Book" panose="020B0503020102020204" pitchFamily="34" charset="0"/>
-            </a:endParaRPr>
-          </a:p>
-          <a:p>
-            <a:pPr algn="ctr"/>
-            <a:endParaRPr lang="en-US" sz="2400">
-              <a:solidFill>
-                <a:schemeClr val="accent5">
-                  <a:lumMod val="50000"/>
-                </a:schemeClr>
-              </a:solidFill>
-              <a:latin typeface="Franklin Gothic Book" panose="020B0503020102020204" pitchFamily="34" charset="0"/>
-            </a:endParaRPr>
-          </a:p>
-          <a:p>
-            <a:pPr algn="ctr"/>
-            <a:endParaRPr lang="en-US" sz="3200">
-              <a:solidFill>
-                <a:schemeClr val="accent5">
-                  <a:lumMod val="50000"/>
-                </a:schemeClr>
-              </a:solidFill>
-              <a:latin typeface="Franklin Gothic Book" panose="020B0503020102020204" pitchFamily="34" charset="0"/>
-            </a:endParaRPr>
-          </a:p>
-        </p:txBody>
-      </p:sp>
-      <p:sp>
-        <p:nvSpPr>
-          <p:cNvPr id="24" name="Oval 23">
+            </a:lnRef>
+            <a:fillRef idx="1">
+              <a:schemeClr val="accent1"/>
+            </a:fillRef>
+            <a:effectRef idx="0">
+              <a:schemeClr val="accent1"/>
+            </a:effectRef>
+            <a:fontRef idx="minor">
+              <a:schemeClr val="lt1"/>
+            </a:fontRef>
+          </p:style>
+          <p:txBody>
+            <a:bodyPr rtlCol="0" anchor="ctr"/>
+            <a:lstStyle/>
+            <a:p>
+              <a:pPr algn="ctr"/>
+              <a:endParaRPr lang="en-US" sz="2800" dirty="0">
+                <a:solidFill>
+                  <a:srgbClr val="002060"/>
+                </a:solidFill>
+                <a:latin typeface="Franklin Gothic Book" panose="020B0503020102020204" pitchFamily="34" charset="0"/>
+              </a:endParaRPr>
+            </a:p>
+            <a:p>
+              <a:pPr algn="ctr"/>
+              <a:endParaRPr lang="en-US" sz="2800" dirty="0">
+                <a:solidFill>
+                  <a:srgbClr val="002060"/>
+                </a:solidFill>
+                <a:latin typeface="Franklin Gothic Book" panose="020B0503020102020204" pitchFamily="34" charset="0"/>
+              </a:endParaRPr>
+            </a:p>
+            <a:p>
+              <a:pPr algn="ctr"/>
+              <a:r>
+                <a:rPr lang="en-US" sz="2800" dirty="0">
+                  <a:solidFill>
+                    <a:srgbClr val="002060"/>
+                  </a:solidFill>
+                  <a:latin typeface="Franklin Gothic Book" panose="020B0503020102020204" pitchFamily="34" charset="0"/>
+                </a:rPr>
+                <a:t>Education</a:t>
+              </a:r>
+            </a:p>
+            <a:p>
+              <a:pPr algn="ctr"/>
+              <a:endParaRPr lang="en-US" sz="2400" dirty="0">
+                <a:solidFill>
+                  <a:schemeClr val="accent5">
+                    <a:lumMod val="50000"/>
+                  </a:schemeClr>
+                </a:solidFill>
+                <a:latin typeface="Franklin Gothic Book" panose="020B0503020102020204" pitchFamily="34" charset="0"/>
+              </a:endParaRPr>
+            </a:p>
+            <a:p>
+              <a:pPr algn="ctr"/>
+              <a:endParaRPr lang="en-US" sz="2400" dirty="0">
+                <a:solidFill>
+                  <a:schemeClr val="accent5">
+                    <a:lumMod val="50000"/>
+                  </a:schemeClr>
+                </a:solidFill>
+                <a:latin typeface="Franklin Gothic Book" panose="020B0503020102020204" pitchFamily="34" charset="0"/>
+              </a:endParaRPr>
+            </a:p>
+            <a:p>
+              <a:pPr algn="ctr"/>
+              <a:endParaRPr lang="en-US" sz="2400" dirty="0">
+                <a:solidFill>
+                  <a:schemeClr val="accent5">
+                    <a:lumMod val="50000"/>
+                  </a:schemeClr>
+                </a:solidFill>
+                <a:latin typeface="Franklin Gothic Book" panose="020B0503020102020204" pitchFamily="34" charset="0"/>
+              </a:endParaRPr>
+            </a:p>
+            <a:p>
+              <a:pPr algn="ctr"/>
+              <a:endParaRPr lang="en-US" sz="2400" dirty="0">
+                <a:solidFill>
+                  <a:schemeClr val="accent5">
+                    <a:lumMod val="50000"/>
+                  </a:schemeClr>
+                </a:solidFill>
+                <a:latin typeface="Franklin Gothic Book" panose="020B0503020102020204" pitchFamily="34" charset="0"/>
+              </a:endParaRPr>
+            </a:p>
+            <a:p>
+              <a:pPr algn="ctr"/>
+              <a:endParaRPr lang="en-US" sz="2400" dirty="0">
+                <a:solidFill>
+                  <a:schemeClr val="accent5">
+                    <a:lumMod val="50000"/>
+                  </a:schemeClr>
+                </a:solidFill>
+                <a:latin typeface="Franklin Gothic Book" panose="020B0503020102020204" pitchFamily="34" charset="0"/>
+              </a:endParaRPr>
+            </a:p>
+          </p:txBody>
+        </p:sp>
+        <p:pic>
+          <p:nvPicPr>
+            <p:cNvPr id="70" name="Graphic 69" descr="Graduation cap with solid fill">
+              <a:extLst>
+                <a:ext uri="{FF2B5EF4-FFF2-40B4-BE49-F238E27FC236}">
+                  <a16:creationId xmlns:a16="http://schemas.microsoft.com/office/drawing/2014/main" id="{F2C05C01-1FAC-A24A-8596-F1C723156EA1}"/>
+                </a:ext>
+              </a:extLst>
+            </p:cNvPr>
+            <p:cNvPicPr>
+              <a:picLocks noChangeAspect="1"/>
+            </p:cNvPicPr>
+            <p:nvPr/>
+          </p:nvPicPr>
+          <p:blipFill>
+            <a:blip r:embed="rId27">
+              <a:extLst>
+                <a:ext uri="{96DAC541-7B7A-43D3-8B79-37D633B846F1}">
+                  <asvg:svgBlip xmlns:asvg="http://schemas.microsoft.com/office/drawing/2016/SVG/main" r:embed="rId28"/>
+                </a:ext>
+              </a:extLst>
+            </a:blip>
+            <a:stretch>
+              <a:fillRect/>
+            </a:stretch>
+          </p:blipFill>
+          <p:spPr>
+            <a:xfrm>
+              <a:off x="15771080" y="10024237"/>
+              <a:ext cx="1371601" cy="1371601"/>
+            </a:xfrm>
+            <a:prstGeom prst="rect">
+              <a:avLst/>
+            </a:prstGeom>
+          </p:spPr>
+        </p:pic>
+      </p:grpSp>
+      <p:grpSp>
+        <p:nvGrpSpPr>
+          <p:cNvPr id="71" name="Group 70">
             <a:extLst>
               <a:ext uri="{FF2B5EF4-FFF2-40B4-BE49-F238E27FC236}">
-                <a16:creationId xmlns:a16="http://schemas.microsoft.com/office/drawing/2014/main" id="{88226E7C-C1DF-1710-FC40-F1F06FC86179}"/>
+                <a16:creationId xmlns:a16="http://schemas.microsoft.com/office/drawing/2014/main" id="{84FB7C60-303C-DA42-A450-76147759A0A6}"/>
               </a:ext>
             </a:extLst>
           </p:cNvPr>
-          <p:cNvSpPr/>
+          <p:cNvGrpSpPr/>
           <p:nvPr/>
-        </p:nvSpPr>
-        <p:spPr>
+        </p:nvGrpSpPr>
+        <p:grpSpPr>
           <a:xfrm>
-            <a:off x="10878997" y="23772875"/>
-            <a:ext cx="4044927" cy="4044927"/>
+            <a:off x="3869397" y="13868785"/>
+            <a:ext cx="2686916" cy="2686916"/>
+            <a:chOff x="5824043" y="14899640"/>
+            <a:chExt cx="3291840" cy="3291840"/>
           </a:xfrm>
-          <a:prstGeom prst="ellipse">
-            <a:avLst/>
-          </a:prstGeom>
-          <a:solidFill>
-            <a:schemeClr val="bg1"/>
-          </a:solidFill>
-          <a:ln w="127000">
+        </p:grpSpPr>
+        <p:sp>
+          <p:nvSpPr>
+            <p:cNvPr id="72" name="Oval 71">
+              <a:extLst>
+                <a:ext uri="{FF2B5EF4-FFF2-40B4-BE49-F238E27FC236}">
+                  <a16:creationId xmlns:a16="http://schemas.microsoft.com/office/drawing/2014/main" id="{76306408-4051-AE44-80EC-94015AD205A9}"/>
+                </a:ext>
+              </a:extLst>
+            </p:cNvPr>
+            <p:cNvSpPr/>
+            <p:nvPr/>
+          </p:nvSpPr>
+          <p:spPr>
+            <a:xfrm>
+              <a:off x="5824043" y="14899640"/>
+              <a:ext cx="3291840" cy="3291840"/>
+            </a:xfrm>
+            <a:prstGeom prst="ellipse">
+              <a:avLst/>
+            </a:prstGeom>
             <a:solidFill>
-              <a:schemeClr val="accent5">
-                <a:lumMod val="50000"/>
+              <a:schemeClr val="bg1"/>
+            </a:solidFill>
+            <a:ln w="127000">
+              <a:solidFill>
+                <a:schemeClr val="accent2"/>
+              </a:solidFill>
+            </a:ln>
+          </p:spPr>
+          <p:style>
+            <a:lnRef idx="2">
+              <a:schemeClr val="accent1">
+                <a:shade val="50000"/>
               </a:schemeClr>
-            </a:solidFill>
-          </a:ln>
-        </p:spPr>
-        <p:style>
-          <a:lnRef idx="2">
-            <a:schemeClr val="accent1">
-              <a:shade val="50000"/>
-            </a:schemeClr>
-          </a:lnRef>
-          <a:fillRef idx="1">
-            <a:schemeClr val="accent1"/>
-          </a:fillRef>
-          <a:effectRef idx="0">
-            <a:schemeClr val="accent1"/>
-          </a:effectRef>
-          <a:fontRef idx="minor">
-            <a:schemeClr val="lt1"/>
-          </a:fontRef>
-        </p:style>
-        <p:txBody>
-          <a:bodyPr lIns="0" tIns="0" rIns="0" bIns="0" rtlCol="0" anchor="ctr"/>
-          <a:lstStyle/>
-          <a:p>
-            <a:pPr algn="ctr"/>
-            <a:endParaRPr lang="en-US" sz="3200" dirty="0">
-              <a:solidFill>
-                <a:schemeClr val="accent5">
-                  <a:lumMod val="50000"/>
-                </a:schemeClr>
-              </a:solidFill>
-              <a:latin typeface="Franklin Gothic Book" panose="020B0503020102020204" pitchFamily="34" charset="0"/>
-            </a:endParaRPr>
-          </a:p>
-          <a:p>
-            <a:pPr algn="ctr"/>
-            <a:endParaRPr lang="en-US" sz="3200" dirty="0">
-              <a:solidFill>
-                <a:schemeClr val="accent5">
-                  <a:lumMod val="50000"/>
-                </a:schemeClr>
-              </a:solidFill>
-              <a:latin typeface="Franklin Gothic Book" panose="020B0503020102020204" pitchFamily="34" charset="0"/>
-            </a:endParaRPr>
-          </a:p>
-          <a:p>
-            <a:pPr algn="ctr"/>
-            <a:endParaRPr lang="en-US" sz="3200" dirty="0">
-              <a:solidFill>
-                <a:schemeClr val="accent5">
-                  <a:lumMod val="50000"/>
-                </a:schemeClr>
-              </a:solidFill>
-              <a:latin typeface="Franklin Gothic Book" panose="020B0503020102020204" pitchFamily="34" charset="0"/>
-            </a:endParaRPr>
-          </a:p>
-          <a:p>
-            <a:pPr algn="ctr"/>
-            <a:endParaRPr lang="en-US" sz="8800" dirty="0">
-              <a:solidFill>
-                <a:schemeClr val="accent5">
-                  <a:lumMod val="50000"/>
-                </a:schemeClr>
-              </a:solidFill>
-              <a:latin typeface="Franklin Gothic Book" panose="020B0503020102020204" pitchFamily="34" charset="0"/>
-            </a:endParaRPr>
-          </a:p>
-          <a:p>
-            <a:pPr algn="ctr"/>
-            <a:endParaRPr lang="en-US" sz="8800" dirty="0">
-              <a:solidFill>
-                <a:schemeClr val="accent5">
-                  <a:lumMod val="50000"/>
-                </a:schemeClr>
-              </a:solidFill>
-              <a:latin typeface="Franklin Gothic Book" panose="020B0503020102020204" pitchFamily="34" charset="0"/>
-            </a:endParaRPr>
-          </a:p>
-          <a:p>
-            <a:pPr algn="ctr"/>
-            <a:endParaRPr lang="en-US" sz="5400" dirty="0">
-              <a:solidFill>
-                <a:schemeClr val="accent5">
-                  <a:lumMod val="50000"/>
-                </a:schemeClr>
-              </a:solidFill>
-              <a:latin typeface="Franklin Gothic Book" panose="020B0503020102020204" pitchFamily="34" charset="0"/>
-            </a:endParaRPr>
-          </a:p>
-          <a:p>
-            <a:pPr algn="ctr"/>
-            <a:endParaRPr lang="en-US" sz="3600" dirty="0">
-              <a:solidFill>
-                <a:schemeClr val="accent5">
-                  <a:lumMod val="50000"/>
-                </a:schemeClr>
-              </a:solidFill>
-              <a:latin typeface="Franklin Gothic Book" panose="020B0503020102020204" pitchFamily="34" charset="0"/>
-            </a:endParaRPr>
-          </a:p>
-          <a:p>
-            <a:pPr algn="ctr"/>
-            <a:endParaRPr lang="en-US" sz="3200" dirty="0">
-              <a:solidFill>
-                <a:schemeClr val="accent5">
-                  <a:lumMod val="50000"/>
-                </a:schemeClr>
-              </a:solidFill>
-              <a:latin typeface="Franklin Gothic Book" panose="020B0503020102020204" pitchFamily="34" charset="0"/>
-            </a:endParaRPr>
-          </a:p>
-          <a:p>
-            <a:pPr algn="ctr"/>
-            <a:r>
-              <a:rPr lang="en-US" sz="3200" dirty="0">
-                <a:solidFill>
-                  <a:schemeClr val="accent5">
-                    <a:lumMod val="50000"/>
-                  </a:schemeClr>
-                </a:solidFill>
-                <a:latin typeface="Franklin Gothic Book" panose="020B0503020102020204" pitchFamily="34" charset="0"/>
-              </a:rPr>
-              <a:t>Food security</a:t>
-            </a:r>
-          </a:p>
-          <a:p>
-            <a:pPr algn="ctr"/>
-            <a:r>
-              <a:rPr lang="en-US" sz="3200" dirty="0">
-                <a:solidFill>
-                  <a:schemeClr val="accent5">
-                    <a:lumMod val="50000"/>
-                  </a:schemeClr>
-                </a:solidFill>
-                <a:latin typeface="Franklin Gothic Book" panose="020B0503020102020204" pitchFamily="34" charset="0"/>
-              </a:rPr>
-              <a:t>-</a:t>
-            </a:r>
-          </a:p>
-          <a:p>
-            <a:pPr algn="ctr"/>
-            <a:r>
-              <a:rPr lang="en-US" sz="2400" dirty="0">
-                <a:solidFill>
-                  <a:schemeClr val="accent5">
-                    <a:lumMod val="50000"/>
-                  </a:schemeClr>
-                </a:solidFill>
-                <a:latin typeface="Franklin Gothic Book" panose="020B0503020102020204" pitchFamily="34" charset="0"/>
-              </a:rPr>
-              <a:t>Estimating household food insecurity below the county level</a:t>
-            </a:r>
-            <a:endParaRPr lang="en-US" sz="2400" dirty="0">
-              <a:solidFill>
-                <a:schemeClr val="bg1"/>
-              </a:solidFill>
-              <a:latin typeface="Franklin Gothic Book" panose="020B0503020102020204" pitchFamily="34" charset="0"/>
-            </a:endParaRPr>
-          </a:p>
-          <a:p>
-            <a:pPr algn="ctr"/>
-            <a:endParaRPr lang="en-US" sz="2400" dirty="0">
-              <a:solidFill>
-                <a:schemeClr val="bg1"/>
-              </a:solidFill>
-              <a:latin typeface="Franklin Gothic Book" panose="020B0503020102020204" pitchFamily="34" charset="0"/>
-            </a:endParaRPr>
-          </a:p>
-          <a:p>
-            <a:pPr algn="ctr"/>
-            <a:endParaRPr lang="en-US" sz="2400" dirty="0">
-              <a:solidFill>
-                <a:schemeClr val="bg1"/>
-              </a:solidFill>
-              <a:latin typeface="Franklin Gothic Book" panose="020B0503020102020204" pitchFamily="34" charset="0"/>
-            </a:endParaRPr>
-          </a:p>
-          <a:p>
-            <a:pPr algn="ctr"/>
-            <a:endParaRPr lang="en-US" sz="2400" dirty="0">
-              <a:solidFill>
-                <a:schemeClr val="accent5">
-                  <a:lumMod val="50000"/>
-                </a:schemeClr>
-              </a:solidFill>
-              <a:latin typeface="Franklin Gothic Book" panose="020B0503020102020204" pitchFamily="34" charset="0"/>
-            </a:endParaRPr>
-          </a:p>
-          <a:p>
-            <a:pPr algn="ctr"/>
-            <a:endParaRPr lang="en-US" sz="2400" dirty="0">
-              <a:solidFill>
-                <a:schemeClr val="accent5">
-                  <a:lumMod val="50000"/>
-                </a:schemeClr>
-              </a:solidFill>
-              <a:latin typeface="Franklin Gothic Book" panose="020B0503020102020204" pitchFamily="34" charset="0"/>
-            </a:endParaRPr>
-          </a:p>
-          <a:p>
-            <a:pPr algn="ctr"/>
-            <a:endParaRPr lang="en-US" sz="2400" dirty="0">
-              <a:solidFill>
-                <a:schemeClr val="accent5">
-                  <a:lumMod val="50000"/>
-                </a:schemeClr>
-              </a:solidFill>
-              <a:latin typeface="Franklin Gothic Book" panose="020B0503020102020204" pitchFamily="34" charset="0"/>
-            </a:endParaRPr>
-          </a:p>
-          <a:p>
-            <a:pPr algn="ctr"/>
-            <a:endParaRPr lang="en-US" sz="2400" dirty="0">
-              <a:solidFill>
-                <a:schemeClr val="accent5">
-                  <a:lumMod val="50000"/>
-                </a:schemeClr>
-              </a:solidFill>
-              <a:latin typeface="Franklin Gothic Book" panose="020B0503020102020204" pitchFamily="34" charset="0"/>
-            </a:endParaRPr>
-          </a:p>
-          <a:p>
-            <a:pPr algn="ctr"/>
-            <a:endParaRPr lang="en-US" sz="2400" dirty="0">
-              <a:solidFill>
-                <a:schemeClr val="accent5">
-                  <a:lumMod val="50000"/>
-                </a:schemeClr>
-              </a:solidFill>
-              <a:latin typeface="Franklin Gothic Book" panose="020B0503020102020204" pitchFamily="34" charset="0"/>
-            </a:endParaRPr>
-          </a:p>
-          <a:p>
-            <a:pPr algn="ctr"/>
-            <a:endParaRPr lang="en-US" sz="2400" dirty="0">
-              <a:solidFill>
-                <a:schemeClr val="accent5">
-                  <a:lumMod val="50000"/>
-                </a:schemeClr>
-              </a:solidFill>
-              <a:latin typeface="Franklin Gothic Book" panose="020B0503020102020204" pitchFamily="34" charset="0"/>
-            </a:endParaRPr>
-          </a:p>
-          <a:p>
-            <a:pPr algn="ctr"/>
-            <a:endParaRPr lang="en-US" sz="2400" dirty="0">
-              <a:solidFill>
-                <a:schemeClr val="accent5">
-                  <a:lumMod val="50000"/>
-                </a:schemeClr>
-              </a:solidFill>
-              <a:latin typeface="Franklin Gothic Book" panose="020B0503020102020204" pitchFamily="34" charset="0"/>
-            </a:endParaRPr>
-          </a:p>
-          <a:p>
-            <a:pPr algn="ctr"/>
-            <a:endParaRPr lang="en-US" sz="2400" dirty="0">
-              <a:solidFill>
-                <a:schemeClr val="accent5">
-                  <a:lumMod val="50000"/>
-                </a:schemeClr>
-              </a:solidFill>
-              <a:latin typeface="Franklin Gothic Book" panose="020B0503020102020204" pitchFamily="34" charset="0"/>
-            </a:endParaRPr>
-          </a:p>
-          <a:p>
-            <a:pPr algn="ctr"/>
-            <a:endParaRPr lang="en-US" sz="2400" dirty="0">
-              <a:solidFill>
-                <a:schemeClr val="accent5">
-                  <a:lumMod val="50000"/>
-                </a:schemeClr>
-              </a:solidFill>
-              <a:latin typeface="Franklin Gothic Book" panose="020B0503020102020204" pitchFamily="34" charset="0"/>
-            </a:endParaRPr>
-          </a:p>
-          <a:p>
-            <a:pPr algn="ctr"/>
-            <a:endParaRPr lang="en-US" sz="2400" dirty="0">
-              <a:solidFill>
-                <a:schemeClr val="accent5">
-                  <a:lumMod val="50000"/>
-                </a:schemeClr>
-              </a:solidFill>
-              <a:latin typeface="Franklin Gothic Book" panose="020B0503020102020204" pitchFamily="34" charset="0"/>
-            </a:endParaRPr>
-          </a:p>
-          <a:p>
-            <a:pPr algn="ctr"/>
-            <a:endParaRPr lang="en-US" sz="2400" dirty="0">
-              <a:solidFill>
-                <a:schemeClr val="accent5">
-                  <a:lumMod val="50000"/>
-                </a:schemeClr>
-              </a:solidFill>
-              <a:latin typeface="Franklin Gothic Book" panose="020B0503020102020204" pitchFamily="34" charset="0"/>
-            </a:endParaRPr>
-          </a:p>
-          <a:p>
-            <a:pPr algn="ctr"/>
-            <a:endParaRPr lang="en-US" sz="2400" dirty="0">
-              <a:solidFill>
-                <a:schemeClr val="accent5">
-                  <a:lumMod val="50000"/>
-                </a:schemeClr>
-              </a:solidFill>
-              <a:latin typeface="Franklin Gothic Book" panose="020B0503020102020204" pitchFamily="34" charset="0"/>
-            </a:endParaRPr>
-          </a:p>
-          <a:p>
-            <a:pPr algn="ctr"/>
-            <a:endParaRPr lang="en-US" sz="2400" dirty="0">
-              <a:solidFill>
-                <a:schemeClr val="accent5">
-                  <a:lumMod val="50000"/>
-                </a:schemeClr>
-              </a:solidFill>
-              <a:latin typeface="Franklin Gothic Book" panose="020B0503020102020204" pitchFamily="34" charset="0"/>
-            </a:endParaRPr>
-          </a:p>
-          <a:p>
-            <a:pPr algn="ctr"/>
-            <a:endParaRPr lang="en-US" sz="2400" dirty="0">
-              <a:solidFill>
-                <a:schemeClr val="accent5">
-                  <a:lumMod val="50000"/>
-                </a:schemeClr>
-              </a:solidFill>
-              <a:latin typeface="Franklin Gothic Book" panose="020B0503020102020204" pitchFamily="34" charset="0"/>
-            </a:endParaRPr>
-          </a:p>
-          <a:p>
-            <a:pPr algn="ctr"/>
-            <a:endParaRPr lang="en-US" sz="3200" dirty="0">
-              <a:solidFill>
-                <a:schemeClr val="accent5">
-                  <a:lumMod val="50000"/>
-                </a:schemeClr>
-              </a:solidFill>
-              <a:latin typeface="Franklin Gothic Book" panose="020B0503020102020204" pitchFamily="34" charset="0"/>
-            </a:endParaRPr>
-          </a:p>
-        </p:txBody>
-      </p:sp>
-      <p:sp>
-        <p:nvSpPr>
-          <p:cNvPr id="25" name="Oval 24">
+            </a:lnRef>
+            <a:fillRef idx="1">
+              <a:schemeClr val="accent1"/>
+            </a:fillRef>
+            <a:effectRef idx="0">
+              <a:schemeClr val="accent1"/>
+            </a:effectRef>
+            <a:fontRef idx="minor">
+              <a:schemeClr val="lt1"/>
+            </a:fontRef>
+          </p:style>
+          <p:txBody>
+            <a:bodyPr rtlCol="0" anchor="ctr"/>
+            <a:lstStyle/>
+            <a:p>
+              <a:pPr algn="ctr"/>
+              <a:r>
+                <a:rPr lang="en-US" sz="2800" dirty="0">
+                  <a:solidFill>
+                    <a:srgbClr val="002060"/>
+                  </a:solidFill>
+                  <a:latin typeface="Franklin Gothic Book" panose="020B0503020102020204" pitchFamily="34" charset="0"/>
+                </a:rPr>
+                <a:t>Transport</a:t>
+              </a:r>
+            </a:p>
+            <a:p>
+              <a:pPr algn="ctr"/>
+              <a:endParaRPr lang="en-US" sz="2400" dirty="0">
+                <a:solidFill>
+                  <a:schemeClr val="accent5">
+                    <a:lumMod val="50000"/>
+                  </a:schemeClr>
+                </a:solidFill>
+                <a:latin typeface="Franklin Gothic Book" panose="020B0503020102020204" pitchFamily="34" charset="0"/>
+              </a:endParaRPr>
+            </a:p>
+            <a:p>
+              <a:pPr algn="ctr"/>
+              <a:endParaRPr lang="en-US" sz="2400" dirty="0">
+                <a:solidFill>
+                  <a:schemeClr val="accent5">
+                    <a:lumMod val="50000"/>
+                  </a:schemeClr>
+                </a:solidFill>
+                <a:latin typeface="Franklin Gothic Book" panose="020B0503020102020204" pitchFamily="34" charset="0"/>
+              </a:endParaRPr>
+            </a:p>
+            <a:p>
+              <a:pPr algn="ctr"/>
+              <a:endParaRPr lang="en-US" sz="2400" dirty="0">
+                <a:solidFill>
+                  <a:schemeClr val="accent5">
+                    <a:lumMod val="50000"/>
+                  </a:schemeClr>
+                </a:solidFill>
+                <a:latin typeface="Franklin Gothic Book" panose="020B0503020102020204" pitchFamily="34" charset="0"/>
+              </a:endParaRPr>
+            </a:p>
+          </p:txBody>
+        </p:sp>
+        <p:pic>
+          <p:nvPicPr>
+            <p:cNvPr id="73" name="Graphic 72" descr="Bus with solid fill">
+              <a:extLst>
+                <a:ext uri="{FF2B5EF4-FFF2-40B4-BE49-F238E27FC236}">
+                  <a16:creationId xmlns:a16="http://schemas.microsoft.com/office/drawing/2014/main" id="{42C88CA9-80C0-954A-B944-94F8D52DEECB}"/>
+                </a:ext>
+              </a:extLst>
+            </p:cNvPr>
+            <p:cNvPicPr>
+              <a:picLocks noChangeAspect="1"/>
+            </p:cNvPicPr>
+            <p:nvPr/>
+          </p:nvPicPr>
+          <p:blipFill>
+            <a:blip r:embed="rId29">
+              <a:extLst>
+                <a:ext uri="{96DAC541-7B7A-43D3-8B79-37D633B846F1}">
+                  <asvg:svgBlip xmlns:asvg="http://schemas.microsoft.com/office/drawing/2016/SVG/main" r:embed="rId30"/>
+                </a:ext>
+              </a:extLst>
+            </a:blip>
+            <a:stretch>
+              <a:fillRect/>
+            </a:stretch>
+          </p:blipFill>
+          <p:spPr>
+            <a:xfrm>
+              <a:off x="6739328" y="16102081"/>
+              <a:ext cx="1371600" cy="1371600"/>
+            </a:xfrm>
+            <a:prstGeom prst="rect">
+              <a:avLst/>
+            </a:prstGeom>
+          </p:spPr>
+        </p:pic>
+      </p:grpSp>
+      <p:grpSp>
+        <p:nvGrpSpPr>
+          <p:cNvPr id="77" name="Group 76">
             <a:extLst>
               <a:ext uri="{FF2B5EF4-FFF2-40B4-BE49-F238E27FC236}">
-                <a16:creationId xmlns:a16="http://schemas.microsoft.com/office/drawing/2014/main" id="{3732A708-55C5-E707-66CB-1C901FC12C01}"/>
+                <a16:creationId xmlns:a16="http://schemas.microsoft.com/office/drawing/2014/main" id="{5DC026B1-DF53-F94E-A569-F0119942A634}"/>
               </a:ext>
             </a:extLst>
           </p:cNvPr>
-          <p:cNvSpPr/>
+          <p:cNvGrpSpPr/>
           <p:nvPr/>
-        </p:nvSpPr>
-        <p:spPr>
+        </p:nvGrpSpPr>
+        <p:grpSpPr>
           <a:xfrm>
-            <a:off x="5950693" y="24433801"/>
-            <a:ext cx="4622698" cy="4545655"/>
+            <a:off x="4816857" y="15382621"/>
+            <a:ext cx="2686916" cy="2686916"/>
+            <a:chOff x="11411825" y="18192721"/>
+            <a:chExt cx="3291840" cy="3291840"/>
           </a:xfrm>
-          <a:prstGeom prst="ellipse">
-            <a:avLst/>
-          </a:prstGeom>
-          <a:solidFill>
-            <a:schemeClr val="bg1"/>
-          </a:solidFill>
-          <a:ln w="127000">
+        </p:grpSpPr>
+        <p:sp>
+          <p:nvSpPr>
+            <p:cNvPr id="78" name="Oval 77">
+              <a:extLst>
+                <a:ext uri="{FF2B5EF4-FFF2-40B4-BE49-F238E27FC236}">
+                  <a16:creationId xmlns:a16="http://schemas.microsoft.com/office/drawing/2014/main" id="{66011D97-267B-8241-8FBA-0019FEB3CF1A}"/>
+                </a:ext>
+              </a:extLst>
+            </p:cNvPr>
+            <p:cNvSpPr/>
+            <p:nvPr/>
+          </p:nvSpPr>
+          <p:spPr>
+            <a:xfrm>
+              <a:off x="11411825" y="18192721"/>
+              <a:ext cx="3291840" cy="3291840"/>
+            </a:xfrm>
+            <a:prstGeom prst="ellipse">
+              <a:avLst/>
+            </a:prstGeom>
             <a:solidFill>
-              <a:schemeClr val="accent5">
-                <a:lumMod val="50000"/>
+              <a:schemeClr val="bg1"/>
+            </a:solidFill>
+            <a:ln w="127000">
+              <a:solidFill>
+                <a:schemeClr val="accent2"/>
+              </a:solidFill>
+            </a:ln>
+          </p:spPr>
+          <p:style>
+            <a:lnRef idx="2">
+              <a:schemeClr val="accent1">
+                <a:shade val="50000"/>
               </a:schemeClr>
-            </a:solidFill>
-          </a:ln>
-        </p:spPr>
-        <p:style>
-          <a:lnRef idx="2">
-            <a:schemeClr val="accent1">
-              <a:shade val="50000"/>
-            </a:schemeClr>
-          </a:lnRef>
-          <a:fillRef idx="1">
-            <a:schemeClr val="accent1"/>
-          </a:fillRef>
-          <a:effectRef idx="0">
-            <a:schemeClr val="accent1"/>
-          </a:effectRef>
-          <a:fontRef idx="minor">
-            <a:schemeClr val="lt1"/>
-          </a:fontRef>
-        </p:style>
-        <p:txBody>
-          <a:bodyPr lIns="0" tIns="0" rIns="0" bIns="0" rtlCol="0" anchor="ctr"/>
-          <a:lstStyle/>
-          <a:p>
-            <a:pPr algn="ctr"/>
-            <a:endParaRPr lang="en-US" sz="3200" dirty="0">
-              <a:solidFill>
-                <a:schemeClr val="accent5">
-                  <a:lumMod val="50000"/>
-                </a:schemeClr>
-              </a:solidFill>
-              <a:latin typeface="Franklin Gothic Book" panose="020B0503020102020204" pitchFamily="34" charset="0"/>
-            </a:endParaRPr>
-          </a:p>
-          <a:p>
-            <a:pPr algn="ctr"/>
-            <a:endParaRPr lang="en-US" sz="3200" dirty="0">
-              <a:solidFill>
-                <a:schemeClr val="accent5">
-                  <a:lumMod val="50000"/>
-                </a:schemeClr>
-              </a:solidFill>
-              <a:latin typeface="Franklin Gothic Book" panose="020B0503020102020204" pitchFamily="34" charset="0"/>
-            </a:endParaRPr>
-          </a:p>
-          <a:p>
-            <a:pPr algn="ctr"/>
-            <a:endParaRPr lang="en-US" sz="3200" dirty="0">
-              <a:solidFill>
-                <a:schemeClr val="accent5">
-                  <a:lumMod val="50000"/>
-                </a:schemeClr>
-              </a:solidFill>
-              <a:latin typeface="Franklin Gothic Book" panose="020B0503020102020204" pitchFamily="34" charset="0"/>
-            </a:endParaRPr>
-          </a:p>
-          <a:p>
-            <a:pPr algn="ctr"/>
-            <a:endParaRPr lang="en-US" sz="8800" dirty="0">
-              <a:solidFill>
-                <a:schemeClr val="accent5">
-                  <a:lumMod val="50000"/>
-                </a:schemeClr>
-              </a:solidFill>
-              <a:latin typeface="Franklin Gothic Book" panose="020B0503020102020204" pitchFamily="34" charset="0"/>
-            </a:endParaRPr>
-          </a:p>
-          <a:p>
-            <a:pPr algn="ctr"/>
-            <a:endParaRPr lang="en-US" sz="8800" dirty="0">
-              <a:solidFill>
-                <a:schemeClr val="accent5">
-                  <a:lumMod val="50000"/>
-                </a:schemeClr>
-              </a:solidFill>
-              <a:latin typeface="Franklin Gothic Book" panose="020B0503020102020204" pitchFamily="34" charset="0"/>
-            </a:endParaRPr>
-          </a:p>
-          <a:p>
-            <a:pPr algn="ctr"/>
-            <a:endParaRPr lang="en-US" sz="5400" dirty="0">
-              <a:solidFill>
-                <a:schemeClr val="accent5">
-                  <a:lumMod val="50000"/>
-                </a:schemeClr>
-              </a:solidFill>
-              <a:latin typeface="Franklin Gothic Book" panose="020B0503020102020204" pitchFamily="34" charset="0"/>
-            </a:endParaRPr>
-          </a:p>
-          <a:p>
-            <a:pPr algn="ctr"/>
-            <a:endParaRPr lang="en-US" sz="3600" dirty="0">
-              <a:solidFill>
-                <a:schemeClr val="accent5">
-                  <a:lumMod val="50000"/>
-                </a:schemeClr>
-              </a:solidFill>
-              <a:latin typeface="Franklin Gothic Book" panose="020B0503020102020204" pitchFamily="34" charset="0"/>
-            </a:endParaRPr>
-          </a:p>
-          <a:p>
-            <a:pPr algn="ctr"/>
-            <a:endParaRPr lang="en-US" sz="3600" dirty="0">
-              <a:solidFill>
-                <a:schemeClr val="accent5">
-                  <a:lumMod val="50000"/>
-                </a:schemeClr>
-              </a:solidFill>
-              <a:latin typeface="Franklin Gothic Book" panose="020B0503020102020204" pitchFamily="34" charset="0"/>
-            </a:endParaRPr>
-          </a:p>
-          <a:p>
-            <a:pPr algn="ctr"/>
-            <a:r>
-              <a:rPr lang="en-US" sz="3200" dirty="0">
-                <a:solidFill>
-                  <a:schemeClr val="accent5">
-                    <a:lumMod val="50000"/>
-                  </a:schemeClr>
-                </a:solidFill>
-                <a:latin typeface="Franklin Gothic Book" panose="020B0503020102020204" pitchFamily="34" charset="0"/>
-              </a:rPr>
-              <a:t>Demographic Redistribution</a:t>
-            </a:r>
-          </a:p>
-          <a:p>
-            <a:pPr algn="ctr"/>
-            <a:r>
-              <a:rPr lang="en-US" sz="3200" dirty="0">
-                <a:solidFill>
-                  <a:schemeClr val="accent5">
-                    <a:lumMod val="50000"/>
-                  </a:schemeClr>
-                </a:solidFill>
-                <a:latin typeface="Franklin Gothic Book" panose="020B0503020102020204" pitchFamily="34" charset="0"/>
-              </a:rPr>
-              <a:t>-</a:t>
-            </a:r>
-          </a:p>
-          <a:p>
-            <a:pPr algn="ctr"/>
-            <a:r>
-              <a:rPr lang="en-US" sz="2400" dirty="0">
-                <a:solidFill>
-                  <a:schemeClr val="accent5">
-                    <a:lumMod val="50000"/>
-                  </a:schemeClr>
-                </a:solidFill>
-                <a:latin typeface="Franklin Gothic Book" panose="020B0503020102020204" pitchFamily="34" charset="0"/>
-              </a:rPr>
-              <a:t>Redistributing demographic estimates to local geographies</a:t>
-            </a:r>
-          </a:p>
-          <a:p>
-            <a:pPr algn="ctr"/>
-            <a:endParaRPr lang="en-US" sz="1800" dirty="0">
-              <a:solidFill>
-                <a:schemeClr val="accent5">
-                  <a:lumMod val="50000"/>
-                </a:schemeClr>
-              </a:solidFill>
-              <a:latin typeface="Franklin Gothic Book" panose="020B0503020102020204" pitchFamily="34" charset="0"/>
-            </a:endParaRPr>
-          </a:p>
-          <a:p>
-            <a:pPr algn="ctr"/>
-            <a:endParaRPr lang="en-US" sz="2400" dirty="0">
-              <a:solidFill>
-                <a:schemeClr val="accent5">
-                  <a:lumMod val="50000"/>
-                </a:schemeClr>
-              </a:solidFill>
-              <a:latin typeface="Franklin Gothic Book" panose="020B0503020102020204" pitchFamily="34" charset="0"/>
-            </a:endParaRPr>
-          </a:p>
-          <a:p>
-            <a:pPr algn="ctr"/>
-            <a:endParaRPr lang="en-US" sz="2400" dirty="0">
-              <a:solidFill>
-                <a:schemeClr val="accent5">
-                  <a:lumMod val="50000"/>
-                </a:schemeClr>
-              </a:solidFill>
-              <a:latin typeface="Franklin Gothic Book" panose="020B0503020102020204" pitchFamily="34" charset="0"/>
-            </a:endParaRPr>
-          </a:p>
-          <a:p>
-            <a:pPr algn="ctr"/>
-            <a:endParaRPr lang="en-US" sz="2400" dirty="0">
-              <a:solidFill>
-                <a:schemeClr val="accent5">
-                  <a:lumMod val="50000"/>
-                </a:schemeClr>
-              </a:solidFill>
-              <a:latin typeface="Franklin Gothic Book" panose="020B0503020102020204" pitchFamily="34" charset="0"/>
-            </a:endParaRPr>
-          </a:p>
-          <a:p>
-            <a:pPr algn="ctr"/>
-            <a:endParaRPr lang="en-US" sz="2400" dirty="0">
-              <a:solidFill>
-                <a:schemeClr val="accent5">
-                  <a:lumMod val="50000"/>
-                </a:schemeClr>
-              </a:solidFill>
-              <a:latin typeface="Franklin Gothic Book" panose="020B0503020102020204" pitchFamily="34" charset="0"/>
-            </a:endParaRPr>
-          </a:p>
-          <a:p>
-            <a:pPr algn="ctr"/>
-            <a:endParaRPr lang="en-US" sz="2400" dirty="0">
-              <a:solidFill>
-                <a:schemeClr val="accent5">
-                  <a:lumMod val="50000"/>
-                </a:schemeClr>
-              </a:solidFill>
-              <a:latin typeface="Franklin Gothic Book" panose="020B0503020102020204" pitchFamily="34" charset="0"/>
-            </a:endParaRPr>
-          </a:p>
-          <a:p>
-            <a:pPr algn="ctr"/>
-            <a:endParaRPr lang="en-US" sz="2400" dirty="0">
-              <a:solidFill>
-                <a:schemeClr val="accent5">
-                  <a:lumMod val="50000"/>
-                </a:schemeClr>
-              </a:solidFill>
-              <a:latin typeface="Franklin Gothic Book" panose="020B0503020102020204" pitchFamily="34" charset="0"/>
-            </a:endParaRPr>
-          </a:p>
-          <a:p>
-            <a:pPr algn="ctr"/>
-            <a:endParaRPr lang="en-US" sz="2400" dirty="0">
-              <a:solidFill>
-                <a:schemeClr val="accent5">
-                  <a:lumMod val="50000"/>
-                </a:schemeClr>
-              </a:solidFill>
-              <a:latin typeface="Franklin Gothic Book" panose="020B0503020102020204" pitchFamily="34" charset="0"/>
-            </a:endParaRPr>
-          </a:p>
-          <a:p>
-            <a:pPr algn="ctr"/>
-            <a:endParaRPr lang="en-US" sz="2400" dirty="0">
-              <a:solidFill>
-                <a:schemeClr val="accent5">
-                  <a:lumMod val="50000"/>
-                </a:schemeClr>
-              </a:solidFill>
-              <a:latin typeface="Franklin Gothic Book" panose="020B0503020102020204" pitchFamily="34" charset="0"/>
-            </a:endParaRPr>
-          </a:p>
-          <a:p>
-            <a:pPr algn="ctr"/>
-            <a:endParaRPr lang="en-US" sz="2400" dirty="0">
-              <a:solidFill>
-                <a:schemeClr val="accent5">
-                  <a:lumMod val="50000"/>
-                </a:schemeClr>
-              </a:solidFill>
-              <a:latin typeface="Franklin Gothic Book" panose="020B0503020102020204" pitchFamily="34" charset="0"/>
-            </a:endParaRPr>
-          </a:p>
-          <a:p>
-            <a:pPr algn="ctr"/>
-            <a:endParaRPr lang="en-US" sz="2400" dirty="0">
-              <a:solidFill>
-                <a:schemeClr val="accent5">
-                  <a:lumMod val="50000"/>
-                </a:schemeClr>
-              </a:solidFill>
-              <a:latin typeface="Franklin Gothic Book" panose="020B0503020102020204" pitchFamily="34" charset="0"/>
-            </a:endParaRPr>
-          </a:p>
-          <a:p>
-            <a:pPr algn="ctr"/>
-            <a:endParaRPr lang="en-US" sz="2400" dirty="0">
-              <a:solidFill>
-                <a:schemeClr val="accent5">
-                  <a:lumMod val="50000"/>
-                </a:schemeClr>
-              </a:solidFill>
-              <a:latin typeface="Franklin Gothic Book" panose="020B0503020102020204" pitchFamily="34" charset="0"/>
-            </a:endParaRPr>
-          </a:p>
-          <a:p>
-            <a:pPr algn="ctr"/>
-            <a:endParaRPr lang="en-US" sz="2400" dirty="0">
-              <a:solidFill>
-                <a:schemeClr val="accent5">
-                  <a:lumMod val="50000"/>
-                </a:schemeClr>
-              </a:solidFill>
-              <a:latin typeface="Franklin Gothic Book" panose="020B0503020102020204" pitchFamily="34" charset="0"/>
-            </a:endParaRPr>
-          </a:p>
-          <a:p>
-            <a:pPr algn="ctr"/>
-            <a:endParaRPr lang="en-US" sz="2400" dirty="0">
-              <a:solidFill>
-                <a:schemeClr val="accent5">
-                  <a:lumMod val="50000"/>
-                </a:schemeClr>
-              </a:solidFill>
-              <a:latin typeface="Franklin Gothic Book" panose="020B0503020102020204" pitchFamily="34" charset="0"/>
-            </a:endParaRPr>
-          </a:p>
-          <a:p>
-            <a:pPr algn="ctr"/>
-            <a:endParaRPr lang="en-US" sz="2400" dirty="0">
-              <a:solidFill>
-                <a:schemeClr val="accent5">
-                  <a:lumMod val="50000"/>
-                </a:schemeClr>
-              </a:solidFill>
-              <a:latin typeface="Franklin Gothic Book" panose="020B0503020102020204" pitchFamily="34" charset="0"/>
-            </a:endParaRPr>
-          </a:p>
-          <a:p>
-            <a:pPr algn="ctr"/>
-            <a:endParaRPr lang="en-US" sz="2400" dirty="0">
-              <a:solidFill>
-                <a:schemeClr val="accent5">
-                  <a:lumMod val="50000"/>
-                </a:schemeClr>
-              </a:solidFill>
-              <a:latin typeface="Franklin Gothic Book" panose="020B0503020102020204" pitchFamily="34" charset="0"/>
-            </a:endParaRPr>
-          </a:p>
-          <a:p>
-            <a:pPr algn="ctr"/>
-            <a:endParaRPr lang="en-US" sz="2400" dirty="0">
-              <a:solidFill>
-                <a:schemeClr val="accent5">
-                  <a:lumMod val="50000"/>
-                </a:schemeClr>
-              </a:solidFill>
-              <a:latin typeface="Franklin Gothic Book" panose="020B0503020102020204" pitchFamily="34" charset="0"/>
-            </a:endParaRPr>
-          </a:p>
-          <a:p>
-            <a:pPr algn="ctr"/>
-            <a:endParaRPr lang="en-US" sz="3200" dirty="0">
-              <a:solidFill>
-                <a:schemeClr val="accent5">
-                  <a:lumMod val="50000"/>
-                </a:schemeClr>
-              </a:solidFill>
-              <a:latin typeface="Franklin Gothic Book" panose="020B0503020102020204" pitchFamily="34" charset="0"/>
-            </a:endParaRPr>
-          </a:p>
-        </p:txBody>
-      </p:sp>
-      <p:pic>
-        <p:nvPicPr>
-          <p:cNvPr id="6" name="Graphic 5" descr="Work from home Wi-Fi with solid fill">
+            </a:lnRef>
+            <a:fillRef idx="1">
+              <a:schemeClr val="accent1"/>
+            </a:fillRef>
+            <a:effectRef idx="0">
+              <a:schemeClr val="accent1"/>
+            </a:effectRef>
+            <a:fontRef idx="minor">
+              <a:schemeClr val="lt1"/>
+            </a:fontRef>
+          </p:style>
+          <p:txBody>
+            <a:bodyPr rtlCol="0" anchor="ctr"/>
+            <a:lstStyle/>
+            <a:p>
+              <a:pPr algn="ctr"/>
+              <a:endParaRPr lang="en-US" sz="2800" dirty="0">
+                <a:solidFill>
+                  <a:srgbClr val="002060"/>
+                </a:solidFill>
+                <a:latin typeface="Franklin Gothic Book" panose="020B0503020102020204" pitchFamily="34" charset="0"/>
+              </a:endParaRPr>
+            </a:p>
+            <a:p>
+              <a:pPr algn="ctr"/>
+              <a:r>
+                <a:rPr lang="en-US" sz="2800" dirty="0">
+                  <a:solidFill>
+                    <a:srgbClr val="002060"/>
+                  </a:solidFill>
+                  <a:latin typeface="Franklin Gothic Book" panose="020B0503020102020204" pitchFamily="34" charset="0"/>
+                </a:rPr>
+                <a:t>Financial well-being</a:t>
+              </a:r>
+              <a:endParaRPr lang="en-US" sz="2800" dirty="0">
+                <a:solidFill>
+                  <a:schemeClr val="accent5">
+                    <a:lumMod val="50000"/>
+                  </a:schemeClr>
+                </a:solidFill>
+                <a:latin typeface="Franklin Gothic Book" panose="020B0503020102020204" pitchFamily="34" charset="0"/>
+              </a:endParaRPr>
+            </a:p>
+            <a:p>
+              <a:pPr algn="ctr"/>
+              <a:endParaRPr lang="en-US" sz="2400" dirty="0">
+                <a:solidFill>
+                  <a:schemeClr val="accent5">
+                    <a:lumMod val="50000"/>
+                  </a:schemeClr>
+                </a:solidFill>
+                <a:latin typeface="Franklin Gothic Book" panose="020B0503020102020204" pitchFamily="34" charset="0"/>
+              </a:endParaRPr>
+            </a:p>
+            <a:p>
+              <a:pPr algn="ctr"/>
+              <a:endParaRPr lang="en-US" sz="2400" dirty="0">
+                <a:solidFill>
+                  <a:schemeClr val="accent5">
+                    <a:lumMod val="50000"/>
+                  </a:schemeClr>
+                </a:solidFill>
+                <a:latin typeface="Franklin Gothic Book" panose="020B0503020102020204" pitchFamily="34" charset="0"/>
+              </a:endParaRPr>
+            </a:p>
+            <a:p>
+              <a:pPr algn="ctr"/>
+              <a:endParaRPr lang="en-US" sz="2400" dirty="0">
+                <a:solidFill>
+                  <a:schemeClr val="accent5">
+                    <a:lumMod val="50000"/>
+                  </a:schemeClr>
+                </a:solidFill>
+                <a:latin typeface="Franklin Gothic Book" panose="020B0503020102020204" pitchFamily="34" charset="0"/>
+              </a:endParaRPr>
+            </a:p>
+            <a:p>
+              <a:pPr algn="ctr"/>
+              <a:endParaRPr lang="en-US" sz="3200" dirty="0">
+                <a:solidFill>
+                  <a:schemeClr val="accent5">
+                    <a:lumMod val="50000"/>
+                  </a:schemeClr>
+                </a:solidFill>
+                <a:latin typeface="Franklin Gothic Book" panose="020B0503020102020204" pitchFamily="34" charset="0"/>
+              </a:endParaRPr>
+            </a:p>
+          </p:txBody>
+        </p:sp>
+        <p:pic>
+          <p:nvPicPr>
+            <p:cNvPr id="79" name="Graphic 78" descr="Office worker female with solid fill">
+              <a:extLst>
+                <a:ext uri="{FF2B5EF4-FFF2-40B4-BE49-F238E27FC236}">
+                  <a16:creationId xmlns:a16="http://schemas.microsoft.com/office/drawing/2014/main" id="{668D623E-2303-9C4C-AA16-C35A8CBF6B0A}"/>
+                </a:ext>
+              </a:extLst>
+            </p:cNvPr>
+            <p:cNvPicPr>
+              <a:picLocks noChangeAspect="1"/>
+            </p:cNvPicPr>
+            <p:nvPr/>
+          </p:nvPicPr>
+          <p:blipFill>
+            <a:blip r:embed="rId31">
+              <a:extLst>
+                <a:ext uri="{96DAC541-7B7A-43D3-8B79-37D633B846F1}">
+                  <asvg:svgBlip xmlns:asvg="http://schemas.microsoft.com/office/drawing/2016/SVG/main" r:embed="rId32"/>
+                </a:ext>
+              </a:extLst>
+            </a:blip>
+            <a:stretch>
+              <a:fillRect/>
+            </a:stretch>
+          </p:blipFill>
+          <p:spPr>
+            <a:xfrm>
+              <a:off x="12371945" y="19727295"/>
+              <a:ext cx="1371600" cy="1371600"/>
+            </a:xfrm>
+            <a:prstGeom prst="rect">
+              <a:avLst/>
+            </a:prstGeom>
+          </p:spPr>
+        </p:pic>
+      </p:grpSp>
+      <p:grpSp>
+        <p:nvGrpSpPr>
+          <p:cNvPr id="80" name="Group 79">
             <a:extLst>
               <a:ext uri="{FF2B5EF4-FFF2-40B4-BE49-F238E27FC236}">
-                <a16:creationId xmlns:a16="http://schemas.microsoft.com/office/drawing/2014/main" id="{0CB938F8-0C22-A383-B83E-56F35318EEC0}"/>
+                <a16:creationId xmlns:a16="http://schemas.microsoft.com/office/drawing/2014/main" id="{55BF6E4F-8696-C140-B3CA-FB8112A760FE}"/>
               </a:ext>
             </a:extLst>
           </p:cNvPr>
-          <p:cNvPicPr>
-            <a:picLocks noChangeAspect="1"/>
-          </p:cNvPicPr>
+          <p:cNvGrpSpPr/>
           <p:nvPr/>
-        </p:nvPicPr>
-        <p:blipFill>
-          <a:blip r:embed="rId2">
-            <a:extLst>
-              <a:ext uri="{96DAC541-7B7A-43D3-8B79-37D633B846F1}">
-                <asvg:svgBlip xmlns:asvg="http://schemas.microsoft.com/office/drawing/2016/SVG/main" r:embed="rId3"/>
-              </a:ext>
-            </a:extLst>
-          </a:blip>
-          <a:stretch>
-            <a:fillRect/>
-          </a:stretch>
-        </p:blipFill>
-        <p:spPr>
+        </p:nvGrpSpPr>
+        <p:grpSpPr>
           <a:xfrm>
-            <a:off x="5030227" y="12426578"/>
-            <a:ext cx="1372113" cy="1372113"/>
+            <a:off x="10815742" y="12128139"/>
+            <a:ext cx="2624589" cy="2624589"/>
+            <a:chOff x="14821535" y="17938366"/>
+            <a:chExt cx="3291840" cy="3291840"/>
           </a:xfrm>
-          <a:prstGeom prst="rect">
-            <a:avLst/>
-          </a:prstGeom>
-        </p:spPr>
-      </p:pic>
-      <p:pic>
-        <p:nvPicPr>
-          <p:cNvPr id="8" name="Graphic 7" descr="Grocery bag with solid fill">
-            <a:extLst>
-              <a:ext uri="{FF2B5EF4-FFF2-40B4-BE49-F238E27FC236}">
-                <a16:creationId xmlns:a16="http://schemas.microsoft.com/office/drawing/2014/main" id="{2098429C-53DB-8E77-6BF5-748009CCF285}"/>
-              </a:ext>
-            </a:extLst>
-          </p:cNvPr>
-          <p:cNvPicPr>
-            <a:picLocks noChangeAspect="1"/>
-          </p:cNvPicPr>
-          <p:nvPr/>
-        </p:nvPicPr>
-        <p:blipFill>
-          <a:blip r:embed="rId4">
-            <a:extLst>
-              <a:ext uri="{96DAC541-7B7A-43D3-8B79-37D633B846F1}">
-                <asvg:svgBlip xmlns:asvg="http://schemas.microsoft.com/office/drawing/2016/SVG/main" r:embed="rId5"/>
-              </a:ext>
-            </a:extLst>
-          </a:blip>
-          <a:stretch>
-            <a:fillRect/>
-          </a:stretch>
-        </p:blipFill>
-        <p:spPr>
-          <a:xfrm>
-            <a:off x="9045385" y="10817498"/>
-            <a:ext cx="1371600" cy="1371600"/>
-          </a:xfrm>
-          <a:prstGeom prst="rect">
-            <a:avLst/>
-          </a:prstGeom>
-        </p:spPr>
-      </p:pic>
-      <p:pic>
-        <p:nvPicPr>
-          <p:cNvPr id="10" name="Graphic 9" descr="Stethoscope with solid fill">
-            <a:extLst>
-              <a:ext uri="{FF2B5EF4-FFF2-40B4-BE49-F238E27FC236}">
-                <a16:creationId xmlns:a16="http://schemas.microsoft.com/office/drawing/2014/main" id="{53970A8E-16B8-F5B4-DA89-9FFE90BE0396}"/>
-              </a:ext>
-            </a:extLst>
-          </p:cNvPr>
-          <p:cNvPicPr>
-            <a:picLocks noChangeAspect="1"/>
-          </p:cNvPicPr>
-          <p:nvPr/>
-        </p:nvPicPr>
-        <p:blipFill>
-          <a:blip r:embed="rId6">
-            <a:extLst>
-              <a:ext uri="{96DAC541-7B7A-43D3-8B79-37D633B846F1}">
-                <asvg:svgBlip xmlns:asvg="http://schemas.microsoft.com/office/drawing/2016/SVG/main" r:embed="rId7"/>
-              </a:ext>
-            </a:extLst>
-          </a:blip>
-          <a:stretch>
-            <a:fillRect/>
-          </a:stretch>
-        </p:blipFill>
-        <p:spPr>
-          <a:xfrm>
-            <a:off x="5102257" y="16167813"/>
-            <a:ext cx="1371600" cy="1371600"/>
-          </a:xfrm>
-          <a:prstGeom prst="rect">
-            <a:avLst/>
-          </a:prstGeom>
-        </p:spPr>
-      </p:pic>
-      <p:pic>
-        <p:nvPicPr>
-          <p:cNvPr id="26" name="Graphic 25" descr="Download from cloud with solid fill">
-            <a:extLst>
-              <a:ext uri="{FF2B5EF4-FFF2-40B4-BE49-F238E27FC236}">
-                <a16:creationId xmlns:a16="http://schemas.microsoft.com/office/drawing/2014/main" id="{D65F08B7-FB5A-0163-CA25-2E824A2AF5FB}"/>
-              </a:ext>
-            </a:extLst>
-          </p:cNvPr>
-          <p:cNvPicPr>
-            <a:picLocks noChangeAspect="1"/>
-          </p:cNvPicPr>
-          <p:nvPr/>
-        </p:nvPicPr>
-        <p:blipFill>
-          <a:blip r:embed="rId8">
-            <a:extLst>
-              <a:ext uri="{96DAC541-7B7A-43D3-8B79-37D633B846F1}">
-                <asvg:svgBlip xmlns:asvg="http://schemas.microsoft.com/office/drawing/2016/SVG/main" r:embed="rId9"/>
-              </a:ext>
-            </a:extLst>
-          </a:blip>
-          <a:stretch>
-            <a:fillRect/>
-          </a:stretch>
-        </p:blipFill>
-        <p:spPr>
-          <a:xfrm>
-            <a:off x="19118523" y="20520583"/>
-            <a:ext cx="1371600" cy="1371600"/>
-          </a:xfrm>
-          <a:prstGeom prst="rect">
-            <a:avLst/>
-          </a:prstGeom>
-        </p:spPr>
-      </p:pic>
-      <p:pic>
-        <p:nvPicPr>
-          <p:cNvPr id="28" name="Graphic 27" descr="Universal access with solid fill">
-            <a:extLst>
-              <a:ext uri="{FF2B5EF4-FFF2-40B4-BE49-F238E27FC236}">
-                <a16:creationId xmlns:a16="http://schemas.microsoft.com/office/drawing/2014/main" id="{69503465-011F-218F-667A-F51769E1643D}"/>
-              </a:ext>
-            </a:extLst>
-          </p:cNvPr>
-          <p:cNvPicPr>
-            <a:picLocks noChangeAspect="1"/>
-          </p:cNvPicPr>
-          <p:nvPr/>
-        </p:nvPicPr>
-        <p:blipFill>
-          <a:blip r:embed="rId10">
-            <a:extLst>
-              <a:ext uri="{96DAC541-7B7A-43D3-8B79-37D633B846F1}">
-                <asvg:svgBlip xmlns:asvg="http://schemas.microsoft.com/office/drawing/2016/SVG/main" r:embed="rId11"/>
-              </a:ext>
-            </a:extLst>
-          </a:blip>
-          <a:stretch>
-            <a:fillRect/>
-          </a:stretch>
-        </p:blipFill>
-        <p:spPr>
-          <a:xfrm>
-            <a:off x="4008737" y="29908454"/>
-            <a:ext cx="1371600" cy="1371600"/>
-          </a:xfrm>
-          <a:prstGeom prst="rect">
-            <a:avLst/>
-          </a:prstGeom>
-        </p:spPr>
-      </p:pic>
-      <p:pic>
-        <p:nvPicPr>
-          <p:cNvPr id="30" name="Graphic 29" descr="Family with boy with solid fill">
-            <a:extLst>
-              <a:ext uri="{FF2B5EF4-FFF2-40B4-BE49-F238E27FC236}">
-                <a16:creationId xmlns:a16="http://schemas.microsoft.com/office/drawing/2014/main" id="{59011911-5620-7019-CEC9-FAA45084BE91}"/>
-              </a:ext>
-            </a:extLst>
-          </p:cNvPr>
-          <p:cNvPicPr>
-            <a:picLocks noChangeAspect="1"/>
-          </p:cNvPicPr>
-          <p:nvPr/>
-        </p:nvPicPr>
-        <p:blipFill>
-          <a:blip r:embed="rId12">
-            <a:extLst>
-              <a:ext uri="{96DAC541-7B7A-43D3-8B79-37D633B846F1}">
-                <asvg:svgBlip xmlns:asvg="http://schemas.microsoft.com/office/drawing/2016/SVG/main" r:embed="rId13"/>
-              </a:ext>
-            </a:extLst>
-          </a:blip>
-          <a:stretch>
-            <a:fillRect/>
-          </a:stretch>
-        </p:blipFill>
-        <p:spPr>
-          <a:xfrm>
-            <a:off x="12024275" y="28878883"/>
-            <a:ext cx="1371600" cy="1371600"/>
-          </a:xfrm>
-          <a:prstGeom prst="rect">
-            <a:avLst/>
-          </a:prstGeom>
-        </p:spPr>
-      </p:pic>
-      <p:pic>
-        <p:nvPicPr>
-          <p:cNvPr id="32" name="Graphic 31">
-            <a:extLst>
-              <a:ext uri="{FF2B5EF4-FFF2-40B4-BE49-F238E27FC236}">
-                <a16:creationId xmlns:a16="http://schemas.microsoft.com/office/drawing/2014/main" id="{25A19BC6-F71E-7BF1-599E-E3A02121D49E}"/>
-              </a:ext>
-            </a:extLst>
-          </p:cNvPr>
-          <p:cNvPicPr>
-            <a:picLocks noChangeAspect="1"/>
-          </p:cNvPicPr>
-          <p:nvPr/>
-        </p:nvPicPr>
-        <p:blipFill>
-          <a:blip r:embed="rId14">
-            <a:extLst>
-              <a:ext uri="{96DAC541-7B7A-43D3-8B79-37D633B846F1}">
-                <asvg:svgBlip xmlns:asvg="http://schemas.microsoft.com/office/drawing/2016/SVG/main" r:embed="rId15"/>
-              </a:ext>
-            </a:extLst>
-          </a:blip>
-          <a:stretch>
-            <a:fillRect/>
-          </a:stretch>
-        </p:blipFill>
-        <p:spPr>
-          <a:xfrm>
-            <a:off x="4142137" y="25109538"/>
-            <a:ext cx="1371600" cy="1371600"/>
-          </a:xfrm>
-          <a:prstGeom prst="rect">
-            <a:avLst/>
-          </a:prstGeom>
-        </p:spPr>
-      </p:pic>
-      <p:pic>
-        <p:nvPicPr>
-          <p:cNvPr id="34" name="Graphic 33" descr="Database with solid fill">
-            <a:extLst>
-              <a:ext uri="{FF2B5EF4-FFF2-40B4-BE49-F238E27FC236}">
-                <a16:creationId xmlns:a16="http://schemas.microsoft.com/office/drawing/2014/main" id="{6BC574A6-6783-DF6A-E9A6-1754599614E3}"/>
-              </a:ext>
-            </a:extLst>
-          </p:cNvPr>
-          <p:cNvPicPr>
-            <a:picLocks noChangeAspect="1"/>
-          </p:cNvPicPr>
-          <p:nvPr/>
-        </p:nvPicPr>
-        <p:blipFill>
-          <a:blip r:embed="rId16">
-            <a:extLst>
-              <a:ext uri="{96DAC541-7B7A-43D3-8B79-37D633B846F1}">
-                <asvg:svgBlip xmlns:asvg="http://schemas.microsoft.com/office/drawing/2016/SVG/main" r:embed="rId17"/>
-              </a:ext>
-            </a:extLst>
-          </a:blip>
-          <a:stretch>
-            <a:fillRect/>
-          </a:stretch>
-        </p:blipFill>
-        <p:spPr>
-          <a:xfrm>
-            <a:off x="18371983" y="20160363"/>
-            <a:ext cx="914400" cy="914400"/>
-          </a:xfrm>
-          <a:prstGeom prst="rect">
-            <a:avLst/>
-          </a:prstGeom>
-        </p:spPr>
-      </p:pic>
-      <p:pic>
-        <p:nvPicPr>
-          <p:cNvPr id="36" name="Graphic 35" descr="Scatterplot with solid fill">
-            <a:extLst>
-              <a:ext uri="{FF2B5EF4-FFF2-40B4-BE49-F238E27FC236}">
-                <a16:creationId xmlns:a16="http://schemas.microsoft.com/office/drawing/2014/main" id="{17C6C789-AC0D-E76E-38BE-3C0393E3F10F}"/>
-              </a:ext>
-            </a:extLst>
-          </p:cNvPr>
-          <p:cNvPicPr>
-            <a:picLocks noChangeAspect="1"/>
-          </p:cNvPicPr>
-          <p:nvPr/>
-        </p:nvPicPr>
-        <p:blipFill>
-          <a:blip r:embed="rId18">
-            <a:extLst>
-              <a:ext uri="{96DAC541-7B7A-43D3-8B79-37D633B846F1}">
-                <asvg:svgBlip xmlns:asvg="http://schemas.microsoft.com/office/drawing/2016/SVG/main" r:embed="rId19"/>
-              </a:ext>
-            </a:extLst>
-          </a:blip>
-          <a:stretch>
-            <a:fillRect/>
-          </a:stretch>
-        </p:blipFill>
-        <p:spPr>
-          <a:xfrm>
-            <a:off x="19286383" y="16657956"/>
-            <a:ext cx="914400" cy="914400"/>
-          </a:xfrm>
-          <a:prstGeom prst="rect">
-            <a:avLst/>
-          </a:prstGeom>
-        </p:spPr>
-      </p:pic>
-      <p:pic>
-        <p:nvPicPr>
-          <p:cNvPr id="38" name="Graphic 37" descr="Grocery bag with solid fill">
-            <a:extLst>
-              <a:ext uri="{FF2B5EF4-FFF2-40B4-BE49-F238E27FC236}">
-                <a16:creationId xmlns:a16="http://schemas.microsoft.com/office/drawing/2014/main" id="{0ED6D2C7-B2FC-ED46-6441-DC1CE5FF5EBE}"/>
-              </a:ext>
-            </a:extLst>
-          </p:cNvPr>
-          <p:cNvPicPr>
-            <a:picLocks noChangeAspect="1"/>
-          </p:cNvPicPr>
-          <p:nvPr/>
-        </p:nvPicPr>
-        <p:blipFill>
-          <a:blip r:embed="rId4">
-            <a:extLst>
-              <a:ext uri="{96DAC541-7B7A-43D3-8B79-37D633B846F1}">
-                <asvg:svgBlip xmlns:asvg="http://schemas.microsoft.com/office/drawing/2016/SVG/main" r:embed="rId5"/>
-              </a:ext>
-            </a:extLst>
-          </a:blip>
-          <a:stretch>
-            <a:fillRect/>
-          </a:stretch>
-        </p:blipFill>
-        <p:spPr>
-          <a:xfrm>
-            <a:off x="14846759" y="28833611"/>
-            <a:ext cx="914400" cy="914400"/>
-          </a:xfrm>
-          <a:prstGeom prst="rect">
-            <a:avLst/>
-          </a:prstGeom>
-        </p:spPr>
-      </p:pic>
-      <p:pic>
-        <p:nvPicPr>
-          <p:cNvPr id="42" name="Picture 41">
-            <a:extLst>
-              <a:ext uri="{FF2B5EF4-FFF2-40B4-BE49-F238E27FC236}">
-                <a16:creationId xmlns:a16="http://schemas.microsoft.com/office/drawing/2014/main" id="{DB647B51-9F14-6826-319A-362A9A43F7AB}"/>
-              </a:ext>
-            </a:extLst>
-          </p:cNvPr>
-          <p:cNvPicPr>
-            <a:picLocks noChangeAspect="1"/>
-          </p:cNvPicPr>
-          <p:nvPr/>
-        </p:nvPicPr>
-        <p:blipFill rotWithShape="1">
-          <a:blip r:embed="rId20">
-            <a:extLst>
-              <a:ext uri="{BEBA8EAE-BF5A-486C-A8C5-ECC9F3942E4B}">
-                <a14:imgProps xmlns:a14="http://schemas.microsoft.com/office/drawing/2010/main">
-                  <a14:imgLayer r:embed="rId21">
-                    <a14:imgEffect>
-                      <a14:backgroundRemoval t="8102" b="92593" l="25429" r="70429">
-                        <a14:foregroundMark x1="58714" y1="86111" x2="58714" y2="86111"/>
-                        <a14:foregroundMark x1="63143" y1="92593" x2="63143" y2="92593"/>
-                        <a14:foregroundMark x1="50000" y1="58102" x2="50000" y2="58102"/>
-                        <a14:foregroundMark x1="50143" y1="11806" x2="50143" y2="11806"/>
-                        <a14:foregroundMark x1="44143" y1="8102" x2="44143" y2="8102"/>
-                      </a14:backgroundRemoval>
-                    </a14:imgEffect>
-                  </a14:imgLayer>
-                </a14:imgProps>
-              </a:ext>
-            </a:extLst>
-          </a:blip>
-          <a:srcRect l="20047" t="5109" r="23362" b="5265"/>
-          <a:stretch/>
-        </p:blipFill>
-        <p:spPr>
-          <a:xfrm>
-            <a:off x="18072849" y="16508152"/>
-            <a:ext cx="1403315" cy="1371600"/>
-          </a:xfrm>
-          <a:prstGeom prst="rect">
-            <a:avLst/>
-          </a:prstGeom>
-        </p:spPr>
-      </p:pic>
-      <p:pic>
-        <p:nvPicPr>
-          <p:cNvPr id="43" name="Picture 42">
-            <a:extLst>
-              <a:ext uri="{FF2B5EF4-FFF2-40B4-BE49-F238E27FC236}">
-                <a16:creationId xmlns:a16="http://schemas.microsoft.com/office/drawing/2014/main" id="{BF074373-DC35-84BE-FCB7-2BBAE12A139A}"/>
-              </a:ext>
-            </a:extLst>
-          </p:cNvPr>
-          <p:cNvPicPr>
-            <a:picLocks noChangeAspect="1"/>
-          </p:cNvPicPr>
-          <p:nvPr/>
-        </p:nvPicPr>
-        <p:blipFill rotWithShape="1">
-          <a:blip r:embed="rId20">
-            <a:extLst>
-              <a:ext uri="{BEBA8EAE-BF5A-486C-A8C5-ECC9F3942E4B}">
-                <a14:imgProps xmlns:a14="http://schemas.microsoft.com/office/drawing/2010/main">
-                  <a14:imgLayer r:embed="rId22">
-                    <a14:imgEffect>
-                      <a14:backgroundRemoval t="8102" b="92593" l="25429" r="70429">
-                        <a14:foregroundMark x1="58714" y1="86111" x2="58714" y2="86111"/>
-                        <a14:foregroundMark x1="63143" y1="92593" x2="63143" y2="92593"/>
-                        <a14:foregroundMark x1="50000" y1="58102" x2="50000" y2="58102"/>
-                        <a14:foregroundMark x1="50143" y1="11806" x2="50143" y2="11806"/>
-                        <a14:foregroundMark x1="44143" y1="8102" x2="44143" y2="8102"/>
-                      </a14:backgroundRemoval>
-                    </a14:imgEffect>
-                  </a14:imgLayer>
-                </a14:imgProps>
-              </a:ext>
-            </a:extLst>
-          </a:blip>
-          <a:srcRect l="20047" t="5109" r="23362" b="5265"/>
-          <a:stretch/>
-        </p:blipFill>
-        <p:spPr>
-          <a:xfrm>
-            <a:off x="7625116" y="27817802"/>
-            <a:ext cx="914400" cy="893735"/>
-          </a:xfrm>
-          <a:prstGeom prst="rect">
-            <a:avLst/>
-          </a:prstGeom>
-        </p:spPr>
-      </p:pic>
+        </p:grpSpPr>
+        <p:sp>
+          <p:nvSpPr>
+            <p:cNvPr id="81" name="Oval 80">
+              <a:extLst>
+                <a:ext uri="{FF2B5EF4-FFF2-40B4-BE49-F238E27FC236}">
+                  <a16:creationId xmlns:a16="http://schemas.microsoft.com/office/drawing/2014/main" id="{A7BAC9BB-1C93-1442-BEC0-EDFDDB329D86}"/>
+                </a:ext>
+              </a:extLst>
+            </p:cNvPr>
+            <p:cNvSpPr/>
+            <p:nvPr/>
+          </p:nvSpPr>
+          <p:spPr>
+            <a:xfrm>
+              <a:off x="14821535" y="17938366"/>
+              <a:ext cx="3291840" cy="3291840"/>
+            </a:xfrm>
+            <a:prstGeom prst="ellipse">
+              <a:avLst/>
+            </a:prstGeom>
+            <a:solidFill>
+              <a:schemeClr val="bg1"/>
+            </a:solidFill>
+            <a:ln w="127000">
+              <a:solidFill>
+                <a:schemeClr val="accent2"/>
+              </a:solidFill>
+            </a:ln>
+          </p:spPr>
+          <p:style>
+            <a:lnRef idx="2">
+              <a:schemeClr val="accent1">
+                <a:shade val="50000"/>
+              </a:schemeClr>
+            </a:lnRef>
+            <a:fillRef idx="1">
+              <a:schemeClr val="accent1"/>
+            </a:fillRef>
+            <a:effectRef idx="0">
+              <a:schemeClr val="accent1"/>
+            </a:effectRef>
+            <a:fontRef idx="minor">
+              <a:schemeClr val="lt1"/>
+            </a:fontRef>
+          </p:style>
+          <p:txBody>
+            <a:bodyPr rtlCol="0" anchor="ctr"/>
+            <a:lstStyle/>
+            <a:p>
+              <a:pPr algn="ctr"/>
+              <a:r>
+                <a:rPr lang="en-US" sz="2400" dirty="0">
+                  <a:solidFill>
+                    <a:srgbClr val="002060"/>
+                  </a:solidFill>
+                  <a:latin typeface="Franklin Gothic Book" panose="020B0503020102020204" pitchFamily="34" charset="0"/>
+                </a:rPr>
+                <a:t>Environment</a:t>
+              </a:r>
+            </a:p>
+            <a:p>
+              <a:pPr algn="ctr"/>
+              <a:endParaRPr lang="en-US" sz="2400" dirty="0">
+                <a:solidFill>
+                  <a:schemeClr val="accent5">
+                    <a:lumMod val="50000"/>
+                  </a:schemeClr>
+                </a:solidFill>
+                <a:latin typeface="Franklin Gothic Book" panose="020B0503020102020204" pitchFamily="34" charset="0"/>
+              </a:endParaRPr>
+            </a:p>
+            <a:p>
+              <a:pPr algn="ctr"/>
+              <a:endParaRPr lang="en-US" sz="2400" dirty="0">
+                <a:solidFill>
+                  <a:schemeClr val="accent5">
+                    <a:lumMod val="50000"/>
+                  </a:schemeClr>
+                </a:solidFill>
+                <a:latin typeface="Franklin Gothic Book" panose="020B0503020102020204" pitchFamily="34" charset="0"/>
+              </a:endParaRPr>
+            </a:p>
+            <a:p>
+              <a:pPr algn="ctr"/>
+              <a:endParaRPr lang="en-US" sz="2400" dirty="0">
+                <a:solidFill>
+                  <a:schemeClr val="accent5">
+                    <a:lumMod val="50000"/>
+                  </a:schemeClr>
+                </a:solidFill>
+                <a:latin typeface="Franklin Gothic Book" panose="020B0503020102020204" pitchFamily="34" charset="0"/>
+              </a:endParaRPr>
+            </a:p>
+          </p:txBody>
+        </p:sp>
+        <p:pic>
+          <p:nvPicPr>
+            <p:cNvPr id="82" name="Graphic 81" descr="Rainforest with solid fill">
+              <a:extLst>
+                <a:ext uri="{FF2B5EF4-FFF2-40B4-BE49-F238E27FC236}">
+                  <a16:creationId xmlns:a16="http://schemas.microsoft.com/office/drawing/2014/main" id="{8A8AC9B1-56AB-1743-8EF8-18D9455CAFAD}"/>
+                </a:ext>
+              </a:extLst>
+            </p:cNvPr>
+            <p:cNvPicPr>
+              <a:picLocks noChangeAspect="1"/>
+            </p:cNvPicPr>
+            <p:nvPr/>
+          </p:nvPicPr>
+          <p:blipFill>
+            <a:blip r:embed="rId33">
+              <a:extLst>
+                <a:ext uri="{96DAC541-7B7A-43D3-8B79-37D633B846F1}">
+                  <asvg:svgBlip xmlns:asvg="http://schemas.microsoft.com/office/drawing/2016/SVG/main" r:embed="rId34"/>
+                </a:ext>
+              </a:extLst>
+            </a:blip>
+            <a:stretch>
+              <a:fillRect/>
+            </a:stretch>
+          </p:blipFill>
+          <p:spPr>
+            <a:xfrm>
+              <a:off x="15781655" y="19274093"/>
+              <a:ext cx="1371600" cy="1371600"/>
+            </a:xfrm>
+            <a:prstGeom prst="rect">
+              <a:avLst/>
+            </a:prstGeom>
+          </p:spPr>
+        </p:pic>
+      </p:grpSp>
     </p:spTree>
     <p:extLst>
       <p:ext uri="{BB962C8B-B14F-4D97-AF65-F5344CB8AC3E}">
@@ -10747,8 +11748,23 @@
                   </a:solidFill>
                   <a:latin typeface="Franklin Gothic Book" panose="020B0503020102020204" pitchFamily="34" charset="0"/>
                 </a:rPr>
-                <a:t>Environ-ment</a:t>
+                <a:t>Environ-</a:t>
               </a:r>
+              <a:r>
+                <a:rPr lang="en-US" sz="3600" dirty="0" err="1">
+                  <a:solidFill>
+                    <a:srgbClr val="002060"/>
+                  </a:solidFill>
+                  <a:latin typeface="Franklin Gothic Book" panose="020B0503020102020204" pitchFamily="34" charset="0"/>
+                </a:rPr>
+                <a:t>ment</a:t>
+              </a:r>
+              <a:endParaRPr lang="en-US" sz="3600" dirty="0">
+                <a:solidFill>
+                  <a:srgbClr val="002060"/>
+                </a:solidFill>
+                <a:latin typeface="Franklin Gothic Book" panose="020B0503020102020204" pitchFamily="34" charset="0"/>
+              </a:endParaRPr>
             </a:p>
             <a:p>
               <a:pPr algn="ctr"/>
@@ -11057,62 +12073,62 @@
             <a:lstStyle/>
             <a:p>
               <a:pPr algn="ctr"/>
-              <a:endParaRPr lang="en-US" sz="3200" dirty="0">
-                <a:solidFill>
-                  <a:schemeClr val="accent5">
-                    <a:lumMod val="50000"/>
-                  </a:schemeClr>
-                </a:solidFill>
-                <a:latin typeface="Franklin Gothic Book" panose="020B0503020102020204" pitchFamily="34" charset="0"/>
-              </a:endParaRPr>
-            </a:p>
-            <a:p>
-              <a:pPr algn="ctr"/>
-              <a:endParaRPr lang="en-US" sz="3200" dirty="0">
-                <a:solidFill>
-                  <a:schemeClr val="accent5">
-                    <a:lumMod val="50000"/>
-                  </a:schemeClr>
-                </a:solidFill>
-                <a:latin typeface="Franklin Gothic Book" panose="020B0503020102020204" pitchFamily="34" charset="0"/>
-              </a:endParaRPr>
-            </a:p>
-            <a:p>
-              <a:pPr algn="ctr"/>
-              <a:endParaRPr lang="en-US" sz="3200" dirty="0">
-                <a:solidFill>
-                  <a:schemeClr val="accent5">
-                    <a:lumMod val="50000"/>
-                  </a:schemeClr>
-                </a:solidFill>
-                <a:latin typeface="Franklin Gothic Book" panose="020B0503020102020204" pitchFamily="34" charset="0"/>
-              </a:endParaRPr>
-            </a:p>
-            <a:p>
-              <a:pPr algn="ctr"/>
-              <a:endParaRPr lang="en-US" sz="8800" dirty="0">
-                <a:solidFill>
-                  <a:schemeClr val="accent5">
-                    <a:lumMod val="50000"/>
-                  </a:schemeClr>
-                </a:solidFill>
-                <a:latin typeface="Franklin Gothic Book" panose="020B0503020102020204" pitchFamily="34" charset="0"/>
-              </a:endParaRPr>
-            </a:p>
-            <a:p>
-              <a:pPr algn="ctr"/>
-              <a:endParaRPr lang="en-US" sz="8800" dirty="0">
-                <a:solidFill>
-                  <a:schemeClr val="accent5">
-                    <a:lumMod val="50000"/>
-                  </a:schemeClr>
-                </a:solidFill>
-                <a:latin typeface="Franklin Gothic Book" panose="020B0503020102020204" pitchFamily="34" charset="0"/>
-              </a:endParaRPr>
-            </a:p>
-            <a:p>
-              <a:pPr algn="ctr"/>
-              <a:endParaRPr lang="en-US" sz="3600" dirty="0">
+              <a:endParaRPr lang="en-US" sz="3200">
+                <a:solidFill>
+                  <a:schemeClr val="accent5">
+                    <a:lumMod val="50000"/>
+                  </a:schemeClr>
+                </a:solidFill>
+                <a:latin typeface="Franklin Gothic Book" panose="020B0503020102020204" pitchFamily="34" charset="0"/>
+              </a:endParaRPr>
+            </a:p>
+            <a:p>
+              <a:pPr algn="ctr"/>
+              <a:endParaRPr lang="en-US" sz="3200">
+                <a:solidFill>
+                  <a:schemeClr val="accent5">
+                    <a:lumMod val="50000"/>
+                  </a:schemeClr>
+                </a:solidFill>
+                <a:latin typeface="Franklin Gothic Book" panose="020B0503020102020204" pitchFamily="34" charset="0"/>
+              </a:endParaRPr>
+            </a:p>
+            <a:p>
+              <a:pPr algn="ctr"/>
+              <a:endParaRPr lang="en-US" sz="3200">
+                <a:solidFill>
+                  <a:schemeClr val="accent5">
+                    <a:lumMod val="50000"/>
+                  </a:schemeClr>
+                </a:solidFill>
+                <a:latin typeface="Franklin Gothic Book" panose="020B0503020102020204" pitchFamily="34" charset="0"/>
+              </a:endParaRPr>
+            </a:p>
+            <a:p>
+              <a:pPr algn="ctr"/>
+              <a:endParaRPr lang="en-US" sz="8800">
+                <a:solidFill>
+                  <a:schemeClr val="accent5">
+                    <a:lumMod val="50000"/>
+                  </a:schemeClr>
+                </a:solidFill>
+                <a:latin typeface="Franklin Gothic Book" panose="020B0503020102020204" pitchFamily="34" charset="0"/>
+              </a:endParaRPr>
+            </a:p>
+            <a:p>
+              <a:pPr algn="ctr"/>
+              <a:endParaRPr lang="en-US" sz="8800">
+                <a:solidFill>
+                  <a:schemeClr val="accent5">
+                    <a:lumMod val="50000"/>
+                  </a:schemeClr>
+                </a:solidFill>
+                <a:latin typeface="Franklin Gothic Book" panose="020B0503020102020204" pitchFamily="34" charset="0"/>
+              </a:endParaRPr>
+            </a:p>
+            <a:p>
+              <a:pPr algn="ctr"/>
+              <a:endParaRPr lang="en-US" sz="3600">
                 <a:solidFill>
                   <a:schemeClr val="accent5">
                     <a:lumMod val="50000"/>
@@ -11124,7 +12140,7 @@
             <a:p>
               <a:pPr algn="ctr"/>
               <a:r>
-                <a:rPr lang="en-US" sz="3600" dirty="0">
+                <a:rPr lang="en-US" sz="3600">
                   <a:solidFill>
                     <a:srgbClr val="002060"/>
                   </a:solidFill>
@@ -11135,194 +12151,194 @@
             </a:p>
             <a:p>
               <a:pPr algn="ctr"/>
-              <a:endParaRPr lang="en-US" sz="2400" dirty="0">
-                <a:solidFill>
-                  <a:schemeClr val="accent5">
-                    <a:lumMod val="50000"/>
-                  </a:schemeClr>
-                </a:solidFill>
-                <a:latin typeface="Franklin Gothic Book" panose="020B0503020102020204" pitchFamily="34" charset="0"/>
-              </a:endParaRPr>
-            </a:p>
-            <a:p>
-              <a:pPr algn="ctr"/>
-              <a:endParaRPr lang="en-US" sz="2400" dirty="0">
-                <a:solidFill>
-                  <a:schemeClr val="accent5">
-                    <a:lumMod val="50000"/>
-                  </a:schemeClr>
-                </a:solidFill>
-                <a:latin typeface="Franklin Gothic Book" panose="020B0503020102020204" pitchFamily="34" charset="0"/>
-              </a:endParaRPr>
-            </a:p>
-            <a:p>
-              <a:pPr algn="ctr"/>
-              <a:endParaRPr lang="en-US" sz="2400" dirty="0">
-                <a:solidFill>
-                  <a:schemeClr val="accent5">
-                    <a:lumMod val="50000"/>
-                  </a:schemeClr>
-                </a:solidFill>
-                <a:latin typeface="Franklin Gothic Book" panose="020B0503020102020204" pitchFamily="34" charset="0"/>
-              </a:endParaRPr>
-            </a:p>
-            <a:p>
-              <a:pPr algn="ctr"/>
-              <a:endParaRPr lang="en-US" sz="2400" dirty="0">
-                <a:solidFill>
-                  <a:schemeClr val="accent5">
-                    <a:lumMod val="50000"/>
-                  </a:schemeClr>
-                </a:solidFill>
-                <a:latin typeface="Franklin Gothic Book" panose="020B0503020102020204" pitchFamily="34" charset="0"/>
-              </a:endParaRPr>
-            </a:p>
-            <a:p>
-              <a:pPr algn="ctr"/>
-              <a:endParaRPr lang="en-US" sz="2400" dirty="0">
-                <a:solidFill>
-                  <a:schemeClr val="accent5">
-                    <a:lumMod val="50000"/>
-                  </a:schemeClr>
-                </a:solidFill>
-                <a:latin typeface="Franklin Gothic Book" panose="020B0503020102020204" pitchFamily="34" charset="0"/>
-              </a:endParaRPr>
-            </a:p>
-            <a:p>
-              <a:pPr algn="ctr"/>
-              <a:endParaRPr lang="en-US" sz="2400" dirty="0">
-                <a:solidFill>
-                  <a:schemeClr val="accent5">
-                    <a:lumMod val="50000"/>
-                  </a:schemeClr>
-                </a:solidFill>
-                <a:latin typeface="Franklin Gothic Book" panose="020B0503020102020204" pitchFamily="34" charset="0"/>
-              </a:endParaRPr>
-            </a:p>
-            <a:p>
-              <a:pPr algn="ctr"/>
-              <a:endParaRPr lang="en-US" sz="2400" dirty="0">
-                <a:solidFill>
-                  <a:schemeClr val="accent5">
-                    <a:lumMod val="50000"/>
-                  </a:schemeClr>
-                </a:solidFill>
-                <a:latin typeface="Franklin Gothic Book" panose="020B0503020102020204" pitchFamily="34" charset="0"/>
-              </a:endParaRPr>
-            </a:p>
-            <a:p>
-              <a:pPr algn="ctr"/>
-              <a:endParaRPr lang="en-US" sz="2400" dirty="0">
-                <a:solidFill>
-                  <a:schemeClr val="accent5">
-                    <a:lumMod val="50000"/>
-                  </a:schemeClr>
-                </a:solidFill>
-                <a:latin typeface="Franklin Gothic Book" panose="020B0503020102020204" pitchFamily="34" charset="0"/>
-              </a:endParaRPr>
-            </a:p>
-            <a:p>
-              <a:pPr algn="ctr"/>
-              <a:endParaRPr lang="en-US" sz="2400" dirty="0">
-                <a:solidFill>
-                  <a:schemeClr val="accent5">
-                    <a:lumMod val="50000"/>
-                  </a:schemeClr>
-                </a:solidFill>
-                <a:latin typeface="Franklin Gothic Book" panose="020B0503020102020204" pitchFamily="34" charset="0"/>
-              </a:endParaRPr>
-            </a:p>
-            <a:p>
-              <a:pPr algn="ctr"/>
-              <a:endParaRPr lang="en-US" sz="2400" dirty="0">
-                <a:solidFill>
-                  <a:schemeClr val="accent5">
-                    <a:lumMod val="50000"/>
-                  </a:schemeClr>
-                </a:solidFill>
-                <a:latin typeface="Franklin Gothic Book" panose="020B0503020102020204" pitchFamily="34" charset="0"/>
-              </a:endParaRPr>
-            </a:p>
-            <a:p>
-              <a:pPr algn="ctr"/>
-              <a:endParaRPr lang="en-US" sz="2400" dirty="0">
-                <a:solidFill>
-                  <a:schemeClr val="accent5">
-                    <a:lumMod val="50000"/>
-                  </a:schemeClr>
-                </a:solidFill>
-                <a:latin typeface="Franklin Gothic Book" panose="020B0503020102020204" pitchFamily="34" charset="0"/>
-              </a:endParaRPr>
-            </a:p>
-            <a:p>
-              <a:pPr algn="ctr"/>
-              <a:endParaRPr lang="en-US" sz="2400" dirty="0">
-                <a:solidFill>
-                  <a:schemeClr val="accent5">
-                    <a:lumMod val="50000"/>
-                  </a:schemeClr>
-                </a:solidFill>
-                <a:latin typeface="Franklin Gothic Book" panose="020B0503020102020204" pitchFamily="34" charset="0"/>
-              </a:endParaRPr>
-            </a:p>
-            <a:p>
-              <a:pPr algn="ctr"/>
-              <a:endParaRPr lang="en-US" sz="2400" dirty="0">
-                <a:solidFill>
-                  <a:schemeClr val="accent5">
-                    <a:lumMod val="50000"/>
-                  </a:schemeClr>
-                </a:solidFill>
-                <a:latin typeface="Franklin Gothic Book" panose="020B0503020102020204" pitchFamily="34" charset="0"/>
-              </a:endParaRPr>
-            </a:p>
-            <a:p>
-              <a:pPr algn="ctr"/>
-              <a:endParaRPr lang="en-US" sz="2400" dirty="0">
-                <a:solidFill>
-                  <a:schemeClr val="accent5">
-                    <a:lumMod val="50000"/>
-                  </a:schemeClr>
-                </a:solidFill>
-                <a:latin typeface="Franklin Gothic Book" panose="020B0503020102020204" pitchFamily="34" charset="0"/>
-              </a:endParaRPr>
-            </a:p>
-            <a:p>
-              <a:pPr algn="ctr"/>
-              <a:endParaRPr lang="en-US" sz="2400" dirty="0">
-                <a:solidFill>
-                  <a:schemeClr val="accent5">
-                    <a:lumMod val="50000"/>
-                  </a:schemeClr>
-                </a:solidFill>
-                <a:latin typeface="Franklin Gothic Book" panose="020B0503020102020204" pitchFamily="34" charset="0"/>
-              </a:endParaRPr>
-            </a:p>
-            <a:p>
-              <a:pPr algn="ctr"/>
-              <a:endParaRPr lang="en-US" sz="2400" dirty="0">
-                <a:solidFill>
-                  <a:schemeClr val="accent5">
-                    <a:lumMod val="50000"/>
-                  </a:schemeClr>
-                </a:solidFill>
-                <a:latin typeface="Franklin Gothic Book" panose="020B0503020102020204" pitchFamily="34" charset="0"/>
-              </a:endParaRPr>
-            </a:p>
-            <a:p>
-              <a:pPr algn="ctr"/>
-              <a:endParaRPr lang="en-US" sz="2400" dirty="0">
-                <a:solidFill>
-                  <a:schemeClr val="accent5">
-                    <a:lumMod val="50000"/>
-                  </a:schemeClr>
-                </a:solidFill>
-                <a:latin typeface="Franklin Gothic Book" panose="020B0503020102020204" pitchFamily="34" charset="0"/>
-              </a:endParaRPr>
-            </a:p>
-            <a:p>
-              <a:pPr algn="ctr"/>
-              <a:endParaRPr lang="en-US" sz="3200" dirty="0">
+              <a:endParaRPr lang="en-US" sz="2400">
+                <a:solidFill>
+                  <a:schemeClr val="accent5">
+                    <a:lumMod val="50000"/>
+                  </a:schemeClr>
+                </a:solidFill>
+                <a:latin typeface="Franklin Gothic Book" panose="020B0503020102020204" pitchFamily="34" charset="0"/>
+              </a:endParaRPr>
+            </a:p>
+            <a:p>
+              <a:pPr algn="ctr"/>
+              <a:endParaRPr lang="en-US" sz="2400">
+                <a:solidFill>
+                  <a:schemeClr val="accent5">
+                    <a:lumMod val="50000"/>
+                  </a:schemeClr>
+                </a:solidFill>
+                <a:latin typeface="Franklin Gothic Book" panose="020B0503020102020204" pitchFamily="34" charset="0"/>
+              </a:endParaRPr>
+            </a:p>
+            <a:p>
+              <a:pPr algn="ctr"/>
+              <a:endParaRPr lang="en-US" sz="2400">
+                <a:solidFill>
+                  <a:schemeClr val="accent5">
+                    <a:lumMod val="50000"/>
+                  </a:schemeClr>
+                </a:solidFill>
+                <a:latin typeface="Franklin Gothic Book" panose="020B0503020102020204" pitchFamily="34" charset="0"/>
+              </a:endParaRPr>
+            </a:p>
+            <a:p>
+              <a:pPr algn="ctr"/>
+              <a:endParaRPr lang="en-US" sz="2400">
+                <a:solidFill>
+                  <a:schemeClr val="accent5">
+                    <a:lumMod val="50000"/>
+                  </a:schemeClr>
+                </a:solidFill>
+                <a:latin typeface="Franklin Gothic Book" panose="020B0503020102020204" pitchFamily="34" charset="0"/>
+              </a:endParaRPr>
+            </a:p>
+            <a:p>
+              <a:pPr algn="ctr"/>
+              <a:endParaRPr lang="en-US" sz="2400">
+                <a:solidFill>
+                  <a:schemeClr val="accent5">
+                    <a:lumMod val="50000"/>
+                  </a:schemeClr>
+                </a:solidFill>
+                <a:latin typeface="Franklin Gothic Book" panose="020B0503020102020204" pitchFamily="34" charset="0"/>
+              </a:endParaRPr>
+            </a:p>
+            <a:p>
+              <a:pPr algn="ctr"/>
+              <a:endParaRPr lang="en-US" sz="2400">
+                <a:solidFill>
+                  <a:schemeClr val="accent5">
+                    <a:lumMod val="50000"/>
+                  </a:schemeClr>
+                </a:solidFill>
+                <a:latin typeface="Franklin Gothic Book" panose="020B0503020102020204" pitchFamily="34" charset="0"/>
+              </a:endParaRPr>
+            </a:p>
+            <a:p>
+              <a:pPr algn="ctr"/>
+              <a:endParaRPr lang="en-US" sz="2400">
+                <a:solidFill>
+                  <a:schemeClr val="accent5">
+                    <a:lumMod val="50000"/>
+                  </a:schemeClr>
+                </a:solidFill>
+                <a:latin typeface="Franklin Gothic Book" panose="020B0503020102020204" pitchFamily="34" charset="0"/>
+              </a:endParaRPr>
+            </a:p>
+            <a:p>
+              <a:pPr algn="ctr"/>
+              <a:endParaRPr lang="en-US" sz="2400">
+                <a:solidFill>
+                  <a:schemeClr val="accent5">
+                    <a:lumMod val="50000"/>
+                  </a:schemeClr>
+                </a:solidFill>
+                <a:latin typeface="Franklin Gothic Book" panose="020B0503020102020204" pitchFamily="34" charset="0"/>
+              </a:endParaRPr>
+            </a:p>
+            <a:p>
+              <a:pPr algn="ctr"/>
+              <a:endParaRPr lang="en-US" sz="2400">
+                <a:solidFill>
+                  <a:schemeClr val="accent5">
+                    <a:lumMod val="50000"/>
+                  </a:schemeClr>
+                </a:solidFill>
+                <a:latin typeface="Franklin Gothic Book" panose="020B0503020102020204" pitchFamily="34" charset="0"/>
+              </a:endParaRPr>
+            </a:p>
+            <a:p>
+              <a:pPr algn="ctr"/>
+              <a:endParaRPr lang="en-US" sz="2400">
+                <a:solidFill>
+                  <a:schemeClr val="accent5">
+                    <a:lumMod val="50000"/>
+                  </a:schemeClr>
+                </a:solidFill>
+                <a:latin typeface="Franklin Gothic Book" panose="020B0503020102020204" pitchFamily="34" charset="0"/>
+              </a:endParaRPr>
+            </a:p>
+            <a:p>
+              <a:pPr algn="ctr"/>
+              <a:endParaRPr lang="en-US" sz="2400">
+                <a:solidFill>
+                  <a:schemeClr val="accent5">
+                    <a:lumMod val="50000"/>
+                  </a:schemeClr>
+                </a:solidFill>
+                <a:latin typeface="Franklin Gothic Book" panose="020B0503020102020204" pitchFamily="34" charset="0"/>
+              </a:endParaRPr>
+            </a:p>
+            <a:p>
+              <a:pPr algn="ctr"/>
+              <a:endParaRPr lang="en-US" sz="2400">
+                <a:solidFill>
+                  <a:schemeClr val="accent5">
+                    <a:lumMod val="50000"/>
+                  </a:schemeClr>
+                </a:solidFill>
+                <a:latin typeface="Franklin Gothic Book" panose="020B0503020102020204" pitchFamily="34" charset="0"/>
+              </a:endParaRPr>
+            </a:p>
+            <a:p>
+              <a:pPr algn="ctr"/>
+              <a:endParaRPr lang="en-US" sz="2400">
+                <a:solidFill>
+                  <a:schemeClr val="accent5">
+                    <a:lumMod val="50000"/>
+                  </a:schemeClr>
+                </a:solidFill>
+                <a:latin typeface="Franklin Gothic Book" panose="020B0503020102020204" pitchFamily="34" charset="0"/>
+              </a:endParaRPr>
+            </a:p>
+            <a:p>
+              <a:pPr algn="ctr"/>
+              <a:endParaRPr lang="en-US" sz="2400">
+                <a:solidFill>
+                  <a:schemeClr val="accent5">
+                    <a:lumMod val="50000"/>
+                  </a:schemeClr>
+                </a:solidFill>
+                <a:latin typeface="Franklin Gothic Book" panose="020B0503020102020204" pitchFamily="34" charset="0"/>
+              </a:endParaRPr>
+            </a:p>
+            <a:p>
+              <a:pPr algn="ctr"/>
+              <a:endParaRPr lang="en-US" sz="2400">
+                <a:solidFill>
+                  <a:schemeClr val="accent5">
+                    <a:lumMod val="50000"/>
+                  </a:schemeClr>
+                </a:solidFill>
+                <a:latin typeface="Franklin Gothic Book" panose="020B0503020102020204" pitchFamily="34" charset="0"/>
+              </a:endParaRPr>
+            </a:p>
+            <a:p>
+              <a:pPr algn="ctr"/>
+              <a:endParaRPr lang="en-US" sz="2400">
+                <a:solidFill>
+                  <a:schemeClr val="accent5">
+                    <a:lumMod val="50000"/>
+                  </a:schemeClr>
+                </a:solidFill>
+                <a:latin typeface="Franklin Gothic Book" panose="020B0503020102020204" pitchFamily="34" charset="0"/>
+              </a:endParaRPr>
+            </a:p>
+            <a:p>
+              <a:pPr algn="ctr"/>
+              <a:endParaRPr lang="en-US" sz="2400">
+                <a:solidFill>
+                  <a:schemeClr val="accent5">
+                    <a:lumMod val="50000"/>
+                  </a:schemeClr>
+                </a:solidFill>
+                <a:latin typeface="Franklin Gothic Book" panose="020B0503020102020204" pitchFamily="34" charset="0"/>
+              </a:endParaRPr>
+            </a:p>
+            <a:p>
+              <a:pPr algn="ctr"/>
+              <a:endParaRPr lang="en-US" sz="3200">
                 <a:solidFill>
                   <a:schemeClr val="accent5">
                     <a:lumMod val="50000"/>
@@ -12000,6 +13016,15 @@
 </file>
 
 <file path=customXml/item1.xml><?xml version="1.0" encoding="utf-8"?>
+<?mso-contentType ?>
+<FormTemplates xmlns="http://schemas.microsoft.com/sharepoint/v3/contenttype/forms">
+  <Display>DocumentLibraryForm</Display>
+  <Edit>DocumentLibraryForm</Edit>
+  <New>DocumentLibraryForm</New>
+</FormTemplates>
+</file>
+
+<file path=customXml/item2.xml><?xml version="1.0" encoding="utf-8"?>
 <ct:contentTypeSchema xmlns:ct="http://schemas.microsoft.com/office/2006/metadata/contentType" xmlns:ma="http://schemas.microsoft.com/office/2006/metadata/properties/metaAttributes" ct:_="" ma:_="" ma:contentTypeName="Document" ma:contentTypeID="0x010100D45AE3D1135F4E41AB498540A40487BD" ma:contentTypeVersion="16" ma:contentTypeDescription="Create a new document." ma:contentTypeScope="" ma:versionID="e12403c31acac8bd87567a5eb6d8d393">
   <xsd:schema xmlns:xsd="http://www.w3.org/2001/XMLSchema" xmlns:xs="http://www.w3.org/2001/XMLSchema" xmlns:p="http://schemas.microsoft.com/office/2006/metadata/properties" xmlns:ns2="7a2657dd-b8a5-4c99-8d51-b0b9d254c989" xmlns:ns3="5ba80a41-9917-4a22-8f13-cb051ddce64c" targetNamespace="http://schemas.microsoft.com/office/2006/metadata/properties" ma:root="true" ma:fieldsID="7704fff892d3eff62f8741d377d9f709" ns2:_="" ns3:_="">
     <xsd:import namespace="7a2657dd-b8a5-4c99-8d51-b0b9d254c989"/>
@@ -12242,15 +13267,6 @@
 </ct:contentTypeSchema>
 </file>
 
-<file path=customXml/item2.xml><?xml version="1.0" encoding="utf-8"?>
-<?mso-contentType ?>
-<FormTemplates xmlns="http://schemas.microsoft.com/sharepoint/v3/contenttype/forms">
-  <Display>DocumentLibraryForm</Display>
-  <Edit>DocumentLibraryForm</Edit>
-  <New>DocumentLibraryForm</New>
-</FormTemplates>
-</file>
-
 <file path=customXml/item3.xml><?xml version="1.0" encoding="utf-8"?>
 <p:properties xmlns:p="http://schemas.microsoft.com/office/2006/metadata/properties" xmlns:xsi="http://www.w3.org/2001/XMLSchema-instance" xmlns:pc="http://schemas.microsoft.com/office/infopath/2007/PartnerControls">
   <documentManagement>
@@ -12263,6 +13279,14 @@
 </file>
 
 <file path=customXml/itemProps1.xml><?xml version="1.0" encoding="utf-8"?>
+<ds:datastoreItem xmlns:ds="http://schemas.openxmlformats.org/officeDocument/2006/customXml" ds:itemID="{A29B4A70-9DE0-4DBC-8CE9-CBC82365D150}">
+  <ds:schemaRefs>
+    <ds:schemaRef ds:uri="http://schemas.microsoft.com/sharepoint/v3/contenttype/forms"/>
+  </ds:schemaRefs>
+</ds:datastoreItem>
+</file>
+
+<file path=customXml/itemProps2.xml><?xml version="1.0" encoding="utf-8"?>
 <ds:datastoreItem xmlns:ds="http://schemas.openxmlformats.org/officeDocument/2006/customXml" ds:itemID="{8ADE72D2-0A30-459B-B02E-DDA5AD954AC3}">
   <ds:schemaRefs>
     <ds:schemaRef ds:uri="http://schemas.microsoft.com/office/2006/metadata/contentType"/>
@@ -12281,14 +13305,6 @@
 </ds:datastoreItem>
 </file>
 
-<file path=customXml/itemProps2.xml><?xml version="1.0" encoding="utf-8"?>
-<ds:datastoreItem xmlns:ds="http://schemas.openxmlformats.org/officeDocument/2006/customXml" ds:itemID="{A29B4A70-9DE0-4DBC-8CE9-CBC82365D150}">
-  <ds:schemaRefs>
-    <ds:schemaRef ds:uri="http://schemas.microsoft.com/sharepoint/v3/contenttype/forms"/>
-  </ds:schemaRefs>
-</ds:datastoreItem>
-</file>
-
 <file path=customXml/itemProps3.xml><?xml version="1.0" encoding="utf-8"?>
 <ds:datastoreItem xmlns:ds="http://schemas.openxmlformats.org/officeDocument/2006/customXml" ds:itemID="{C8BA6BA6-458C-4BB4-82B8-964504B32D69}">
   <ds:schemaRefs>
